--- a/Documents/presentation BMA.pptx
+++ b/Documents/presentation BMA.pptx
@@ -5,26 +5,28 @@
     <p:sldMasterId id="2147483648" r:id="rId2"/>
   </p:sldMasterIdLst>
   <p:notesMasterIdLst>
-    <p:notesMasterId r:id="rId17"/>
+    <p:notesMasterId r:id="rId19"/>
   </p:notesMasterIdLst>
   <p:handoutMasterIdLst>
-    <p:handoutMasterId r:id="rId18"/>
+    <p:handoutMasterId r:id="rId20"/>
   </p:handoutMasterIdLst>
   <p:sldIdLst>
     <p:sldId id="256" r:id="rId3"/>
     <p:sldId id="258" r:id="rId4"/>
     <p:sldId id="257" r:id="rId5"/>
-    <p:sldId id="269" r:id="rId6"/>
-    <p:sldId id="270" r:id="rId7"/>
-    <p:sldId id="261" r:id="rId8"/>
-    <p:sldId id="262" r:id="rId9"/>
-    <p:sldId id="263" r:id="rId10"/>
-    <p:sldId id="268" r:id="rId11"/>
-    <p:sldId id="264" r:id="rId12"/>
-    <p:sldId id="267" r:id="rId13"/>
-    <p:sldId id="266" r:id="rId14"/>
-    <p:sldId id="271" r:id="rId15"/>
-    <p:sldId id="259" r:id="rId16"/>
+    <p:sldId id="272" r:id="rId6"/>
+    <p:sldId id="269" r:id="rId7"/>
+    <p:sldId id="273" r:id="rId8"/>
+    <p:sldId id="270" r:id="rId9"/>
+    <p:sldId id="261" r:id="rId10"/>
+    <p:sldId id="262" r:id="rId11"/>
+    <p:sldId id="263" r:id="rId12"/>
+    <p:sldId id="268" r:id="rId13"/>
+    <p:sldId id="264" r:id="rId14"/>
+    <p:sldId id="267" r:id="rId15"/>
+    <p:sldId id="266" r:id="rId16"/>
+    <p:sldId id="271" r:id="rId17"/>
+    <p:sldId id="259" r:id="rId18"/>
   </p:sldIdLst>
   <p:sldSz cx="9144000" cy="6858000" type="screen4x3"/>
   <p:notesSz cx="6858000" cy="9144000"/>
@@ -158,26 +160,12 @@
 
 <file path=ppt/commentAuthors.xml><?xml version="1.0" encoding="utf-8"?>
 <p:cmAuthorLst xmlns:a="http://schemas.openxmlformats.org/drawingml/2006/main" xmlns:r="http://schemas.openxmlformats.org/officeDocument/2006/relationships" xmlns:p="http://schemas.openxmlformats.org/presentationml/2006/main">
-  <p:cmAuthor id="0" name="Johann Bourcier" initials="JB" lastIdx="9" clrIdx="0"/>
+  <p:cmAuthor id="0" name="Johann Bourcier" initials="JB" lastIdx="10" clrIdx="0"/>
 </p:cmAuthorLst>
 </file>
 
 <file path=ppt/comments/comment1.xml><?xml version="1.0" encoding="utf-8"?>
 <p:cmLst xmlns:a="http://schemas.openxmlformats.org/drawingml/2006/main" xmlns:r="http://schemas.openxmlformats.org/officeDocument/2006/relationships" xmlns:p="http://schemas.openxmlformats.org/presentationml/2006/main">
-  <p:cm authorId="0" dt="2013-02-20T13:48:33.426" idx="2">
-    <p:pos x="5194" y="2142"/>
-    <p:text>Aider les personnes à développer leur mobilité en combinant les différents types de transports en commun de la ville de Rennes
-</p:text>
-  </p:cm>
-</p:cmLst>
-</file>
-
-<file path=ppt/comments/comment2.xml><?xml version="1.0" encoding="utf-8"?>
-<p:cmLst xmlns:a="http://schemas.openxmlformats.org/drawingml/2006/main" xmlns:r="http://schemas.openxmlformats.org/officeDocument/2006/relationships" xmlns:p="http://schemas.openxmlformats.org/presentationml/2006/main">
-  <p:cm authorId="0" dt="2013-02-20T13:49:07.829" idx="3">
-    <p:pos x="4727" y="871"/>
-    <p:text>Ne veut rien dire</p:text>
-  </p:cm>
   <p:cm authorId="0" dt="2013-02-20T13:49:26.767" idx="4">
     <p:pos x="5008" y="1328"/>
     <p:text>Illisible en centré à revoir</p:text>
@@ -185,7 +173,7 @@
 </p:cmLst>
 </file>
 
-<file path=ppt/comments/comment3.xml><?xml version="1.0" encoding="utf-8"?>
+<file path=ppt/comments/comment2.xml><?xml version="1.0" encoding="utf-8"?>
 <p:cmLst xmlns:a="http://schemas.openxmlformats.org/drawingml/2006/main" xmlns:r="http://schemas.openxmlformats.org/officeDocument/2006/relationships" xmlns:p="http://schemas.openxmlformats.org/presentationml/2006/main">
   <p:cm authorId="0" dt="2013-02-20T13:52:03.773" idx="7">
     <p:pos x="5279" y="1038"/>
@@ -194,14 +182,8 @@
 </p:cmLst>
 </file>
 
-<file path=ppt/comments/comment4.xml><?xml version="1.0" encoding="utf-8"?>
+<file path=ppt/comments/comment3.xml><?xml version="1.0" encoding="utf-8"?>
 <p:cmLst xmlns:a="http://schemas.openxmlformats.org/drawingml/2006/main" xmlns:r="http://schemas.openxmlformats.org/officeDocument/2006/relationships" xmlns:p="http://schemas.openxmlformats.org/presentationml/2006/main">
-  <p:cm authorId="0" dt="2013-02-20T13:50:12.633" idx="5">
-    <p:pos x="3784" y="1009"/>
-    <p:text>Ou est l'architecture?
-Pourquoi de base?
-Majuscule !!!</p:text>
-  </p:cm>
   <p:cm authorId="0" dt="2013-02-20T13:50:30.721" idx="6">
     <p:pos x="4575" y="3413"/>
     <p:text>Ca fait référence à quoi?</p:text>
@@ -209,7 +191,7 @@
 </p:cmLst>
 </file>
 
-<file path=ppt/comments/comment5.xml><?xml version="1.0" encoding="utf-8"?>
+<file path=ppt/comments/comment4.xml><?xml version="1.0" encoding="utf-8"?>
 <p:cmLst xmlns:a="http://schemas.openxmlformats.org/drawingml/2006/main" xmlns:r="http://schemas.openxmlformats.org/officeDocument/2006/relationships" xmlns:p="http://schemas.openxmlformats.org/presentationml/2006/main">
   <p:cm authorId="0" dt="2013-02-20T13:55:29.062" idx="8">
     <p:pos x="3518" y="267"/>
@@ -223,7 +205,7 @@
 </p:cmLst>
 </file>
 
-<file path=ppt/comments/comment6.xml><?xml version="1.0" encoding="utf-8"?>
+<file path=ppt/comments/comment5.xml><?xml version="1.0" encoding="utf-8"?>
 <p:cmLst xmlns:a="http://schemas.openxmlformats.org/drawingml/2006/main" xmlns:r="http://schemas.openxmlformats.org/officeDocument/2006/relationships" xmlns:p="http://schemas.openxmlformats.org/presentationml/2006/main">
   <p:cm authorId="0" dt="2013-02-20T13:54:48.365" idx="9">
     <p:pos x="3889" y="981"/>
@@ -326,7 +308,7 @@
             <a:fld id="{21FA6B07-F5D7-4F47-8CBC-2C38D0C91597}" type="datetimeFigureOut">
               <a:rPr lang="fr-FR"/>
               <a:pPr/>
-              <a:t>20/02/2013</a:t>
+              <a:t>20/02/13</a:t>
             </a:fld>
             <a:endParaRPr lang="fr-FR"/>
           </a:p>
@@ -404,13 +386,18 @@
             <a:fld id="{3831AC95-A1C6-4078-8053-00B490EB61CC}" type="slidenum">
               <a:rPr lang="fr-FR"/>
               <a:pPr/>
-              <a:t>‹N°›</a:t>
+              <a:t>‹#›</a:t>
             </a:fld>
             <a:endParaRPr lang="fr-FR"/>
           </a:p>
         </p:txBody>
       </p:sp>
     </p:spTree>
+    <p:extLst>
+      <p:ext uri="{BB962C8B-B14F-4D97-AF65-F5344CB8AC3E}">
+        <p14:creationId xmlns:p14="http://schemas.microsoft.com/office/powerpoint/2010/main" val="2932536970"/>
+      </p:ext>
+    </p:extLst>
   </p:cSld>
   <p:clrMap bg1="lt1" tx1="dk1" bg2="lt2" tx2="dk2" accent1="accent1" accent2="accent2" accent3="accent3" accent4="accent4" accent5="accent5" accent6="accent6" hlink="hlink" folHlink="folHlink"/>
   <p:hf hdr="0" ftr="0" dt="0"/>
@@ -511,7 +498,7 @@
             <a:fld id="{47710580-8436-44D1-B795-1890318B8FB8}" type="datetimeFigureOut">
               <a:rPr lang="fr-FR"/>
               <a:pPr/>
-              <a:t>20/02/2013</a:t>
+              <a:t>20/02/13</a:t>
             </a:fld>
             <a:endParaRPr lang="fr-FR"/>
           </a:p>
@@ -686,13 +673,18 @@
             <a:fld id="{23551DA8-5E3A-43F5-A05C-61C5820F6363}" type="slidenum">
               <a:rPr lang="fr-FR"/>
               <a:pPr/>
-              <a:t>‹N°›</a:t>
+              <a:t>‹#›</a:t>
             </a:fld>
             <a:endParaRPr lang="fr-FR"/>
           </a:p>
         </p:txBody>
       </p:sp>
     </p:spTree>
+    <p:extLst>
+      <p:ext uri="{BB962C8B-B14F-4D97-AF65-F5344CB8AC3E}">
+        <p14:creationId xmlns:p14="http://schemas.microsoft.com/office/powerpoint/2010/main" val="901697030"/>
+      </p:ext>
+    </p:extLst>
   </p:cSld>
   <p:clrMap bg1="lt1" tx1="dk1" bg2="lt2" tx2="dk2" accent1="accent1" accent2="accent2" accent3="accent3" accent4="accent4" accent5="accent5" accent6="accent6" hlink="hlink" folHlink="folHlink"/>
   <p:hf hdr="0" ftr="0" dt="0"/>
@@ -1268,7 +1260,7 @@
             <a:fld id="{E6214905-2BD4-48EC-A8DF-881812B63776}" type="slidenum">
               <a:rPr lang="fr-FR"/>
               <a:pPr/>
-              <a:t>6</a:t>
+              <a:t>8</a:t>
             </a:fld>
             <a:endParaRPr lang="fr-FR"/>
           </a:p>
@@ -1377,7 +1369,7 @@
             <a:fld id="{DFD8C768-15AA-4D59-AEA1-23B84E6B3ABE}" type="slidenum">
               <a:rPr lang="fr-FR"/>
               <a:pPr/>
-              <a:t>8</a:t>
+              <a:t>10</a:t>
             </a:fld>
             <a:endParaRPr lang="fr-FR"/>
           </a:p>
@@ -1482,7 +1474,7 @@
             <a:fld id="{952EE464-FF31-42C7-BDEC-4E054C5F69FE}" type="slidenum">
               <a:rPr lang="fr-FR"/>
               <a:pPr/>
-              <a:t>12</a:t>
+              <a:t>14</a:t>
             </a:fld>
             <a:endParaRPr lang="fr-FR"/>
           </a:p>
@@ -1682,7 +1674,7 @@
             <a:fld id="{3BC35736-5950-4717-A006-0908E3FA74A0}" type="datetime1">
               <a:rPr lang="fr-FR"/>
               <a:pPr/>
-              <a:t>20/02/2013</a:t>
+              <a:t>20/02/13</a:t>
             </a:fld>
             <a:endParaRPr lang="fr-CA"/>
           </a:p>
@@ -1736,7 +1728,7 @@
             <a:fld id="{9686D4F5-4E00-4681-B5CC-0D51B07882F6}" type="slidenum">
               <a:rPr lang="fr-CA"/>
               <a:pPr/>
-              <a:t>‹N°›</a:t>
+              <a:t>‹#›</a:t>
             </a:fld>
             <a:endParaRPr lang="fr-CA"/>
           </a:p>
@@ -1864,7 +1856,7 @@
             <a:fld id="{31040540-4429-4887-B6F8-460B2C9CFAB7}" type="datetime1">
               <a:rPr lang="fr-FR"/>
               <a:pPr/>
-              <a:t>20/02/2013</a:t>
+              <a:t>20/02/13</a:t>
             </a:fld>
             <a:endParaRPr lang="fr-CA"/>
           </a:p>
@@ -1918,7 +1910,7 @@
             <a:fld id="{6960E7FB-B181-4E12-89D2-243221C210EE}" type="slidenum">
               <a:rPr lang="fr-CA"/>
               <a:pPr/>
-              <a:t>‹N°›</a:t>
+              <a:t>‹#›</a:t>
             </a:fld>
             <a:endParaRPr lang="fr-CA"/>
           </a:p>
@@ -2056,7 +2048,7 @@
             <a:fld id="{21B1A0B8-6C00-4E1A-85AD-5144E6FF0AC8}" type="datetime1">
               <a:rPr lang="fr-FR"/>
               <a:pPr/>
-              <a:t>20/02/2013</a:t>
+              <a:t>20/02/13</a:t>
             </a:fld>
             <a:endParaRPr lang="fr-CA"/>
           </a:p>
@@ -2110,7 +2102,7 @@
             <a:fld id="{F8E7C895-F34B-402E-A6DA-76FAFF3E962C}" type="slidenum">
               <a:rPr lang="fr-CA"/>
               <a:pPr/>
-              <a:t>‹N°›</a:t>
+              <a:t>‹#›</a:t>
             </a:fld>
             <a:endParaRPr lang="fr-CA"/>
           </a:p>
@@ -2238,7 +2230,7 @@
             <a:fld id="{2E2C656E-D3CE-4012-A08B-452DCF18DD40}" type="datetime1">
               <a:rPr lang="fr-FR"/>
               <a:pPr/>
-              <a:t>20/02/2013</a:t>
+              <a:t>20/02/13</a:t>
             </a:fld>
             <a:endParaRPr lang="fr-CA"/>
           </a:p>
@@ -2292,7 +2284,7 @@
             <a:fld id="{DC673A5F-E13B-4069-8C9B-F4E17F0A6349}" type="slidenum">
               <a:rPr lang="fr-CA"/>
               <a:pPr/>
-              <a:t>‹N°›</a:t>
+              <a:t>‹#›</a:t>
             </a:fld>
             <a:endParaRPr lang="fr-CA"/>
           </a:p>
@@ -2496,7 +2488,7 @@
             <a:fld id="{F005305B-BE3B-40FC-BA82-D58FCE52BD62}" type="datetime1">
               <a:rPr lang="fr-FR"/>
               <a:pPr/>
-              <a:t>20/02/2013</a:t>
+              <a:t>20/02/13</a:t>
             </a:fld>
             <a:endParaRPr lang="fr-CA"/>
           </a:p>
@@ -2550,7 +2542,7 @@
             <a:fld id="{B145F654-AFD9-4CEF-A3CB-BD4516D09F92}" type="slidenum">
               <a:rPr lang="fr-CA"/>
               <a:pPr/>
-              <a:t>‹N°›</a:t>
+              <a:t>‹#›</a:t>
             </a:fld>
             <a:endParaRPr lang="fr-CA"/>
           </a:p>
@@ -2796,7 +2788,7 @@
             <a:fld id="{8A3F99D5-4482-4B57-821D-D29B8483CD31}" type="datetime1">
               <a:rPr lang="fr-FR"/>
               <a:pPr/>
-              <a:t>20/02/2013</a:t>
+              <a:t>20/02/13</a:t>
             </a:fld>
             <a:endParaRPr lang="fr-CA"/>
           </a:p>
@@ -2850,7 +2842,7 @@
             <a:fld id="{E1CD0AC8-5801-48CF-961B-3E6A45DAFD1A}" type="slidenum">
               <a:rPr lang="fr-CA"/>
               <a:pPr/>
-              <a:t>‹N°›</a:t>
+              <a:t>‹#›</a:t>
             </a:fld>
             <a:endParaRPr lang="fr-CA"/>
           </a:p>
@@ -3230,7 +3222,7 @@
             <a:fld id="{0B4B6EE6-D02E-48E1-9AA3-C8D1A1468F7E}" type="datetime1">
               <a:rPr lang="fr-FR"/>
               <a:pPr/>
-              <a:t>20/02/2013</a:t>
+              <a:t>20/02/13</a:t>
             </a:fld>
             <a:endParaRPr lang="fr-CA"/>
           </a:p>
@@ -3284,7 +3276,7 @@
             <a:fld id="{F6014A77-F3E3-4BEF-A21F-96086A8E0E2B}" type="slidenum">
               <a:rPr lang="fr-CA"/>
               <a:pPr/>
-              <a:t>‹N°›</a:t>
+              <a:t>‹#›</a:t>
             </a:fld>
             <a:endParaRPr lang="fr-CA"/>
           </a:p>
@@ -3360,7 +3352,7 @@
             <a:fld id="{DE4171D3-566D-4849-8F53-C83E9D843695}" type="datetime1">
               <a:rPr lang="fr-FR"/>
               <a:pPr/>
-              <a:t>20/02/2013</a:t>
+              <a:t>20/02/13</a:t>
             </a:fld>
             <a:endParaRPr lang="fr-CA"/>
           </a:p>
@@ -3414,7 +3406,7 @@
             <a:fld id="{32519DB6-C14D-4B62-ABF0-60C230F150FD}" type="slidenum">
               <a:rPr lang="fr-CA"/>
               <a:pPr/>
-              <a:t>‹N°›</a:t>
+              <a:t>‹#›</a:t>
             </a:fld>
             <a:endParaRPr lang="fr-CA"/>
           </a:p>
@@ -3467,7 +3459,7 @@
             <a:fld id="{FAFB5A78-D0B4-4412-8882-5542C55E40C1}" type="datetime1">
               <a:rPr lang="fr-FR"/>
               <a:pPr/>
-              <a:t>20/02/2013</a:t>
+              <a:t>20/02/13</a:t>
             </a:fld>
             <a:endParaRPr lang="fr-CA"/>
           </a:p>
@@ -3521,7 +3513,7 @@
             <a:fld id="{9D7AB7FE-E9C5-4962-9095-BDF47D4C368A}" type="slidenum">
               <a:rPr lang="fr-CA"/>
               <a:pPr/>
-              <a:t>‹N°›</a:t>
+              <a:t>‹#›</a:t>
             </a:fld>
             <a:endParaRPr lang="fr-CA"/>
           </a:p>
@@ -3756,7 +3748,7 @@
             <a:fld id="{7A0CAE8C-5A48-4FC3-88CF-B5E7366372A7}" type="datetime1">
               <a:rPr lang="fr-FR"/>
               <a:pPr/>
-              <a:t>20/02/2013</a:t>
+              <a:t>20/02/13</a:t>
             </a:fld>
             <a:endParaRPr lang="fr-CA"/>
           </a:p>
@@ -3810,7 +3802,7 @@
             <a:fld id="{17C77AF3-91FB-4ADF-A621-6D64754B4C77}" type="slidenum">
               <a:rPr lang="fr-CA"/>
               <a:pPr/>
-              <a:t>‹N°›</a:t>
+              <a:t>‹#›</a:t>
             </a:fld>
             <a:endParaRPr lang="fr-CA"/>
           </a:p>
@@ -4028,7 +4020,7 @@
             <a:fld id="{4F6CFF10-AD66-42E8-B1B7-F0597C61663B}" type="datetime1">
               <a:rPr lang="fr-FR"/>
               <a:pPr/>
-              <a:t>20/02/2013</a:t>
+              <a:t>20/02/13</a:t>
             </a:fld>
             <a:endParaRPr lang="fr-CA"/>
           </a:p>
@@ -4082,7 +4074,7 @@
             <a:fld id="{9E1C31C3-0B67-4E8F-BBCA-FF5684983F06}" type="slidenum">
               <a:rPr lang="fr-CA"/>
               <a:pPr/>
-              <a:t>‹N°›</a:t>
+              <a:t>‹#›</a:t>
             </a:fld>
             <a:endParaRPr lang="fr-CA"/>
           </a:p>
@@ -4269,7 +4261,7 @@
             <a:fld id="{CFFD3F2C-B9AC-484D-B03A-CC6280628C6E}" type="datetime1">
               <a:rPr lang="fr-FR"/>
               <a:pPr/>
-              <a:t>20/02/2013</a:t>
+              <a:t>20/02/13</a:t>
             </a:fld>
             <a:endParaRPr lang="fr-CA"/>
           </a:p>
@@ -4363,7 +4355,7 @@
             <a:fld id="{28B6B7B5-66B7-47AE-81CD-7E7B73343F8C}" type="slidenum">
               <a:rPr lang="fr-CA"/>
               <a:pPr/>
-              <a:t>‹N°›</a:t>
+              <a:t>‹#›</a:t>
             </a:fld>
             <a:endParaRPr lang="fr-CA"/>
           </a:p>
@@ -4981,7 +4973,7 @@
   <p:timing>
     <p:tnLst>
       <p:par>
-        <p:cTn id="1" dur="indefinite" restart="never" nodeType="tmRoot"/>
+        <p:cTn xmlns:p14="http://schemas.microsoft.com/office/powerpoint/2010/main" id="1" dur="indefinite" restart="never" nodeType="tmRoot"/>
       </p:par>
     </p:tnLst>
   </p:timing>
@@ -4989,469 +4981,6 @@
 </file>
 
 <file path=ppt/slides/slide10.xml><?xml version="1.0" encoding="utf-8"?>
-<p:sld xmlns:a="http://schemas.openxmlformats.org/drawingml/2006/main" xmlns:r="http://schemas.openxmlformats.org/officeDocument/2006/relationships" xmlns:p="http://schemas.openxmlformats.org/presentationml/2006/main">
-  <p:cSld>
-    <p:bg>
-      <p:bgPr>
-        <a:blipFill dpi="0" rotWithShape="0">
-          <a:blip r:embed="rId2" cstate="print"/>
-          <a:srcRect/>
-          <a:stretch>
-            <a:fillRect/>
-          </a:stretch>
-        </a:blipFill>
-        <a:effectLst/>
-      </p:bgPr>
-    </p:bg>
-    <p:spTree>
-      <p:nvGrpSpPr>
-        <p:cNvPr id="1" name=""/>
-        <p:cNvGrpSpPr/>
-        <p:nvPr/>
-      </p:nvGrpSpPr>
-      <p:grpSpPr>
-        <a:xfrm>
-          <a:off x="0" y="0"/>
-          <a:ext cx="0" cy="0"/>
-          <a:chOff x="0" y="0"/>
-          <a:chExt cx="0" cy="0"/>
-        </a:xfrm>
-      </p:grpSpPr>
-      <p:sp>
-        <p:nvSpPr>
-          <p:cNvPr id="26626" name="Titre 1"/>
-          <p:cNvSpPr>
-            <a:spLocks noGrp="1"/>
-          </p:cNvSpPr>
-          <p:nvPr>
-            <p:ph type="title"/>
-          </p:nvPr>
-        </p:nvSpPr>
-        <p:spPr>
-          <a:xfrm>
-            <a:off x="468313" y="115888"/>
-            <a:ext cx="8229600" cy="1143000"/>
-          </a:xfrm>
-        </p:spPr>
-        <p:txBody>
-          <a:bodyPr/>
-          <a:lstStyle/>
-          <a:p>
-            <a:pPr eaLnBrk="1" hangingPunct="1"/>
-            <a:r>
-              <a:rPr lang="fr-FR" smtClean="0">
-                <a:ea typeface="ＭＳ Ｐゴシック" pitchFamily="34" charset="-128"/>
-              </a:rPr>
-              <a:t>Site Web</a:t>
-            </a:r>
-          </a:p>
-        </p:txBody>
-      </p:sp>
-      <p:sp>
-        <p:nvSpPr>
-          <p:cNvPr id="3" name="Espace réservé du contenu 2"/>
-          <p:cNvSpPr>
-            <a:spLocks noGrp="1"/>
-          </p:cNvSpPr>
-          <p:nvPr>
-            <p:ph idx="1"/>
-          </p:nvPr>
-        </p:nvSpPr>
-        <p:spPr>
-          <a:xfrm>
-            <a:off x="468313" y="1441450"/>
-            <a:ext cx="8229600" cy="4525963"/>
-          </a:xfrm>
-        </p:spPr>
-        <p:txBody>
-          <a:bodyPr>
-            <a:normAutofit/>
-          </a:bodyPr>
-          <a:lstStyle/>
-          <a:p>
-            <a:pPr eaLnBrk="1" hangingPunct="1">
-              <a:lnSpc>
-                <a:spcPct val="90000"/>
-              </a:lnSpc>
-            </a:pPr>
-            <a:r>
-              <a:rPr lang="fr-FR" smtClean="0">
-                <a:ea typeface="ＭＳ Ｐゴシック" pitchFamily="34" charset="-128"/>
-              </a:rPr>
-              <a:t>Effectuer une recherche d</a:t>
-            </a:r>
-            <a:r>
-              <a:rPr lang="fr-FR" altLang="fr-FR" smtClean="0">
-                <a:ea typeface="ＭＳ Ｐゴシック" pitchFamily="34" charset="-128"/>
-              </a:rPr>
-              <a:t>’</a:t>
-            </a:r>
-            <a:r>
-              <a:rPr lang="fr-FR" smtClean="0">
-                <a:ea typeface="ＭＳ Ｐゴシック" pitchFamily="34" charset="-128"/>
-              </a:rPr>
-              <a:t>itinéraire</a:t>
-            </a:r>
-          </a:p>
-          <a:p>
-            <a:pPr eaLnBrk="1" hangingPunct="1">
-              <a:lnSpc>
-                <a:spcPct val="90000"/>
-              </a:lnSpc>
-              <a:buFont typeface="Arial" pitchFamily="34" charset="0"/>
-              <a:buNone/>
-            </a:pPr>
-            <a:r>
-              <a:rPr lang="fr-FR" smtClean="0">
-                <a:ea typeface="ＭＳ Ｐゴシック" pitchFamily="34" charset="-128"/>
-              </a:rPr>
-              <a:t>					- Classique</a:t>
-            </a:r>
-          </a:p>
-          <a:p>
-            <a:pPr eaLnBrk="1" hangingPunct="1">
-              <a:lnSpc>
-                <a:spcPct val="90000"/>
-              </a:lnSpc>
-              <a:buFont typeface="Arial" pitchFamily="34" charset="0"/>
-              <a:buNone/>
-            </a:pPr>
-            <a:r>
-              <a:rPr lang="en-US" smtClean="0">
-                <a:ea typeface="ＭＳ Ｐゴシック" pitchFamily="34" charset="-128"/>
-              </a:rPr>
-              <a:t>					- Par mot </a:t>
-            </a:r>
-            <a:endParaRPr lang="fr-FR" smtClean="0">
-              <a:ea typeface="ＭＳ Ｐゴシック" pitchFamily="34" charset="-128"/>
-            </a:endParaRPr>
-          </a:p>
-          <a:p>
-            <a:pPr eaLnBrk="1" hangingPunct="1">
-              <a:lnSpc>
-                <a:spcPct val="90000"/>
-              </a:lnSpc>
-            </a:pPr>
-            <a:r>
-              <a:rPr lang="fr-FR" smtClean="0">
-                <a:ea typeface="ＭＳ Ｐゴシック" pitchFamily="34" charset="-128"/>
-              </a:rPr>
-              <a:t>Communication avec le serveur</a:t>
-            </a:r>
-          </a:p>
-          <a:p>
-            <a:pPr eaLnBrk="1" hangingPunct="1">
-              <a:lnSpc>
-                <a:spcPct val="90000"/>
-              </a:lnSpc>
-            </a:pPr>
-            <a:endParaRPr lang="en-US" smtClean="0">
-              <a:ea typeface="ＭＳ Ｐゴシック" pitchFamily="34" charset="-128"/>
-            </a:endParaRPr>
-          </a:p>
-          <a:p>
-            <a:pPr eaLnBrk="1" hangingPunct="1">
-              <a:lnSpc>
-                <a:spcPct val="90000"/>
-              </a:lnSpc>
-            </a:pPr>
-            <a:r>
-              <a:rPr lang="en-US" smtClean="0">
-                <a:ea typeface="ＭＳ Ｐゴシック" pitchFamily="34" charset="-128"/>
-              </a:rPr>
-              <a:t>Gestion de la carte </a:t>
-            </a:r>
-            <a:endParaRPr lang="fr-FR" smtClean="0">
-              <a:ea typeface="ＭＳ Ｐゴシック" pitchFamily="34" charset="-128"/>
-            </a:endParaRPr>
-          </a:p>
-          <a:p>
-            <a:pPr eaLnBrk="1" hangingPunct="1">
-              <a:lnSpc>
-                <a:spcPct val="90000"/>
-              </a:lnSpc>
-              <a:buFont typeface="Arial" pitchFamily="34" charset="0"/>
-              <a:buNone/>
-            </a:pPr>
-            <a:endParaRPr lang="fr-FR" smtClean="0">
-              <a:ea typeface="ＭＳ Ｐゴシック" pitchFamily="34" charset="-128"/>
-            </a:endParaRPr>
-          </a:p>
-          <a:p>
-            <a:pPr eaLnBrk="1" hangingPunct="1">
-              <a:lnSpc>
-                <a:spcPct val="90000"/>
-              </a:lnSpc>
-            </a:pPr>
-            <a:r>
-              <a:rPr lang="fr-FR" smtClean="0">
-                <a:ea typeface="ＭＳ Ｐゴシック" pitchFamily="34" charset="-128"/>
-              </a:rPr>
-              <a:t>Affichage des résultats</a:t>
-            </a:r>
-          </a:p>
-          <a:p>
-            <a:pPr eaLnBrk="1" hangingPunct="1">
-              <a:lnSpc>
-                <a:spcPct val="90000"/>
-              </a:lnSpc>
-            </a:pPr>
-            <a:endParaRPr lang="fr-FR" smtClean="0">
-              <a:ea typeface="ＭＳ Ｐゴシック" pitchFamily="34" charset="-128"/>
-            </a:endParaRPr>
-          </a:p>
-        </p:txBody>
-      </p:sp>
-      <p:sp>
-        <p:nvSpPr>
-          <p:cNvPr id="2" name="Espace réservé du numéro de diapositive 1"/>
-          <p:cNvSpPr>
-            <a:spLocks noGrp="1"/>
-          </p:cNvSpPr>
-          <p:nvPr>
-            <p:ph type="sldNum" sz="quarter" idx="12"/>
-          </p:nvPr>
-        </p:nvSpPr>
-        <p:spPr/>
-        <p:txBody>
-          <a:bodyPr/>
-          <a:lstStyle/>
-          <a:p>
-            <a:fld id="{9B573795-E03F-4DDC-A8EB-1A318C6E99CD}" type="slidenum">
-              <a:rPr lang="fr-CA"/>
-              <a:pPr/>
-              <a:t>10</a:t>
-            </a:fld>
-            <a:endParaRPr lang="fr-CA"/>
-          </a:p>
-        </p:txBody>
-      </p:sp>
-    </p:spTree>
-  </p:cSld>
-  <p:clrMapOvr>
-    <a:masterClrMapping/>
-  </p:clrMapOvr>
-  <p:timing>
-    <p:tnLst>
-      <p:par>
-        <p:cTn id="1" dur="indefinite" restart="never" nodeType="tmRoot"/>
-      </p:par>
-    </p:tnLst>
-  </p:timing>
-</p:sld>
-</file>
-
-<file path=ppt/slides/slide11.xml><?xml version="1.0" encoding="utf-8"?>
-<p:sld xmlns:a="http://schemas.openxmlformats.org/drawingml/2006/main" xmlns:r="http://schemas.openxmlformats.org/officeDocument/2006/relationships" xmlns:p="http://schemas.openxmlformats.org/presentationml/2006/main">
-  <p:cSld>
-    <p:bg>
-      <p:bgPr>
-        <a:blipFill dpi="0" rotWithShape="0">
-          <a:blip r:embed="rId2" cstate="print"/>
-          <a:srcRect/>
-          <a:stretch>
-            <a:fillRect/>
-          </a:stretch>
-        </a:blipFill>
-        <a:effectLst/>
-      </p:bgPr>
-    </p:bg>
-    <p:spTree>
-      <p:nvGrpSpPr>
-        <p:cNvPr id="1" name=""/>
-        <p:cNvGrpSpPr/>
-        <p:nvPr/>
-      </p:nvGrpSpPr>
-      <p:grpSpPr>
-        <a:xfrm>
-          <a:off x="0" y="0"/>
-          <a:ext cx="0" cy="0"/>
-          <a:chOff x="0" y="0"/>
-          <a:chExt cx="0" cy="0"/>
-        </a:xfrm>
-      </p:grpSpPr>
-      <p:sp>
-        <p:nvSpPr>
-          <p:cNvPr id="27650" name="Titre 1"/>
-          <p:cNvSpPr>
-            <a:spLocks noGrp="1"/>
-          </p:cNvSpPr>
-          <p:nvPr>
-            <p:ph type="title"/>
-          </p:nvPr>
-        </p:nvSpPr>
-        <p:spPr>
-          <a:xfrm>
-            <a:off x="539750" y="188913"/>
-            <a:ext cx="8229600" cy="1143000"/>
-          </a:xfrm>
-        </p:spPr>
-        <p:txBody>
-          <a:bodyPr/>
-          <a:lstStyle/>
-          <a:p>
-            <a:pPr eaLnBrk="1" hangingPunct="1"/>
-            <a:r>
-              <a:rPr lang="fr-FR" smtClean="0">
-                <a:ea typeface="ＭＳ Ｐゴシック" pitchFamily="34" charset="-128"/>
-              </a:rPr>
-              <a:t>Validation Professionnel</a:t>
-            </a:r>
-          </a:p>
-        </p:txBody>
-      </p:sp>
-      <p:sp>
-        <p:nvSpPr>
-          <p:cNvPr id="5" name="Espace réservé du contenu 2"/>
-          <p:cNvSpPr>
-            <a:spLocks noGrp="1"/>
-          </p:cNvSpPr>
-          <p:nvPr>
-            <p:ph idx="1"/>
-          </p:nvPr>
-        </p:nvSpPr>
-        <p:spPr>
-          <a:xfrm>
-            <a:off x="468313" y="1441450"/>
-            <a:ext cx="8229600" cy="4525963"/>
-          </a:xfrm>
-        </p:spPr>
-        <p:txBody>
-          <a:bodyPr>
-            <a:normAutofit/>
-          </a:bodyPr>
-          <a:lstStyle/>
-          <a:p>
-            <a:pPr eaLnBrk="1" hangingPunct="1"/>
-            <a:r>
-              <a:rPr lang="fr-FR" smtClean="0">
-                <a:ea typeface="ＭＳ Ｐゴシック" pitchFamily="34" charset="-128"/>
-              </a:rPr>
-              <a:t>Intégration des bornes électriques</a:t>
-            </a:r>
-          </a:p>
-          <a:p>
-            <a:pPr eaLnBrk="1" hangingPunct="1"/>
-            <a:r>
-              <a:rPr lang="fr-FR" smtClean="0">
-                <a:ea typeface="ＭＳ Ｐゴシック" pitchFamily="34" charset="-128"/>
-              </a:rPr>
-              <a:t>Apport commercial</a:t>
-            </a:r>
-          </a:p>
-          <a:p>
-            <a:pPr eaLnBrk="1" hangingPunct="1"/>
-            <a:endParaRPr lang="fr-FR" smtClean="0">
-              <a:ea typeface="ＭＳ Ｐゴシック" pitchFamily="34" charset="-128"/>
-            </a:endParaRPr>
-          </a:p>
-          <a:p>
-            <a:pPr eaLnBrk="1" hangingPunct="1"/>
-            <a:endParaRPr lang="fr-FR" smtClean="0">
-              <a:ea typeface="ＭＳ Ｐゴシック" pitchFamily="34" charset="-128"/>
-            </a:endParaRPr>
-          </a:p>
-          <a:p>
-            <a:pPr eaLnBrk="1" hangingPunct="1"/>
-            <a:endParaRPr lang="fr-FR" smtClean="0">
-              <a:ea typeface="ＭＳ Ｐゴシック" pitchFamily="34" charset="-128"/>
-            </a:endParaRPr>
-          </a:p>
-          <a:p>
-            <a:pPr eaLnBrk="1" hangingPunct="1"/>
-            <a:endParaRPr lang="fr-FR" smtClean="0">
-              <a:ea typeface="ＭＳ Ｐゴシック" pitchFamily="34" charset="-128"/>
-            </a:endParaRPr>
-          </a:p>
-          <a:p>
-            <a:pPr eaLnBrk="1" hangingPunct="1"/>
-            <a:r>
-              <a:rPr lang="fr-FR" smtClean="0">
-                <a:ea typeface="ＭＳ Ｐゴシック" pitchFamily="34" charset="-128"/>
-              </a:rPr>
-              <a:t>Intégration ordinateur de bord automobile</a:t>
-            </a:r>
-          </a:p>
-          <a:p>
-            <a:pPr eaLnBrk="1" hangingPunct="1"/>
-            <a:endParaRPr lang="fr-FR" smtClean="0">
-              <a:ea typeface="ＭＳ Ｐゴシック" pitchFamily="34" charset="-128"/>
-            </a:endParaRPr>
-          </a:p>
-        </p:txBody>
-      </p:sp>
-      <p:sp>
-        <p:nvSpPr>
-          <p:cNvPr id="2" name="Espace réservé du numéro de diapositive 1"/>
-          <p:cNvSpPr>
-            <a:spLocks noGrp="1"/>
-          </p:cNvSpPr>
-          <p:nvPr>
-            <p:ph type="sldNum" sz="quarter" idx="12"/>
-          </p:nvPr>
-        </p:nvSpPr>
-        <p:spPr/>
-        <p:txBody>
-          <a:bodyPr/>
-          <a:lstStyle/>
-          <a:p>
-            <a:fld id="{282DE185-D4DB-4D2A-96D0-4AE301FDEF8F}" type="slidenum">
-              <a:rPr lang="fr-CA"/>
-              <a:pPr/>
-              <a:t>11</a:t>
-            </a:fld>
-            <a:endParaRPr lang="fr-CA"/>
-          </a:p>
-        </p:txBody>
-      </p:sp>
-      <p:pic>
-        <p:nvPicPr>
-          <p:cNvPr id="27653" name="Image 2" descr="imageTrajet.png"/>
-          <p:cNvPicPr>
-            <a:picLocks noChangeAspect="1"/>
-          </p:cNvPicPr>
-          <p:nvPr/>
-        </p:nvPicPr>
-        <p:blipFill>
-          <a:blip r:embed="rId3" cstate="print"/>
-          <a:srcRect/>
-          <a:stretch>
-            <a:fillRect/>
-          </a:stretch>
-        </p:blipFill>
-        <p:spPr bwMode="auto">
-          <a:xfrm>
-            <a:off x="1835150" y="2781300"/>
-            <a:ext cx="5148263" cy="2043113"/>
-          </a:xfrm>
-          <a:prstGeom prst="rect">
-            <a:avLst/>
-          </a:prstGeom>
-          <a:noFill/>
-          <a:ln w="9525">
-            <a:noFill/>
-            <a:miter lim="800000"/>
-            <a:headEnd/>
-            <a:tailEnd/>
-          </a:ln>
-        </p:spPr>
-      </p:pic>
-    </p:spTree>
-  </p:cSld>
-  <p:clrMapOvr>
-    <a:masterClrMapping/>
-  </p:clrMapOvr>
-  <p:timing>
-    <p:tnLst>
-      <p:par>
-        <p:cTn id="1" dur="indefinite" restart="never" nodeType="tmRoot"/>
-      </p:par>
-    </p:tnLst>
-  </p:timing>
-</p:sld>
-</file>
-
-<file path=ppt/slides/slide12.xml><?xml version="1.0" encoding="utf-8"?>
 <p:sld xmlns:a="http://schemas.openxmlformats.org/drawingml/2006/main" xmlns:r="http://schemas.openxmlformats.org/officeDocument/2006/relationships" xmlns:p="http://schemas.openxmlformats.org/presentationml/2006/main">
   <p:cSld>
     <p:bg>
@@ -5480,384 +5009,9 @@
           <a:chExt cx="0" cy="0"/>
         </a:xfrm>
       </p:grpSpPr>
-      <p:pic>
-        <p:nvPicPr>
-          <p:cNvPr id="28674" name="Image 1" descr="device-2012-12-14-150957.png"/>
-          <p:cNvPicPr>
-            <a:picLocks noChangeAspect="1"/>
-          </p:cNvPicPr>
-          <p:nvPr/>
-        </p:nvPicPr>
-        <p:blipFill>
-          <a:blip r:embed="rId4" cstate="print"/>
-          <a:srcRect/>
-          <a:stretch>
-            <a:fillRect/>
-          </a:stretch>
-        </p:blipFill>
-        <p:spPr bwMode="auto">
-          <a:xfrm>
-            <a:off x="2555875" y="1193800"/>
-            <a:ext cx="3857625" cy="5630863"/>
-          </a:xfrm>
-          <a:prstGeom prst="rect">
-            <a:avLst/>
-          </a:prstGeom>
-          <a:noFill/>
-          <a:ln w="9525">
-            <a:noFill/>
-            <a:miter lim="800000"/>
-            <a:headEnd/>
-            <a:tailEnd/>
-          </a:ln>
-        </p:spPr>
-      </p:pic>
-      <p:sp>
-        <p:nvSpPr>
-          <p:cNvPr id="28675" name="ZoneTexte 2"/>
-          <p:cNvSpPr txBox="1">
-            <a:spLocks noChangeArrowheads="1"/>
-          </p:cNvSpPr>
-          <p:nvPr/>
-        </p:nvSpPr>
-        <p:spPr bwMode="auto">
-          <a:xfrm>
-            <a:off x="971550" y="549275"/>
-            <a:ext cx="7388225" cy="368300"/>
-          </a:xfrm>
-          <a:prstGeom prst="rect">
-            <a:avLst/>
-          </a:prstGeom>
-          <a:noFill/>
-          <a:ln w="9525">
-            <a:noFill/>
-            <a:miter lim="800000"/>
-            <a:headEnd/>
-            <a:tailEnd/>
-          </a:ln>
-        </p:spPr>
-        <p:txBody>
-          <a:bodyPr>
-            <a:spAutoFit/>
-          </a:bodyPr>
-          <a:lstStyle/>
-          <a:p>
-            <a:pPr algn="ctr"/>
-            <a:r>
-              <a:rPr lang="fr-FR" sz="1800"/>
-              <a:t>DEMO</a:t>
-            </a:r>
-          </a:p>
-        </p:txBody>
-      </p:sp>
-      <p:sp>
-        <p:nvSpPr>
-          <p:cNvPr id="2" name="Espace réservé du numéro de diapositive 1"/>
-          <p:cNvSpPr>
-            <a:spLocks noGrp="1"/>
-          </p:cNvSpPr>
-          <p:nvPr>
-            <p:ph type="sldNum" sz="quarter" idx="12"/>
-          </p:nvPr>
-        </p:nvSpPr>
-        <p:spPr/>
-        <p:txBody>
-          <a:bodyPr/>
-          <a:lstStyle/>
-          <a:p>
-            <a:fld id="{FB7A6448-2FD5-4DAE-A5C1-A49CECBE0BFA}" type="slidenum">
-              <a:rPr lang="fr-CA"/>
-              <a:pPr/>
-              <a:t>12</a:t>
-            </a:fld>
-            <a:endParaRPr lang="fr-CA"/>
-          </a:p>
-        </p:txBody>
-      </p:sp>
-    </p:spTree>
-  </p:cSld>
-  <p:clrMapOvr>
-    <a:masterClrMapping/>
-  </p:clrMapOvr>
-  <p:timing>
-    <p:tnLst>
-      <p:par>
-        <p:cTn id="1" dur="indefinite" restart="never" nodeType="tmRoot"/>
-      </p:par>
-    </p:tnLst>
-  </p:timing>
-</p:sld>
-</file>
-
-<file path=ppt/slides/slide13.xml><?xml version="1.0" encoding="utf-8"?>
-<p:sld xmlns:a="http://schemas.openxmlformats.org/drawingml/2006/main" xmlns:r="http://schemas.openxmlformats.org/officeDocument/2006/relationships" xmlns:p="http://schemas.openxmlformats.org/presentationml/2006/main">
-  <p:cSld>
-    <p:spTree>
-      <p:nvGrpSpPr>
-        <p:cNvPr id="1" name=""/>
-        <p:cNvGrpSpPr/>
-        <p:nvPr/>
-      </p:nvGrpSpPr>
-      <p:grpSpPr>
-        <a:xfrm>
-          <a:off x="0" y="0"/>
-          <a:ext cx="0" cy="0"/>
-          <a:chOff x="0" y="0"/>
-          <a:chExt cx="0" cy="0"/>
-        </a:xfrm>
-      </p:grpSpPr>
-      <p:sp>
-        <p:nvSpPr>
-          <p:cNvPr id="2" name="Titre 1"/>
-          <p:cNvSpPr>
-            <a:spLocks noGrp="1"/>
-          </p:cNvSpPr>
-          <p:nvPr>
-            <p:ph type="title"/>
-          </p:nvPr>
-        </p:nvSpPr>
-        <p:spPr/>
-        <p:txBody>
-          <a:bodyPr/>
-          <a:lstStyle/>
-          <a:p>
-            <a:r>
-              <a:rPr lang="en-US" dirty="0" smtClean="0"/>
-              <a:t>Conclusion</a:t>
-            </a:r>
-            <a:endParaRPr lang="en-US" dirty="0"/>
-          </a:p>
-        </p:txBody>
-      </p:sp>
-      <p:sp>
-        <p:nvSpPr>
-          <p:cNvPr id="3" name="Espace réservé du contenu 2"/>
-          <p:cNvSpPr>
-            <a:spLocks noGrp="1"/>
-          </p:cNvSpPr>
-          <p:nvPr>
-            <p:ph idx="1"/>
-          </p:nvPr>
-        </p:nvSpPr>
-        <p:spPr/>
-        <p:txBody>
-          <a:bodyPr/>
-          <a:lstStyle/>
-          <a:p>
-            <a:r>
-              <a:rPr lang="en-US" dirty="0" err="1" smtClean="0"/>
-              <a:t>Ce</a:t>
-            </a:r>
-            <a:r>
-              <a:rPr lang="en-US" dirty="0" smtClean="0"/>
-              <a:t> </a:t>
-            </a:r>
-            <a:r>
-              <a:rPr lang="en-US" dirty="0" err="1" smtClean="0"/>
-              <a:t>que</a:t>
-            </a:r>
-            <a:r>
-              <a:rPr lang="en-US" dirty="0" smtClean="0"/>
-              <a:t> </a:t>
-            </a:r>
-            <a:r>
-              <a:rPr lang="en-US" dirty="0" err="1" smtClean="0"/>
-              <a:t>vous</a:t>
-            </a:r>
-            <a:r>
-              <a:rPr lang="en-US" dirty="0" smtClean="0"/>
-              <a:t> </a:t>
-            </a:r>
-            <a:r>
-              <a:rPr lang="en-US" dirty="0" err="1" smtClean="0"/>
-              <a:t>avez</a:t>
-            </a:r>
-            <a:r>
-              <a:rPr lang="en-US" dirty="0" smtClean="0"/>
-              <a:t> fait et </a:t>
-            </a:r>
-            <a:r>
-              <a:rPr lang="en-US" dirty="0" err="1" smtClean="0"/>
-              <a:t>ce</a:t>
-            </a:r>
-            <a:r>
-              <a:rPr lang="en-US" dirty="0" smtClean="0"/>
-              <a:t> </a:t>
-            </a:r>
-            <a:r>
-              <a:rPr lang="en-US" dirty="0" err="1" smtClean="0"/>
-              <a:t>qu’il</a:t>
-            </a:r>
-            <a:r>
-              <a:rPr lang="en-US" dirty="0" smtClean="0"/>
-              <a:t> </a:t>
-            </a:r>
-            <a:r>
-              <a:rPr lang="en-US" dirty="0" err="1" smtClean="0"/>
-              <a:t>resterait</a:t>
-            </a:r>
-            <a:r>
-              <a:rPr lang="en-US" dirty="0" smtClean="0"/>
-              <a:t> à faire.</a:t>
-            </a:r>
-          </a:p>
-          <a:p>
-            <a:r>
-              <a:rPr lang="en-US" dirty="0" smtClean="0"/>
-              <a:t>Bien dire </a:t>
-            </a:r>
-            <a:r>
-              <a:rPr lang="en-US" dirty="0" err="1" smtClean="0"/>
-              <a:t>que</a:t>
-            </a:r>
-            <a:r>
-              <a:rPr lang="en-US" dirty="0" smtClean="0"/>
-              <a:t> </a:t>
-            </a:r>
-            <a:r>
-              <a:rPr lang="en-US" dirty="0" err="1" smtClean="0"/>
-              <a:t>vous</a:t>
-            </a:r>
-            <a:r>
-              <a:rPr lang="en-US" dirty="0" smtClean="0"/>
-              <a:t> </a:t>
-            </a:r>
-            <a:r>
-              <a:rPr lang="en-US" dirty="0" err="1" smtClean="0"/>
-              <a:t>avez</a:t>
-            </a:r>
-            <a:r>
-              <a:rPr lang="en-US" dirty="0" smtClean="0"/>
-              <a:t> </a:t>
-            </a:r>
-            <a:r>
-              <a:rPr lang="en-US" dirty="0" err="1" smtClean="0"/>
-              <a:t>posé</a:t>
-            </a:r>
-            <a:r>
-              <a:rPr lang="en-US" dirty="0" smtClean="0"/>
-              <a:t> </a:t>
-            </a:r>
-            <a:r>
-              <a:rPr lang="en-US" dirty="0" err="1" smtClean="0"/>
-              <a:t>toutes</a:t>
-            </a:r>
-            <a:r>
-              <a:rPr lang="en-US" dirty="0" smtClean="0"/>
-              <a:t> les bases pour faire un application </a:t>
-            </a:r>
-            <a:r>
-              <a:rPr lang="en-US" dirty="0" err="1" smtClean="0"/>
-              <a:t>evolutive</a:t>
-            </a:r>
-            <a:r>
-              <a:rPr lang="en-US" dirty="0" smtClean="0"/>
-              <a:t> </a:t>
-            </a:r>
-            <a:r>
-              <a:rPr lang="en-US" dirty="0" err="1" smtClean="0"/>
-              <a:t>pouvant</a:t>
-            </a:r>
-            <a:r>
-              <a:rPr lang="en-US" dirty="0" smtClean="0"/>
-              <a:t> </a:t>
-            </a:r>
-            <a:r>
-              <a:rPr lang="en-US" dirty="0" err="1" smtClean="0"/>
-              <a:t>prendre</a:t>
-            </a:r>
-            <a:r>
-              <a:rPr lang="en-US" dirty="0" smtClean="0"/>
-              <a:t> en </a:t>
-            </a:r>
-            <a:r>
-              <a:rPr lang="en-US" dirty="0" err="1" smtClean="0"/>
-              <a:t>compte</a:t>
-            </a:r>
-            <a:r>
-              <a:rPr lang="en-US" dirty="0" smtClean="0"/>
-              <a:t> </a:t>
-            </a:r>
-            <a:r>
-              <a:rPr lang="en-US" dirty="0" err="1" smtClean="0"/>
-              <a:t>tous</a:t>
-            </a:r>
-            <a:r>
-              <a:rPr lang="en-US" dirty="0" smtClean="0"/>
-              <a:t> type de transports en </a:t>
-            </a:r>
-            <a:r>
-              <a:rPr lang="en-US" dirty="0" err="1" smtClean="0"/>
-              <a:t>communs</a:t>
-            </a:r>
-            <a:endParaRPr lang="en-US" dirty="0"/>
-          </a:p>
-        </p:txBody>
-      </p:sp>
-      <p:sp>
-        <p:nvSpPr>
-          <p:cNvPr id="4" name="Espace réservé du numéro de diapositive 3"/>
-          <p:cNvSpPr>
-            <a:spLocks noGrp="1"/>
-          </p:cNvSpPr>
-          <p:nvPr>
-            <p:ph type="sldNum" sz="quarter" idx="12"/>
-          </p:nvPr>
-        </p:nvSpPr>
-        <p:spPr/>
-        <p:txBody>
-          <a:bodyPr/>
-          <a:lstStyle/>
-          <a:p>
-            <a:fld id="{DC673A5F-E13B-4069-8C9B-F4E17F0A6349}" type="slidenum">
-              <a:rPr lang="fr-CA" smtClean="0"/>
-              <a:pPr/>
-              <a:t>13</a:t>
-            </a:fld>
-            <a:endParaRPr lang="fr-CA"/>
-          </a:p>
-        </p:txBody>
-      </p:sp>
-    </p:spTree>
-  </p:cSld>
-  <p:clrMapOvr>
-    <a:masterClrMapping/>
-  </p:clrMapOvr>
-</p:sld>
-</file>
-
-<file path=ppt/slides/slide14.xml><?xml version="1.0" encoding="utf-8"?>
-<p:sld xmlns:a="http://schemas.openxmlformats.org/drawingml/2006/main" xmlns:r="http://schemas.openxmlformats.org/officeDocument/2006/relationships" xmlns:p="http://schemas.openxmlformats.org/presentationml/2006/main">
-  <p:cSld>
-    <p:bg>
-      <p:bgPr>
-        <a:blipFill dpi="0" rotWithShape="0">
-          <a:blip r:embed="rId2" cstate="print"/>
-          <a:srcRect/>
-          <a:stretch>
-            <a:fillRect/>
-          </a:stretch>
-        </a:blipFill>
-        <a:effectLst/>
-      </p:bgPr>
-    </p:bg>
-    <p:spTree>
-      <p:nvGrpSpPr>
-        <p:cNvPr id="1" name=""/>
-        <p:cNvGrpSpPr/>
-        <p:nvPr/>
-      </p:nvGrpSpPr>
-      <p:grpSpPr>
-        <a:xfrm>
-          <a:off x="0" y="0"/>
-          <a:ext cx="0" cy="0"/>
-          <a:chOff x="0" y="0"/>
-          <a:chExt cx="0" cy="0"/>
-        </a:xfrm>
-      </p:grpSpPr>
-      <p:sp>
-        <p:nvSpPr>
-          <p:cNvPr id="29698" name="Titre 1"/>
+      <p:sp>
+        <p:nvSpPr>
+          <p:cNvPr id="23554" name="Titre 1"/>
           <p:cNvSpPr>
             <a:spLocks noGrp="1"/>
           </p:cNvSpPr>
@@ -5880,1158 +5034,7 @@
               <a:rPr lang="fr-FR" smtClean="0">
                 <a:ea typeface="ＭＳ Ｐゴシック" pitchFamily="34" charset="-128"/>
               </a:rPr>
-              <a:t>Un Modèle a approfondir</a:t>
-            </a:r>
-          </a:p>
-        </p:txBody>
-      </p:sp>
-      <p:sp>
-        <p:nvSpPr>
-          <p:cNvPr id="29699" name="Espace réservé du contenu 2"/>
-          <p:cNvSpPr>
-            <a:spLocks noGrp="1"/>
-          </p:cNvSpPr>
-          <p:nvPr>
-            <p:ph idx="1"/>
-          </p:nvPr>
-        </p:nvSpPr>
-        <p:spPr/>
-        <p:txBody>
-          <a:bodyPr/>
-          <a:lstStyle/>
-          <a:p>
-            <a:pPr eaLnBrk="1" hangingPunct="1"/>
-            <a:r>
-              <a:rPr lang="fr-FR" smtClean="0">
-                <a:ea typeface="ＭＳ Ｐゴシック" pitchFamily="34" charset="-128"/>
-              </a:rPr>
-              <a:t>User friendly Interface</a:t>
-            </a:r>
-          </a:p>
-          <a:p>
-            <a:pPr eaLnBrk="1" hangingPunct="1"/>
-            <a:r>
-              <a:rPr lang="fr-FR" smtClean="0">
-                <a:ea typeface="ＭＳ Ｐゴシック" pitchFamily="34" charset="-128"/>
-              </a:rPr>
-              <a:t>Ajout de données</a:t>
-            </a:r>
-          </a:p>
-          <a:p>
-            <a:pPr eaLnBrk="1" hangingPunct="1"/>
-            <a:r>
-              <a:rPr lang="fr-FR" smtClean="0">
-                <a:ea typeface="ＭＳ Ｐゴシック" pitchFamily="34" charset="-128"/>
-              </a:rPr>
-              <a:t>Amélioration des Graphes</a:t>
-            </a:r>
-          </a:p>
-          <a:p>
-            <a:pPr eaLnBrk="1" hangingPunct="1"/>
-            <a:endParaRPr lang="fr-FR" smtClean="0">
-              <a:ea typeface="ＭＳ Ｐゴシック" pitchFamily="34" charset="-128"/>
-            </a:endParaRPr>
-          </a:p>
-        </p:txBody>
-      </p:sp>
-      <p:sp>
-        <p:nvSpPr>
-          <p:cNvPr id="2" name="Espace réservé du numéro de diapositive 1"/>
-          <p:cNvSpPr>
-            <a:spLocks noGrp="1"/>
-          </p:cNvSpPr>
-          <p:nvPr>
-            <p:ph type="sldNum" sz="quarter" idx="12"/>
-          </p:nvPr>
-        </p:nvSpPr>
-        <p:spPr/>
-        <p:txBody>
-          <a:bodyPr/>
-          <a:lstStyle/>
-          <a:p>
-            <a:fld id="{EB025930-C8CC-476E-A6F1-F201BC82F346}" type="slidenum">
-              <a:rPr lang="fr-CA"/>
-              <a:pPr/>
-              <a:t>14</a:t>
-            </a:fld>
-            <a:endParaRPr lang="fr-CA"/>
-          </a:p>
-        </p:txBody>
-      </p:sp>
-    </p:spTree>
-  </p:cSld>
-  <p:clrMapOvr>
-    <a:masterClrMapping/>
-  </p:clrMapOvr>
-  <p:timing>
-    <p:tnLst>
-      <p:par>
-        <p:cTn id="1" dur="indefinite" restart="never" nodeType="tmRoot"/>
-      </p:par>
-    </p:tnLst>
-  </p:timing>
-</p:sld>
-</file>
-
-<file path=ppt/slides/slide2.xml><?xml version="1.0" encoding="utf-8"?>
-<p:sld xmlns:a="http://schemas.openxmlformats.org/drawingml/2006/main" xmlns:r="http://schemas.openxmlformats.org/officeDocument/2006/relationships" xmlns:p="http://schemas.openxmlformats.org/presentationml/2006/main">
-  <p:cSld>
-    <p:bg>
-      <p:bgPr>
-        <a:blipFill dpi="0" rotWithShape="0">
-          <a:blip r:embed="rId3" cstate="print"/>
-          <a:srcRect/>
-          <a:stretch>
-            <a:fillRect/>
-          </a:stretch>
-        </a:blipFill>
-        <a:effectLst/>
-      </p:bgPr>
-    </p:bg>
-    <p:spTree>
-      <p:nvGrpSpPr>
-        <p:cNvPr id="1" name=""/>
-        <p:cNvGrpSpPr/>
-        <p:nvPr/>
-      </p:nvGrpSpPr>
-      <p:grpSpPr>
-        <a:xfrm>
-          <a:off x="0" y="0"/>
-          <a:ext cx="0" cy="0"/>
-          <a:chOff x="0" y="0"/>
-          <a:chExt cx="0" cy="0"/>
-        </a:xfrm>
-      </p:grpSpPr>
-      <p:sp>
-        <p:nvSpPr>
-          <p:cNvPr id="17410" name="ZoneTexte 5"/>
-          <p:cNvSpPr txBox="1">
-            <a:spLocks noChangeArrowheads="1"/>
-          </p:cNvSpPr>
-          <p:nvPr/>
-        </p:nvSpPr>
-        <p:spPr bwMode="auto">
-          <a:xfrm>
-            <a:off x="1476375" y="3357563"/>
-            <a:ext cx="6921500" cy="1200150"/>
-          </a:xfrm>
-          <a:prstGeom prst="rect">
-            <a:avLst/>
-          </a:prstGeom>
-          <a:noFill/>
-          <a:ln w="9525">
-            <a:noFill/>
-            <a:miter lim="800000"/>
-            <a:headEnd/>
-            <a:tailEnd/>
-          </a:ln>
-        </p:spPr>
-        <p:txBody>
-          <a:bodyPr>
-            <a:spAutoFit/>
-          </a:bodyPr>
-          <a:lstStyle/>
-          <a:p>
-            <a:pPr algn="ctr"/>
-            <a:r>
-              <a:rPr lang="fr-FR" dirty="0"/>
-              <a:t>Aider les personnes </a:t>
-            </a:r>
-            <a:r>
-              <a:rPr lang="fr-FR" dirty="0" smtClean="0"/>
-              <a:t>a </a:t>
-            </a:r>
-            <a:r>
-              <a:rPr lang="fr-FR" dirty="0"/>
-              <a:t>développer </a:t>
-            </a:r>
-            <a:r>
-              <a:rPr lang="fr-FR" dirty="0" smtClean="0"/>
-              <a:t>leurs </a:t>
-            </a:r>
-            <a:r>
-              <a:rPr lang="fr-FR" dirty="0"/>
-              <a:t>mobilité en combinant les </a:t>
-            </a:r>
-            <a:r>
-              <a:rPr lang="fr-FR" dirty="0" smtClean="0"/>
-              <a:t>transports </a:t>
-            </a:r>
-            <a:r>
-              <a:rPr lang="fr-FR" dirty="0"/>
-              <a:t>en commun de ville de Rennes</a:t>
-            </a:r>
-          </a:p>
-        </p:txBody>
-      </p:sp>
-      <p:pic>
-        <p:nvPicPr>
-          <p:cNvPr id="17411" name="Image 7" descr="bma_icon.png"/>
-          <p:cNvPicPr>
-            <a:picLocks noChangeAspect="1"/>
-          </p:cNvPicPr>
-          <p:nvPr/>
-        </p:nvPicPr>
-        <p:blipFill>
-          <a:blip r:embed="rId4" cstate="print"/>
-          <a:srcRect/>
-          <a:stretch>
-            <a:fillRect/>
-          </a:stretch>
-        </p:blipFill>
-        <p:spPr bwMode="auto">
-          <a:xfrm>
-            <a:off x="4356100" y="908050"/>
-            <a:ext cx="1152525" cy="1568450"/>
-          </a:xfrm>
-          <a:prstGeom prst="rect">
-            <a:avLst/>
-          </a:prstGeom>
-          <a:noFill/>
-          <a:ln w="9525">
-            <a:noFill/>
-            <a:miter lim="800000"/>
-            <a:headEnd/>
-            <a:tailEnd/>
-          </a:ln>
-        </p:spPr>
-      </p:pic>
-      <p:sp>
-        <p:nvSpPr>
-          <p:cNvPr id="2" name="Espace réservé du numéro de diapositive 1"/>
-          <p:cNvSpPr>
-            <a:spLocks noGrp="1"/>
-          </p:cNvSpPr>
-          <p:nvPr>
-            <p:ph type="sldNum" sz="quarter" idx="12"/>
-          </p:nvPr>
-        </p:nvSpPr>
-        <p:spPr/>
-        <p:txBody>
-          <a:bodyPr/>
-          <a:lstStyle/>
-          <a:p>
-            <a:fld id="{17798B39-CD3C-48E5-B41E-30B657E3BD7C}" type="slidenum">
-              <a:rPr lang="fr-CA"/>
-              <a:pPr/>
-              <a:t>2</a:t>
-            </a:fld>
-            <a:endParaRPr lang="fr-CA"/>
-          </a:p>
-        </p:txBody>
-      </p:sp>
-    </p:spTree>
-  </p:cSld>
-  <p:clrMapOvr>
-    <a:masterClrMapping/>
-  </p:clrMapOvr>
-  <p:timing>
-    <p:tnLst>
-      <p:par>
-        <p:cTn id="1" dur="indefinite" restart="never" nodeType="tmRoot"/>
-      </p:par>
-    </p:tnLst>
-  </p:timing>
-</p:sld>
-</file>
-
-<file path=ppt/slides/slide3.xml><?xml version="1.0" encoding="utf-8"?>
-<p:sld xmlns:a="http://schemas.openxmlformats.org/drawingml/2006/main" xmlns:r="http://schemas.openxmlformats.org/officeDocument/2006/relationships" xmlns:p="http://schemas.openxmlformats.org/presentationml/2006/main">
-  <p:cSld>
-    <p:bg>
-      <p:bgPr>
-        <a:blipFill dpi="0" rotWithShape="0">
-          <a:blip r:embed="rId2" cstate="print"/>
-          <a:srcRect/>
-          <a:stretch>
-            <a:fillRect/>
-          </a:stretch>
-        </a:blipFill>
-        <a:effectLst/>
-      </p:bgPr>
-    </p:bg>
-    <p:spTree>
-      <p:nvGrpSpPr>
-        <p:cNvPr id="1" name=""/>
-        <p:cNvGrpSpPr/>
-        <p:nvPr/>
-      </p:nvGrpSpPr>
-      <p:grpSpPr>
-        <a:xfrm>
-          <a:off x="0" y="0"/>
-          <a:ext cx="0" cy="0"/>
-          <a:chOff x="0" y="0"/>
-          <a:chExt cx="0" cy="0"/>
-        </a:xfrm>
-      </p:grpSpPr>
-      <p:sp>
-        <p:nvSpPr>
-          <p:cNvPr id="19458" name="Titre 1"/>
-          <p:cNvSpPr>
-            <a:spLocks noGrp="1"/>
-          </p:cNvSpPr>
-          <p:nvPr>
-            <p:ph type="title"/>
-          </p:nvPr>
-        </p:nvSpPr>
-        <p:spPr>
-          <a:xfrm>
-            <a:off x="468313" y="188913"/>
-            <a:ext cx="8229600" cy="1143000"/>
-          </a:xfrm>
-        </p:spPr>
-        <p:txBody>
-          <a:bodyPr/>
-          <a:lstStyle/>
-          <a:p>
-            <a:pPr eaLnBrk="1" hangingPunct="1"/>
-            <a:r>
-              <a:rPr lang="fr-FR" smtClean="0">
-                <a:ea typeface="ＭＳ Ｐゴシック" pitchFamily="34" charset="-128"/>
-              </a:rPr>
-              <a:t>La Multi-Mobilité</a:t>
-            </a:r>
-          </a:p>
-        </p:txBody>
-      </p:sp>
-      <p:sp>
-        <p:nvSpPr>
-          <p:cNvPr id="19459" name="ZoneTexte 7"/>
-          <p:cNvSpPr txBox="1">
-            <a:spLocks noChangeArrowheads="1"/>
-          </p:cNvSpPr>
-          <p:nvPr/>
-        </p:nvSpPr>
-        <p:spPr bwMode="auto">
-          <a:xfrm>
-            <a:off x="1271588" y="1335088"/>
-            <a:ext cx="6834187" cy="4154487"/>
-          </a:xfrm>
-          <a:prstGeom prst="rect">
-            <a:avLst/>
-          </a:prstGeom>
-          <a:noFill/>
-          <a:ln w="9525">
-            <a:noFill/>
-            <a:miter lim="800000"/>
-            <a:headEnd/>
-            <a:tailEnd/>
-          </a:ln>
-        </p:spPr>
-        <p:txBody>
-          <a:bodyPr>
-            <a:spAutoFit/>
-          </a:bodyPr>
-          <a:lstStyle/>
-          <a:p>
-            <a:pPr algn="ctr"/>
-            <a:r>
-              <a:rPr lang="fr-FR" dirty="0"/>
-              <a:t>Un engagement des autorités et mobilité</a:t>
-            </a:r>
-          </a:p>
-          <a:p>
-            <a:pPr algn="ctr"/>
-            <a:endParaRPr lang="fr-FR" dirty="0"/>
-          </a:p>
-          <a:p>
-            <a:pPr algn="ctr"/>
-            <a:r>
-              <a:rPr lang="fr-FR" dirty="0"/>
-              <a:t>Le projet BMA est un acteur du changement de mobilité en Bretagne</a:t>
-            </a:r>
-          </a:p>
-          <a:p>
-            <a:pPr algn="ctr"/>
-            <a:r>
-              <a:rPr lang="fr-FR" dirty="0"/>
-              <a:t>Système d</a:t>
-            </a:r>
-            <a:r>
-              <a:rPr lang="fr-FR" altLang="fr-FR" dirty="0"/>
-              <a:t>’</a:t>
-            </a:r>
-            <a:r>
-              <a:rPr lang="fr-FR" dirty="0"/>
-              <a:t>aide à la décision  </a:t>
-            </a:r>
-          </a:p>
-          <a:p>
-            <a:pPr algn="ctr"/>
-            <a:r>
-              <a:rPr lang="fr-FR" dirty="0"/>
-              <a:t>Incitation au changement</a:t>
-            </a:r>
-          </a:p>
-          <a:p>
-            <a:pPr algn="ctr"/>
-            <a:r>
-              <a:rPr lang="fr-FR" dirty="0"/>
-              <a:t>Formation</a:t>
-            </a:r>
-          </a:p>
-          <a:p>
-            <a:pPr algn="ctr"/>
-            <a:endParaRPr lang="fr-FR" dirty="0"/>
-          </a:p>
-          <a:p>
-            <a:pPr algn="ctr"/>
-            <a:r>
-              <a:rPr lang="fr-FR" dirty="0"/>
-              <a:t>La société CYBEL coordinateur du projet</a:t>
-            </a:r>
-          </a:p>
-          <a:p>
-            <a:pPr algn="ctr"/>
-            <a:endParaRPr lang="fr-FR" dirty="0"/>
-          </a:p>
-          <a:p>
-            <a:pPr algn="ctr"/>
-            <a:endParaRPr lang="fr-FR" dirty="0"/>
-          </a:p>
-        </p:txBody>
-      </p:sp>
-      <p:sp>
-        <p:nvSpPr>
-          <p:cNvPr id="2" name="Espace réservé du numéro de diapositive 1"/>
-          <p:cNvSpPr>
-            <a:spLocks noGrp="1"/>
-          </p:cNvSpPr>
-          <p:nvPr>
-            <p:ph type="sldNum" sz="quarter" idx="12"/>
-          </p:nvPr>
-        </p:nvSpPr>
-        <p:spPr/>
-        <p:txBody>
-          <a:bodyPr/>
-          <a:lstStyle/>
-          <a:p>
-            <a:fld id="{2368A7E7-C7F4-4374-AC70-B5E51B0F7292}" type="slidenum">
-              <a:rPr lang="fr-CA"/>
-              <a:pPr/>
-              <a:t>3</a:t>
-            </a:fld>
-            <a:endParaRPr lang="fr-CA"/>
-          </a:p>
-        </p:txBody>
-      </p:sp>
-    </p:spTree>
-  </p:cSld>
-  <p:clrMapOvr>
-    <a:masterClrMapping/>
-  </p:clrMapOvr>
-  <p:timing>
-    <p:tnLst>
-      <p:par>
-        <p:cTn id="1" dur="indefinite" restart="never" nodeType="tmRoot"/>
-      </p:par>
-    </p:tnLst>
-  </p:timing>
-</p:sld>
-</file>
-
-<file path=ppt/slides/slide4.xml><?xml version="1.0" encoding="utf-8"?>
-<p:sld xmlns:a="http://schemas.openxmlformats.org/drawingml/2006/main" xmlns:r="http://schemas.openxmlformats.org/officeDocument/2006/relationships" xmlns:p="http://schemas.openxmlformats.org/presentationml/2006/main">
-  <p:cSld>
-    <p:spTree>
-      <p:nvGrpSpPr>
-        <p:cNvPr id="1" name=""/>
-        <p:cNvGrpSpPr/>
-        <p:nvPr/>
-      </p:nvGrpSpPr>
-      <p:grpSpPr>
-        <a:xfrm>
-          <a:off x="0" y="0"/>
-          <a:ext cx="0" cy="0"/>
-          <a:chOff x="0" y="0"/>
-          <a:chExt cx="0" cy="0"/>
-        </a:xfrm>
-      </p:grpSpPr>
-      <p:sp>
-        <p:nvSpPr>
-          <p:cNvPr id="2" name="Titre 1"/>
-          <p:cNvSpPr>
-            <a:spLocks noGrp="1"/>
-          </p:cNvSpPr>
-          <p:nvPr>
-            <p:ph type="title"/>
-          </p:nvPr>
-        </p:nvSpPr>
-        <p:spPr/>
-        <p:txBody>
-          <a:bodyPr/>
-          <a:lstStyle/>
-          <a:p>
-            <a:endParaRPr lang="en-US" dirty="0"/>
-          </a:p>
-        </p:txBody>
-      </p:sp>
-      <p:sp>
-        <p:nvSpPr>
-          <p:cNvPr id="3" name="Espace réservé du contenu 2"/>
-          <p:cNvSpPr>
-            <a:spLocks noGrp="1"/>
-          </p:cNvSpPr>
-          <p:nvPr>
-            <p:ph idx="1"/>
-          </p:nvPr>
-        </p:nvSpPr>
-        <p:spPr/>
-        <p:txBody>
-          <a:bodyPr/>
-          <a:lstStyle/>
-          <a:p>
-            <a:r>
-              <a:rPr lang="en-US" dirty="0" smtClean="0"/>
-              <a:t>Un slide qui </a:t>
-            </a:r>
-            <a:r>
-              <a:rPr lang="en-US" dirty="0" err="1" smtClean="0"/>
-              <a:t>explique</a:t>
-            </a:r>
-            <a:r>
-              <a:rPr lang="en-US" dirty="0" smtClean="0"/>
-              <a:t> </a:t>
-            </a:r>
-            <a:r>
-              <a:rPr lang="en-US" dirty="0" err="1" smtClean="0"/>
-              <a:t>clairement</a:t>
-            </a:r>
-            <a:r>
-              <a:rPr lang="en-US" dirty="0" smtClean="0"/>
-              <a:t> </a:t>
-            </a:r>
-            <a:r>
-              <a:rPr lang="en-US" dirty="0" err="1" smtClean="0"/>
-              <a:t>l’objectif</a:t>
-            </a:r>
-            <a:r>
-              <a:rPr lang="en-US" dirty="0" smtClean="0"/>
-              <a:t> de </a:t>
-            </a:r>
-            <a:r>
-              <a:rPr lang="en-US" dirty="0" err="1" smtClean="0"/>
-              <a:t>votre</a:t>
-            </a:r>
-            <a:r>
-              <a:rPr lang="en-US" dirty="0" smtClean="0"/>
-              <a:t> application. Avec des usage scenario et </a:t>
-            </a:r>
-            <a:r>
-              <a:rPr lang="en-US" dirty="0" err="1" smtClean="0"/>
-              <a:t>peut</a:t>
-            </a:r>
-            <a:r>
-              <a:rPr lang="en-US" dirty="0" smtClean="0"/>
-              <a:t> </a:t>
-            </a:r>
-            <a:r>
-              <a:rPr lang="en-US" dirty="0" err="1" smtClean="0"/>
-              <a:t>etre</a:t>
-            </a:r>
-            <a:r>
-              <a:rPr lang="en-US" dirty="0" smtClean="0"/>
-              <a:t> le </a:t>
-            </a:r>
-            <a:r>
-              <a:rPr lang="en-US" dirty="0" err="1" smtClean="0"/>
-              <a:t>dessin</a:t>
-            </a:r>
-            <a:r>
-              <a:rPr lang="en-US" dirty="0" smtClean="0"/>
-              <a:t> de </a:t>
-            </a:r>
-            <a:r>
-              <a:rPr lang="en-US" dirty="0" err="1" smtClean="0"/>
-              <a:t>votre</a:t>
-            </a:r>
-            <a:r>
-              <a:rPr lang="en-US" dirty="0" smtClean="0"/>
-              <a:t> poster pour </a:t>
-            </a:r>
-            <a:r>
-              <a:rPr lang="en-US" dirty="0" err="1" smtClean="0"/>
-              <a:t>montrer</a:t>
-            </a:r>
-            <a:r>
-              <a:rPr lang="en-US" dirty="0" smtClean="0"/>
-              <a:t> </a:t>
-            </a:r>
-            <a:r>
-              <a:rPr lang="en-US" dirty="0" err="1" smtClean="0"/>
-              <a:t>ce</a:t>
-            </a:r>
-            <a:r>
-              <a:rPr lang="en-US" dirty="0" smtClean="0"/>
-              <a:t> </a:t>
-            </a:r>
-            <a:r>
-              <a:rPr lang="en-US" dirty="0" err="1" smtClean="0"/>
-              <a:t>que</a:t>
-            </a:r>
-            <a:r>
-              <a:rPr lang="en-US" dirty="0" smtClean="0"/>
-              <a:t> </a:t>
-            </a:r>
-            <a:r>
-              <a:rPr lang="en-US" dirty="0" err="1" smtClean="0"/>
-              <a:t>l’on</a:t>
-            </a:r>
-            <a:r>
-              <a:rPr lang="en-US" dirty="0" smtClean="0"/>
-              <a:t> </a:t>
-            </a:r>
-            <a:r>
-              <a:rPr lang="en-US" dirty="0" err="1" smtClean="0"/>
-              <a:t>cherche</a:t>
-            </a:r>
-            <a:r>
-              <a:rPr lang="en-US" dirty="0" smtClean="0"/>
-              <a:t> à faire.</a:t>
-            </a:r>
-            <a:endParaRPr lang="en-US" dirty="0"/>
-          </a:p>
-        </p:txBody>
-      </p:sp>
-      <p:sp>
-        <p:nvSpPr>
-          <p:cNvPr id="4" name="Espace réservé du numéro de diapositive 3"/>
-          <p:cNvSpPr>
-            <a:spLocks noGrp="1"/>
-          </p:cNvSpPr>
-          <p:nvPr>
-            <p:ph type="sldNum" sz="quarter" idx="12"/>
-          </p:nvPr>
-        </p:nvSpPr>
-        <p:spPr/>
-        <p:txBody>
-          <a:bodyPr/>
-          <a:lstStyle/>
-          <a:p>
-            <a:fld id="{DC673A5F-E13B-4069-8C9B-F4E17F0A6349}" type="slidenum">
-              <a:rPr lang="fr-CA" smtClean="0"/>
-              <a:pPr/>
-              <a:t>4</a:t>
-            </a:fld>
-            <a:endParaRPr lang="fr-CA"/>
-          </a:p>
-        </p:txBody>
-      </p:sp>
-    </p:spTree>
-  </p:cSld>
-  <p:clrMapOvr>
-    <a:masterClrMapping/>
-  </p:clrMapOvr>
-</p:sld>
-</file>
-
-<file path=ppt/slides/slide5.xml><?xml version="1.0" encoding="utf-8"?>
-<p:sld xmlns:a="http://schemas.openxmlformats.org/drawingml/2006/main" xmlns:r="http://schemas.openxmlformats.org/officeDocument/2006/relationships" xmlns:p="http://schemas.openxmlformats.org/presentationml/2006/main">
-  <p:cSld>
-    <p:spTree>
-      <p:nvGrpSpPr>
-        <p:cNvPr id="1" name=""/>
-        <p:cNvGrpSpPr/>
-        <p:nvPr/>
-      </p:nvGrpSpPr>
-      <p:grpSpPr>
-        <a:xfrm>
-          <a:off x="0" y="0"/>
-          <a:ext cx="0" cy="0"/>
-          <a:chOff x="0" y="0"/>
-          <a:chExt cx="0" cy="0"/>
-        </a:xfrm>
-      </p:grpSpPr>
-      <p:sp>
-        <p:nvSpPr>
-          <p:cNvPr id="2" name="Titre 1"/>
-          <p:cNvSpPr>
-            <a:spLocks noGrp="1"/>
-          </p:cNvSpPr>
-          <p:nvPr>
-            <p:ph type="title"/>
-          </p:nvPr>
-        </p:nvSpPr>
-        <p:spPr/>
-        <p:txBody>
-          <a:bodyPr/>
-          <a:lstStyle/>
-          <a:p>
-            <a:endParaRPr lang="en-US"/>
-          </a:p>
-        </p:txBody>
-      </p:sp>
-      <p:sp>
-        <p:nvSpPr>
-          <p:cNvPr id="3" name="Espace réservé du contenu 2"/>
-          <p:cNvSpPr>
-            <a:spLocks noGrp="1"/>
-          </p:cNvSpPr>
-          <p:nvPr>
-            <p:ph idx="1"/>
-          </p:nvPr>
-        </p:nvSpPr>
-        <p:spPr/>
-        <p:txBody>
-          <a:bodyPr/>
-          <a:lstStyle/>
-          <a:p>
-            <a:r>
-              <a:rPr lang="en-US" dirty="0" smtClean="0"/>
-              <a:t>Un slide qui </a:t>
-            </a:r>
-            <a:r>
-              <a:rPr lang="en-US" dirty="0" err="1" smtClean="0"/>
-              <a:t>explique</a:t>
-            </a:r>
-            <a:r>
-              <a:rPr lang="en-US" dirty="0" smtClean="0"/>
-              <a:t> </a:t>
-            </a:r>
-            <a:r>
-              <a:rPr lang="en-US" dirty="0" err="1" smtClean="0"/>
-              <a:t>clairement</a:t>
-            </a:r>
-            <a:r>
-              <a:rPr lang="en-US" dirty="0" smtClean="0"/>
-              <a:t> </a:t>
-            </a:r>
-            <a:r>
-              <a:rPr lang="en-US" dirty="0" err="1" smtClean="0"/>
-              <a:t>l’architecture</a:t>
-            </a:r>
-            <a:r>
-              <a:rPr lang="en-US" dirty="0" smtClean="0"/>
-              <a:t> de </a:t>
-            </a:r>
-            <a:r>
-              <a:rPr lang="en-US" dirty="0" err="1" smtClean="0"/>
-              <a:t>votre</a:t>
-            </a:r>
-            <a:r>
-              <a:rPr lang="en-US" dirty="0" smtClean="0"/>
-              <a:t> application </a:t>
-            </a:r>
-            <a:r>
-              <a:rPr lang="en-US" dirty="0" err="1" smtClean="0"/>
-              <a:t>globale</a:t>
-            </a:r>
-            <a:r>
-              <a:rPr lang="en-US" dirty="0" smtClean="0"/>
-              <a:t> avec le client mobile / Web, le </a:t>
-            </a:r>
-            <a:r>
-              <a:rPr lang="en-US" dirty="0" err="1" smtClean="0"/>
-              <a:t>serveur</a:t>
-            </a:r>
-            <a:r>
-              <a:rPr lang="en-US" dirty="0" smtClean="0"/>
-              <a:t>, les </a:t>
-            </a:r>
-            <a:r>
-              <a:rPr lang="en-US" dirty="0" err="1" smtClean="0"/>
-              <a:t>autres</a:t>
-            </a:r>
-            <a:r>
-              <a:rPr lang="en-US" dirty="0" smtClean="0"/>
-              <a:t> services </a:t>
-            </a:r>
-            <a:r>
-              <a:rPr lang="en-US" dirty="0" err="1" smtClean="0"/>
-              <a:t>auxquels</a:t>
-            </a:r>
-            <a:r>
-              <a:rPr lang="en-US" dirty="0" smtClean="0"/>
-              <a:t> </a:t>
-            </a:r>
-            <a:r>
-              <a:rPr lang="en-US" dirty="0" err="1" smtClean="0"/>
-              <a:t>vous</a:t>
-            </a:r>
-            <a:r>
-              <a:rPr lang="en-US" dirty="0" smtClean="0"/>
-              <a:t> </a:t>
-            </a:r>
-            <a:r>
-              <a:rPr lang="en-US" dirty="0" err="1" smtClean="0"/>
-              <a:t>accéder</a:t>
-            </a:r>
-            <a:r>
-              <a:rPr lang="en-US" dirty="0" smtClean="0"/>
-              <a:t> pour </a:t>
-            </a:r>
-            <a:r>
-              <a:rPr lang="en-US" dirty="0" err="1" smtClean="0"/>
-              <a:t>construire</a:t>
-            </a:r>
-            <a:r>
-              <a:rPr lang="en-US" dirty="0" smtClean="0"/>
-              <a:t> </a:t>
-            </a:r>
-            <a:r>
-              <a:rPr lang="en-US" dirty="0" err="1" smtClean="0"/>
-              <a:t>votre</a:t>
-            </a:r>
-            <a:r>
-              <a:rPr lang="en-US" dirty="0" smtClean="0"/>
-              <a:t> </a:t>
-            </a:r>
-            <a:r>
-              <a:rPr lang="en-US" dirty="0" err="1" smtClean="0"/>
-              <a:t>appli</a:t>
-            </a:r>
-            <a:r>
-              <a:rPr lang="en-US" dirty="0" smtClean="0"/>
-              <a:t> …</a:t>
-            </a:r>
-            <a:endParaRPr lang="en-US" dirty="0"/>
-          </a:p>
-        </p:txBody>
-      </p:sp>
-      <p:sp>
-        <p:nvSpPr>
-          <p:cNvPr id="4" name="Espace réservé du numéro de diapositive 3"/>
-          <p:cNvSpPr>
-            <a:spLocks noGrp="1"/>
-          </p:cNvSpPr>
-          <p:nvPr>
-            <p:ph type="sldNum" sz="quarter" idx="12"/>
-          </p:nvPr>
-        </p:nvSpPr>
-        <p:spPr/>
-        <p:txBody>
-          <a:bodyPr/>
-          <a:lstStyle/>
-          <a:p>
-            <a:fld id="{DC673A5F-E13B-4069-8C9B-F4E17F0A6349}" type="slidenum">
-              <a:rPr lang="fr-CA" smtClean="0"/>
-              <a:pPr/>
-              <a:t>5</a:t>
-            </a:fld>
-            <a:endParaRPr lang="fr-CA"/>
-          </a:p>
-        </p:txBody>
-      </p:sp>
-    </p:spTree>
-  </p:cSld>
-  <p:clrMapOvr>
-    <a:masterClrMapping/>
-  </p:clrMapOvr>
-</p:sld>
-</file>
-
-<file path=ppt/slides/slide6.xml><?xml version="1.0" encoding="utf-8"?>
-<p:sld xmlns:a="http://schemas.openxmlformats.org/drawingml/2006/main" xmlns:r="http://schemas.openxmlformats.org/officeDocument/2006/relationships" xmlns:p="http://schemas.openxmlformats.org/presentationml/2006/main">
-  <p:cSld>
-    <p:bg>
-      <p:bgPr>
-        <a:blipFill dpi="0" rotWithShape="0">
-          <a:blip r:embed="rId3" cstate="print"/>
-          <a:srcRect/>
-          <a:stretch>
-            <a:fillRect/>
-          </a:stretch>
-        </a:blipFill>
-        <a:effectLst/>
-      </p:bgPr>
-    </p:bg>
-    <p:spTree>
-      <p:nvGrpSpPr>
-        <p:cNvPr id="1" name=""/>
-        <p:cNvGrpSpPr/>
-        <p:nvPr/>
-      </p:nvGrpSpPr>
-      <p:grpSpPr>
-        <a:xfrm>
-          <a:off x="0" y="0"/>
-          <a:ext cx="0" cy="0"/>
-          <a:chOff x="0" y="0"/>
-          <a:chExt cx="0" cy="0"/>
-        </a:xfrm>
-      </p:grpSpPr>
-      <p:sp>
-        <p:nvSpPr>
-          <p:cNvPr id="20482" name="Titre 1"/>
-          <p:cNvSpPr>
-            <a:spLocks noGrp="1"/>
-          </p:cNvSpPr>
-          <p:nvPr>
-            <p:ph type="title"/>
-          </p:nvPr>
-        </p:nvSpPr>
-        <p:spPr>
-          <a:xfrm>
-            <a:off x="468313" y="115888"/>
-            <a:ext cx="8229600" cy="1195387"/>
-          </a:xfrm>
-        </p:spPr>
-        <p:txBody>
-          <a:bodyPr/>
-          <a:lstStyle/>
-          <a:p>
-            <a:pPr eaLnBrk="1" hangingPunct="1"/>
-            <a:r>
-              <a:rPr lang="fr-FR" smtClean="0">
-                <a:ea typeface="ＭＳ Ｐゴシック" pitchFamily="34" charset="-128"/>
-              </a:rPr>
-              <a:t>Client-serveur </a:t>
-            </a:r>
-          </a:p>
-        </p:txBody>
-      </p:sp>
-      <p:sp>
-        <p:nvSpPr>
-          <p:cNvPr id="20483" name="ZoneTexte 5"/>
-          <p:cNvSpPr txBox="1">
-            <a:spLocks noChangeArrowheads="1"/>
-          </p:cNvSpPr>
-          <p:nvPr/>
-        </p:nvSpPr>
-        <p:spPr bwMode="auto">
-          <a:xfrm>
-            <a:off x="2411413" y="2708275"/>
-            <a:ext cx="4595812" cy="1754188"/>
-          </a:xfrm>
-          <a:prstGeom prst="rect">
-            <a:avLst/>
-          </a:prstGeom>
-          <a:noFill/>
-          <a:ln w="9525">
-            <a:noFill/>
-            <a:miter lim="800000"/>
-            <a:headEnd/>
-            <a:tailEnd/>
-          </a:ln>
-        </p:spPr>
-        <p:txBody>
-          <a:bodyPr>
-            <a:spAutoFit/>
-          </a:bodyPr>
-          <a:lstStyle/>
-          <a:p>
-            <a:r>
-              <a:rPr lang="fr-FR" sz="1800" b="1" dirty="0"/>
-              <a:t>Compétences:</a:t>
-            </a:r>
-          </a:p>
-          <a:p>
-            <a:r>
-              <a:rPr lang="fr-FR" sz="1800" dirty="0"/>
-              <a:t>Travail en équipe</a:t>
-            </a:r>
-          </a:p>
-          <a:p>
-            <a:r>
-              <a:rPr lang="fr-FR" sz="1800" dirty="0"/>
-              <a:t>Développement Web</a:t>
-            </a:r>
-          </a:p>
-          <a:p>
-            <a:r>
-              <a:rPr lang="fr-FR" sz="1800" dirty="0"/>
-              <a:t>Développement d</a:t>
-            </a:r>
-            <a:r>
-              <a:rPr lang="fr-FR" altLang="fr-FR" sz="1800" dirty="0"/>
-              <a:t>’</a:t>
-            </a:r>
-            <a:r>
-              <a:rPr lang="fr-FR" sz="1800" dirty="0"/>
-              <a:t>application mobile</a:t>
-            </a:r>
-          </a:p>
-          <a:p>
-            <a:r>
-              <a:rPr lang="fr-FR" sz="1800" dirty="0"/>
-              <a:t>Gestion de Serveurs / bases de données</a:t>
-            </a:r>
-          </a:p>
-          <a:p>
-            <a:r>
-              <a:rPr lang="fr-FR" sz="1800" dirty="0"/>
-              <a:t>Communication </a:t>
-            </a:r>
-            <a:r>
-              <a:rPr lang="fr-FR" sz="1800" dirty="0" err="1"/>
-              <a:t>inter-entreprises</a:t>
-            </a:r>
-            <a:endParaRPr lang="fr-FR" sz="1800" dirty="0"/>
-          </a:p>
-        </p:txBody>
-      </p:sp>
-      <p:sp>
-        <p:nvSpPr>
-          <p:cNvPr id="20484" name="ZoneTexte 8"/>
-          <p:cNvSpPr txBox="1">
-            <a:spLocks noChangeArrowheads="1"/>
-          </p:cNvSpPr>
-          <p:nvPr/>
-        </p:nvSpPr>
-        <p:spPr bwMode="auto">
-          <a:xfrm>
-            <a:off x="0" y="5373688"/>
-            <a:ext cx="8924925" cy="369887"/>
-          </a:xfrm>
-          <a:prstGeom prst="rect">
-            <a:avLst/>
-          </a:prstGeom>
-          <a:noFill/>
-          <a:ln w="9525">
-            <a:noFill/>
-            <a:miter lim="800000"/>
-            <a:headEnd/>
-            <a:tailEnd/>
-          </a:ln>
-        </p:spPr>
-        <p:txBody>
-          <a:bodyPr>
-            <a:spAutoFit/>
-          </a:bodyPr>
-          <a:lstStyle/>
-          <a:p>
-            <a:pPr algn="ctr"/>
-            <a:r>
-              <a:rPr lang="fr-FR" sz="1800" i="1" dirty="0"/>
-              <a:t>Application mobile, Site Web et Api de développement</a:t>
-            </a:r>
-          </a:p>
-        </p:txBody>
-      </p:sp>
-      <p:sp>
-        <p:nvSpPr>
-          <p:cNvPr id="20485" name="ZoneTexte 1"/>
-          <p:cNvSpPr txBox="1">
-            <a:spLocks noChangeArrowheads="1"/>
-          </p:cNvSpPr>
-          <p:nvPr/>
-        </p:nvSpPr>
-        <p:spPr bwMode="auto">
-          <a:xfrm>
-            <a:off x="2268538" y="1557338"/>
-            <a:ext cx="4248150" cy="460375"/>
-          </a:xfrm>
-          <a:prstGeom prst="rect">
-            <a:avLst/>
-          </a:prstGeom>
-          <a:noFill/>
-          <a:ln w="9525">
-            <a:noFill/>
-            <a:miter lim="800000"/>
-            <a:headEnd/>
-            <a:tailEnd/>
-          </a:ln>
-        </p:spPr>
-        <p:txBody>
-          <a:bodyPr>
-            <a:spAutoFit/>
-          </a:bodyPr>
-          <a:lstStyle/>
-          <a:p>
-            <a:pPr algn="ctr"/>
-            <a:r>
-              <a:rPr lang="fr-FR" dirty="0">
-                <a:latin typeface="Calibri" pitchFamily="34" charset="0"/>
-              </a:rPr>
-              <a:t>une architecture de base</a:t>
-            </a:r>
-            <a:endParaRPr lang="fr-FR" dirty="0"/>
-          </a:p>
-        </p:txBody>
-      </p:sp>
-      <p:sp>
-        <p:nvSpPr>
-          <p:cNvPr id="2" name="Espace réservé du numéro de diapositive 1"/>
-          <p:cNvSpPr>
-            <a:spLocks noGrp="1"/>
-          </p:cNvSpPr>
-          <p:nvPr>
-            <p:ph type="sldNum" sz="quarter" idx="12"/>
-          </p:nvPr>
-        </p:nvSpPr>
-        <p:spPr/>
-        <p:txBody>
-          <a:bodyPr/>
-          <a:lstStyle/>
-          <a:p>
-            <a:fld id="{BF1E6201-ED52-42A7-BEF5-7088C85FEE14}" type="slidenum">
-              <a:rPr lang="fr-CA"/>
-              <a:pPr/>
-              <a:t>6</a:t>
-            </a:fld>
-            <a:endParaRPr lang="fr-CA"/>
-          </a:p>
-        </p:txBody>
-      </p:sp>
-    </p:spTree>
-  </p:cSld>
-  <p:clrMapOvr>
-    <a:masterClrMapping/>
-  </p:clrMapOvr>
-  <p:timing>
-    <p:tnLst>
-      <p:par>
-        <p:cTn id="1" dur="indefinite" restart="never" nodeType="tmRoot"/>
-      </p:par>
-    </p:tnLst>
-  </p:timing>
-</p:sld>
-</file>
-
-<file path=ppt/slides/slide7.xml><?xml version="1.0" encoding="utf-8"?>
-<p:sld xmlns:a="http://schemas.openxmlformats.org/drawingml/2006/main" xmlns:r="http://schemas.openxmlformats.org/officeDocument/2006/relationships" xmlns:p="http://schemas.openxmlformats.org/presentationml/2006/main">
-  <p:cSld>
-    <p:bg>
-      <p:bgPr>
-        <a:blipFill dpi="0" rotWithShape="0">
-          <a:blip r:embed="rId2" cstate="print"/>
-          <a:srcRect/>
-          <a:stretch>
-            <a:fillRect/>
-          </a:stretch>
-        </a:blipFill>
-        <a:effectLst/>
-      </p:bgPr>
-    </p:bg>
-    <p:spTree>
-      <p:nvGrpSpPr>
-        <p:cNvPr id="1" name=""/>
-        <p:cNvGrpSpPr/>
-        <p:nvPr/>
-      </p:nvGrpSpPr>
-      <p:grpSpPr>
-        <a:xfrm>
-          <a:off x="0" y="0"/>
-          <a:ext cx="0" cy="0"/>
-          <a:chOff x="0" y="0"/>
-          <a:chExt cx="0" cy="0"/>
-        </a:xfrm>
-      </p:grpSpPr>
-      <p:sp>
-        <p:nvSpPr>
-          <p:cNvPr id="22530" name="Titre 1"/>
-          <p:cNvSpPr>
-            <a:spLocks noGrp="1"/>
-          </p:cNvSpPr>
-          <p:nvPr>
-            <p:ph type="title"/>
-          </p:nvPr>
-        </p:nvSpPr>
-        <p:spPr>
-          <a:xfrm>
-            <a:off x="468313" y="188913"/>
-            <a:ext cx="8229600" cy="1143000"/>
-          </a:xfrm>
-        </p:spPr>
-        <p:txBody>
-          <a:bodyPr/>
-          <a:lstStyle/>
-          <a:p>
-            <a:pPr eaLnBrk="1" hangingPunct="1"/>
-            <a:r>
-              <a:rPr lang="fr-FR" dirty="0" smtClean="0">
-                <a:ea typeface="ＭＳ Ｐゴシック" pitchFamily="34" charset="-128"/>
-              </a:rPr>
-              <a:t>Serveur</a:t>
+              <a:t>Application Android</a:t>
             </a:r>
           </a:p>
         </p:txBody>
@@ -7053,14 +5056,14 @@
           </a:xfrm>
           <a:extLst>
             <a:ext uri="{909E8E84-426E-40dd-AFC4-6F175D3DCCD1}">
-              <a14:hiddenFill xmlns:a14="http://schemas.microsoft.com/office/drawing/2010/main" xmlns="">
+              <a14:hiddenFill xmlns:a14="http://schemas.microsoft.com/office/drawing/2010/main">
                 <a:solidFill>
                   <a:srgbClr val="FFFFFF"/>
                 </a:solidFill>
               </a14:hiddenFill>
             </a:ext>
             <a:ext uri="{91240B29-F687-4f45-9708-019B960494DF}">
-              <a14:hiddenLine xmlns:a14="http://schemas.microsoft.com/office/drawing/2010/main" xmlns="" w="9525">
+              <a14:hiddenLine xmlns:a14="http://schemas.microsoft.com/office/drawing/2010/main" w="9525">
                 <a:solidFill>
                   <a:srgbClr val="000000"/>
                 </a:solidFill>
@@ -7070,7 +5073,7 @@
               </a14:hiddenLine>
             </a:ext>
             <a:ext uri="{FAA26D3D-D897-4be2-8F04-BA451C77F1D7}">
-              <ma14:placeholderFlag xmlns:ma14="http://schemas.microsoft.com/office/mac/drawingml/2011/main" xmlns="" val="1"/>
+              <ma14:placeholderFlag xmlns:ma14="http://schemas.microsoft.com/office/mac/drawingml/2011/main" val="1"/>
             </a:ext>
           </a:extLst>
         </p:spPr>
@@ -7088,40 +5091,34 @@
                 <a:ea typeface="+mn-ea"/>
                 <a:cs typeface="+mn-cs"/>
               </a:rPr>
-              <a:t>Accès aux bases de données</a:t>
-            </a:r>
-          </a:p>
-          <a:p>
-            <a:pPr lvl="1" eaLnBrk="1" hangingPunct="1">
-              <a:buFont typeface="Arial" charset="0"/>
-              <a:buChar char="–"/>
+              <a:t>Communication avec le serveur</a:t>
+            </a:r>
+          </a:p>
+          <a:p>
+            <a:pPr lvl="5">
               <a:defRPr/>
             </a:pPr>
             <a:r>
-              <a:rPr lang="fr-FR" dirty="0" err="1" smtClean="0">
-                <a:ea typeface="+mn-ea"/>
-              </a:rPr>
-              <a:t>MySql</a:t>
-            </a:r>
-            <a:endParaRPr lang="fr-FR" dirty="0">
-              <a:ea typeface="+mn-ea"/>
-            </a:endParaRPr>
-          </a:p>
-          <a:p>
-            <a:pPr lvl="1" eaLnBrk="1" hangingPunct="1">
-              <a:buFont typeface="Arial" charset="0"/>
-              <a:buChar char="–"/>
+              <a:rPr lang="fr-FR" dirty="0" smtClean="0"/>
+              <a:t>Appel simple</a:t>
+            </a:r>
+          </a:p>
+          <a:p>
+            <a:pPr lvl="5">
               <a:defRPr/>
             </a:pPr>
             <a:r>
-              <a:rPr lang="fr-FR" dirty="0" smtClean="0">
-                <a:ea typeface="+mn-ea"/>
-              </a:rPr>
-              <a:t>Neo4j</a:t>
-            </a:r>
-            <a:endParaRPr lang="fr-FR" dirty="0">
-              <a:ea typeface="+mn-ea"/>
-            </a:endParaRPr>
+              <a:rPr lang="fr-FR" dirty="0" smtClean="0"/>
+              <a:t>Appel avec </a:t>
+            </a:r>
+            <a:r>
+              <a:rPr lang="fr-FR" dirty="0"/>
+              <a:t>t</a:t>
+            </a:r>
+            <a:r>
+              <a:rPr lang="fr-FR" dirty="0" smtClean="0"/>
+              <a:t>rajet</a:t>
+            </a:r>
           </a:p>
           <a:p>
             <a:pPr lvl="5">
@@ -7136,52 +5133,12 @@
               <a:defRPr/>
             </a:pPr>
             <a:r>
-              <a:rPr lang="fr-FR" dirty="0">
-                <a:ea typeface="+mn-ea"/>
-                <a:cs typeface="+mn-cs"/>
-              </a:rPr>
-              <a:t>Gestion </a:t>
-            </a:r>
-            <a:r>
               <a:rPr lang="fr-FR" dirty="0" smtClean="0">
                 <a:ea typeface="+mn-ea"/>
                 <a:cs typeface="+mn-cs"/>
               </a:rPr>
-              <a:t>des requêtes entrantes et sortantes</a:t>
-            </a:r>
-            <a:endParaRPr lang="fr-FR" dirty="0">
-              <a:ea typeface="+mn-ea"/>
-              <a:cs typeface="+mn-cs"/>
-            </a:endParaRPr>
-          </a:p>
-          <a:p>
-            <a:pPr eaLnBrk="1" hangingPunct="1">
-              <a:buFont typeface="Arial" charset="0"/>
-              <a:buChar char="•"/>
-              <a:defRPr/>
-            </a:pPr>
-            <a:endParaRPr lang="fr-FR" dirty="0" smtClean="0">
-              <a:ea typeface="+mn-ea"/>
-              <a:cs typeface="+mn-cs"/>
-            </a:endParaRPr>
-          </a:p>
-          <a:p>
-            <a:pPr eaLnBrk="1" hangingPunct="1">
-              <a:buFont typeface="Arial" charset="0"/>
-              <a:buChar char="•"/>
-              <a:defRPr/>
-            </a:pPr>
-            <a:r>
-              <a:rPr lang="fr-FR" dirty="0" smtClean="0">
-                <a:ea typeface="+mn-ea"/>
-                <a:cs typeface="+mn-cs"/>
-              </a:rPr>
-              <a:t>Formatage des données envoyées</a:t>
-            </a:r>
-            <a:endParaRPr lang="fr-FR" dirty="0">
-              <a:ea typeface="+mn-ea"/>
-              <a:cs typeface="+mn-cs"/>
-            </a:endParaRPr>
+              <a:t>Gestion de la carte</a:t>
+            </a:r>
           </a:p>
           <a:p>
             <a:pPr eaLnBrk="1" hangingPunct="1">
@@ -7194,6 +5151,20 @@
               <a:cs typeface="+mn-cs"/>
             </a:endParaRPr>
           </a:p>
+          <a:p>
+            <a:pPr eaLnBrk="1" hangingPunct="1">
+              <a:buFont typeface="Arial" charset="0"/>
+              <a:buChar char="•"/>
+              <a:defRPr/>
+            </a:pPr>
+            <a:r>
+              <a:rPr lang="fr-FR" dirty="0" smtClean="0">
+                <a:ea typeface="+mn-ea"/>
+                <a:cs typeface="+mn-cs"/>
+              </a:rPr>
+              <a:t>Affichage des informations</a:t>
+            </a:r>
+          </a:p>
         </p:txBody>
       </p:sp>
       <p:sp>
@@ -7211,10 +5182,10 @@
           <a:bodyPr/>
           <a:lstStyle/>
           <a:p>
-            <a:fld id="{EB328AEC-1600-4454-AC4F-FDB7AF49D56E}" type="slidenum">
+            <a:fld id="{D42FF3B8-8DBD-445F-8CE2-928EA5B1CDDF}" type="slidenum">
               <a:rPr lang="fr-CA"/>
               <a:pPr/>
-              <a:t>7</a:t>
+              <a:t>10</a:t>
             </a:fld>
             <a:endParaRPr lang="fr-CA"/>
           </a:p>
@@ -7228,240 +5199,14 @@
   <p:timing>
     <p:tnLst>
       <p:par>
-        <p:cTn id="1" dur="indefinite" restart="never" nodeType="tmRoot"/>
+        <p:cTn xmlns:p14="http://schemas.microsoft.com/office/powerpoint/2010/main" id="1" dur="indefinite" restart="never" nodeType="tmRoot"/>
       </p:par>
     </p:tnLst>
   </p:timing>
 </p:sld>
 </file>
 
-<file path=ppt/slides/slide8.xml><?xml version="1.0" encoding="utf-8"?>
-<p:sld xmlns:a="http://schemas.openxmlformats.org/drawingml/2006/main" xmlns:r="http://schemas.openxmlformats.org/officeDocument/2006/relationships" xmlns:p="http://schemas.openxmlformats.org/presentationml/2006/main">
-  <p:cSld>
-    <p:bg>
-      <p:bgPr>
-        <a:blipFill dpi="0" rotWithShape="0">
-          <a:blip r:embed="rId3" cstate="print"/>
-          <a:srcRect/>
-          <a:stretch>
-            <a:fillRect/>
-          </a:stretch>
-        </a:blipFill>
-        <a:effectLst/>
-      </p:bgPr>
-    </p:bg>
-    <p:spTree>
-      <p:nvGrpSpPr>
-        <p:cNvPr id="1" name=""/>
-        <p:cNvGrpSpPr/>
-        <p:nvPr/>
-      </p:nvGrpSpPr>
-      <p:grpSpPr>
-        <a:xfrm>
-          <a:off x="0" y="0"/>
-          <a:ext cx="0" cy="0"/>
-          <a:chOff x="0" y="0"/>
-          <a:chExt cx="0" cy="0"/>
-        </a:xfrm>
-      </p:grpSpPr>
-      <p:sp>
-        <p:nvSpPr>
-          <p:cNvPr id="23554" name="Titre 1"/>
-          <p:cNvSpPr>
-            <a:spLocks noGrp="1"/>
-          </p:cNvSpPr>
-          <p:nvPr>
-            <p:ph type="title"/>
-          </p:nvPr>
-        </p:nvSpPr>
-        <p:spPr>
-          <a:xfrm>
-            <a:off x="468313" y="115888"/>
-            <a:ext cx="8229600" cy="1143000"/>
-          </a:xfrm>
-        </p:spPr>
-        <p:txBody>
-          <a:bodyPr/>
-          <a:lstStyle/>
-          <a:p>
-            <a:pPr eaLnBrk="1" hangingPunct="1"/>
-            <a:r>
-              <a:rPr lang="fr-FR" smtClean="0">
-                <a:ea typeface="ＭＳ Ｐゴシック" pitchFamily="34" charset="-128"/>
-              </a:rPr>
-              <a:t>Application Android</a:t>
-            </a:r>
-          </a:p>
-        </p:txBody>
-      </p:sp>
-      <p:sp>
-        <p:nvSpPr>
-          <p:cNvPr id="3" name="Espace réservé du contenu 2"/>
-          <p:cNvSpPr>
-            <a:spLocks noGrp="1"/>
-          </p:cNvSpPr>
-          <p:nvPr>
-            <p:ph idx="1"/>
-          </p:nvPr>
-        </p:nvSpPr>
-        <p:spPr>
-          <a:xfrm>
-            <a:off x="467544" y="1514202"/>
-            <a:ext cx="8229600" cy="4525963"/>
-          </a:xfrm>
-          <a:extLst>
-            <a:ext uri="{909E8E84-426E-40dd-AFC4-6F175D3DCCD1}">
-              <a14:hiddenFill xmlns:a14="http://schemas.microsoft.com/office/drawing/2010/main" xmlns="">
-                <a:solidFill>
-                  <a:srgbClr val="FFFFFF"/>
-                </a:solidFill>
-              </a14:hiddenFill>
-            </a:ext>
-            <a:ext uri="{91240B29-F687-4f45-9708-019B960494DF}">
-              <a14:hiddenLine xmlns:a14="http://schemas.microsoft.com/office/drawing/2010/main" xmlns="" w="9525">
-                <a:solidFill>
-                  <a:srgbClr val="000000"/>
-                </a:solidFill>
-                <a:miter lim="800000"/>
-                <a:headEnd/>
-                <a:tailEnd/>
-              </a14:hiddenLine>
-            </a:ext>
-            <a:ext uri="{FAA26D3D-D897-4be2-8F04-BA451C77F1D7}">
-              <ma14:placeholderFlag xmlns:ma14="http://schemas.microsoft.com/office/mac/drawingml/2011/main" xmlns="" val="1"/>
-            </a:ext>
-          </a:extLst>
-        </p:spPr>
-        <p:txBody>
-          <a:bodyPr/>
-          <a:lstStyle/>
-          <a:p>
-            <a:pPr eaLnBrk="1" hangingPunct="1">
-              <a:buFont typeface="Arial" charset="0"/>
-              <a:buChar char="•"/>
-              <a:defRPr/>
-            </a:pPr>
-            <a:r>
-              <a:rPr lang="fr-FR" dirty="0" smtClean="0">
-                <a:ea typeface="+mn-ea"/>
-                <a:cs typeface="+mn-cs"/>
-              </a:rPr>
-              <a:t>Communication avec le serveur</a:t>
-            </a:r>
-          </a:p>
-          <a:p>
-            <a:pPr lvl="5">
-              <a:defRPr/>
-            </a:pPr>
-            <a:r>
-              <a:rPr lang="fr-FR" dirty="0" smtClean="0"/>
-              <a:t>Appel simple</a:t>
-            </a:r>
-          </a:p>
-          <a:p>
-            <a:pPr lvl="5">
-              <a:defRPr/>
-            </a:pPr>
-            <a:r>
-              <a:rPr lang="fr-FR" dirty="0" smtClean="0"/>
-              <a:t>Appel avec </a:t>
-            </a:r>
-            <a:r>
-              <a:rPr lang="fr-FR" dirty="0"/>
-              <a:t>t</a:t>
-            </a:r>
-            <a:r>
-              <a:rPr lang="fr-FR" dirty="0" smtClean="0"/>
-              <a:t>rajet</a:t>
-            </a:r>
-          </a:p>
-          <a:p>
-            <a:pPr lvl="5">
-              <a:defRPr/>
-            </a:pPr>
-            <a:endParaRPr lang="fr-FR" dirty="0"/>
-          </a:p>
-          <a:p>
-            <a:pPr eaLnBrk="1" hangingPunct="1">
-              <a:buFont typeface="Arial" charset="0"/>
-              <a:buChar char="•"/>
-              <a:defRPr/>
-            </a:pPr>
-            <a:r>
-              <a:rPr lang="fr-FR" dirty="0" smtClean="0">
-                <a:ea typeface="+mn-ea"/>
-                <a:cs typeface="+mn-cs"/>
-              </a:rPr>
-              <a:t>Gestion de la carte</a:t>
-            </a:r>
-          </a:p>
-          <a:p>
-            <a:pPr eaLnBrk="1" hangingPunct="1">
-              <a:buFont typeface="Arial" charset="0"/>
-              <a:buChar char="•"/>
-              <a:defRPr/>
-            </a:pPr>
-            <a:endParaRPr lang="fr-FR" dirty="0">
-              <a:ea typeface="+mn-ea"/>
-              <a:cs typeface="+mn-cs"/>
-            </a:endParaRPr>
-          </a:p>
-          <a:p>
-            <a:pPr eaLnBrk="1" hangingPunct="1">
-              <a:buFont typeface="Arial" charset="0"/>
-              <a:buChar char="•"/>
-              <a:defRPr/>
-            </a:pPr>
-            <a:r>
-              <a:rPr lang="fr-FR" dirty="0" smtClean="0">
-                <a:ea typeface="+mn-ea"/>
-                <a:cs typeface="+mn-cs"/>
-              </a:rPr>
-              <a:t>Affichage des informations</a:t>
-            </a:r>
-          </a:p>
-        </p:txBody>
-      </p:sp>
-      <p:sp>
-        <p:nvSpPr>
-          <p:cNvPr id="2" name="Espace réservé du numéro de diapositive 1"/>
-          <p:cNvSpPr>
-            <a:spLocks noGrp="1"/>
-          </p:cNvSpPr>
-          <p:nvPr>
-            <p:ph type="sldNum" sz="quarter" idx="12"/>
-          </p:nvPr>
-        </p:nvSpPr>
-        <p:spPr/>
-        <p:txBody>
-          <a:bodyPr/>
-          <a:lstStyle/>
-          <a:p>
-            <a:fld id="{D42FF3B8-8DBD-445F-8CE2-928EA5B1CDDF}" type="slidenum">
-              <a:rPr lang="fr-CA"/>
-              <a:pPr/>
-              <a:t>8</a:t>
-            </a:fld>
-            <a:endParaRPr lang="fr-CA"/>
-          </a:p>
-        </p:txBody>
-      </p:sp>
-    </p:spTree>
-  </p:cSld>
-  <p:clrMapOvr>
-    <a:masterClrMapping/>
-  </p:clrMapOvr>
-  <p:timing>
-    <p:tnLst>
-      <p:par>
-        <p:cTn id="1" dur="indefinite" restart="never" nodeType="tmRoot"/>
-      </p:par>
-    </p:tnLst>
-  </p:timing>
-</p:sld>
-</file>
-
-<file path=ppt/slides/slide9.xml><?xml version="1.0" encoding="utf-8"?>
+<file path=ppt/slides/slide11.xml><?xml version="1.0" encoding="utf-8"?>
 <p:sld xmlns:a="http://schemas.openxmlformats.org/drawingml/2006/main" xmlns:r="http://schemas.openxmlformats.org/officeDocument/2006/relationships" xmlns:p="http://schemas.openxmlformats.org/presentationml/2006/main">
   <p:cSld>
     <p:bg>
@@ -9108,7 +6853,7 @@
             <a:fld id="{EAA35302-4E30-4B2F-B23A-1EA1C07B1741}" type="slidenum">
               <a:rPr lang="fr-CA"/>
               <a:pPr/>
-              <a:t>9</a:t>
+              <a:t>11</a:t>
             </a:fld>
             <a:endParaRPr lang="fr-CA"/>
           </a:p>
@@ -9122,7 +6867,2549 @@
   <p:timing>
     <p:tnLst>
       <p:par>
-        <p:cTn id="1" dur="indefinite" restart="never" nodeType="tmRoot"/>
+        <p:cTn xmlns:p14="http://schemas.microsoft.com/office/powerpoint/2010/main" id="1" dur="indefinite" restart="never" nodeType="tmRoot"/>
+      </p:par>
+    </p:tnLst>
+  </p:timing>
+</p:sld>
+</file>
+
+<file path=ppt/slides/slide12.xml><?xml version="1.0" encoding="utf-8"?>
+<p:sld xmlns:a="http://schemas.openxmlformats.org/drawingml/2006/main" xmlns:r="http://schemas.openxmlformats.org/officeDocument/2006/relationships" xmlns:p="http://schemas.openxmlformats.org/presentationml/2006/main">
+  <p:cSld>
+    <p:bg>
+      <p:bgPr>
+        <a:blipFill dpi="0" rotWithShape="0">
+          <a:blip r:embed="rId2" cstate="print"/>
+          <a:srcRect/>
+          <a:stretch>
+            <a:fillRect/>
+          </a:stretch>
+        </a:blipFill>
+        <a:effectLst/>
+      </p:bgPr>
+    </p:bg>
+    <p:spTree>
+      <p:nvGrpSpPr>
+        <p:cNvPr id="1" name=""/>
+        <p:cNvGrpSpPr/>
+        <p:nvPr/>
+      </p:nvGrpSpPr>
+      <p:grpSpPr>
+        <a:xfrm>
+          <a:off x="0" y="0"/>
+          <a:ext cx="0" cy="0"/>
+          <a:chOff x="0" y="0"/>
+          <a:chExt cx="0" cy="0"/>
+        </a:xfrm>
+      </p:grpSpPr>
+      <p:sp>
+        <p:nvSpPr>
+          <p:cNvPr id="26626" name="Titre 1"/>
+          <p:cNvSpPr>
+            <a:spLocks noGrp="1"/>
+          </p:cNvSpPr>
+          <p:nvPr>
+            <p:ph type="title"/>
+          </p:nvPr>
+        </p:nvSpPr>
+        <p:spPr>
+          <a:xfrm>
+            <a:off x="468313" y="115888"/>
+            <a:ext cx="8229600" cy="1143000"/>
+          </a:xfrm>
+        </p:spPr>
+        <p:txBody>
+          <a:bodyPr/>
+          <a:lstStyle/>
+          <a:p>
+            <a:pPr eaLnBrk="1" hangingPunct="1"/>
+            <a:r>
+              <a:rPr lang="fr-FR" smtClean="0">
+                <a:ea typeface="ＭＳ Ｐゴシック" pitchFamily="34" charset="-128"/>
+              </a:rPr>
+              <a:t>Site Web</a:t>
+            </a:r>
+          </a:p>
+        </p:txBody>
+      </p:sp>
+      <p:sp>
+        <p:nvSpPr>
+          <p:cNvPr id="3" name="Espace réservé du contenu 2"/>
+          <p:cNvSpPr>
+            <a:spLocks noGrp="1"/>
+          </p:cNvSpPr>
+          <p:nvPr>
+            <p:ph idx="1"/>
+          </p:nvPr>
+        </p:nvSpPr>
+        <p:spPr>
+          <a:xfrm>
+            <a:off x="468313" y="1441450"/>
+            <a:ext cx="8229600" cy="4525963"/>
+          </a:xfrm>
+        </p:spPr>
+        <p:txBody>
+          <a:bodyPr>
+            <a:normAutofit/>
+          </a:bodyPr>
+          <a:lstStyle/>
+          <a:p>
+            <a:pPr eaLnBrk="1" hangingPunct="1">
+              <a:lnSpc>
+                <a:spcPct val="90000"/>
+              </a:lnSpc>
+            </a:pPr>
+            <a:r>
+              <a:rPr lang="fr-FR" smtClean="0">
+                <a:ea typeface="ＭＳ Ｐゴシック" pitchFamily="34" charset="-128"/>
+              </a:rPr>
+              <a:t>Effectuer une recherche d</a:t>
+            </a:r>
+            <a:r>
+              <a:rPr lang="fr-FR" altLang="fr-FR" smtClean="0">
+                <a:ea typeface="ＭＳ Ｐゴシック" pitchFamily="34" charset="-128"/>
+              </a:rPr>
+              <a:t>’</a:t>
+            </a:r>
+            <a:r>
+              <a:rPr lang="fr-FR" smtClean="0">
+                <a:ea typeface="ＭＳ Ｐゴシック" pitchFamily="34" charset="-128"/>
+              </a:rPr>
+              <a:t>itinéraire</a:t>
+            </a:r>
+          </a:p>
+          <a:p>
+            <a:pPr eaLnBrk="1" hangingPunct="1">
+              <a:lnSpc>
+                <a:spcPct val="90000"/>
+              </a:lnSpc>
+              <a:buFont typeface="Arial" pitchFamily="34" charset="0"/>
+              <a:buNone/>
+            </a:pPr>
+            <a:r>
+              <a:rPr lang="fr-FR" smtClean="0">
+                <a:ea typeface="ＭＳ Ｐゴシック" pitchFamily="34" charset="-128"/>
+              </a:rPr>
+              <a:t>					- Classique</a:t>
+            </a:r>
+          </a:p>
+          <a:p>
+            <a:pPr eaLnBrk="1" hangingPunct="1">
+              <a:lnSpc>
+                <a:spcPct val="90000"/>
+              </a:lnSpc>
+              <a:buFont typeface="Arial" pitchFamily="34" charset="0"/>
+              <a:buNone/>
+            </a:pPr>
+            <a:r>
+              <a:rPr lang="en-US" smtClean="0">
+                <a:ea typeface="ＭＳ Ｐゴシック" pitchFamily="34" charset="-128"/>
+              </a:rPr>
+              <a:t>					- Par mot </a:t>
+            </a:r>
+            <a:endParaRPr lang="fr-FR" smtClean="0">
+              <a:ea typeface="ＭＳ Ｐゴシック" pitchFamily="34" charset="-128"/>
+            </a:endParaRPr>
+          </a:p>
+          <a:p>
+            <a:pPr eaLnBrk="1" hangingPunct="1">
+              <a:lnSpc>
+                <a:spcPct val="90000"/>
+              </a:lnSpc>
+            </a:pPr>
+            <a:r>
+              <a:rPr lang="fr-FR" smtClean="0">
+                <a:ea typeface="ＭＳ Ｐゴシック" pitchFamily="34" charset="-128"/>
+              </a:rPr>
+              <a:t>Communication avec le serveur</a:t>
+            </a:r>
+          </a:p>
+          <a:p>
+            <a:pPr eaLnBrk="1" hangingPunct="1">
+              <a:lnSpc>
+                <a:spcPct val="90000"/>
+              </a:lnSpc>
+            </a:pPr>
+            <a:endParaRPr lang="en-US" smtClean="0">
+              <a:ea typeface="ＭＳ Ｐゴシック" pitchFamily="34" charset="-128"/>
+            </a:endParaRPr>
+          </a:p>
+          <a:p>
+            <a:pPr eaLnBrk="1" hangingPunct="1">
+              <a:lnSpc>
+                <a:spcPct val="90000"/>
+              </a:lnSpc>
+            </a:pPr>
+            <a:r>
+              <a:rPr lang="en-US" smtClean="0">
+                <a:ea typeface="ＭＳ Ｐゴシック" pitchFamily="34" charset="-128"/>
+              </a:rPr>
+              <a:t>Gestion de la carte </a:t>
+            </a:r>
+            <a:endParaRPr lang="fr-FR" smtClean="0">
+              <a:ea typeface="ＭＳ Ｐゴシック" pitchFamily="34" charset="-128"/>
+            </a:endParaRPr>
+          </a:p>
+          <a:p>
+            <a:pPr eaLnBrk="1" hangingPunct="1">
+              <a:lnSpc>
+                <a:spcPct val="90000"/>
+              </a:lnSpc>
+              <a:buFont typeface="Arial" pitchFamily="34" charset="0"/>
+              <a:buNone/>
+            </a:pPr>
+            <a:endParaRPr lang="fr-FR" smtClean="0">
+              <a:ea typeface="ＭＳ Ｐゴシック" pitchFamily="34" charset="-128"/>
+            </a:endParaRPr>
+          </a:p>
+          <a:p>
+            <a:pPr eaLnBrk="1" hangingPunct="1">
+              <a:lnSpc>
+                <a:spcPct val="90000"/>
+              </a:lnSpc>
+            </a:pPr>
+            <a:r>
+              <a:rPr lang="fr-FR" smtClean="0">
+                <a:ea typeface="ＭＳ Ｐゴシック" pitchFamily="34" charset="-128"/>
+              </a:rPr>
+              <a:t>Affichage des résultats</a:t>
+            </a:r>
+          </a:p>
+          <a:p>
+            <a:pPr eaLnBrk="1" hangingPunct="1">
+              <a:lnSpc>
+                <a:spcPct val="90000"/>
+              </a:lnSpc>
+            </a:pPr>
+            <a:endParaRPr lang="fr-FR" smtClean="0">
+              <a:ea typeface="ＭＳ Ｐゴシック" pitchFamily="34" charset="-128"/>
+            </a:endParaRPr>
+          </a:p>
+        </p:txBody>
+      </p:sp>
+      <p:sp>
+        <p:nvSpPr>
+          <p:cNvPr id="2" name="Espace réservé du numéro de diapositive 1"/>
+          <p:cNvSpPr>
+            <a:spLocks noGrp="1"/>
+          </p:cNvSpPr>
+          <p:nvPr>
+            <p:ph type="sldNum" sz="quarter" idx="12"/>
+          </p:nvPr>
+        </p:nvSpPr>
+        <p:spPr/>
+        <p:txBody>
+          <a:bodyPr/>
+          <a:lstStyle/>
+          <a:p>
+            <a:fld id="{9B573795-E03F-4DDC-A8EB-1A318C6E99CD}" type="slidenum">
+              <a:rPr lang="fr-CA"/>
+              <a:pPr/>
+              <a:t>12</a:t>
+            </a:fld>
+            <a:endParaRPr lang="fr-CA"/>
+          </a:p>
+        </p:txBody>
+      </p:sp>
+    </p:spTree>
+  </p:cSld>
+  <p:clrMapOvr>
+    <a:masterClrMapping/>
+  </p:clrMapOvr>
+  <p:timing>
+    <p:tnLst>
+      <p:par>
+        <p:cTn xmlns:p14="http://schemas.microsoft.com/office/powerpoint/2010/main" id="1" dur="indefinite" restart="never" nodeType="tmRoot"/>
+      </p:par>
+    </p:tnLst>
+  </p:timing>
+</p:sld>
+</file>
+
+<file path=ppt/slides/slide13.xml><?xml version="1.0" encoding="utf-8"?>
+<p:sld xmlns:a="http://schemas.openxmlformats.org/drawingml/2006/main" xmlns:r="http://schemas.openxmlformats.org/officeDocument/2006/relationships" xmlns:p="http://schemas.openxmlformats.org/presentationml/2006/main">
+  <p:cSld>
+    <p:bg>
+      <p:bgPr>
+        <a:blipFill dpi="0" rotWithShape="0">
+          <a:blip r:embed="rId2" cstate="print"/>
+          <a:srcRect/>
+          <a:stretch>
+            <a:fillRect/>
+          </a:stretch>
+        </a:blipFill>
+        <a:effectLst/>
+      </p:bgPr>
+    </p:bg>
+    <p:spTree>
+      <p:nvGrpSpPr>
+        <p:cNvPr id="1" name=""/>
+        <p:cNvGrpSpPr/>
+        <p:nvPr/>
+      </p:nvGrpSpPr>
+      <p:grpSpPr>
+        <a:xfrm>
+          <a:off x="0" y="0"/>
+          <a:ext cx="0" cy="0"/>
+          <a:chOff x="0" y="0"/>
+          <a:chExt cx="0" cy="0"/>
+        </a:xfrm>
+      </p:grpSpPr>
+      <p:sp>
+        <p:nvSpPr>
+          <p:cNvPr id="27650" name="Titre 1"/>
+          <p:cNvSpPr>
+            <a:spLocks noGrp="1"/>
+          </p:cNvSpPr>
+          <p:nvPr>
+            <p:ph type="title"/>
+          </p:nvPr>
+        </p:nvSpPr>
+        <p:spPr>
+          <a:xfrm>
+            <a:off x="539750" y="188913"/>
+            <a:ext cx="8229600" cy="1143000"/>
+          </a:xfrm>
+        </p:spPr>
+        <p:txBody>
+          <a:bodyPr/>
+          <a:lstStyle/>
+          <a:p>
+            <a:pPr eaLnBrk="1" hangingPunct="1"/>
+            <a:r>
+              <a:rPr lang="fr-FR" smtClean="0">
+                <a:ea typeface="ＭＳ Ｐゴシック" pitchFamily="34" charset="-128"/>
+              </a:rPr>
+              <a:t>Validation Professionnel</a:t>
+            </a:r>
+          </a:p>
+        </p:txBody>
+      </p:sp>
+      <p:sp>
+        <p:nvSpPr>
+          <p:cNvPr id="5" name="Espace réservé du contenu 2"/>
+          <p:cNvSpPr>
+            <a:spLocks noGrp="1"/>
+          </p:cNvSpPr>
+          <p:nvPr>
+            <p:ph idx="1"/>
+          </p:nvPr>
+        </p:nvSpPr>
+        <p:spPr>
+          <a:xfrm>
+            <a:off x="468313" y="1441450"/>
+            <a:ext cx="8229600" cy="4525963"/>
+          </a:xfrm>
+        </p:spPr>
+        <p:txBody>
+          <a:bodyPr>
+            <a:normAutofit/>
+          </a:bodyPr>
+          <a:lstStyle/>
+          <a:p>
+            <a:pPr eaLnBrk="1" hangingPunct="1"/>
+            <a:r>
+              <a:rPr lang="fr-FR" dirty="0" smtClean="0">
+                <a:ea typeface="ＭＳ Ｐゴシック" pitchFamily="34" charset="-128"/>
+              </a:rPr>
+              <a:t>Intégration des bornes électriques</a:t>
+            </a:r>
+          </a:p>
+          <a:p>
+            <a:pPr eaLnBrk="1" hangingPunct="1"/>
+            <a:r>
+              <a:rPr lang="fr-FR" dirty="0" smtClean="0">
+                <a:ea typeface="ＭＳ Ｐゴシック" pitchFamily="34" charset="-128"/>
+              </a:rPr>
+              <a:t>Apport commercial</a:t>
+            </a:r>
+          </a:p>
+          <a:p>
+            <a:pPr eaLnBrk="1" hangingPunct="1"/>
+            <a:endParaRPr lang="fr-FR" dirty="0" smtClean="0">
+              <a:ea typeface="ＭＳ Ｐゴシック" pitchFamily="34" charset="-128"/>
+            </a:endParaRPr>
+          </a:p>
+          <a:p>
+            <a:pPr eaLnBrk="1" hangingPunct="1"/>
+            <a:endParaRPr lang="fr-FR" dirty="0" smtClean="0">
+              <a:ea typeface="ＭＳ Ｐゴシック" pitchFamily="34" charset="-128"/>
+            </a:endParaRPr>
+          </a:p>
+          <a:p>
+            <a:pPr eaLnBrk="1" hangingPunct="1"/>
+            <a:endParaRPr lang="fr-FR" dirty="0" smtClean="0">
+              <a:ea typeface="ＭＳ Ｐゴシック" pitchFamily="34" charset="-128"/>
+            </a:endParaRPr>
+          </a:p>
+          <a:p>
+            <a:pPr eaLnBrk="1" hangingPunct="1"/>
+            <a:endParaRPr lang="fr-FR" dirty="0" smtClean="0">
+              <a:ea typeface="ＭＳ Ｐゴシック" pitchFamily="34" charset="-128"/>
+            </a:endParaRPr>
+          </a:p>
+          <a:p>
+            <a:pPr eaLnBrk="1" hangingPunct="1"/>
+            <a:r>
+              <a:rPr lang="fr-FR" dirty="0" smtClean="0">
+                <a:ea typeface="ＭＳ Ｐゴシック" pitchFamily="34" charset="-128"/>
+              </a:rPr>
+              <a:t>Intégration ordinateur de bord automobile</a:t>
+            </a:r>
+          </a:p>
+          <a:p>
+            <a:pPr eaLnBrk="1" hangingPunct="1"/>
+            <a:endParaRPr lang="fr-FR" dirty="0" smtClean="0">
+              <a:ea typeface="ＭＳ Ｐゴシック" pitchFamily="34" charset="-128"/>
+            </a:endParaRPr>
+          </a:p>
+        </p:txBody>
+      </p:sp>
+      <p:sp>
+        <p:nvSpPr>
+          <p:cNvPr id="2" name="Espace réservé du numéro de diapositive 1"/>
+          <p:cNvSpPr>
+            <a:spLocks noGrp="1"/>
+          </p:cNvSpPr>
+          <p:nvPr>
+            <p:ph type="sldNum" sz="quarter" idx="12"/>
+          </p:nvPr>
+        </p:nvSpPr>
+        <p:spPr/>
+        <p:txBody>
+          <a:bodyPr/>
+          <a:lstStyle/>
+          <a:p>
+            <a:fld id="{282DE185-D4DB-4D2A-96D0-4AE301FDEF8F}" type="slidenum">
+              <a:rPr lang="fr-CA"/>
+              <a:pPr/>
+              <a:t>13</a:t>
+            </a:fld>
+            <a:endParaRPr lang="fr-CA"/>
+          </a:p>
+        </p:txBody>
+      </p:sp>
+      <p:pic>
+        <p:nvPicPr>
+          <p:cNvPr id="27653" name="Image 2" descr="imageTrajet.png"/>
+          <p:cNvPicPr>
+            <a:picLocks noChangeAspect="1"/>
+          </p:cNvPicPr>
+          <p:nvPr/>
+        </p:nvPicPr>
+        <p:blipFill>
+          <a:blip r:embed="rId3" cstate="print"/>
+          <a:srcRect/>
+          <a:stretch>
+            <a:fillRect/>
+          </a:stretch>
+        </p:blipFill>
+        <p:spPr bwMode="auto">
+          <a:xfrm>
+            <a:off x="1835150" y="2781300"/>
+            <a:ext cx="5148263" cy="2043113"/>
+          </a:xfrm>
+          <a:prstGeom prst="rect">
+            <a:avLst/>
+          </a:prstGeom>
+          <a:noFill/>
+          <a:ln w="9525">
+            <a:noFill/>
+            <a:miter lim="800000"/>
+            <a:headEnd/>
+            <a:tailEnd/>
+          </a:ln>
+        </p:spPr>
+      </p:pic>
+    </p:spTree>
+  </p:cSld>
+  <p:clrMapOvr>
+    <a:masterClrMapping/>
+  </p:clrMapOvr>
+  <p:timing>
+    <p:tnLst>
+      <p:par>
+        <p:cTn xmlns:p14="http://schemas.microsoft.com/office/powerpoint/2010/main" id="1" dur="indefinite" restart="never" nodeType="tmRoot"/>
+      </p:par>
+    </p:tnLst>
+  </p:timing>
+</p:sld>
+</file>
+
+<file path=ppt/slides/slide14.xml><?xml version="1.0" encoding="utf-8"?>
+<p:sld xmlns:a="http://schemas.openxmlformats.org/drawingml/2006/main" xmlns:r="http://schemas.openxmlformats.org/officeDocument/2006/relationships" xmlns:p="http://schemas.openxmlformats.org/presentationml/2006/main">
+  <p:cSld>
+    <p:bg>
+      <p:bgPr>
+        <a:blipFill dpi="0" rotWithShape="0">
+          <a:blip r:embed="rId3" cstate="print"/>
+          <a:srcRect/>
+          <a:stretch>
+            <a:fillRect/>
+          </a:stretch>
+        </a:blipFill>
+        <a:effectLst/>
+      </p:bgPr>
+    </p:bg>
+    <p:spTree>
+      <p:nvGrpSpPr>
+        <p:cNvPr id="1" name=""/>
+        <p:cNvGrpSpPr/>
+        <p:nvPr/>
+      </p:nvGrpSpPr>
+      <p:grpSpPr>
+        <a:xfrm>
+          <a:off x="0" y="0"/>
+          <a:ext cx="0" cy="0"/>
+          <a:chOff x="0" y="0"/>
+          <a:chExt cx="0" cy="0"/>
+        </a:xfrm>
+      </p:grpSpPr>
+      <p:pic>
+        <p:nvPicPr>
+          <p:cNvPr id="28674" name="Image 1" descr="device-2012-12-14-150957.png"/>
+          <p:cNvPicPr>
+            <a:picLocks noChangeAspect="1"/>
+          </p:cNvPicPr>
+          <p:nvPr/>
+        </p:nvPicPr>
+        <p:blipFill>
+          <a:blip r:embed="rId4" cstate="print"/>
+          <a:srcRect/>
+          <a:stretch>
+            <a:fillRect/>
+          </a:stretch>
+        </p:blipFill>
+        <p:spPr bwMode="auto">
+          <a:xfrm>
+            <a:off x="2555875" y="1193800"/>
+            <a:ext cx="3857625" cy="5630863"/>
+          </a:xfrm>
+          <a:prstGeom prst="rect">
+            <a:avLst/>
+          </a:prstGeom>
+          <a:noFill/>
+          <a:ln w="9525">
+            <a:noFill/>
+            <a:miter lim="800000"/>
+            <a:headEnd/>
+            <a:tailEnd/>
+          </a:ln>
+        </p:spPr>
+      </p:pic>
+      <p:sp>
+        <p:nvSpPr>
+          <p:cNvPr id="28675" name="ZoneTexte 2"/>
+          <p:cNvSpPr txBox="1">
+            <a:spLocks noChangeArrowheads="1"/>
+          </p:cNvSpPr>
+          <p:nvPr/>
+        </p:nvSpPr>
+        <p:spPr bwMode="auto">
+          <a:xfrm>
+            <a:off x="971550" y="549275"/>
+            <a:ext cx="7388225" cy="368300"/>
+          </a:xfrm>
+          <a:prstGeom prst="rect">
+            <a:avLst/>
+          </a:prstGeom>
+          <a:noFill/>
+          <a:ln w="9525">
+            <a:noFill/>
+            <a:miter lim="800000"/>
+            <a:headEnd/>
+            <a:tailEnd/>
+          </a:ln>
+        </p:spPr>
+        <p:txBody>
+          <a:bodyPr>
+            <a:spAutoFit/>
+          </a:bodyPr>
+          <a:lstStyle/>
+          <a:p>
+            <a:pPr algn="ctr"/>
+            <a:r>
+              <a:rPr lang="fr-FR" sz="1800"/>
+              <a:t>DEMO</a:t>
+            </a:r>
+          </a:p>
+        </p:txBody>
+      </p:sp>
+      <p:sp>
+        <p:nvSpPr>
+          <p:cNvPr id="2" name="Espace réservé du numéro de diapositive 1"/>
+          <p:cNvSpPr>
+            <a:spLocks noGrp="1"/>
+          </p:cNvSpPr>
+          <p:nvPr>
+            <p:ph type="sldNum" sz="quarter" idx="12"/>
+          </p:nvPr>
+        </p:nvSpPr>
+        <p:spPr/>
+        <p:txBody>
+          <a:bodyPr/>
+          <a:lstStyle/>
+          <a:p>
+            <a:fld id="{FB7A6448-2FD5-4DAE-A5C1-A49CECBE0BFA}" type="slidenum">
+              <a:rPr lang="fr-CA"/>
+              <a:pPr/>
+              <a:t>14</a:t>
+            </a:fld>
+            <a:endParaRPr lang="fr-CA"/>
+          </a:p>
+        </p:txBody>
+      </p:sp>
+    </p:spTree>
+  </p:cSld>
+  <p:clrMapOvr>
+    <a:masterClrMapping/>
+  </p:clrMapOvr>
+  <p:timing>
+    <p:tnLst>
+      <p:par>
+        <p:cTn xmlns:p14="http://schemas.microsoft.com/office/powerpoint/2010/main" id="1" dur="indefinite" restart="never" nodeType="tmRoot"/>
+      </p:par>
+    </p:tnLst>
+  </p:timing>
+</p:sld>
+</file>
+
+<file path=ppt/slides/slide15.xml><?xml version="1.0" encoding="utf-8"?>
+<p:sld xmlns:a="http://schemas.openxmlformats.org/drawingml/2006/main" xmlns:r="http://schemas.openxmlformats.org/officeDocument/2006/relationships" xmlns:p="http://schemas.openxmlformats.org/presentationml/2006/main">
+  <p:cSld>
+    <p:spTree>
+      <p:nvGrpSpPr>
+        <p:cNvPr id="1" name=""/>
+        <p:cNvGrpSpPr/>
+        <p:nvPr/>
+      </p:nvGrpSpPr>
+      <p:grpSpPr>
+        <a:xfrm>
+          <a:off x="0" y="0"/>
+          <a:ext cx="0" cy="0"/>
+          <a:chOff x="0" y="0"/>
+          <a:chExt cx="0" cy="0"/>
+        </a:xfrm>
+      </p:grpSpPr>
+      <p:sp>
+        <p:nvSpPr>
+          <p:cNvPr id="2" name="Titre 1"/>
+          <p:cNvSpPr>
+            <a:spLocks noGrp="1"/>
+          </p:cNvSpPr>
+          <p:nvPr>
+            <p:ph type="title"/>
+          </p:nvPr>
+        </p:nvSpPr>
+        <p:spPr/>
+        <p:txBody>
+          <a:bodyPr/>
+          <a:lstStyle/>
+          <a:p>
+            <a:r>
+              <a:rPr lang="en-US" dirty="0" smtClean="0"/>
+              <a:t>Conclusion</a:t>
+            </a:r>
+            <a:endParaRPr lang="en-US" dirty="0"/>
+          </a:p>
+        </p:txBody>
+      </p:sp>
+      <p:sp>
+        <p:nvSpPr>
+          <p:cNvPr id="3" name="Espace réservé du contenu 2"/>
+          <p:cNvSpPr>
+            <a:spLocks noGrp="1"/>
+          </p:cNvSpPr>
+          <p:nvPr>
+            <p:ph idx="1"/>
+          </p:nvPr>
+        </p:nvSpPr>
+        <p:spPr/>
+        <p:txBody>
+          <a:bodyPr/>
+          <a:lstStyle/>
+          <a:p>
+            <a:r>
+              <a:rPr lang="en-US" dirty="0" err="1" smtClean="0"/>
+              <a:t>Ce</a:t>
+            </a:r>
+            <a:r>
+              <a:rPr lang="en-US" dirty="0" smtClean="0"/>
+              <a:t> </a:t>
+            </a:r>
+            <a:r>
+              <a:rPr lang="en-US" dirty="0" err="1" smtClean="0"/>
+              <a:t>que</a:t>
+            </a:r>
+            <a:r>
+              <a:rPr lang="en-US" dirty="0" smtClean="0"/>
+              <a:t> </a:t>
+            </a:r>
+            <a:r>
+              <a:rPr lang="en-US" dirty="0" err="1" smtClean="0"/>
+              <a:t>vous</a:t>
+            </a:r>
+            <a:r>
+              <a:rPr lang="en-US" dirty="0" smtClean="0"/>
+              <a:t> </a:t>
+            </a:r>
+            <a:r>
+              <a:rPr lang="en-US" dirty="0" err="1" smtClean="0"/>
+              <a:t>avez</a:t>
+            </a:r>
+            <a:r>
+              <a:rPr lang="en-US" dirty="0" smtClean="0"/>
+              <a:t> fait et </a:t>
+            </a:r>
+            <a:r>
+              <a:rPr lang="en-US" dirty="0" err="1" smtClean="0"/>
+              <a:t>ce</a:t>
+            </a:r>
+            <a:r>
+              <a:rPr lang="en-US" dirty="0" smtClean="0"/>
+              <a:t> </a:t>
+            </a:r>
+            <a:r>
+              <a:rPr lang="en-US" dirty="0" err="1" smtClean="0"/>
+              <a:t>qu’il</a:t>
+            </a:r>
+            <a:r>
+              <a:rPr lang="en-US" dirty="0" smtClean="0"/>
+              <a:t> </a:t>
+            </a:r>
+            <a:r>
+              <a:rPr lang="en-US" dirty="0" err="1" smtClean="0"/>
+              <a:t>resterait</a:t>
+            </a:r>
+            <a:r>
+              <a:rPr lang="en-US" dirty="0" smtClean="0"/>
+              <a:t> à faire.</a:t>
+            </a:r>
+          </a:p>
+          <a:p>
+            <a:r>
+              <a:rPr lang="en-US" dirty="0" smtClean="0"/>
+              <a:t>Bien dire </a:t>
+            </a:r>
+            <a:r>
+              <a:rPr lang="en-US" dirty="0" err="1" smtClean="0"/>
+              <a:t>que</a:t>
+            </a:r>
+            <a:r>
+              <a:rPr lang="en-US" dirty="0" smtClean="0"/>
+              <a:t> </a:t>
+            </a:r>
+            <a:r>
+              <a:rPr lang="en-US" dirty="0" err="1" smtClean="0"/>
+              <a:t>vous</a:t>
+            </a:r>
+            <a:r>
+              <a:rPr lang="en-US" dirty="0" smtClean="0"/>
+              <a:t> </a:t>
+            </a:r>
+            <a:r>
+              <a:rPr lang="en-US" dirty="0" err="1" smtClean="0"/>
+              <a:t>avez</a:t>
+            </a:r>
+            <a:r>
+              <a:rPr lang="en-US" dirty="0" smtClean="0"/>
+              <a:t> </a:t>
+            </a:r>
+            <a:r>
+              <a:rPr lang="en-US" dirty="0" err="1" smtClean="0"/>
+              <a:t>posé</a:t>
+            </a:r>
+            <a:r>
+              <a:rPr lang="en-US" dirty="0" smtClean="0"/>
+              <a:t> </a:t>
+            </a:r>
+            <a:r>
+              <a:rPr lang="en-US" dirty="0" err="1" smtClean="0"/>
+              <a:t>toutes</a:t>
+            </a:r>
+            <a:r>
+              <a:rPr lang="en-US" dirty="0" smtClean="0"/>
+              <a:t> les bases pour faire un application </a:t>
+            </a:r>
+            <a:r>
+              <a:rPr lang="en-US" dirty="0" err="1" smtClean="0"/>
+              <a:t>evolutive</a:t>
+            </a:r>
+            <a:r>
+              <a:rPr lang="en-US" dirty="0" smtClean="0"/>
+              <a:t> </a:t>
+            </a:r>
+            <a:r>
+              <a:rPr lang="en-US" dirty="0" err="1" smtClean="0"/>
+              <a:t>pouvant</a:t>
+            </a:r>
+            <a:r>
+              <a:rPr lang="en-US" dirty="0" smtClean="0"/>
+              <a:t> </a:t>
+            </a:r>
+            <a:r>
+              <a:rPr lang="en-US" dirty="0" err="1" smtClean="0"/>
+              <a:t>prendre</a:t>
+            </a:r>
+            <a:r>
+              <a:rPr lang="en-US" dirty="0" smtClean="0"/>
+              <a:t> en </a:t>
+            </a:r>
+            <a:r>
+              <a:rPr lang="en-US" dirty="0" err="1" smtClean="0"/>
+              <a:t>compte</a:t>
+            </a:r>
+            <a:r>
+              <a:rPr lang="en-US" dirty="0" smtClean="0"/>
+              <a:t> </a:t>
+            </a:r>
+            <a:r>
+              <a:rPr lang="en-US" dirty="0" err="1" smtClean="0"/>
+              <a:t>tous</a:t>
+            </a:r>
+            <a:r>
+              <a:rPr lang="en-US" dirty="0" smtClean="0"/>
+              <a:t> type de transports en </a:t>
+            </a:r>
+            <a:r>
+              <a:rPr lang="en-US" dirty="0" err="1" smtClean="0"/>
+              <a:t>communs</a:t>
+            </a:r>
+            <a:endParaRPr lang="en-US" dirty="0"/>
+          </a:p>
+        </p:txBody>
+      </p:sp>
+      <p:sp>
+        <p:nvSpPr>
+          <p:cNvPr id="4" name="Espace réservé du numéro de diapositive 3"/>
+          <p:cNvSpPr>
+            <a:spLocks noGrp="1"/>
+          </p:cNvSpPr>
+          <p:nvPr>
+            <p:ph type="sldNum" sz="quarter" idx="12"/>
+          </p:nvPr>
+        </p:nvSpPr>
+        <p:spPr/>
+        <p:txBody>
+          <a:bodyPr/>
+          <a:lstStyle/>
+          <a:p>
+            <a:fld id="{DC673A5F-E13B-4069-8C9B-F4E17F0A6349}" type="slidenum">
+              <a:rPr lang="fr-CA" smtClean="0"/>
+              <a:pPr/>
+              <a:t>15</a:t>
+            </a:fld>
+            <a:endParaRPr lang="fr-CA"/>
+          </a:p>
+        </p:txBody>
+      </p:sp>
+    </p:spTree>
+  </p:cSld>
+  <p:clrMapOvr>
+    <a:masterClrMapping/>
+  </p:clrMapOvr>
+</p:sld>
+</file>
+
+<file path=ppt/slides/slide16.xml><?xml version="1.0" encoding="utf-8"?>
+<p:sld xmlns:a="http://schemas.openxmlformats.org/drawingml/2006/main" xmlns:r="http://schemas.openxmlformats.org/officeDocument/2006/relationships" xmlns:p="http://schemas.openxmlformats.org/presentationml/2006/main">
+  <p:cSld>
+    <p:bg>
+      <p:bgPr>
+        <a:blipFill dpi="0" rotWithShape="0">
+          <a:blip r:embed="rId2" cstate="print"/>
+          <a:srcRect/>
+          <a:stretch>
+            <a:fillRect/>
+          </a:stretch>
+        </a:blipFill>
+        <a:effectLst/>
+      </p:bgPr>
+    </p:bg>
+    <p:spTree>
+      <p:nvGrpSpPr>
+        <p:cNvPr id="1" name=""/>
+        <p:cNvGrpSpPr/>
+        <p:nvPr/>
+      </p:nvGrpSpPr>
+      <p:grpSpPr>
+        <a:xfrm>
+          <a:off x="0" y="0"/>
+          <a:ext cx="0" cy="0"/>
+          <a:chOff x="0" y="0"/>
+          <a:chExt cx="0" cy="0"/>
+        </a:xfrm>
+      </p:grpSpPr>
+      <p:sp>
+        <p:nvSpPr>
+          <p:cNvPr id="29698" name="Titre 1"/>
+          <p:cNvSpPr>
+            <a:spLocks noGrp="1"/>
+          </p:cNvSpPr>
+          <p:nvPr>
+            <p:ph type="title"/>
+          </p:nvPr>
+        </p:nvSpPr>
+        <p:spPr>
+          <a:xfrm>
+            <a:off x="468313" y="115888"/>
+            <a:ext cx="8229600" cy="1143000"/>
+          </a:xfrm>
+        </p:spPr>
+        <p:txBody>
+          <a:bodyPr/>
+          <a:lstStyle/>
+          <a:p>
+            <a:pPr eaLnBrk="1" hangingPunct="1"/>
+            <a:r>
+              <a:rPr lang="fr-FR" smtClean="0">
+                <a:ea typeface="ＭＳ Ｐゴシック" pitchFamily="34" charset="-128"/>
+              </a:rPr>
+              <a:t>Un Modèle a approfondir</a:t>
+            </a:r>
+          </a:p>
+        </p:txBody>
+      </p:sp>
+      <p:sp>
+        <p:nvSpPr>
+          <p:cNvPr id="29699" name="Espace réservé du contenu 2"/>
+          <p:cNvSpPr>
+            <a:spLocks noGrp="1"/>
+          </p:cNvSpPr>
+          <p:nvPr>
+            <p:ph idx="1"/>
+          </p:nvPr>
+        </p:nvSpPr>
+        <p:spPr/>
+        <p:txBody>
+          <a:bodyPr/>
+          <a:lstStyle/>
+          <a:p>
+            <a:pPr eaLnBrk="1" hangingPunct="1"/>
+            <a:r>
+              <a:rPr lang="fr-FR" smtClean="0">
+                <a:ea typeface="ＭＳ Ｐゴシック" pitchFamily="34" charset="-128"/>
+              </a:rPr>
+              <a:t>User friendly Interface</a:t>
+            </a:r>
+          </a:p>
+          <a:p>
+            <a:pPr eaLnBrk="1" hangingPunct="1"/>
+            <a:r>
+              <a:rPr lang="fr-FR" smtClean="0">
+                <a:ea typeface="ＭＳ Ｐゴシック" pitchFamily="34" charset="-128"/>
+              </a:rPr>
+              <a:t>Ajout de données</a:t>
+            </a:r>
+          </a:p>
+          <a:p>
+            <a:pPr eaLnBrk="1" hangingPunct="1"/>
+            <a:r>
+              <a:rPr lang="fr-FR" smtClean="0">
+                <a:ea typeface="ＭＳ Ｐゴシック" pitchFamily="34" charset="-128"/>
+              </a:rPr>
+              <a:t>Amélioration des Graphes</a:t>
+            </a:r>
+          </a:p>
+          <a:p>
+            <a:pPr eaLnBrk="1" hangingPunct="1"/>
+            <a:endParaRPr lang="fr-FR" smtClean="0">
+              <a:ea typeface="ＭＳ Ｐゴシック" pitchFamily="34" charset="-128"/>
+            </a:endParaRPr>
+          </a:p>
+        </p:txBody>
+      </p:sp>
+      <p:sp>
+        <p:nvSpPr>
+          <p:cNvPr id="2" name="Espace réservé du numéro de diapositive 1"/>
+          <p:cNvSpPr>
+            <a:spLocks noGrp="1"/>
+          </p:cNvSpPr>
+          <p:nvPr>
+            <p:ph type="sldNum" sz="quarter" idx="12"/>
+          </p:nvPr>
+        </p:nvSpPr>
+        <p:spPr/>
+        <p:txBody>
+          <a:bodyPr/>
+          <a:lstStyle/>
+          <a:p>
+            <a:fld id="{EB025930-C8CC-476E-A6F1-F201BC82F346}" type="slidenum">
+              <a:rPr lang="fr-CA"/>
+              <a:pPr/>
+              <a:t>16</a:t>
+            </a:fld>
+            <a:endParaRPr lang="fr-CA"/>
+          </a:p>
+        </p:txBody>
+      </p:sp>
+    </p:spTree>
+  </p:cSld>
+  <p:clrMapOvr>
+    <a:masterClrMapping/>
+  </p:clrMapOvr>
+  <p:timing>
+    <p:tnLst>
+      <p:par>
+        <p:cTn xmlns:p14="http://schemas.microsoft.com/office/powerpoint/2010/main" id="1" dur="indefinite" restart="never" nodeType="tmRoot"/>
+      </p:par>
+    </p:tnLst>
+  </p:timing>
+</p:sld>
+</file>
+
+<file path=ppt/slides/slide2.xml><?xml version="1.0" encoding="utf-8"?>
+<p:sld xmlns:a="http://schemas.openxmlformats.org/drawingml/2006/main" xmlns:r="http://schemas.openxmlformats.org/officeDocument/2006/relationships" xmlns:p="http://schemas.openxmlformats.org/presentationml/2006/main">
+  <p:cSld>
+    <p:bg>
+      <p:bgPr>
+        <a:blipFill dpi="0" rotWithShape="0">
+          <a:blip r:embed="rId3" cstate="print"/>
+          <a:srcRect/>
+          <a:stretch>
+            <a:fillRect/>
+          </a:stretch>
+        </a:blipFill>
+        <a:effectLst/>
+      </p:bgPr>
+    </p:bg>
+    <p:spTree>
+      <p:nvGrpSpPr>
+        <p:cNvPr id="1" name=""/>
+        <p:cNvGrpSpPr/>
+        <p:nvPr/>
+      </p:nvGrpSpPr>
+      <p:grpSpPr>
+        <a:xfrm>
+          <a:off x="0" y="0"/>
+          <a:ext cx="0" cy="0"/>
+          <a:chOff x="0" y="0"/>
+          <a:chExt cx="0" cy="0"/>
+        </a:xfrm>
+      </p:grpSpPr>
+      <p:sp>
+        <p:nvSpPr>
+          <p:cNvPr id="17410" name="ZoneTexte 5"/>
+          <p:cNvSpPr txBox="1">
+            <a:spLocks noChangeArrowheads="1"/>
+          </p:cNvSpPr>
+          <p:nvPr/>
+        </p:nvSpPr>
+        <p:spPr bwMode="auto">
+          <a:xfrm>
+            <a:off x="1476375" y="3357563"/>
+            <a:ext cx="6921500" cy="1200150"/>
+          </a:xfrm>
+          <a:prstGeom prst="rect">
+            <a:avLst/>
+          </a:prstGeom>
+          <a:noFill/>
+          <a:ln w="9525">
+            <a:noFill/>
+            <a:miter lim="800000"/>
+            <a:headEnd/>
+            <a:tailEnd/>
+          </a:ln>
+        </p:spPr>
+        <p:txBody>
+          <a:bodyPr>
+            <a:spAutoFit/>
+          </a:bodyPr>
+          <a:lstStyle/>
+          <a:p>
+            <a:pPr algn="ctr"/>
+            <a:r>
+              <a:rPr lang="fr-FR" dirty="0"/>
+              <a:t>Aider les personnes </a:t>
+            </a:r>
+            <a:r>
+              <a:rPr lang="fr-FR" dirty="0"/>
+              <a:t>à</a:t>
+            </a:r>
+            <a:r>
+              <a:rPr lang="fr-FR" dirty="0" smtClean="0"/>
+              <a:t> </a:t>
+            </a:r>
+            <a:r>
+              <a:rPr lang="fr-FR" dirty="0"/>
+              <a:t>développer </a:t>
+            </a:r>
+            <a:r>
+              <a:rPr lang="fr-FR" dirty="0" smtClean="0"/>
+              <a:t>leurs </a:t>
+            </a:r>
+            <a:r>
+              <a:rPr lang="fr-FR" dirty="0"/>
+              <a:t>mobilité en combinant </a:t>
+            </a:r>
+            <a:r>
+              <a:rPr lang="fr-FR" dirty="0" smtClean="0"/>
+              <a:t>les différents types de </a:t>
+            </a:r>
+            <a:r>
+              <a:rPr lang="fr-FR" dirty="0" smtClean="0"/>
+              <a:t>transports </a:t>
+            </a:r>
+            <a:r>
+              <a:rPr lang="fr-FR" dirty="0"/>
+              <a:t>en commun de ville de Rennes</a:t>
+            </a:r>
+          </a:p>
+        </p:txBody>
+      </p:sp>
+      <p:pic>
+        <p:nvPicPr>
+          <p:cNvPr id="17411" name="Image 7" descr="bma_icon.png"/>
+          <p:cNvPicPr>
+            <a:picLocks noChangeAspect="1"/>
+          </p:cNvPicPr>
+          <p:nvPr/>
+        </p:nvPicPr>
+        <p:blipFill>
+          <a:blip r:embed="rId4" cstate="print"/>
+          <a:srcRect/>
+          <a:stretch>
+            <a:fillRect/>
+          </a:stretch>
+        </p:blipFill>
+        <p:spPr bwMode="auto">
+          <a:xfrm>
+            <a:off x="4356100" y="908050"/>
+            <a:ext cx="1152525" cy="1568450"/>
+          </a:xfrm>
+          <a:prstGeom prst="rect">
+            <a:avLst/>
+          </a:prstGeom>
+          <a:noFill/>
+          <a:ln w="9525">
+            <a:noFill/>
+            <a:miter lim="800000"/>
+            <a:headEnd/>
+            <a:tailEnd/>
+          </a:ln>
+        </p:spPr>
+      </p:pic>
+      <p:sp>
+        <p:nvSpPr>
+          <p:cNvPr id="2" name="Espace réservé du numéro de diapositive 1"/>
+          <p:cNvSpPr>
+            <a:spLocks noGrp="1"/>
+          </p:cNvSpPr>
+          <p:nvPr>
+            <p:ph type="sldNum" sz="quarter" idx="12"/>
+          </p:nvPr>
+        </p:nvSpPr>
+        <p:spPr/>
+        <p:txBody>
+          <a:bodyPr/>
+          <a:lstStyle/>
+          <a:p>
+            <a:fld id="{17798B39-CD3C-48E5-B41E-30B657E3BD7C}" type="slidenum">
+              <a:rPr lang="fr-CA"/>
+              <a:pPr/>
+              <a:t>2</a:t>
+            </a:fld>
+            <a:endParaRPr lang="fr-CA"/>
+          </a:p>
+        </p:txBody>
+      </p:sp>
+    </p:spTree>
+  </p:cSld>
+  <p:clrMapOvr>
+    <a:masterClrMapping/>
+  </p:clrMapOvr>
+  <p:timing>
+    <p:tnLst>
+      <p:par>
+        <p:cTn xmlns:p14="http://schemas.microsoft.com/office/powerpoint/2010/main" id="1" dur="indefinite" restart="never" nodeType="tmRoot"/>
+      </p:par>
+    </p:tnLst>
+  </p:timing>
+</p:sld>
+</file>
+
+<file path=ppt/slides/slide3.xml><?xml version="1.0" encoding="utf-8"?>
+<p:sld xmlns:a="http://schemas.openxmlformats.org/drawingml/2006/main" xmlns:r="http://schemas.openxmlformats.org/officeDocument/2006/relationships" xmlns:p="http://schemas.openxmlformats.org/presentationml/2006/main">
+  <p:cSld>
+    <p:bg>
+      <p:bgPr>
+        <a:blipFill dpi="0" rotWithShape="0">
+          <a:blip r:embed="rId2" cstate="print"/>
+          <a:srcRect/>
+          <a:stretch>
+            <a:fillRect/>
+          </a:stretch>
+        </a:blipFill>
+        <a:effectLst/>
+      </p:bgPr>
+    </p:bg>
+    <p:spTree>
+      <p:nvGrpSpPr>
+        <p:cNvPr id="1" name=""/>
+        <p:cNvGrpSpPr/>
+        <p:nvPr/>
+      </p:nvGrpSpPr>
+      <p:grpSpPr>
+        <a:xfrm>
+          <a:off x="0" y="0"/>
+          <a:ext cx="0" cy="0"/>
+          <a:chOff x="0" y="0"/>
+          <a:chExt cx="0" cy="0"/>
+        </a:xfrm>
+      </p:grpSpPr>
+      <p:sp>
+        <p:nvSpPr>
+          <p:cNvPr id="19458" name="Titre 1"/>
+          <p:cNvSpPr>
+            <a:spLocks noGrp="1"/>
+          </p:cNvSpPr>
+          <p:nvPr>
+            <p:ph type="title"/>
+          </p:nvPr>
+        </p:nvSpPr>
+        <p:spPr>
+          <a:xfrm>
+            <a:off x="468313" y="188913"/>
+            <a:ext cx="8229600" cy="1143000"/>
+          </a:xfrm>
+        </p:spPr>
+        <p:txBody>
+          <a:bodyPr/>
+          <a:lstStyle/>
+          <a:p>
+            <a:pPr eaLnBrk="1" hangingPunct="1"/>
+            <a:r>
+              <a:rPr lang="fr-FR" smtClean="0">
+                <a:ea typeface="ＭＳ Ｐゴシック" pitchFamily="34" charset="-128"/>
+              </a:rPr>
+              <a:t>La Multi-Mobilité</a:t>
+            </a:r>
+          </a:p>
+        </p:txBody>
+      </p:sp>
+      <p:sp>
+        <p:nvSpPr>
+          <p:cNvPr id="19459" name="ZoneTexte 7"/>
+          <p:cNvSpPr txBox="1">
+            <a:spLocks noChangeArrowheads="1"/>
+          </p:cNvSpPr>
+          <p:nvPr/>
+        </p:nvSpPr>
+        <p:spPr bwMode="auto">
+          <a:xfrm>
+            <a:off x="-18268" y="1484784"/>
+            <a:ext cx="6558111" cy="4524315"/>
+          </a:xfrm>
+          <a:prstGeom prst="rect">
+            <a:avLst/>
+          </a:prstGeom>
+          <a:noFill/>
+          <a:ln w="9525">
+            <a:noFill/>
+            <a:miter lim="800000"/>
+            <a:headEnd/>
+            <a:tailEnd/>
+          </a:ln>
+        </p:spPr>
+        <p:txBody>
+          <a:bodyPr wrap="square">
+            <a:spAutoFit/>
+          </a:bodyPr>
+          <a:lstStyle/>
+          <a:p>
+            <a:pPr marL="342900" indent="-342900">
+              <a:buFont typeface="Arial"/>
+              <a:buChar char="•"/>
+            </a:pPr>
+            <a:r>
+              <a:rPr lang="fr-FR" dirty="0"/>
+              <a:t>Un engagement des autorités </a:t>
+            </a:r>
+            <a:r>
+              <a:rPr lang="fr-FR" dirty="0" smtClean="0"/>
+              <a:t>locales pour promouvoir la mobilité</a:t>
+            </a:r>
+            <a:r>
+              <a:rPr lang="fr-FR" dirty="0" smtClean="0"/>
+              <a:t> </a:t>
+            </a:r>
+            <a:r>
+              <a:rPr lang="fr-FR" dirty="0"/>
+              <a:t>mobilité</a:t>
+            </a:r>
+          </a:p>
+          <a:p>
+            <a:pPr marL="342900" indent="-342900">
+              <a:buFont typeface="Arial"/>
+              <a:buChar char="•"/>
+            </a:pPr>
+            <a:endParaRPr lang="fr-FR" dirty="0"/>
+          </a:p>
+          <a:p>
+            <a:pPr marL="342900" indent="-342900">
+              <a:buFont typeface="Arial"/>
+              <a:buChar char="•"/>
+            </a:pPr>
+            <a:r>
+              <a:rPr lang="fr-FR" dirty="0"/>
+              <a:t>Le projet BMA est un acteur du changement de mobilité en Bretagne</a:t>
+            </a:r>
+          </a:p>
+          <a:p>
+            <a:pPr marL="1257300" lvl="2" indent="-342900">
+              <a:buFont typeface="Wingdings" charset="2"/>
+              <a:buChar char="§"/>
+            </a:pPr>
+            <a:r>
+              <a:rPr lang="fr-FR" dirty="0"/>
+              <a:t>Système d</a:t>
+            </a:r>
+            <a:r>
+              <a:rPr lang="fr-FR" altLang="fr-FR" dirty="0"/>
+              <a:t>’</a:t>
+            </a:r>
+            <a:r>
+              <a:rPr lang="fr-FR" dirty="0"/>
+              <a:t>aide à la décision  </a:t>
+            </a:r>
+          </a:p>
+          <a:p>
+            <a:pPr marL="1257300" lvl="2" indent="-342900">
+              <a:buFont typeface="Wingdings" charset="2"/>
+              <a:buChar char="§"/>
+            </a:pPr>
+            <a:r>
+              <a:rPr lang="fr-FR" dirty="0"/>
+              <a:t>Incitation au changement</a:t>
+            </a:r>
+          </a:p>
+          <a:p>
+            <a:pPr marL="1257300" lvl="2" indent="-342900">
+              <a:buFont typeface="Wingdings" charset="2"/>
+              <a:buChar char="§"/>
+            </a:pPr>
+            <a:r>
+              <a:rPr lang="fr-FR" dirty="0"/>
+              <a:t>Formation</a:t>
+            </a:r>
+          </a:p>
+          <a:p>
+            <a:pPr marL="342900" indent="-342900">
+              <a:buFont typeface="Arial"/>
+              <a:buChar char="•"/>
+            </a:pPr>
+            <a:endParaRPr lang="fr-FR" dirty="0"/>
+          </a:p>
+          <a:p>
+            <a:pPr marL="342900" indent="-342900">
+              <a:buFont typeface="Arial"/>
+              <a:buChar char="•"/>
+            </a:pPr>
+            <a:r>
+              <a:rPr lang="fr-FR" dirty="0"/>
+              <a:t>La société CYBEL coordinateur du projet</a:t>
+            </a:r>
+          </a:p>
+          <a:p>
+            <a:pPr algn="ctr"/>
+            <a:endParaRPr lang="fr-FR" dirty="0"/>
+          </a:p>
+          <a:p>
+            <a:pPr algn="ctr"/>
+            <a:endParaRPr lang="fr-FR" dirty="0"/>
+          </a:p>
+        </p:txBody>
+      </p:sp>
+      <p:sp>
+        <p:nvSpPr>
+          <p:cNvPr id="2" name="Espace réservé du numéro de diapositive 1"/>
+          <p:cNvSpPr>
+            <a:spLocks noGrp="1"/>
+          </p:cNvSpPr>
+          <p:nvPr>
+            <p:ph type="sldNum" sz="quarter" idx="12"/>
+          </p:nvPr>
+        </p:nvSpPr>
+        <p:spPr/>
+        <p:txBody>
+          <a:bodyPr/>
+          <a:lstStyle/>
+          <a:p>
+            <a:fld id="{2368A7E7-C7F4-4374-AC70-B5E51B0F7292}" type="slidenum">
+              <a:rPr lang="fr-CA"/>
+              <a:pPr/>
+              <a:t>3</a:t>
+            </a:fld>
+            <a:endParaRPr lang="fr-CA"/>
+          </a:p>
+        </p:txBody>
+      </p:sp>
+    </p:spTree>
+  </p:cSld>
+  <p:clrMapOvr>
+    <a:masterClrMapping/>
+  </p:clrMapOvr>
+  <p:timing>
+    <p:tnLst>
+      <p:par>
+        <p:cTn xmlns:p14="http://schemas.microsoft.com/office/powerpoint/2010/main" id="1" dur="indefinite" restart="never" nodeType="tmRoot"/>
+      </p:par>
+    </p:tnLst>
+  </p:timing>
+</p:sld>
+</file>
+
+<file path=ppt/slides/slide4.xml><?xml version="1.0" encoding="utf-8"?>
+<p:sld xmlns:a="http://schemas.openxmlformats.org/drawingml/2006/main" xmlns:r="http://schemas.openxmlformats.org/officeDocument/2006/relationships" xmlns:p="http://schemas.openxmlformats.org/presentationml/2006/main">
+  <p:cSld>
+    <p:bg>
+      <p:bgPr>
+        <a:blipFill dpi="0" rotWithShape="0">
+          <a:blip r:embed="rId2" cstate="print"/>
+          <a:srcRect/>
+          <a:stretch>
+            <a:fillRect/>
+          </a:stretch>
+        </a:blipFill>
+        <a:effectLst/>
+      </p:bgPr>
+    </p:bg>
+    <p:spTree>
+      <p:nvGrpSpPr>
+        <p:cNvPr id="1" name=""/>
+        <p:cNvGrpSpPr/>
+        <p:nvPr/>
+      </p:nvGrpSpPr>
+      <p:grpSpPr>
+        <a:xfrm>
+          <a:off x="0" y="0"/>
+          <a:ext cx="0" cy="0"/>
+          <a:chOff x="0" y="0"/>
+          <a:chExt cx="0" cy="0"/>
+        </a:xfrm>
+      </p:grpSpPr>
+      <p:sp>
+        <p:nvSpPr>
+          <p:cNvPr id="19458" name="Titre 1"/>
+          <p:cNvSpPr>
+            <a:spLocks noGrp="1"/>
+          </p:cNvSpPr>
+          <p:nvPr>
+            <p:ph type="title"/>
+          </p:nvPr>
+        </p:nvSpPr>
+        <p:spPr>
+          <a:xfrm>
+            <a:off x="468313" y="116632"/>
+            <a:ext cx="8229600" cy="1143000"/>
+          </a:xfrm>
+        </p:spPr>
+        <p:txBody>
+          <a:bodyPr/>
+          <a:lstStyle/>
+          <a:p>
+            <a:pPr eaLnBrk="1" hangingPunct="1"/>
+            <a:r>
+              <a:rPr lang="fr-FR" dirty="0" smtClean="0">
+                <a:ea typeface="ＭＳ Ｐゴシック" pitchFamily="34" charset="-128"/>
+              </a:rPr>
+              <a:t>Les Objectifs</a:t>
+            </a:r>
+            <a:endParaRPr lang="fr-FR" dirty="0" smtClean="0">
+              <a:ea typeface="ＭＳ Ｐゴシック" pitchFamily="34" charset="-128"/>
+            </a:endParaRPr>
+          </a:p>
+        </p:txBody>
+      </p:sp>
+      <p:sp>
+        <p:nvSpPr>
+          <p:cNvPr id="2" name="Espace réservé du numéro de diapositive 1"/>
+          <p:cNvSpPr>
+            <a:spLocks noGrp="1"/>
+          </p:cNvSpPr>
+          <p:nvPr>
+            <p:ph type="sldNum" sz="quarter" idx="12"/>
+          </p:nvPr>
+        </p:nvSpPr>
+        <p:spPr/>
+        <p:txBody>
+          <a:bodyPr/>
+          <a:lstStyle/>
+          <a:p>
+            <a:fld id="{2368A7E7-C7F4-4374-AC70-B5E51B0F7292}" type="slidenum">
+              <a:rPr lang="fr-CA"/>
+              <a:pPr/>
+              <a:t>4</a:t>
+            </a:fld>
+            <a:endParaRPr lang="fr-CA"/>
+          </a:p>
+        </p:txBody>
+      </p:sp>
+      <p:sp>
+        <p:nvSpPr>
+          <p:cNvPr id="3" name="ZoneTexte 2"/>
+          <p:cNvSpPr txBox="1"/>
+          <p:nvPr/>
+        </p:nvSpPr>
+        <p:spPr>
+          <a:xfrm>
+            <a:off x="1115616" y="1772816"/>
+            <a:ext cx="6696744" cy="830997"/>
+          </a:xfrm>
+          <a:prstGeom prst="rect">
+            <a:avLst/>
+          </a:prstGeom>
+          <a:noFill/>
+        </p:spPr>
+        <p:txBody>
+          <a:bodyPr wrap="square" rtlCol="0">
+            <a:spAutoFit/>
+          </a:bodyPr>
+          <a:lstStyle/>
+          <a:p>
+            <a:pPr algn="ctr"/>
+            <a:r>
+              <a:rPr lang="fr-FR" dirty="0" smtClean="0"/>
+              <a:t>Mise en œuvre d’une application mobile pour promouvoir la mobilité</a:t>
+            </a:r>
+            <a:endParaRPr lang="fr-FR" dirty="0"/>
+          </a:p>
+        </p:txBody>
+      </p:sp>
+      <p:pic>
+        <p:nvPicPr>
+          <p:cNvPr id="6" name="Image 2" descr="imageTrajet.png"/>
+          <p:cNvPicPr>
+            <a:picLocks noChangeAspect="1"/>
+          </p:cNvPicPr>
+          <p:nvPr/>
+        </p:nvPicPr>
+        <p:blipFill>
+          <a:blip r:embed="rId3" cstate="print"/>
+          <a:srcRect/>
+          <a:stretch>
+            <a:fillRect/>
+          </a:stretch>
+        </p:blipFill>
+        <p:spPr bwMode="auto">
+          <a:xfrm>
+            <a:off x="1979712" y="2924944"/>
+            <a:ext cx="5148263" cy="2043113"/>
+          </a:xfrm>
+          <a:prstGeom prst="rect">
+            <a:avLst/>
+          </a:prstGeom>
+          <a:noFill/>
+          <a:ln w="9525">
+            <a:noFill/>
+            <a:miter lim="800000"/>
+            <a:headEnd/>
+            <a:tailEnd/>
+          </a:ln>
+        </p:spPr>
+      </p:pic>
+    </p:spTree>
+    <p:extLst>
+      <p:ext uri="{BB962C8B-B14F-4D97-AF65-F5344CB8AC3E}">
+        <p14:creationId xmlns:p14="http://schemas.microsoft.com/office/powerpoint/2010/main" val="2217225423"/>
+      </p:ext>
+    </p:extLst>
+  </p:cSld>
+  <p:clrMapOvr>
+    <a:masterClrMapping/>
+  </p:clrMapOvr>
+  <p:timing>
+    <p:tnLst>
+      <p:par>
+        <p:cTn xmlns:p14="http://schemas.microsoft.com/office/powerpoint/2010/main" id="1" dur="indefinite" restart="never" nodeType="tmRoot"/>
+      </p:par>
+    </p:tnLst>
+  </p:timing>
+</p:sld>
+</file>
+
+<file path=ppt/slides/slide5.xml><?xml version="1.0" encoding="utf-8"?>
+<p:sld xmlns:a="http://schemas.openxmlformats.org/drawingml/2006/main" xmlns:r="http://schemas.openxmlformats.org/officeDocument/2006/relationships" xmlns:p="http://schemas.openxmlformats.org/presentationml/2006/main">
+  <p:cSld>
+    <p:spTree>
+      <p:nvGrpSpPr>
+        <p:cNvPr id="1" name=""/>
+        <p:cNvGrpSpPr/>
+        <p:nvPr/>
+      </p:nvGrpSpPr>
+      <p:grpSpPr>
+        <a:xfrm>
+          <a:off x="0" y="0"/>
+          <a:ext cx="0" cy="0"/>
+          <a:chOff x="0" y="0"/>
+          <a:chExt cx="0" cy="0"/>
+        </a:xfrm>
+      </p:grpSpPr>
+      <p:sp>
+        <p:nvSpPr>
+          <p:cNvPr id="2" name="Titre 1"/>
+          <p:cNvSpPr>
+            <a:spLocks noGrp="1"/>
+          </p:cNvSpPr>
+          <p:nvPr>
+            <p:ph type="title"/>
+          </p:nvPr>
+        </p:nvSpPr>
+        <p:spPr/>
+        <p:txBody>
+          <a:bodyPr/>
+          <a:lstStyle/>
+          <a:p>
+            <a:endParaRPr lang="en-US" dirty="0"/>
+          </a:p>
+        </p:txBody>
+      </p:sp>
+      <p:sp>
+        <p:nvSpPr>
+          <p:cNvPr id="3" name="Espace réservé du contenu 2"/>
+          <p:cNvSpPr>
+            <a:spLocks noGrp="1"/>
+          </p:cNvSpPr>
+          <p:nvPr>
+            <p:ph idx="1"/>
+          </p:nvPr>
+        </p:nvSpPr>
+        <p:spPr/>
+        <p:txBody>
+          <a:bodyPr/>
+          <a:lstStyle/>
+          <a:p>
+            <a:r>
+              <a:rPr lang="en-US" dirty="0" smtClean="0"/>
+              <a:t>Un slide qui </a:t>
+            </a:r>
+            <a:r>
+              <a:rPr lang="en-US" dirty="0" err="1" smtClean="0"/>
+              <a:t>explique</a:t>
+            </a:r>
+            <a:r>
+              <a:rPr lang="en-US" dirty="0" smtClean="0"/>
+              <a:t> </a:t>
+            </a:r>
+            <a:r>
+              <a:rPr lang="en-US" dirty="0" err="1" smtClean="0"/>
+              <a:t>clairement</a:t>
+            </a:r>
+            <a:r>
+              <a:rPr lang="en-US" dirty="0" smtClean="0"/>
+              <a:t> </a:t>
+            </a:r>
+            <a:r>
+              <a:rPr lang="en-US" dirty="0" err="1" smtClean="0"/>
+              <a:t>l’objectif</a:t>
+            </a:r>
+            <a:r>
+              <a:rPr lang="en-US" dirty="0" smtClean="0"/>
+              <a:t> de </a:t>
+            </a:r>
+            <a:r>
+              <a:rPr lang="en-US" dirty="0" err="1" smtClean="0"/>
+              <a:t>votre</a:t>
+            </a:r>
+            <a:r>
+              <a:rPr lang="en-US" dirty="0" smtClean="0"/>
+              <a:t> application. Avec des usage scenario et </a:t>
+            </a:r>
+            <a:r>
+              <a:rPr lang="en-US" dirty="0" err="1" smtClean="0"/>
+              <a:t>peut</a:t>
+            </a:r>
+            <a:r>
+              <a:rPr lang="en-US" dirty="0" smtClean="0"/>
+              <a:t> </a:t>
+            </a:r>
+            <a:r>
+              <a:rPr lang="en-US" dirty="0" err="1" smtClean="0"/>
+              <a:t>etre</a:t>
+            </a:r>
+            <a:r>
+              <a:rPr lang="en-US" dirty="0" smtClean="0"/>
+              <a:t> le </a:t>
+            </a:r>
+            <a:r>
+              <a:rPr lang="en-US" dirty="0" err="1" smtClean="0"/>
+              <a:t>dessin</a:t>
+            </a:r>
+            <a:r>
+              <a:rPr lang="en-US" dirty="0" smtClean="0"/>
+              <a:t> de </a:t>
+            </a:r>
+            <a:r>
+              <a:rPr lang="en-US" dirty="0" err="1" smtClean="0"/>
+              <a:t>votre</a:t>
+            </a:r>
+            <a:r>
+              <a:rPr lang="en-US" dirty="0" smtClean="0"/>
+              <a:t> poster pour </a:t>
+            </a:r>
+            <a:r>
+              <a:rPr lang="en-US" dirty="0" err="1" smtClean="0"/>
+              <a:t>montrer</a:t>
+            </a:r>
+            <a:r>
+              <a:rPr lang="en-US" dirty="0" smtClean="0"/>
+              <a:t> </a:t>
+            </a:r>
+            <a:r>
+              <a:rPr lang="en-US" dirty="0" err="1" smtClean="0"/>
+              <a:t>ce</a:t>
+            </a:r>
+            <a:r>
+              <a:rPr lang="en-US" dirty="0" smtClean="0"/>
+              <a:t> </a:t>
+            </a:r>
+            <a:r>
+              <a:rPr lang="en-US" dirty="0" err="1" smtClean="0"/>
+              <a:t>que</a:t>
+            </a:r>
+            <a:r>
+              <a:rPr lang="en-US" dirty="0" smtClean="0"/>
+              <a:t> </a:t>
+            </a:r>
+            <a:r>
+              <a:rPr lang="en-US" dirty="0" err="1" smtClean="0"/>
+              <a:t>l’on</a:t>
+            </a:r>
+            <a:r>
+              <a:rPr lang="en-US" dirty="0" smtClean="0"/>
+              <a:t> </a:t>
+            </a:r>
+            <a:r>
+              <a:rPr lang="en-US" dirty="0" err="1" smtClean="0"/>
+              <a:t>cherche</a:t>
+            </a:r>
+            <a:r>
+              <a:rPr lang="en-US" dirty="0" smtClean="0"/>
+              <a:t> à faire.</a:t>
+            </a:r>
+            <a:endParaRPr lang="en-US" dirty="0"/>
+          </a:p>
+        </p:txBody>
+      </p:sp>
+      <p:sp>
+        <p:nvSpPr>
+          <p:cNvPr id="4" name="Espace réservé du numéro de diapositive 3"/>
+          <p:cNvSpPr>
+            <a:spLocks noGrp="1"/>
+          </p:cNvSpPr>
+          <p:nvPr>
+            <p:ph type="sldNum" sz="quarter" idx="12"/>
+          </p:nvPr>
+        </p:nvSpPr>
+        <p:spPr/>
+        <p:txBody>
+          <a:bodyPr/>
+          <a:lstStyle/>
+          <a:p>
+            <a:fld id="{DC673A5F-E13B-4069-8C9B-F4E17F0A6349}" type="slidenum">
+              <a:rPr lang="fr-CA" smtClean="0"/>
+              <a:pPr/>
+              <a:t>5</a:t>
+            </a:fld>
+            <a:endParaRPr lang="fr-CA"/>
+          </a:p>
+        </p:txBody>
+      </p:sp>
+    </p:spTree>
+  </p:cSld>
+  <p:clrMapOvr>
+    <a:masterClrMapping/>
+  </p:clrMapOvr>
+</p:sld>
+</file>
+
+<file path=ppt/slides/slide6.xml><?xml version="1.0" encoding="utf-8"?>
+<p:sld xmlns:a="http://schemas.openxmlformats.org/drawingml/2006/main" xmlns:r="http://schemas.openxmlformats.org/officeDocument/2006/relationships" xmlns:p="http://schemas.openxmlformats.org/presentationml/2006/main">
+  <p:cSld>
+    <p:bg>
+      <p:bgPr>
+        <a:blipFill dpi="0" rotWithShape="0">
+          <a:blip r:embed="rId2" cstate="print"/>
+          <a:srcRect/>
+          <a:stretch>
+            <a:fillRect/>
+          </a:stretch>
+        </a:blipFill>
+        <a:effectLst/>
+      </p:bgPr>
+    </p:bg>
+    <p:spTree>
+      <p:nvGrpSpPr>
+        <p:cNvPr id="1" name=""/>
+        <p:cNvGrpSpPr/>
+        <p:nvPr/>
+      </p:nvGrpSpPr>
+      <p:grpSpPr>
+        <a:xfrm>
+          <a:off x="0" y="0"/>
+          <a:ext cx="0" cy="0"/>
+          <a:chOff x="0" y="0"/>
+          <a:chExt cx="0" cy="0"/>
+        </a:xfrm>
+      </p:grpSpPr>
+      <p:sp>
+        <p:nvSpPr>
+          <p:cNvPr id="19458" name="Titre 1"/>
+          <p:cNvSpPr>
+            <a:spLocks noGrp="1"/>
+          </p:cNvSpPr>
+          <p:nvPr>
+            <p:ph type="title"/>
+          </p:nvPr>
+        </p:nvSpPr>
+        <p:spPr>
+          <a:xfrm>
+            <a:off x="468313" y="125760"/>
+            <a:ext cx="8229600" cy="1143000"/>
+          </a:xfrm>
+        </p:spPr>
+        <p:txBody>
+          <a:bodyPr/>
+          <a:lstStyle/>
+          <a:p>
+            <a:pPr eaLnBrk="1" hangingPunct="1"/>
+            <a:r>
+              <a:rPr lang="fr-FR" dirty="0" smtClean="0">
+                <a:ea typeface="ＭＳ Ｐゴシック" pitchFamily="34" charset="-128"/>
+              </a:rPr>
+              <a:t>L’architecture du projet</a:t>
+            </a:r>
+            <a:endParaRPr lang="fr-FR" dirty="0" smtClean="0">
+              <a:ea typeface="ＭＳ Ｐゴシック" pitchFamily="34" charset="-128"/>
+            </a:endParaRPr>
+          </a:p>
+        </p:txBody>
+      </p:sp>
+      <p:sp>
+        <p:nvSpPr>
+          <p:cNvPr id="2" name="Espace réservé du numéro de diapositive 1"/>
+          <p:cNvSpPr>
+            <a:spLocks noGrp="1"/>
+          </p:cNvSpPr>
+          <p:nvPr>
+            <p:ph type="sldNum" sz="quarter" idx="12"/>
+          </p:nvPr>
+        </p:nvSpPr>
+        <p:spPr/>
+        <p:txBody>
+          <a:bodyPr/>
+          <a:lstStyle/>
+          <a:p>
+            <a:fld id="{2368A7E7-C7F4-4374-AC70-B5E51B0F7292}" type="slidenum">
+              <a:rPr lang="fr-CA"/>
+              <a:pPr/>
+              <a:t>6</a:t>
+            </a:fld>
+            <a:endParaRPr lang="fr-CA"/>
+          </a:p>
+        </p:txBody>
+      </p:sp>
+    </p:spTree>
+    <p:extLst>
+      <p:ext uri="{BB962C8B-B14F-4D97-AF65-F5344CB8AC3E}">
+        <p14:creationId xmlns:p14="http://schemas.microsoft.com/office/powerpoint/2010/main" val="1211516795"/>
+      </p:ext>
+    </p:extLst>
+  </p:cSld>
+  <p:clrMapOvr>
+    <a:masterClrMapping/>
+  </p:clrMapOvr>
+  <p:timing>
+    <p:tnLst>
+      <p:par>
+        <p:cTn xmlns:p14="http://schemas.microsoft.com/office/powerpoint/2010/main" id="1" dur="indefinite" restart="never" nodeType="tmRoot"/>
+      </p:par>
+    </p:tnLst>
+  </p:timing>
+</p:sld>
+</file>
+
+<file path=ppt/slides/slide7.xml><?xml version="1.0" encoding="utf-8"?>
+<p:sld xmlns:a="http://schemas.openxmlformats.org/drawingml/2006/main" xmlns:r="http://schemas.openxmlformats.org/officeDocument/2006/relationships" xmlns:p="http://schemas.openxmlformats.org/presentationml/2006/main">
+  <p:cSld>
+    <p:spTree>
+      <p:nvGrpSpPr>
+        <p:cNvPr id="1" name=""/>
+        <p:cNvGrpSpPr/>
+        <p:nvPr/>
+      </p:nvGrpSpPr>
+      <p:grpSpPr>
+        <a:xfrm>
+          <a:off x="0" y="0"/>
+          <a:ext cx="0" cy="0"/>
+          <a:chOff x="0" y="0"/>
+          <a:chExt cx="0" cy="0"/>
+        </a:xfrm>
+      </p:grpSpPr>
+      <p:sp>
+        <p:nvSpPr>
+          <p:cNvPr id="2" name="Titre 1"/>
+          <p:cNvSpPr>
+            <a:spLocks noGrp="1"/>
+          </p:cNvSpPr>
+          <p:nvPr>
+            <p:ph type="title"/>
+          </p:nvPr>
+        </p:nvSpPr>
+        <p:spPr/>
+        <p:txBody>
+          <a:bodyPr/>
+          <a:lstStyle/>
+          <a:p>
+            <a:endParaRPr lang="en-US"/>
+          </a:p>
+        </p:txBody>
+      </p:sp>
+      <p:sp>
+        <p:nvSpPr>
+          <p:cNvPr id="3" name="Espace réservé du contenu 2"/>
+          <p:cNvSpPr>
+            <a:spLocks noGrp="1"/>
+          </p:cNvSpPr>
+          <p:nvPr>
+            <p:ph idx="1"/>
+          </p:nvPr>
+        </p:nvSpPr>
+        <p:spPr/>
+        <p:txBody>
+          <a:bodyPr/>
+          <a:lstStyle/>
+          <a:p>
+            <a:r>
+              <a:rPr lang="en-US" dirty="0" smtClean="0"/>
+              <a:t>Un slide qui </a:t>
+            </a:r>
+            <a:r>
+              <a:rPr lang="en-US" dirty="0" err="1" smtClean="0"/>
+              <a:t>explique</a:t>
+            </a:r>
+            <a:r>
+              <a:rPr lang="en-US" dirty="0" smtClean="0"/>
+              <a:t> </a:t>
+            </a:r>
+            <a:r>
+              <a:rPr lang="en-US" dirty="0" err="1" smtClean="0"/>
+              <a:t>clairement</a:t>
+            </a:r>
+            <a:r>
+              <a:rPr lang="en-US" dirty="0" smtClean="0"/>
+              <a:t> </a:t>
+            </a:r>
+            <a:r>
+              <a:rPr lang="en-US" dirty="0" err="1" smtClean="0"/>
+              <a:t>l’architecture</a:t>
+            </a:r>
+            <a:r>
+              <a:rPr lang="en-US" dirty="0" smtClean="0"/>
+              <a:t> de </a:t>
+            </a:r>
+            <a:r>
+              <a:rPr lang="en-US" dirty="0" err="1" smtClean="0"/>
+              <a:t>votre</a:t>
+            </a:r>
+            <a:r>
+              <a:rPr lang="en-US" dirty="0" smtClean="0"/>
+              <a:t> application </a:t>
+            </a:r>
+            <a:r>
+              <a:rPr lang="en-US" dirty="0" err="1" smtClean="0"/>
+              <a:t>globale</a:t>
+            </a:r>
+            <a:r>
+              <a:rPr lang="en-US" dirty="0" smtClean="0"/>
+              <a:t> avec le client mobile / Web, le </a:t>
+            </a:r>
+            <a:r>
+              <a:rPr lang="en-US" dirty="0" err="1" smtClean="0"/>
+              <a:t>serveur</a:t>
+            </a:r>
+            <a:r>
+              <a:rPr lang="en-US" dirty="0" smtClean="0"/>
+              <a:t>, les </a:t>
+            </a:r>
+            <a:r>
+              <a:rPr lang="en-US" dirty="0" err="1" smtClean="0"/>
+              <a:t>autres</a:t>
+            </a:r>
+            <a:r>
+              <a:rPr lang="en-US" dirty="0" smtClean="0"/>
+              <a:t> services </a:t>
+            </a:r>
+            <a:r>
+              <a:rPr lang="en-US" dirty="0" err="1" smtClean="0"/>
+              <a:t>auxquels</a:t>
+            </a:r>
+            <a:r>
+              <a:rPr lang="en-US" dirty="0" smtClean="0"/>
+              <a:t> </a:t>
+            </a:r>
+            <a:r>
+              <a:rPr lang="en-US" dirty="0" err="1" smtClean="0"/>
+              <a:t>vous</a:t>
+            </a:r>
+            <a:r>
+              <a:rPr lang="en-US" dirty="0" smtClean="0"/>
+              <a:t> </a:t>
+            </a:r>
+            <a:r>
+              <a:rPr lang="en-US" dirty="0" err="1" smtClean="0"/>
+              <a:t>accéder</a:t>
+            </a:r>
+            <a:r>
+              <a:rPr lang="en-US" dirty="0" smtClean="0"/>
+              <a:t> pour </a:t>
+            </a:r>
+            <a:r>
+              <a:rPr lang="en-US" dirty="0" err="1" smtClean="0"/>
+              <a:t>construire</a:t>
+            </a:r>
+            <a:r>
+              <a:rPr lang="en-US" dirty="0" smtClean="0"/>
+              <a:t> </a:t>
+            </a:r>
+            <a:r>
+              <a:rPr lang="en-US" dirty="0" err="1" smtClean="0"/>
+              <a:t>votre</a:t>
+            </a:r>
+            <a:r>
+              <a:rPr lang="en-US" dirty="0" smtClean="0"/>
+              <a:t> </a:t>
+            </a:r>
+            <a:r>
+              <a:rPr lang="en-US" dirty="0" err="1" smtClean="0"/>
+              <a:t>appli</a:t>
+            </a:r>
+            <a:r>
+              <a:rPr lang="en-US" dirty="0" smtClean="0"/>
+              <a:t> …</a:t>
+            </a:r>
+            <a:endParaRPr lang="en-US" dirty="0"/>
+          </a:p>
+        </p:txBody>
+      </p:sp>
+      <p:sp>
+        <p:nvSpPr>
+          <p:cNvPr id="4" name="Espace réservé du numéro de diapositive 3"/>
+          <p:cNvSpPr>
+            <a:spLocks noGrp="1"/>
+          </p:cNvSpPr>
+          <p:nvPr>
+            <p:ph type="sldNum" sz="quarter" idx="12"/>
+          </p:nvPr>
+        </p:nvSpPr>
+        <p:spPr/>
+        <p:txBody>
+          <a:bodyPr/>
+          <a:lstStyle/>
+          <a:p>
+            <a:fld id="{DC673A5F-E13B-4069-8C9B-F4E17F0A6349}" type="slidenum">
+              <a:rPr lang="fr-CA" smtClean="0"/>
+              <a:pPr/>
+              <a:t>7</a:t>
+            </a:fld>
+            <a:endParaRPr lang="fr-CA"/>
+          </a:p>
+        </p:txBody>
+      </p:sp>
+    </p:spTree>
+  </p:cSld>
+  <p:clrMapOvr>
+    <a:masterClrMapping/>
+  </p:clrMapOvr>
+</p:sld>
+</file>
+
+<file path=ppt/slides/slide8.xml><?xml version="1.0" encoding="utf-8"?>
+<p:sld xmlns:a="http://schemas.openxmlformats.org/drawingml/2006/main" xmlns:r="http://schemas.openxmlformats.org/officeDocument/2006/relationships" xmlns:p="http://schemas.openxmlformats.org/presentationml/2006/main">
+  <p:cSld>
+    <p:bg>
+      <p:bgPr>
+        <a:blipFill dpi="0" rotWithShape="0">
+          <a:blip r:embed="rId3" cstate="print"/>
+          <a:srcRect/>
+          <a:stretch>
+            <a:fillRect/>
+          </a:stretch>
+        </a:blipFill>
+        <a:effectLst/>
+      </p:bgPr>
+    </p:bg>
+    <p:spTree>
+      <p:nvGrpSpPr>
+        <p:cNvPr id="1" name=""/>
+        <p:cNvGrpSpPr/>
+        <p:nvPr/>
+      </p:nvGrpSpPr>
+      <p:grpSpPr>
+        <a:xfrm>
+          <a:off x="0" y="0"/>
+          <a:ext cx="0" cy="0"/>
+          <a:chOff x="0" y="0"/>
+          <a:chExt cx="0" cy="0"/>
+        </a:xfrm>
+      </p:grpSpPr>
+      <p:sp>
+        <p:nvSpPr>
+          <p:cNvPr id="20482" name="Titre 1"/>
+          <p:cNvSpPr>
+            <a:spLocks noGrp="1"/>
+          </p:cNvSpPr>
+          <p:nvPr>
+            <p:ph type="title"/>
+          </p:nvPr>
+        </p:nvSpPr>
+        <p:spPr>
+          <a:xfrm>
+            <a:off x="468313" y="115888"/>
+            <a:ext cx="8229600" cy="1195387"/>
+          </a:xfrm>
+        </p:spPr>
+        <p:txBody>
+          <a:bodyPr/>
+          <a:lstStyle/>
+          <a:p>
+            <a:pPr eaLnBrk="1" hangingPunct="1"/>
+            <a:r>
+              <a:rPr lang="fr-FR" smtClean="0">
+                <a:ea typeface="ＭＳ Ｐゴシック" pitchFamily="34" charset="-128"/>
+              </a:rPr>
+              <a:t>Client-serveur </a:t>
+            </a:r>
+          </a:p>
+        </p:txBody>
+      </p:sp>
+      <p:sp>
+        <p:nvSpPr>
+          <p:cNvPr id="20483" name="ZoneTexte 5"/>
+          <p:cNvSpPr txBox="1">
+            <a:spLocks noChangeArrowheads="1"/>
+          </p:cNvSpPr>
+          <p:nvPr/>
+        </p:nvSpPr>
+        <p:spPr bwMode="auto">
+          <a:xfrm>
+            <a:off x="971600" y="1772816"/>
+            <a:ext cx="6408712" cy="2431435"/>
+          </a:xfrm>
+          <a:prstGeom prst="rect">
+            <a:avLst/>
+          </a:prstGeom>
+          <a:noFill/>
+          <a:ln w="9525">
+            <a:noFill/>
+            <a:miter lim="800000"/>
+            <a:headEnd/>
+            <a:tailEnd/>
+          </a:ln>
+        </p:spPr>
+        <p:txBody>
+          <a:bodyPr wrap="square">
+            <a:spAutoFit/>
+          </a:bodyPr>
+          <a:lstStyle/>
+          <a:p>
+            <a:pPr algn="ctr"/>
+            <a:r>
+              <a:rPr lang="fr-FR" sz="3200" b="1" dirty="0" smtClean="0"/>
+              <a:t>Compétences</a:t>
+            </a:r>
+            <a:endParaRPr lang="fr-FR" sz="3200" b="1" dirty="0"/>
+          </a:p>
+          <a:p>
+            <a:pPr marL="285750" indent="-285750">
+              <a:buFont typeface="Arial"/>
+              <a:buChar char="•"/>
+            </a:pPr>
+            <a:r>
+              <a:rPr lang="fr-FR" dirty="0"/>
+              <a:t>Travail en équipe</a:t>
+            </a:r>
+          </a:p>
+          <a:p>
+            <a:pPr marL="285750" indent="-285750">
+              <a:buFont typeface="Arial"/>
+              <a:buChar char="•"/>
+            </a:pPr>
+            <a:r>
+              <a:rPr lang="fr-FR" dirty="0"/>
+              <a:t>Développement Web</a:t>
+            </a:r>
+          </a:p>
+          <a:p>
+            <a:pPr marL="285750" indent="-285750">
+              <a:buFont typeface="Arial"/>
+              <a:buChar char="•"/>
+            </a:pPr>
+            <a:r>
+              <a:rPr lang="fr-FR" dirty="0"/>
+              <a:t>Développement d</a:t>
+            </a:r>
+            <a:r>
+              <a:rPr lang="fr-FR" altLang="fr-FR" dirty="0"/>
+              <a:t>’</a:t>
+            </a:r>
+            <a:r>
+              <a:rPr lang="fr-FR" dirty="0"/>
+              <a:t>application mobile</a:t>
+            </a:r>
+          </a:p>
+          <a:p>
+            <a:pPr marL="285750" indent="-285750">
+              <a:buFont typeface="Arial"/>
+              <a:buChar char="•"/>
+            </a:pPr>
+            <a:r>
+              <a:rPr lang="fr-FR" dirty="0"/>
+              <a:t>Gestion de Serveurs / bases de données</a:t>
+            </a:r>
+          </a:p>
+          <a:p>
+            <a:pPr marL="285750" indent="-285750">
+              <a:buFont typeface="Arial"/>
+              <a:buChar char="•"/>
+            </a:pPr>
+            <a:r>
+              <a:rPr lang="fr-FR" dirty="0"/>
+              <a:t>Communication inter-entreprises</a:t>
+            </a:r>
+          </a:p>
+        </p:txBody>
+      </p:sp>
+      <p:sp>
+        <p:nvSpPr>
+          <p:cNvPr id="20484" name="ZoneTexte 8"/>
+          <p:cNvSpPr txBox="1">
+            <a:spLocks noChangeArrowheads="1"/>
+          </p:cNvSpPr>
+          <p:nvPr/>
+        </p:nvSpPr>
+        <p:spPr bwMode="auto">
+          <a:xfrm>
+            <a:off x="0" y="5373688"/>
+            <a:ext cx="8924925" cy="369887"/>
+          </a:xfrm>
+          <a:prstGeom prst="rect">
+            <a:avLst/>
+          </a:prstGeom>
+          <a:noFill/>
+          <a:ln w="9525">
+            <a:noFill/>
+            <a:miter lim="800000"/>
+            <a:headEnd/>
+            <a:tailEnd/>
+          </a:ln>
+        </p:spPr>
+        <p:txBody>
+          <a:bodyPr>
+            <a:spAutoFit/>
+          </a:bodyPr>
+          <a:lstStyle/>
+          <a:p>
+            <a:pPr algn="ctr"/>
+            <a:r>
+              <a:rPr lang="fr-FR" sz="1800" i="1" dirty="0"/>
+              <a:t>Application mobile, Site Web et Api de développement</a:t>
+            </a:r>
+          </a:p>
+        </p:txBody>
+      </p:sp>
+      <p:sp>
+        <p:nvSpPr>
+          <p:cNvPr id="2" name="Espace réservé du numéro de diapositive 1"/>
+          <p:cNvSpPr>
+            <a:spLocks noGrp="1"/>
+          </p:cNvSpPr>
+          <p:nvPr>
+            <p:ph type="sldNum" sz="quarter" idx="12"/>
+          </p:nvPr>
+        </p:nvSpPr>
+        <p:spPr/>
+        <p:txBody>
+          <a:bodyPr/>
+          <a:lstStyle/>
+          <a:p>
+            <a:fld id="{BF1E6201-ED52-42A7-BEF5-7088C85FEE14}" type="slidenum">
+              <a:rPr lang="fr-CA"/>
+              <a:pPr/>
+              <a:t>8</a:t>
+            </a:fld>
+            <a:endParaRPr lang="fr-CA"/>
+          </a:p>
+        </p:txBody>
+      </p:sp>
+    </p:spTree>
+  </p:cSld>
+  <p:clrMapOvr>
+    <a:masterClrMapping/>
+  </p:clrMapOvr>
+  <p:timing>
+    <p:tnLst>
+      <p:par>
+        <p:cTn xmlns:p14="http://schemas.microsoft.com/office/powerpoint/2010/main" id="1" dur="indefinite" restart="never" nodeType="tmRoot"/>
+      </p:par>
+    </p:tnLst>
+  </p:timing>
+</p:sld>
+</file>
+
+<file path=ppt/slides/slide9.xml><?xml version="1.0" encoding="utf-8"?>
+<p:sld xmlns:a="http://schemas.openxmlformats.org/drawingml/2006/main" xmlns:r="http://schemas.openxmlformats.org/officeDocument/2006/relationships" xmlns:p="http://schemas.openxmlformats.org/presentationml/2006/main">
+  <p:cSld>
+    <p:bg>
+      <p:bgPr>
+        <a:blipFill dpi="0" rotWithShape="0">
+          <a:blip r:embed="rId2" cstate="print"/>
+          <a:srcRect/>
+          <a:stretch>
+            <a:fillRect/>
+          </a:stretch>
+        </a:blipFill>
+        <a:effectLst/>
+      </p:bgPr>
+    </p:bg>
+    <p:spTree>
+      <p:nvGrpSpPr>
+        <p:cNvPr id="1" name=""/>
+        <p:cNvGrpSpPr/>
+        <p:nvPr/>
+      </p:nvGrpSpPr>
+      <p:grpSpPr>
+        <a:xfrm>
+          <a:off x="0" y="0"/>
+          <a:ext cx="0" cy="0"/>
+          <a:chOff x="0" y="0"/>
+          <a:chExt cx="0" cy="0"/>
+        </a:xfrm>
+      </p:grpSpPr>
+      <p:sp>
+        <p:nvSpPr>
+          <p:cNvPr id="22530" name="Titre 1"/>
+          <p:cNvSpPr>
+            <a:spLocks noGrp="1"/>
+          </p:cNvSpPr>
+          <p:nvPr>
+            <p:ph type="title"/>
+          </p:nvPr>
+        </p:nvSpPr>
+        <p:spPr>
+          <a:xfrm>
+            <a:off x="468313" y="188913"/>
+            <a:ext cx="8229600" cy="1143000"/>
+          </a:xfrm>
+        </p:spPr>
+        <p:txBody>
+          <a:bodyPr/>
+          <a:lstStyle/>
+          <a:p>
+            <a:pPr eaLnBrk="1" hangingPunct="1"/>
+            <a:r>
+              <a:rPr lang="fr-FR" dirty="0" smtClean="0">
+                <a:ea typeface="ＭＳ Ｐゴシック" pitchFamily="34" charset="-128"/>
+              </a:rPr>
+              <a:t>Serveur</a:t>
+            </a:r>
+          </a:p>
+        </p:txBody>
+      </p:sp>
+      <p:sp>
+        <p:nvSpPr>
+          <p:cNvPr id="3" name="Espace réservé du contenu 2"/>
+          <p:cNvSpPr>
+            <a:spLocks noGrp="1"/>
+          </p:cNvSpPr>
+          <p:nvPr>
+            <p:ph idx="1"/>
+          </p:nvPr>
+        </p:nvSpPr>
+        <p:spPr>
+          <a:xfrm>
+            <a:off x="467544" y="1514202"/>
+            <a:ext cx="8229600" cy="4525963"/>
+          </a:xfrm>
+          <a:extLst>
+            <a:ext uri="{909E8E84-426E-40dd-AFC4-6F175D3DCCD1}">
+              <a14:hiddenFill xmlns:a14="http://schemas.microsoft.com/office/drawing/2010/main">
+                <a:solidFill>
+                  <a:srgbClr val="FFFFFF"/>
+                </a:solidFill>
+              </a14:hiddenFill>
+            </a:ext>
+            <a:ext uri="{91240B29-F687-4f45-9708-019B960494DF}">
+              <a14:hiddenLine xmlns:a14="http://schemas.microsoft.com/office/drawing/2010/main" w="9525">
+                <a:solidFill>
+                  <a:srgbClr val="000000"/>
+                </a:solidFill>
+                <a:miter lim="800000"/>
+                <a:headEnd/>
+                <a:tailEnd/>
+              </a14:hiddenLine>
+            </a:ext>
+            <a:ext uri="{FAA26D3D-D897-4be2-8F04-BA451C77F1D7}">
+              <ma14:placeholderFlag xmlns:ma14="http://schemas.microsoft.com/office/mac/drawingml/2011/main" val="1"/>
+            </a:ext>
+          </a:extLst>
+        </p:spPr>
+        <p:txBody>
+          <a:bodyPr/>
+          <a:lstStyle/>
+          <a:p>
+            <a:pPr eaLnBrk="1" hangingPunct="1">
+              <a:buFont typeface="Arial" charset="0"/>
+              <a:buChar char="•"/>
+              <a:defRPr/>
+            </a:pPr>
+            <a:r>
+              <a:rPr lang="fr-FR" dirty="0" smtClean="0">
+                <a:ea typeface="+mn-ea"/>
+                <a:cs typeface="+mn-cs"/>
+              </a:rPr>
+              <a:t>Accès aux bases de données</a:t>
+            </a:r>
+          </a:p>
+          <a:p>
+            <a:pPr lvl="1" eaLnBrk="1" hangingPunct="1">
+              <a:buFont typeface="Arial" charset="0"/>
+              <a:buChar char="–"/>
+              <a:defRPr/>
+            </a:pPr>
+            <a:r>
+              <a:rPr lang="fr-FR" dirty="0" err="1" smtClean="0">
+                <a:ea typeface="+mn-ea"/>
+              </a:rPr>
+              <a:t>MySql</a:t>
+            </a:r>
+            <a:endParaRPr lang="fr-FR" dirty="0">
+              <a:ea typeface="+mn-ea"/>
+            </a:endParaRPr>
+          </a:p>
+          <a:p>
+            <a:pPr lvl="1" eaLnBrk="1" hangingPunct="1">
+              <a:buFont typeface="Arial" charset="0"/>
+              <a:buChar char="–"/>
+              <a:defRPr/>
+            </a:pPr>
+            <a:r>
+              <a:rPr lang="fr-FR" dirty="0" smtClean="0">
+                <a:ea typeface="+mn-ea"/>
+              </a:rPr>
+              <a:t>Neo4j</a:t>
+            </a:r>
+            <a:endParaRPr lang="fr-FR" dirty="0">
+              <a:ea typeface="+mn-ea"/>
+            </a:endParaRPr>
+          </a:p>
+          <a:p>
+            <a:pPr lvl="5">
+              <a:defRPr/>
+            </a:pPr>
+            <a:endParaRPr lang="fr-FR" dirty="0"/>
+          </a:p>
+          <a:p>
+            <a:pPr eaLnBrk="1" hangingPunct="1">
+              <a:buFont typeface="Arial" charset="0"/>
+              <a:buChar char="•"/>
+              <a:defRPr/>
+            </a:pPr>
+            <a:r>
+              <a:rPr lang="fr-FR" dirty="0">
+                <a:ea typeface="+mn-ea"/>
+                <a:cs typeface="+mn-cs"/>
+              </a:rPr>
+              <a:t>Gestion </a:t>
+            </a:r>
+            <a:r>
+              <a:rPr lang="fr-FR" dirty="0" smtClean="0">
+                <a:ea typeface="+mn-ea"/>
+                <a:cs typeface="+mn-cs"/>
+              </a:rPr>
+              <a:t>des requêtes entrantes et sortantes</a:t>
+            </a:r>
+            <a:endParaRPr lang="fr-FR" dirty="0">
+              <a:ea typeface="+mn-ea"/>
+              <a:cs typeface="+mn-cs"/>
+            </a:endParaRPr>
+          </a:p>
+          <a:p>
+            <a:pPr eaLnBrk="1" hangingPunct="1">
+              <a:buFont typeface="Arial" charset="0"/>
+              <a:buChar char="•"/>
+              <a:defRPr/>
+            </a:pPr>
+            <a:endParaRPr lang="fr-FR" dirty="0" smtClean="0">
+              <a:ea typeface="+mn-ea"/>
+              <a:cs typeface="+mn-cs"/>
+            </a:endParaRPr>
+          </a:p>
+          <a:p>
+            <a:pPr eaLnBrk="1" hangingPunct="1">
+              <a:buFont typeface="Arial" charset="0"/>
+              <a:buChar char="•"/>
+              <a:defRPr/>
+            </a:pPr>
+            <a:r>
+              <a:rPr lang="fr-FR" dirty="0" smtClean="0">
+                <a:ea typeface="+mn-ea"/>
+                <a:cs typeface="+mn-cs"/>
+              </a:rPr>
+              <a:t>Formatage des données envoyées</a:t>
+            </a:r>
+            <a:endParaRPr lang="fr-FR" dirty="0">
+              <a:ea typeface="+mn-ea"/>
+              <a:cs typeface="+mn-cs"/>
+            </a:endParaRPr>
+          </a:p>
+          <a:p>
+            <a:pPr eaLnBrk="1" hangingPunct="1">
+              <a:buFont typeface="Arial" charset="0"/>
+              <a:buChar char="•"/>
+              <a:defRPr/>
+            </a:pPr>
+            <a:endParaRPr lang="fr-FR" dirty="0">
+              <a:ea typeface="+mn-ea"/>
+              <a:cs typeface="+mn-cs"/>
+            </a:endParaRPr>
+          </a:p>
+        </p:txBody>
+      </p:sp>
+      <p:sp>
+        <p:nvSpPr>
+          <p:cNvPr id="2" name="Espace réservé du numéro de diapositive 1"/>
+          <p:cNvSpPr>
+            <a:spLocks noGrp="1"/>
+          </p:cNvSpPr>
+          <p:nvPr>
+            <p:ph type="sldNum" sz="quarter" idx="12"/>
+          </p:nvPr>
+        </p:nvSpPr>
+        <p:spPr/>
+        <p:txBody>
+          <a:bodyPr/>
+          <a:lstStyle/>
+          <a:p>
+            <a:fld id="{EB328AEC-1600-4454-AC4F-FDB7AF49D56E}" type="slidenum">
+              <a:rPr lang="fr-CA"/>
+              <a:pPr/>
+              <a:t>9</a:t>
+            </a:fld>
+            <a:endParaRPr lang="fr-CA"/>
+          </a:p>
+        </p:txBody>
+      </p:sp>
+    </p:spTree>
+  </p:cSld>
+  <p:clrMapOvr>
+    <a:masterClrMapping/>
+  </p:clrMapOvr>
+  <p:timing>
+    <p:tnLst>
+      <p:par>
+        <p:cTn xmlns:p14="http://schemas.microsoft.com/office/powerpoint/2010/main" id="1" dur="indefinite" restart="never" nodeType="tmRoot"/>
       </p:par>
     </p:tnLst>
   </p:timing>

--- a/Documents/presentation BMA.pptx
+++ b/Documents/presentation BMA.pptx
@@ -2,31 +2,32 @@
 <file path=ppt/presentation.xml><?xml version="1.0" encoding="utf-8"?>
 <p:presentation xmlns:a="http://schemas.openxmlformats.org/drawingml/2006/main" xmlns:r="http://schemas.openxmlformats.org/officeDocument/2006/relationships" xmlns:p="http://schemas.openxmlformats.org/presentationml/2006/main" showSpecialPlsOnTitleSld="0" saveSubsetFonts="1">
   <p:sldMasterIdLst>
-    <p:sldMasterId id="2147483648" r:id="rId2"/>
+    <p:sldMasterId id="2147483660" r:id="rId2"/>
   </p:sldMasterIdLst>
   <p:notesMasterIdLst>
-    <p:notesMasterId r:id="rId19"/>
+    <p:notesMasterId r:id="rId20"/>
   </p:notesMasterIdLst>
   <p:handoutMasterIdLst>
-    <p:handoutMasterId r:id="rId20"/>
+    <p:handoutMasterId r:id="rId21"/>
   </p:handoutMasterIdLst>
   <p:sldIdLst>
     <p:sldId id="256" r:id="rId3"/>
     <p:sldId id="258" r:id="rId4"/>
     <p:sldId id="257" r:id="rId5"/>
-    <p:sldId id="272" r:id="rId6"/>
-    <p:sldId id="269" r:id="rId7"/>
-    <p:sldId id="273" r:id="rId8"/>
-    <p:sldId id="270" r:id="rId9"/>
-    <p:sldId id="261" r:id="rId10"/>
-    <p:sldId id="262" r:id="rId11"/>
-    <p:sldId id="263" r:id="rId12"/>
-    <p:sldId id="268" r:id="rId13"/>
-    <p:sldId id="264" r:id="rId14"/>
-    <p:sldId id="267" r:id="rId15"/>
-    <p:sldId id="266" r:id="rId16"/>
-    <p:sldId id="271" r:id="rId17"/>
-    <p:sldId id="259" r:id="rId18"/>
+    <p:sldId id="274" r:id="rId6"/>
+    <p:sldId id="272" r:id="rId7"/>
+    <p:sldId id="269" r:id="rId8"/>
+    <p:sldId id="273" r:id="rId9"/>
+    <p:sldId id="270" r:id="rId10"/>
+    <p:sldId id="261" r:id="rId11"/>
+    <p:sldId id="262" r:id="rId12"/>
+    <p:sldId id="263" r:id="rId13"/>
+    <p:sldId id="268" r:id="rId14"/>
+    <p:sldId id="264" r:id="rId15"/>
+    <p:sldId id="267" r:id="rId16"/>
+    <p:sldId id="266" r:id="rId17"/>
+    <p:sldId id="271" r:id="rId18"/>
+    <p:sldId id="259" r:id="rId19"/>
   </p:sldIdLst>
   <p:sldSz cx="9144000" cy="6858000" type="screen4x3"/>
   <p:notesSz cx="6858000" cy="9144000"/>
@@ -166,15 +167,6 @@
 
 <file path=ppt/comments/comment1.xml><?xml version="1.0" encoding="utf-8"?>
 <p:cmLst xmlns:a="http://schemas.openxmlformats.org/drawingml/2006/main" xmlns:r="http://schemas.openxmlformats.org/officeDocument/2006/relationships" xmlns:p="http://schemas.openxmlformats.org/presentationml/2006/main">
-  <p:cm authorId="0" dt="2013-02-20T13:49:26.767" idx="4">
-    <p:pos x="5008" y="1328"/>
-    <p:text>Illisible en centré à revoir</p:text>
-  </p:cm>
-</p:cmLst>
-</file>
-
-<file path=ppt/comments/comment2.xml><?xml version="1.0" encoding="utf-8"?>
-<p:cmLst xmlns:a="http://schemas.openxmlformats.org/drawingml/2006/main" xmlns:r="http://schemas.openxmlformats.org/officeDocument/2006/relationships" xmlns:p="http://schemas.openxmlformats.org/presentationml/2006/main">
   <p:cm authorId="0" dt="2013-02-20T13:52:03.773" idx="7">
     <p:pos x="5279" y="1038"/>
     <p:text>Important de faire ce slide</p:text>
@@ -182,7 +174,7 @@
 </p:cmLst>
 </file>
 
-<file path=ppt/comments/comment3.xml><?xml version="1.0" encoding="utf-8"?>
+<file path=ppt/comments/comment2.xml><?xml version="1.0" encoding="utf-8"?>
 <p:cmLst xmlns:a="http://schemas.openxmlformats.org/drawingml/2006/main" xmlns:r="http://schemas.openxmlformats.org/officeDocument/2006/relationships" xmlns:p="http://schemas.openxmlformats.org/presentationml/2006/main">
   <p:cm authorId="0" dt="2013-02-20T13:50:30.721" idx="6">
     <p:pos x="4575" y="3413"/>
@@ -191,7 +183,7 @@
 </p:cmLst>
 </file>
 
-<file path=ppt/comments/comment4.xml><?xml version="1.0" encoding="utf-8"?>
+<file path=ppt/comments/comment3.xml><?xml version="1.0" encoding="utf-8"?>
 <p:cmLst xmlns:a="http://schemas.openxmlformats.org/drawingml/2006/main" xmlns:r="http://schemas.openxmlformats.org/officeDocument/2006/relationships" xmlns:p="http://schemas.openxmlformats.org/presentationml/2006/main">
   <p:cm authorId="0" dt="2013-02-20T13:55:29.062" idx="8">
     <p:pos x="3518" y="267"/>
@@ -205,7 +197,7 @@
 </p:cmLst>
 </file>
 
-<file path=ppt/comments/comment5.xml><?xml version="1.0" encoding="utf-8"?>
+<file path=ppt/comments/comment4.xml><?xml version="1.0" encoding="utf-8"?>
 <p:cmLst xmlns:a="http://schemas.openxmlformats.org/drawingml/2006/main" xmlns:r="http://schemas.openxmlformats.org/officeDocument/2006/relationships" xmlns:p="http://schemas.openxmlformats.org/presentationml/2006/main">
   <p:cm authorId="0" dt="2013-02-20T13:54:48.365" idx="9">
     <p:pos x="3889" y="981"/>
@@ -308,7 +300,7 @@
             <a:fld id="{21FA6B07-F5D7-4F47-8CBC-2C38D0C91597}" type="datetimeFigureOut">
               <a:rPr lang="fr-FR"/>
               <a:pPr/>
-              <a:t>20/02/13</a:t>
+              <a:t>2/20/13</a:t>
             </a:fld>
             <a:endParaRPr lang="fr-FR"/>
           </a:p>
@@ -498,7 +490,7 @@
             <a:fld id="{47710580-8436-44D1-B795-1890318B8FB8}" type="datetimeFigureOut">
               <a:rPr lang="fr-FR"/>
               <a:pPr/>
-              <a:t>20/02/13</a:t>
+              <a:t>2/20/13</a:t>
             </a:fld>
             <a:endParaRPr lang="fr-FR"/>
           </a:p>
@@ -1260,7 +1252,7 @@
             <a:fld id="{E6214905-2BD4-48EC-A8DF-881812B63776}" type="slidenum">
               <a:rPr lang="fr-FR"/>
               <a:pPr/>
-              <a:t>8</a:t>
+              <a:t>9</a:t>
             </a:fld>
             <a:endParaRPr lang="fr-FR"/>
           </a:p>
@@ -1369,7 +1361,7 @@
             <a:fld id="{DFD8C768-15AA-4D59-AEA1-23B84E6B3ABE}" type="slidenum">
               <a:rPr lang="fr-FR"/>
               <a:pPr/>
-              <a:t>10</a:t>
+              <a:t>11</a:t>
             </a:fld>
             <a:endParaRPr lang="fr-FR"/>
           </a:p>
@@ -1474,7 +1466,7 @@
             <a:fld id="{952EE464-FF31-42C7-BDEC-4E054C5F69FE}" type="slidenum">
               <a:rPr lang="fr-FR"/>
               <a:pPr/>
-              <a:t>14</a:t>
+              <a:t>15</a:t>
             </a:fld>
             <a:endParaRPr lang="fr-FR"/>
           </a:p>
@@ -1507,7 +1499,7 @@
       </p:grpSpPr>
       <p:sp>
         <p:nvSpPr>
-          <p:cNvPr id="2" name="Titre 1"/>
+          <p:cNvPr id="2" name="Title 1"/>
           <p:cNvSpPr>
             <a:spLocks noGrp="1"/>
           </p:cNvSpPr>
@@ -1517,25 +1509,31 @@
         </p:nvSpPr>
         <p:spPr>
           <a:xfrm>
-            <a:off x="685800" y="2130425"/>
-            <a:ext cx="7772400" cy="1470025"/>
+            <a:off x="685800" y="1371600"/>
+            <a:ext cx="7848600" cy="1927225"/>
           </a:xfrm>
         </p:spPr>
         <p:txBody>
-          <a:bodyPr/>
-          <a:lstStyle/>
+          <a:bodyPr anchor="b">
+            <a:noAutofit/>
+          </a:bodyPr>
+          <a:lstStyle>
+            <a:lvl1pPr>
+              <a:defRPr sz="5400" cap="all" baseline="0"/>
+            </a:lvl1pPr>
+          </a:lstStyle>
           <a:p>
             <a:r>
               <a:rPr lang="fr-FR" smtClean="0"/>
-              <a:t>Cliquez pour modifier le style du titre</a:t>
-            </a:r>
-            <a:endParaRPr lang="fr-CA"/>
-          </a:p>
-        </p:txBody>
-      </p:sp>
-      <p:sp>
-        <p:nvSpPr>
-          <p:cNvPr id="3" name="Sous-titre 2"/>
+              <a:t>Cliquez et modifiez le titre</a:t>
+            </a:r>
+            <a:endParaRPr lang="en-US" dirty="0"/>
+          </a:p>
+        </p:txBody>
+      </p:sp>
+      <p:sp>
+        <p:nvSpPr>
+          <p:cNvPr id="3" name="Subtitle 2"/>
           <p:cNvSpPr>
             <a:spLocks noGrp="1"/>
           </p:cNvSpPr>
@@ -1545,19 +1543,20 @@
         </p:nvSpPr>
         <p:spPr>
           <a:xfrm>
-            <a:off x="1371600" y="3886200"/>
+            <a:off x="685800" y="3505200"/>
             <a:ext cx="6400800" cy="1752600"/>
           </a:xfrm>
         </p:spPr>
         <p:txBody>
           <a:bodyPr/>
           <a:lstStyle>
-            <a:lvl1pPr marL="0" indent="0" algn="ctr">
+            <a:lvl1pPr marL="0" indent="0" algn="l">
               <a:buNone/>
               <a:defRPr>
                 <a:solidFill>
                   <a:schemeClr val="tx1">
-                    <a:tint val="75000"/>
+                    <a:lumMod val="75000"/>
+                    <a:lumOff val="25000"/>
                   </a:schemeClr>
                 </a:solidFill>
               </a:defRPr>
@@ -1648,13 +1647,13 @@
               <a:rPr lang="fr-FR" smtClean="0"/>
               <a:t>Cliquez pour modifier le style des sous-titres du masque</a:t>
             </a:r>
-            <a:endParaRPr lang="fr-CA"/>
-          </a:p>
-        </p:txBody>
-      </p:sp>
-      <p:sp>
-        <p:nvSpPr>
-          <p:cNvPr id="4" name="Espace réservé de la date 3"/>
+            <a:endParaRPr lang="en-US" dirty="0"/>
+          </a:p>
+        </p:txBody>
+      </p:sp>
+      <p:sp>
+        <p:nvSpPr>
+          <p:cNvPr id="4" name="Date Placeholder 3"/>
           <p:cNvSpPr>
             <a:spLocks noGrp="1"/>
           </p:cNvSpPr>
@@ -1665,16 +1664,12 @@
         <p:spPr/>
         <p:txBody>
           <a:bodyPr/>
-          <a:lstStyle>
-            <a:lvl1pPr>
-              <a:defRPr/>
-            </a:lvl1pPr>
-          </a:lstStyle>
+          <a:lstStyle/>
           <a:p>
             <a:fld id="{3BC35736-5950-4717-A006-0908E3FA74A0}" type="datetime1">
-              <a:rPr lang="fr-FR"/>
+              <a:rPr lang="fr-FR" smtClean="0"/>
               <a:pPr/>
-              <a:t>20/02/13</a:t>
+              <a:t>2/20/13</a:t>
             </a:fld>
             <a:endParaRPr lang="fr-CA"/>
           </a:p>
@@ -1682,7 +1677,7 @@
       </p:sp>
       <p:sp>
         <p:nvSpPr>
-          <p:cNvPr id="5" name="Espace réservé du pied de page 4"/>
+          <p:cNvPr id="5" name="Footer Placeholder 4"/>
           <p:cNvSpPr>
             <a:spLocks noGrp="1"/>
           </p:cNvSpPr>
@@ -1693,11 +1688,7 @@
         <p:spPr/>
         <p:txBody>
           <a:bodyPr/>
-          <a:lstStyle>
-            <a:lvl1pPr>
-              <a:defRPr/>
-            </a:lvl1pPr>
-          </a:lstStyle>
+          <a:lstStyle/>
           <a:p>
             <a:pPr>
               <a:defRPr/>
@@ -1708,7 +1699,7 @@
       </p:sp>
       <p:sp>
         <p:nvSpPr>
-          <p:cNvPr id="6" name="Espace réservé du numéro de diapositive 5"/>
+          <p:cNvPr id="6" name="Slide Number Placeholder 5"/>
           <p:cNvSpPr>
             <a:spLocks noGrp="1"/>
           </p:cNvSpPr>
@@ -1719,14 +1710,10 @@
         <p:spPr/>
         <p:txBody>
           <a:bodyPr/>
-          <a:lstStyle>
-            <a:lvl1pPr>
-              <a:defRPr/>
-            </a:lvl1pPr>
-          </a:lstStyle>
+          <a:lstStyle/>
           <a:p>
             <a:fld id="{9686D4F5-4E00-4681-B5CC-0D51B07882F6}" type="slidenum">
-              <a:rPr lang="fr-CA"/>
+              <a:rPr lang="fr-CA" smtClean="0"/>
               <a:pPr/>
               <a:t>‹#›</a:t>
             </a:fld>
@@ -1734,6 +1721,41 @@
           </a:p>
         </p:txBody>
       </p:sp>
+      <p:cxnSp>
+        <p:nvCxnSpPr>
+          <p:cNvPr id="8" name="Straight Connector 7"/>
+          <p:cNvCxnSpPr/>
+          <p:nvPr/>
+        </p:nvCxnSpPr>
+        <p:spPr>
+          <a:xfrm>
+            <a:off x="685800" y="3398520"/>
+            <a:ext cx="7848600" cy="1588"/>
+          </a:xfrm>
+          <a:prstGeom prst="line">
+            <a:avLst/>
+          </a:prstGeom>
+          <a:ln w="19050">
+            <a:solidFill>
+              <a:schemeClr val="tx2"/>
+            </a:solidFill>
+          </a:ln>
+        </p:spPr>
+        <p:style>
+          <a:lnRef idx="1">
+            <a:schemeClr val="accent1"/>
+          </a:lnRef>
+          <a:fillRef idx="0">
+            <a:schemeClr val="accent1"/>
+          </a:fillRef>
+          <a:effectRef idx="0">
+            <a:schemeClr val="accent1"/>
+          </a:effectRef>
+          <a:fontRef idx="minor">
+            <a:schemeClr val="tx1"/>
+          </a:fontRef>
+        </p:style>
+      </p:cxnSp>
     </p:spTree>
   </p:cSld>
   <p:clrMapOvr>
@@ -1761,7 +1783,7 @@
       </p:grpSpPr>
       <p:sp>
         <p:nvSpPr>
-          <p:cNvPr id="2" name="Titre 1"/>
+          <p:cNvPr id="2" name="Title 1"/>
           <p:cNvSpPr>
             <a:spLocks noGrp="1"/>
           </p:cNvSpPr>
@@ -1776,15 +1798,15 @@
           <a:p>
             <a:r>
               <a:rPr lang="fr-FR" smtClean="0"/>
-              <a:t>Cliquez pour modifier le style du titre</a:t>
-            </a:r>
-            <a:endParaRPr lang="fr-CA"/>
-          </a:p>
-        </p:txBody>
-      </p:sp>
-      <p:sp>
-        <p:nvSpPr>
-          <p:cNvPr id="3" name="Espace réservé du texte vertical 2"/>
+              <a:t>Cliquez et modifiez le titre</a:t>
+            </a:r>
+            <a:endParaRPr lang="en-US"/>
+          </a:p>
+        </p:txBody>
+      </p:sp>
+      <p:sp>
+        <p:nvSpPr>
+          <p:cNvPr id="3" name="Vertical Text Placeholder 2"/>
           <p:cNvSpPr>
             <a:spLocks noGrp="1"/>
           </p:cNvSpPr>
@@ -1830,13 +1852,13 @@
               <a:rPr lang="fr-FR" smtClean="0"/>
               <a:t>Cinquième niveau</a:t>
             </a:r>
-            <a:endParaRPr lang="fr-CA"/>
-          </a:p>
-        </p:txBody>
-      </p:sp>
-      <p:sp>
-        <p:nvSpPr>
-          <p:cNvPr id="4" name="Espace réservé de la date 3"/>
+            <a:endParaRPr lang="en-US"/>
+          </a:p>
+        </p:txBody>
+      </p:sp>
+      <p:sp>
+        <p:nvSpPr>
+          <p:cNvPr id="4" name="Date Placeholder 3"/>
           <p:cNvSpPr>
             <a:spLocks noGrp="1"/>
           </p:cNvSpPr>
@@ -1847,16 +1869,12 @@
         <p:spPr/>
         <p:txBody>
           <a:bodyPr/>
-          <a:lstStyle>
-            <a:lvl1pPr>
-              <a:defRPr/>
-            </a:lvl1pPr>
-          </a:lstStyle>
+          <a:lstStyle/>
           <a:p>
             <a:fld id="{31040540-4429-4887-B6F8-460B2C9CFAB7}" type="datetime1">
-              <a:rPr lang="fr-FR"/>
+              <a:rPr lang="fr-FR" smtClean="0"/>
               <a:pPr/>
-              <a:t>20/02/13</a:t>
+              <a:t>2/20/13</a:t>
             </a:fld>
             <a:endParaRPr lang="fr-CA"/>
           </a:p>
@@ -1864,7 +1882,7 @@
       </p:sp>
       <p:sp>
         <p:nvSpPr>
-          <p:cNvPr id="5" name="Espace réservé du pied de page 4"/>
+          <p:cNvPr id="5" name="Footer Placeholder 4"/>
           <p:cNvSpPr>
             <a:spLocks noGrp="1"/>
           </p:cNvSpPr>
@@ -1875,11 +1893,7 @@
         <p:spPr/>
         <p:txBody>
           <a:bodyPr/>
-          <a:lstStyle>
-            <a:lvl1pPr>
-              <a:defRPr/>
-            </a:lvl1pPr>
-          </a:lstStyle>
+          <a:lstStyle/>
           <a:p>
             <a:pPr>
               <a:defRPr/>
@@ -1890,7 +1904,7 @@
       </p:sp>
       <p:sp>
         <p:nvSpPr>
-          <p:cNvPr id="6" name="Espace réservé du numéro de diapositive 5"/>
+          <p:cNvPr id="6" name="Slide Number Placeholder 5"/>
           <p:cNvSpPr>
             <a:spLocks noGrp="1"/>
           </p:cNvSpPr>
@@ -1901,14 +1915,10 @@
         <p:spPr/>
         <p:txBody>
           <a:bodyPr/>
-          <a:lstStyle>
-            <a:lvl1pPr>
-              <a:defRPr/>
-            </a:lvl1pPr>
-          </a:lstStyle>
+          <a:lstStyle/>
           <a:p>
             <a:fld id="{6960E7FB-B181-4E12-89D2-243221C210EE}" type="slidenum">
-              <a:rPr lang="fr-CA"/>
+              <a:rPr lang="fr-CA" smtClean="0"/>
               <a:pPr/>
               <a:t>‹#›</a:t>
             </a:fld>
@@ -1943,7 +1953,7 @@
       </p:grpSpPr>
       <p:sp>
         <p:nvSpPr>
-          <p:cNvPr id="2" name="Titre vertical 1"/>
+          <p:cNvPr id="2" name="Vertical Title 1"/>
           <p:cNvSpPr>
             <a:spLocks noGrp="1"/>
           </p:cNvSpPr>
@@ -1953,42 +1963,42 @@
         </p:nvSpPr>
         <p:spPr>
           <a:xfrm>
-            <a:off x="6629400" y="274638"/>
-            <a:ext cx="2057400" cy="5851525"/>
+            <a:off x="6629400" y="609600"/>
+            <a:ext cx="2057400" cy="5867400"/>
           </a:xfrm>
         </p:spPr>
         <p:txBody>
+          <a:bodyPr vert="eaVert" anchor="b"/>
+          <a:lstStyle/>
+          <a:p>
+            <a:r>
+              <a:rPr lang="fr-FR" smtClean="0"/>
+              <a:t>Cliquez et modifiez le titre</a:t>
+            </a:r>
+            <a:endParaRPr lang="en-US" dirty="0"/>
+          </a:p>
+        </p:txBody>
+      </p:sp>
+      <p:sp>
+        <p:nvSpPr>
+          <p:cNvPr id="3" name="Vertical Text Placeholder 2"/>
+          <p:cNvSpPr>
+            <a:spLocks noGrp="1"/>
+          </p:cNvSpPr>
+          <p:nvPr>
+            <p:ph type="body" orient="vert" idx="1"/>
+          </p:nvPr>
+        </p:nvSpPr>
+        <p:spPr>
+          <a:xfrm>
+            <a:off x="457200" y="609600"/>
+            <a:ext cx="6019800" cy="5867400"/>
+          </a:xfrm>
+        </p:spPr>
+        <p:txBody>
           <a:bodyPr vert="eaVert"/>
           <a:lstStyle/>
           <a:p>
-            <a:r>
-              <a:rPr lang="fr-FR" smtClean="0"/>
-              <a:t>Cliquez pour modifier le style du titre</a:t>
-            </a:r>
-            <a:endParaRPr lang="fr-CA"/>
-          </a:p>
-        </p:txBody>
-      </p:sp>
-      <p:sp>
-        <p:nvSpPr>
-          <p:cNvPr id="3" name="Espace réservé du texte vertical 2"/>
-          <p:cNvSpPr>
-            <a:spLocks noGrp="1"/>
-          </p:cNvSpPr>
-          <p:nvPr>
-            <p:ph type="body" orient="vert" idx="1"/>
-          </p:nvPr>
-        </p:nvSpPr>
-        <p:spPr>
-          <a:xfrm>
-            <a:off x="457200" y="274638"/>
-            <a:ext cx="6019800" cy="5851525"/>
-          </a:xfrm>
-        </p:spPr>
-        <p:txBody>
-          <a:bodyPr vert="eaVert"/>
-          <a:lstStyle/>
-          <a:p>
             <a:pPr lvl="0"/>
             <a:r>
               <a:rPr lang="fr-FR" smtClean="0"/>
@@ -2022,13 +2032,13 @@
               <a:rPr lang="fr-FR" smtClean="0"/>
               <a:t>Cinquième niveau</a:t>
             </a:r>
-            <a:endParaRPr lang="fr-CA"/>
-          </a:p>
-        </p:txBody>
-      </p:sp>
-      <p:sp>
-        <p:nvSpPr>
-          <p:cNvPr id="4" name="Espace réservé de la date 3"/>
+            <a:endParaRPr lang="en-US" dirty="0"/>
+          </a:p>
+        </p:txBody>
+      </p:sp>
+      <p:sp>
+        <p:nvSpPr>
+          <p:cNvPr id="4" name="Date Placeholder 3"/>
           <p:cNvSpPr>
             <a:spLocks noGrp="1"/>
           </p:cNvSpPr>
@@ -2039,16 +2049,12 @@
         <p:spPr/>
         <p:txBody>
           <a:bodyPr/>
-          <a:lstStyle>
-            <a:lvl1pPr>
-              <a:defRPr/>
-            </a:lvl1pPr>
-          </a:lstStyle>
+          <a:lstStyle/>
           <a:p>
             <a:fld id="{21B1A0B8-6C00-4E1A-85AD-5144E6FF0AC8}" type="datetime1">
-              <a:rPr lang="fr-FR"/>
+              <a:rPr lang="fr-FR" smtClean="0"/>
               <a:pPr/>
-              <a:t>20/02/13</a:t>
+              <a:t>2/20/13</a:t>
             </a:fld>
             <a:endParaRPr lang="fr-CA"/>
           </a:p>
@@ -2056,7 +2062,7 @@
       </p:sp>
       <p:sp>
         <p:nvSpPr>
-          <p:cNvPr id="5" name="Espace réservé du pied de page 4"/>
+          <p:cNvPr id="5" name="Footer Placeholder 4"/>
           <p:cNvSpPr>
             <a:spLocks noGrp="1"/>
           </p:cNvSpPr>
@@ -2067,11 +2073,7 @@
         <p:spPr/>
         <p:txBody>
           <a:bodyPr/>
-          <a:lstStyle>
-            <a:lvl1pPr>
-              <a:defRPr/>
-            </a:lvl1pPr>
-          </a:lstStyle>
+          <a:lstStyle/>
           <a:p>
             <a:pPr>
               <a:defRPr/>
@@ -2082,7 +2084,7 @@
       </p:sp>
       <p:sp>
         <p:nvSpPr>
-          <p:cNvPr id="6" name="Espace réservé du numéro de diapositive 5"/>
+          <p:cNvPr id="6" name="Slide Number Placeholder 5"/>
           <p:cNvSpPr>
             <a:spLocks noGrp="1"/>
           </p:cNvSpPr>
@@ -2093,14 +2095,10 @@
         <p:spPr/>
         <p:txBody>
           <a:bodyPr/>
-          <a:lstStyle>
-            <a:lvl1pPr>
-              <a:defRPr/>
-            </a:lvl1pPr>
-          </a:lstStyle>
+          <a:lstStyle/>
           <a:p>
             <a:fld id="{F8E7C895-F34B-402E-A6DA-76FAFF3E962C}" type="slidenum">
-              <a:rPr lang="fr-CA"/>
+              <a:rPr lang="fr-CA" smtClean="0"/>
               <a:pPr/>
               <a:t>‹#›</a:t>
             </a:fld>
@@ -2135,7 +2133,7 @@
       </p:grpSpPr>
       <p:sp>
         <p:nvSpPr>
-          <p:cNvPr id="2" name="Titre 1"/>
+          <p:cNvPr id="2" name="Title 1"/>
           <p:cNvSpPr>
             <a:spLocks noGrp="1"/>
           </p:cNvSpPr>
@@ -2150,15 +2148,15 @@
           <a:p>
             <a:r>
               <a:rPr lang="fr-FR" smtClean="0"/>
-              <a:t>Cliquez pour modifier le style du titre</a:t>
-            </a:r>
-            <a:endParaRPr lang="fr-CA"/>
-          </a:p>
-        </p:txBody>
-      </p:sp>
-      <p:sp>
-        <p:nvSpPr>
-          <p:cNvPr id="3" name="Espace réservé du contenu 2"/>
+              <a:t>Cliquez et modifiez le titre</a:t>
+            </a:r>
+            <a:endParaRPr lang="en-US"/>
+          </a:p>
+        </p:txBody>
+      </p:sp>
+      <p:sp>
+        <p:nvSpPr>
+          <p:cNvPr id="3" name="Content Placeholder 2"/>
           <p:cNvSpPr>
             <a:spLocks noGrp="1"/>
           </p:cNvSpPr>
@@ -2204,13 +2202,13 @@
               <a:rPr lang="fr-FR" smtClean="0"/>
               <a:t>Cinquième niveau</a:t>
             </a:r>
-            <a:endParaRPr lang="fr-CA"/>
-          </a:p>
-        </p:txBody>
-      </p:sp>
-      <p:sp>
-        <p:nvSpPr>
-          <p:cNvPr id="4" name="Espace réservé de la date 3"/>
+            <a:endParaRPr lang="en-US"/>
+          </a:p>
+        </p:txBody>
+      </p:sp>
+      <p:sp>
+        <p:nvSpPr>
+          <p:cNvPr id="4" name="Date Placeholder 3"/>
           <p:cNvSpPr>
             <a:spLocks noGrp="1"/>
           </p:cNvSpPr>
@@ -2221,16 +2219,12 @@
         <p:spPr/>
         <p:txBody>
           <a:bodyPr/>
-          <a:lstStyle>
-            <a:lvl1pPr>
-              <a:defRPr/>
-            </a:lvl1pPr>
-          </a:lstStyle>
+          <a:lstStyle/>
           <a:p>
             <a:fld id="{2E2C656E-D3CE-4012-A08B-452DCF18DD40}" type="datetime1">
-              <a:rPr lang="fr-FR"/>
+              <a:rPr lang="fr-FR" smtClean="0"/>
               <a:pPr/>
-              <a:t>20/02/13</a:t>
+              <a:t>2/20/13</a:t>
             </a:fld>
             <a:endParaRPr lang="fr-CA"/>
           </a:p>
@@ -2238,7 +2232,7 @@
       </p:sp>
       <p:sp>
         <p:nvSpPr>
-          <p:cNvPr id="5" name="Espace réservé du pied de page 4"/>
+          <p:cNvPr id="5" name="Footer Placeholder 4"/>
           <p:cNvSpPr>
             <a:spLocks noGrp="1"/>
           </p:cNvSpPr>
@@ -2249,11 +2243,7 @@
         <p:spPr/>
         <p:txBody>
           <a:bodyPr/>
-          <a:lstStyle>
-            <a:lvl1pPr>
-              <a:defRPr/>
-            </a:lvl1pPr>
-          </a:lstStyle>
+          <a:lstStyle/>
           <a:p>
             <a:pPr>
               <a:defRPr/>
@@ -2264,7 +2254,7 @@
       </p:sp>
       <p:sp>
         <p:nvSpPr>
-          <p:cNvPr id="6" name="Espace réservé du numéro de diapositive 5"/>
+          <p:cNvPr id="6" name="Slide Number Placeholder 5"/>
           <p:cNvSpPr>
             <a:spLocks noGrp="1"/>
           </p:cNvSpPr>
@@ -2275,14 +2265,10 @@
         <p:spPr/>
         <p:txBody>
           <a:bodyPr/>
-          <a:lstStyle>
-            <a:lvl1pPr>
-              <a:defRPr/>
-            </a:lvl1pPr>
-          </a:lstStyle>
+          <a:lstStyle/>
           <a:p>
             <a:fld id="{DC673A5F-E13B-4069-8C9B-F4E17F0A6349}" type="slidenum">
-              <a:rPr lang="fr-CA"/>
+              <a:rPr lang="fr-CA" smtClean="0"/>
               <a:pPr/>
               <a:t>‹#›</a:t>
             </a:fld>
@@ -2300,7 +2286,12 @@
 
 <file path=ppt/slideLayouts/slideLayout3.xml><?xml version="1.0" encoding="utf-8"?>
 <p:sldLayout xmlns:a="http://schemas.openxmlformats.org/drawingml/2006/main" xmlns:r="http://schemas.openxmlformats.org/officeDocument/2006/relationships" xmlns:p="http://schemas.openxmlformats.org/presentationml/2006/main" type="secHead" preserve="1">
-  <p:cSld name="Titre de section">
+  <p:cSld name="En-tête de section">
+    <p:bg>
+      <p:bgRef idx="1001">
+        <a:schemeClr val="bg2"/>
+      </p:bgRef>
+    </p:bg>
     <p:spTree>
       <p:nvGrpSpPr>
         <p:cNvPr id="1" name=""/>
@@ -2317,7 +2308,7 @@
       </p:grpSpPr>
       <p:sp>
         <p:nvSpPr>
-          <p:cNvPr id="2" name="Titre 1"/>
+          <p:cNvPr id="2" name="Title 1"/>
           <p:cNvSpPr>
             <a:spLocks noGrp="1"/>
           </p:cNvSpPr>
@@ -2327,29 +2318,31 @@
         </p:nvSpPr>
         <p:spPr>
           <a:xfrm>
-            <a:off x="722313" y="4406900"/>
-            <a:ext cx="7772400" cy="1362075"/>
+            <a:off x="722313" y="2362200"/>
+            <a:ext cx="7772400" cy="2200275"/>
           </a:xfrm>
         </p:spPr>
         <p:txBody>
-          <a:bodyPr anchor="t"/>
+          <a:bodyPr anchor="b">
+            <a:normAutofit/>
+          </a:bodyPr>
           <a:lstStyle>
             <a:lvl1pPr algn="l">
-              <a:defRPr sz="4000" b="1" cap="all"/>
+              <a:defRPr sz="4800" b="0" cap="all"/>
             </a:lvl1pPr>
           </a:lstStyle>
           <a:p>
             <a:r>
               <a:rPr lang="fr-FR" smtClean="0"/>
-              <a:t>Cliquez pour modifier le style du titre</a:t>
-            </a:r>
-            <a:endParaRPr lang="fr-CA"/>
-          </a:p>
-        </p:txBody>
-      </p:sp>
-      <p:sp>
-        <p:nvSpPr>
-          <p:cNvPr id="3" name="Espace réservé du texte 2"/>
+              <a:t>Cliquez et modifiez le titre</a:t>
+            </a:r>
+            <a:endParaRPr lang="en-US" dirty="0"/>
+          </a:p>
+        </p:txBody>
+      </p:sp>
+      <p:sp>
+        <p:nvSpPr>
+          <p:cNvPr id="3" name="Text Placeholder 2"/>
           <p:cNvSpPr>
             <a:spLocks noGrp="1"/>
           </p:cNvSpPr>
@@ -2359,20 +2352,20 @@
         </p:nvSpPr>
         <p:spPr>
           <a:xfrm>
-            <a:off x="722313" y="2906713"/>
+            <a:off x="722313" y="4626864"/>
             <a:ext cx="7772400" cy="1500187"/>
           </a:xfrm>
         </p:spPr>
         <p:txBody>
-          <a:bodyPr anchor="b"/>
+          <a:bodyPr anchor="t">
+            <a:normAutofit/>
+          </a:bodyPr>
           <a:lstStyle>
             <a:lvl1pPr marL="0" indent="0">
               <a:buNone/>
-              <a:defRPr sz="2000">
+              <a:defRPr sz="2400">
                 <a:solidFill>
-                  <a:schemeClr val="tx1">
-                    <a:tint val="75000"/>
-                  </a:schemeClr>
+                  <a:schemeClr val="tx2"/>
                 </a:solidFill>
               </a:defRPr>
             </a:lvl1pPr>
@@ -2468,7 +2461,7 @@
       </p:sp>
       <p:sp>
         <p:nvSpPr>
-          <p:cNvPr id="4" name="Espace réservé de la date 3"/>
+          <p:cNvPr id="4" name="Date Placeholder 3"/>
           <p:cNvSpPr>
             <a:spLocks noGrp="1"/>
           </p:cNvSpPr>
@@ -2479,16 +2472,12 @@
         <p:spPr/>
         <p:txBody>
           <a:bodyPr/>
-          <a:lstStyle>
-            <a:lvl1pPr>
-              <a:defRPr/>
-            </a:lvl1pPr>
-          </a:lstStyle>
-          <a:p>
-            <a:fld id="{F005305B-BE3B-40FC-BA82-D58FCE52BD62}" type="datetime1">
-              <a:rPr lang="fr-FR"/>
+          <a:lstStyle/>
+          <a:p>
+            <a:fld id="{CFFD3F2C-B9AC-484D-B03A-CC6280628C6E}" type="datetime1">
+              <a:rPr lang="fr-FR" smtClean="0"/>
               <a:pPr/>
-              <a:t>20/02/13</a:t>
+              <a:t>2/20/13</a:t>
             </a:fld>
             <a:endParaRPr lang="fr-CA"/>
           </a:p>
@@ -2496,7 +2485,7 @@
       </p:sp>
       <p:sp>
         <p:nvSpPr>
-          <p:cNvPr id="5" name="Espace réservé du pied de page 4"/>
+          <p:cNvPr id="5" name="Footer Placeholder 4"/>
           <p:cNvSpPr>
             <a:spLocks noGrp="1"/>
           </p:cNvSpPr>
@@ -2507,11 +2496,7 @@
         <p:spPr/>
         <p:txBody>
           <a:bodyPr/>
-          <a:lstStyle>
-            <a:lvl1pPr>
-              <a:defRPr/>
-            </a:lvl1pPr>
-          </a:lstStyle>
+          <a:lstStyle/>
           <a:p>
             <a:pPr>
               <a:defRPr/>
@@ -2522,7 +2507,7 @@
       </p:sp>
       <p:sp>
         <p:nvSpPr>
-          <p:cNvPr id="6" name="Espace réservé du numéro de diapositive 5"/>
+          <p:cNvPr id="6" name="Slide Number Placeholder 5"/>
           <p:cNvSpPr>
             <a:spLocks noGrp="1"/>
           </p:cNvSpPr>
@@ -2533,14 +2518,10 @@
         <p:spPr/>
         <p:txBody>
           <a:bodyPr/>
-          <a:lstStyle>
-            <a:lvl1pPr>
-              <a:defRPr/>
-            </a:lvl1pPr>
-          </a:lstStyle>
-          <a:p>
-            <a:fld id="{B145F654-AFD9-4CEF-A3CB-BD4516D09F92}" type="slidenum">
-              <a:rPr lang="fr-CA"/>
+          <a:lstStyle/>
+          <a:p>
+            <a:fld id="{28B6B7B5-66B7-47AE-81CD-7E7B73343F8C}" type="slidenum">
+              <a:rPr lang="fr-CA" smtClean="0"/>
               <a:pPr/>
               <a:t>‹#›</a:t>
             </a:fld>
@@ -2548,11 +2529,47 @@
           </a:p>
         </p:txBody>
       </p:sp>
+      <p:cxnSp>
+        <p:nvCxnSpPr>
+          <p:cNvPr id="7" name="Straight Connector 6"/>
+          <p:cNvCxnSpPr/>
+          <p:nvPr/>
+        </p:nvCxnSpPr>
+        <p:spPr>
+          <a:xfrm>
+            <a:off x="731520" y="4599432"/>
+            <a:ext cx="7848600" cy="1588"/>
+          </a:xfrm>
+          <a:prstGeom prst="line">
+            <a:avLst/>
+          </a:prstGeom>
+          <a:ln w="19050">
+            <a:solidFill>
+              <a:schemeClr val="tx2"/>
+            </a:solidFill>
+          </a:ln>
+        </p:spPr>
+        <p:style>
+          <a:lnRef idx="1">
+            <a:schemeClr val="accent1"/>
+          </a:lnRef>
+          <a:fillRef idx="0">
+            <a:schemeClr val="accent1"/>
+          </a:fillRef>
+          <a:effectRef idx="0">
+            <a:schemeClr val="accent1"/>
+          </a:effectRef>
+          <a:fontRef idx="minor">
+            <a:schemeClr val="tx1"/>
+          </a:fontRef>
+        </p:style>
+      </p:cxnSp>
     </p:spTree>
   </p:cSld>
   <p:clrMapOvr>
-    <a:masterClrMapping/>
+    <a:overrideClrMapping bg1="dk1" tx1="lt1" bg2="dk2" tx2="lt2" accent1="accent1" accent2="accent2" accent3="accent3" accent4="accent4" accent5="accent5" accent6="accent6" hlink="hlink" folHlink="folHlink"/>
   </p:clrMapOvr>
+  <p:hf hdr="0" ftr="0" dt="0"/>
 </p:sldLayout>
 </file>
 
@@ -2575,7 +2592,7 @@
       </p:grpSpPr>
       <p:sp>
         <p:nvSpPr>
-          <p:cNvPr id="2" name="Titre 1"/>
+          <p:cNvPr id="2" name="Title 1"/>
           <p:cNvSpPr>
             <a:spLocks noGrp="1"/>
           </p:cNvSpPr>
@@ -2590,15 +2607,15 @@
           <a:p>
             <a:r>
               <a:rPr lang="fr-FR" smtClean="0"/>
-              <a:t>Cliquez pour modifier le style du titre</a:t>
-            </a:r>
-            <a:endParaRPr lang="fr-CA"/>
-          </a:p>
-        </p:txBody>
-      </p:sp>
-      <p:sp>
-        <p:nvSpPr>
-          <p:cNvPr id="3" name="Espace réservé du contenu 2"/>
+              <a:t>Cliquez et modifiez le titre</a:t>
+            </a:r>
+            <a:endParaRPr lang="en-US"/>
+          </a:p>
+        </p:txBody>
+      </p:sp>
+      <p:sp>
+        <p:nvSpPr>
+          <p:cNvPr id="3" name="Content Placeholder 2"/>
           <p:cNvSpPr>
             <a:spLocks noGrp="1"/>
           </p:cNvSpPr>
@@ -2608,8 +2625,8 @@
         </p:nvSpPr>
         <p:spPr>
           <a:xfrm>
-            <a:off x="457200" y="1600200"/>
-            <a:ext cx="4038600" cy="4525963"/>
+            <a:off x="457200" y="1673352"/>
+            <a:ext cx="4038600" cy="4718304"/>
           </a:xfrm>
         </p:spPr>
         <p:txBody>
@@ -2677,13 +2694,13 @@
               <a:rPr lang="fr-FR" smtClean="0"/>
               <a:t>Cinquième niveau</a:t>
             </a:r>
-            <a:endParaRPr lang="fr-CA"/>
-          </a:p>
-        </p:txBody>
-      </p:sp>
-      <p:sp>
-        <p:nvSpPr>
-          <p:cNvPr id="4" name="Espace réservé du contenu 3"/>
+            <a:endParaRPr lang="en-US" dirty="0"/>
+          </a:p>
+        </p:txBody>
+      </p:sp>
+      <p:sp>
+        <p:nvSpPr>
+          <p:cNvPr id="4" name="Content Placeholder 3"/>
           <p:cNvSpPr>
             <a:spLocks noGrp="1"/>
           </p:cNvSpPr>
@@ -2693,8 +2710,8 @@
         </p:nvSpPr>
         <p:spPr>
           <a:xfrm>
-            <a:off x="4648200" y="1600200"/>
-            <a:ext cx="4038600" cy="4525963"/>
+            <a:off x="4648200" y="1673352"/>
+            <a:ext cx="4038600" cy="4718304"/>
           </a:xfrm>
         </p:spPr>
         <p:txBody>
@@ -2762,13 +2779,13 @@
               <a:rPr lang="fr-FR" smtClean="0"/>
               <a:t>Cinquième niveau</a:t>
             </a:r>
-            <a:endParaRPr lang="fr-CA"/>
-          </a:p>
-        </p:txBody>
-      </p:sp>
-      <p:sp>
-        <p:nvSpPr>
-          <p:cNvPr id="5" name="Espace réservé de la date 3"/>
+            <a:endParaRPr lang="en-US" dirty="0"/>
+          </a:p>
+        </p:txBody>
+      </p:sp>
+      <p:sp>
+        <p:nvSpPr>
+          <p:cNvPr id="5" name="Date Placeholder 4"/>
           <p:cNvSpPr>
             <a:spLocks noGrp="1"/>
           </p:cNvSpPr>
@@ -2779,16 +2796,12 @@
         <p:spPr/>
         <p:txBody>
           <a:bodyPr/>
-          <a:lstStyle>
-            <a:lvl1pPr>
-              <a:defRPr/>
-            </a:lvl1pPr>
-          </a:lstStyle>
+          <a:lstStyle/>
           <a:p>
             <a:fld id="{8A3F99D5-4482-4B57-821D-D29B8483CD31}" type="datetime1">
-              <a:rPr lang="fr-FR"/>
+              <a:rPr lang="fr-FR" smtClean="0"/>
               <a:pPr/>
-              <a:t>20/02/13</a:t>
+              <a:t>2/20/13</a:t>
             </a:fld>
             <a:endParaRPr lang="fr-CA"/>
           </a:p>
@@ -2796,7 +2809,7 @@
       </p:sp>
       <p:sp>
         <p:nvSpPr>
-          <p:cNvPr id="6" name="Espace réservé du pied de page 4"/>
+          <p:cNvPr id="6" name="Footer Placeholder 5"/>
           <p:cNvSpPr>
             <a:spLocks noGrp="1"/>
           </p:cNvSpPr>
@@ -2807,11 +2820,7 @@
         <p:spPr/>
         <p:txBody>
           <a:bodyPr/>
-          <a:lstStyle>
-            <a:lvl1pPr>
-              <a:defRPr/>
-            </a:lvl1pPr>
-          </a:lstStyle>
+          <a:lstStyle/>
           <a:p>
             <a:pPr>
               <a:defRPr/>
@@ -2822,7 +2831,7 @@
       </p:sp>
       <p:sp>
         <p:nvSpPr>
-          <p:cNvPr id="7" name="Espace réservé du numéro de diapositive 5"/>
+          <p:cNvPr id="7" name="Slide Number Placeholder 6"/>
           <p:cNvSpPr>
             <a:spLocks noGrp="1"/>
           </p:cNvSpPr>
@@ -2833,14 +2842,10 @@
         <p:spPr/>
         <p:txBody>
           <a:bodyPr/>
-          <a:lstStyle>
-            <a:lvl1pPr>
-              <a:defRPr/>
-            </a:lvl1pPr>
-          </a:lstStyle>
+          <a:lstStyle/>
           <a:p>
             <a:fld id="{E1CD0AC8-5801-48CF-961B-3E6A45DAFD1A}" type="slidenum">
-              <a:rPr lang="fr-CA"/>
+              <a:rPr lang="fr-CA" smtClean="0"/>
               <a:pPr/>
               <a:t>‹#›</a:t>
             </a:fld>
@@ -2875,7 +2880,7 @@
       </p:grpSpPr>
       <p:sp>
         <p:nvSpPr>
-          <p:cNvPr id="2" name="Titre 1"/>
+          <p:cNvPr id="2" name="Title 1"/>
           <p:cNvSpPr>
             <a:spLocks noGrp="1"/>
           </p:cNvSpPr>
@@ -2894,15 +2899,15 @@
           <a:p>
             <a:r>
               <a:rPr lang="fr-FR" smtClean="0"/>
-              <a:t>Cliquez pour modifier le style du titre</a:t>
-            </a:r>
-            <a:endParaRPr lang="fr-CA"/>
-          </a:p>
-        </p:txBody>
-      </p:sp>
-      <p:sp>
-        <p:nvSpPr>
-          <p:cNvPr id="3" name="Espace réservé du texte 2"/>
+              <a:t>Cliquez et modifiez le titre</a:t>
+            </a:r>
+            <a:endParaRPr lang="en-US" dirty="0"/>
+          </a:p>
+        </p:txBody>
+      </p:sp>
+      <p:sp>
+        <p:nvSpPr>
+          <p:cNvPr id="3" name="Text Placeholder 2"/>
           <p:cNvSpPr>
             <a:spLocks noGrp="1"/>
           </p:cNvSpPr>
@@ -2912,16 +2917,39 @@
         </p:nvSpPr>
         <p:spPr>
           <a:xfrm>
-            <a:off x="457200" y="1535113"/>
-            <a:ext cx="4040188" cy="639762"/>
+            <a:off x="457200" y="1676400"/>
+            <a:ext cx="3931920" cy="639762"/>
           </a:xfrm>
+          <a:noFill/>
+          <a:ln>
+            <a:noFill/>
+          </a:ln>
+          <a:effectLst/>
         </p:spPr>
-        <p:txBody>
-          <a:bodyPr anchor="b"/>
+        <p:style>
+          <a:lnRef idx="3">
+            <a:schemeClr val="lt1"/>
+          </a:lnRef>
+          <a:fillRef idx="1">
+            <a:schemeClr val="accent2"/>
+          </a:fillRef>
+          <a:effectRef idx="1">
+            <a:schemeClr val="accent2"/>
+          </a:effectRef>
+          <a:fontRef idx="none"/>
+        </p:style>
+        <p:txBody>
+          <a:bodyPr anchor="ctr">
+            <a:normAutofit/>
+          </a:bodyPr>
           <a:lstStyle>
-            <a:lvl1pPr marL="0" indent="0">
+            <a:lvl1pPr marL="0" indent="0" algn="ctr">
               <a:buNone/>
-              <a:defRPr sz="2400" b="1"/>
+              <a:defRPr sz="2000" b="0">
+                <a:solidFill>
+                  <a:schemeClr val="tx2"/>
+                </a:solidFill>
+              </a:defRPr>
             </a:lvl1pPr>
             <a:lvl2pPr marL="457200" indent="0">
               <a:buNone/>
@@ -2967,7 +2995,7 @@
       </p:sp>
       <p:sp>
         <p:nvSpPr>
-          <p:cNvPr id="4" name="Espace réservé du contenu 3"/>
+          <p:cNvPr id="4" name="Content Placeholder 3"/>
           <p:cNvSpPr>
             <a:spLocks noGrp="1"/>
           </p:cNvSpPr>
@@ -2977,8 +3005,8 @@
         </p:nvSpPr>
         <p:spPr>
           <a:xfrm>
-            <a:off x="457200" y="2174875"/>
-            <a:ext cx="4040188" cy="3951288"/>
+            <a:off x="457200" y="2438400"/>
+            <a:ext cx="3931920" cy="3951288"/>
           </a:xfrm>
         </p:spPr>
         <p:txBody>
@@ -3046,13 +3074,13 @@
               <a:rPr lang="fr-FR" smtClean="0"/>
               <a:t>Cinquième niveau</a:t>
             </a:r>
-            <a:endParaRPr lang="fr-CA"/>
-          </a:p>
-        </p:txBody>
-      </p:sp>
-      <p:sp>
-        <p:nvSpPr>
-          <p:cNvPr id="5" name="Espace réservé du texte 4"/>
+            <a:endParaRPr lang="en-US" dirty="0"/>
+          </a:p>
+        </p:txBody>
+      </p:sp>
+      <p:sp>
+        <p:nvSpPr>
+          <p:cNvPr id="5" name="Text Placeholder 4"/>
           <p:cNvSpPr>
             <a:spLocks noGrp="1"/>
           </p:cNvSpPr>
@@ -3062,16 +3090,42 @@
         </p:nvSpPr>
         <p:spPr>
           <a:xfrm>
-            <a:off x="4645025" y="1535113"/>
-            <a:ext cx="4041775" cy="639762"/>
+            <a:off x="4754880" y="1676400"/>
+            <a:ext cx="3931920" cy="639762"/>
           </a:xfrm>
+          <a:noFill/>
+          <a:ln>
+            <a:noFill/>
+          </a:ln>
+          <a:effectLst/>
         </p:spPr>
-        <p:txBody>
-          <a:bodyPr anchor="b"/>
+        <p:style>
+          <a:lnRef idx="3">
+            <a:schemeClr val="lt1"/>
+          </a:lnRef>
+          <a:fillRef idx="1">
+            <a:schemeClr val="accent2"/>
+          </a:fillRef>
+          <a:effectRef idx="1">
+            <a:schemeClr val="accent2"/>
+          </a:effectRef>
+          <a:fontRef idx="none"/>
+        </p:style>
+        <p:txBody>
+          <a:bodyPr anchor="ctr">
+            <a:normAutofit/>
+          </a:bodyPr>
           <a:lstStyle>
-            <a:lvl1pPr marL="0" indent="0">
+            <a:lvl1pPr marL="0" indent="0" algn="ctr">
               <a:buNone/>
-              <a:defRPr sz="2400" b="1"/>
+              <a:defRPr lang="en-US" sz="2000" b="0" kern="1200" dirty="0" smtClean="0">
+                <a:solidFill>
+                  <a:schemeClr val="tx2"/>
+                </a:solidFill>
+                <a:latin typeface="+mn-lt"/>
+                <a:ea typeface="+mn-ea"/>
+                <a:cs typeface="+mn-cs"/>
+              </a:defRPr>
             </a:lvl1pPr>
             <a:lvl2pPr marL="457200" indent="0">
               <a:buNone/>
@@ -3117,7 +3171,7 @@
       </p:sp>
       <p:sp>
         <p:nvSpPr>
-          <p:cNvPr id="6" name="Espace réservé du contenu 5"/>
+          <p:cNvPr id="6" name="Content Placeholder 5"/>
           <p:cNvSpPr>
             <a:spLocks noGrp="1"/>
           </p:cNvSpPr>
@@ -3127,8 +3181,8 @@
         </p:nvSpPr>
         <p:spPr>
           <a:xfrm>
-            <a:off x="4645025" y="2174875"/>
-            <a:ext cx="4041775" cy="3951288"/>
+            <a:off x="4754880" y="2438400"/>
+            <a:ext cx="3931920" cy="3951288"/>
           </a:xfrm>
         </p:spPr>
         <p:txBody>
@@ -3196,13 +3250,13 @@
               <a:rPr lang="fr-FR" smtClean="0"/>
               <a:t>Cinquième niveau</a:t>
             </a:r>
-            <a:endParaRPr lang="fr-CA"/>
-          </a:p>
-        </p:txBody>
-      </p:sp>
-      <p:sp>
-        <p:nvSpPr>
-          <p:cNvPr id="7" name="Espace réservé de la date 3"/>
+            <a:endParaRPr lang="en-US" dirty="0"/>
+          </a:p>
+        </p:txBody>
+      </p:sp>
+      <p:sp>
+        <p:nvSpPr>
+          <p:cNvPr id="7" name="Date Placeholder 6"/>
           <p:cNvSpPr>
             <a:spLocks noGrp="1"/>
           </p:cNvSpPr>
@@ -3213,16 +3267,12 @@
         <p:spPr/>
         <p:txBody>
           <a:bodyPr/>
-          <a:lstStyle>
-            <a:lvl1pPr>
-              <a:defRPr/>
-            </a:lvl1pPr>
-          </a:lstStyle>
+          <a:lstStyle/>
           <a:p>
             <a:fld id="{0B4B6EE6-D02E-48E1-9AA3-C8D1A1468F7E}" type="datetime1">
-              <a:rPr lang="fr-FR"/>
+              <a:rPr lang="fr-FR" smtClean="0"/>
               <a:pPr/>
-              <a:t>20/02/13</a:t>
+              <a:t>2/20/13</a:t>
             </a:fld>
             <a:endParaRPr lang="fr-CA"/>
           </a:p>
@@ -3230,7 +3280,7 @@
       </p:sp>
       <p:sp>
         <p:nvSpPr>
-          <p:cNvPr id="8" name="Espace réservé du pied de page 4"/>
+          <p:cNvPr id="8" name="Footer Placeholder 7"/>
           <p:cNvSpPr>
             <a:spLocks noGrp="1"/>
           </p:cNvSpPr>
@@ -3241,11 +3291,7 @@
         <p:spPr/>
         <p:txBody>
           <a:bodyPr/>
-          <a:lstStyle>
-            <a:lvl1pPr>
-              <a:defRPr/>
-            </a:lvl1pPr>
-          </a:lstStyle>
+          <a:lstStyle/>
           <a:p>
             <a:pPr>
               <a:defRPr/>
@@ -3256,7 +3302,7 @@
       </p:sp>
       <p:sp>
         <p:nvSpPr>
-          <p:cNvPr id="9" name="Espace réservé du numéro de diapositive 5"/>
+          <p:cNvPr id="9" name="Slide Number Placeholder 8"/>
           <p:cNvSpPr>
             <a:spLocks noGrp="1"/>
           </p:cNvSpPr>
@@ -3267,14 +3313,10 @@
         <p:spPr/>
         <p:txBody>
           <a:bodyPr/>
-          <a:lstStyle>
-            <a:lvl1pPr>
-              <a:defRPr/>
-            </a:lvl1pPr>
-          </a:lstStyle>
+          <a:lstStyle/>
           <a:p>
             <a:fld id="{F6014A77-F3E3-4BEF-A21F-96086A8E0E2B}" type="slidenum">
-              <a:rPr lang="fr-CA"/>
+              <a:rPr lang="fr-CA" smtClean="0"/>
               <a:pPr/>
               <a:t>‹#›</a:t>
             </a:fld>
@@ -3282,6 +3324,41 @@
           </a:p>
         </p:txBody>
       </p:sp>
+      <p:cxnSp>
+        <p:nvCxnSpPr>
+          <p:cNvPr id="11" name="Straight Connector 10"/>
+          <p:cNvCxnSpPr/>
+          <p:nvPr/>
+        </p:nvCxnSpPr>
+        <p:spPr>
+          <a:xfrm rot="5400000">
+            <a:off x="2217817" y="4045823"/>
+            <a:ext cx="4709160" cy="794"/>
+          </a:xfrm>
+          <a:prstGeom prst="line">
+            <a:avLst/>
+          </a:prstGeom>
+          <a:ln w="19050">
+            <a:solidFill>
+              <a:schemeClr val="tx2"/>
+            </a:solidFill>
+          </a:ln>
+        </p:spPr>
+        <p:style>
+          <a:lnRef idx="1">
+            <a:schemeClr val="accent1"/>
+          </a:lnRef>
+          <a:fillRef idx="0">
+            <a:schemeClr val="accent1"/>
+          </a:fillRef>
+          <a:effectRef idx="0">
+            <a:schemeClr val="accent1"/>
+          </a:effectRef>
+          <a:fontRef idx="minor">
+            <a:schemeClr val="tx1"/>
+          </a:fontRef>
+        </p:style>
+      </p:cxnSp>
     </p:spTree>
   </p:cSld>
   <p:clrMapOvr>
@@ -3309,7 +3386,7 @@
       </p:grpSpPr>
       <p:sp>
         <p:nvSpPr>
-          <p:cNvPr id="2" name="Titre 1"/>
+          <p:cNvPr id="2" name="Title 1"/>
           <p:cNvSpPr>
             <a:spLocks noGrp="1"/>
           </p:cNvSpPr>
@@ -3324,15 +3401,15 @@
           <a:p>
             <a:r>
               <a:rPr lang="fr-FR" smtClean="0"/>
-              <a:t>Cliquez pour modifier le style du titre</a:t>
-            </a:r>
-            <a:endParaRPr lang="fr-CA"/>
-          </a:p>
-        </p:txBody>
-      </p:sp>
-      <p:sp>
-        <p:nvSpPr>
-          <p:cNvPr id="3" name="Espace réservé de la date 3"/>
+              <a:t>Cliquez et modifiez le titre</a:t>
+            </a:r>
+            <a:endParaRPr lang="en-US"/>
+          </a:p>
+        </p:txBody>
+      </p:sp>
+      <p:sp>
+        <p:nvSpPr>
+          <p:cNvPr id="3" name="Date Placeholder 2"/>
           <p:cNvSpPr>
             <a:spLocks noGrp="1"/>
           </p:cNvSpPr>
@@ -3343,16 +3420,12 @@
         <p:spPr/>
         <p:txBody>
           <a:bodyPr/>
-          <a:lstStyle>
-            <a:lvl1pPr>
-              <a:defRPr/>
-            </a:lvl1pPr>
-          </a:lstStyle>
+          <a:lstStyle/>
           <a:p>
             <a:fld id="{DE4171D3-566D-4849-8F53-C83E9D843695}" type="datetime1">
-              <a:rPr lang="fr-FR"/>
+              <a:rPr lang="fr-FR" smtClean="0"/>
               <a:pPr/>
-              <a:t>20/02/13</a:t>
+              <a:t>2/20/13</a:t>
             </a:fld>
             <a:endParaRPr lang="fr-CA"/>
           </a:p>
@@ -3360,7 +3433,7 @@
       </p:sp>
       <p:sp>
         <p:nvSpPr>
-          <p:cNvPr id="4" name="Espace réservé du pied de page 4"/>
+          <p:cNvPr id="4" name="Footer Placeholder 3"/>
           <p:cNvSpPr>
             <a:spLocks noGrp="1"/>
           </p:cNvSpPr>
@@ -3371,11 +3444,7 @@
         <p:spPr/>
         <p:txBody>
           <a:bodyPr/>
-          <a:lstStyle>
-            <a:lvl1pPr>
-              <a:defRPr/>
-            </a:lvl1pPr>
-          </a:lstStyle>
+          <a:lstStyle/>
           <a:p>
             <a:pPr>
               <a:defRPr/>
@@ -3386,7 +3455,7 @@
       </p:sp>
       <p:sp>
         <p:nvSpPr>
-          <p:cNvPr id="5" name="Espace réservé du numéro de diapositive 5"/>
+          <p:cNvPr id="5" name="Slide Number Placeholder 4"/>
           <p:cNvSpPr>
             <a:spLocks noGrp="1"/>
           </p:cNvSpPr>
@@ -3397,14 +3466,10 @@
         <p:spPr/>
         <p:txBody>
           <a:bodyPr/>
-          <a:lstStyle>
-            <a:lvl1pPr>
-              <a:defRPr/>
-            </a:lvl1pPr>
-          </a:lstStyle>
+          <a:lstStyle/>
           <a:p>
             <a:fld id="{32519DB6-C14D-4B62-ABF0-60C230F150FD}" type="slidenum">
-              <a:rPr lang="fr-CA"/>
+              <a:rPr lang="fr-CA" smtClean="0"/>
               <a:pPr/>
               <a:t>‹#›</a:t>
             </a:fld>
@@ -3439,7 +3504,7 @@
       </p:grpSpPr>
       <p:sp>
         <p:nvSpPr>
-          <p:cNvPr id="2" name="Espace réservé de la date 3"/>
+          <p:cNvPr id="2" name="Date Placeholder 1"/>
           <p:cNvSpPr>
             <a:spLocks noGrp="1"/>
           </p:cNvSpPr>
@@ -3450,16 +3515,12 @@
         <p:spPr/>
         <p:txBody>
           <a:bodyPr/>
-          <a:lstStyle>
-            <a:lvl1pPr>
-              <a:defRPr/>
-            </a:lvl1pPr>
-          </a:lstStyle>
+          <a:lstStyle/>
           <a:p>
             <a:fld id="{FAFB5A78-D0B4-4412-8882-5542C55E40C1}" type="datetime1">
-              <a:rPr lang="fr-FR"/>
+              <a:rPr lang="fr-FR" smtClean="0"/>
               <a:pPr/>
-              <a:t>20/02/13</a:t>
+              <a:t>2/20/13</a:t>
             </a:fld>
             <a:endParaRPr lang="fr-CA"/>
           </a:p>
@@ -3467,7 +3528,7 @@
       </p:sp>
       <p:sp>
         <p:nvSpPr>
-          <p:cNvPr id="3" name="Espace réservé du pied de page 4"/>
+          <p:cNvPr id="3" name="Footer Placeholder 2"/>
           <p:cNvSpPr>
             <a:spLocks noGrp="1"/>
           </p:cNvSpPr>
@@ -3478,11 +3539,7 @@
         <p:spPr/>
         <p:txBody>
           <a:bodyPr/>
-          <a:lstStyle>
-            <a:lvl1pPr>
-              <a:defRPr/>
-            </a:lvl1pPr>
-          </a:lstStyle>
+          <a:lstStyle/>
           <a:p>
             <a:pPr>
               <a:defRPr/>
@@ -3493,7 +3550,7 @@
       </p:sp>
       <p:sp>
         <p:nvSpPr>
-          <p:cNvPr id="4" name="Espace réservé du numéro de diapositive 5"/>
+          <p:cNvPr id="4" name="Slide Number Placeholder 3"/>
           <p:cNvSpPr>
             <a:spLocks noGrp="1"/>
           </p:cNvSpPr>
@@ -3504,14 +3561,10 @@
         <p:spPr/>
         <p:txBody>
           <a:bodyPr/>
-          <a:lstStyle>
-            <a:lvl1pPr>
-              <a:defRPr/>
-            </a:lvl1pPr>
-          </a:lstStyle>
+          <a:lstStyle/>
           <a:p>
             <a:fld id="{9D7AB7FE-E9C5-4962-9095-BDF47D4C368A}" type="slidenum">
-              <a:rPr lang="fr-CA"/>
+              <a:rPr lang="fr-CA" smtClean="0"/>
               <a:pPr/>
               <a:t>‹#›</a:t>
             </a:fld>
@@ -3546,7 +3599,7 @@
       </p:grpSpPr>
       <p:sp>
         <p:nvSpPr>
-          <p:cNvPr id="2" name="Titre 1"/>
+          <p:cNvPr id="2" name="Title 1"/>
           <p:cNvSpPr>
             <a:spLocks noGrp="1"/>
           </p:cNvSpPr>
@@ -3556,29 +3609,31 @@
         </p:nvSpPr>
         <p:spPr>
           <a:xfrm>
-            <a:off x="457200" y="273050"/>
-            <a:ext cx="3008313" cy="1162050"/>
+            <a:off x="457200" y="792080"/>
+            <a:ext cx="2139696" cy="1261872"/>
           </a:xfrm>
         </p:spPr>
         <p:txBody>
-          <a:bodyPr anchor="b"/>
+          <a:bodyPr anchor="b">
+            <a:noAutofit/>
+          </a:bodyPr>
           <a:lstStyle>
             <a:lvl1pPr algn="l">
-              <a:defRPr sz="2000" b="1"/>
+              <a:defRPr sz="2400" b="0"/>
             </a:lvl1pPr>
           </a:lstStyle>
           <a:p>
             <a:r>
               <a:rPr lang="fr-FR" smtClean="0"/>
-              <a:t>Cliquez pour modifier le style du titre</a:t>
-            </a:r>
-            <a:endParaRPr lang="fr-CA"/>
-          </a:p>
-        </p:txBody>
-      </p:sp>
-      <p:sp>
-        <p:nvSpPr>
-          <p:cNvPr id="3" name="Espace réservé du contenu 2"/>
+              <a:t>Cliquez et modifiez le titre</a:t>
+            </a:r>
+            <a:endParaRPr lang="en-US" dirty="0"/>
+          </a:p>
+        </p:txBody>
+      </p:sp>
+      <p:sp>
+        <p:nvSpPr>
+          <p:cNvPr id="3" name="Content Placeholder 2"/>
           <p:cNvSpPr>
             <a:spLocks noGrp="1"/>
           </p:cNvSpPr>
@@ -3588,8 +3643,8 @@
         </p:nvSpPr>
         <p:spPr>
           <a:xfrm>
-            <a:off x="3575050" y="273050"/>
-            <a:ext cx="5111750" cy="5853113"/>
+            <a:off x="2971800" y="792080"/>
+            <a:ext cx="5715000" cy="5577840"/>
           </a:xfrm>
         </p:spPr>
         <p:txBody>
@@ -3657,13 +3712,13 @@
               <a:rPr lang="fr-FR" smtClean="0"/>
               <a:t>Cinquième niveau</a:t>
             </a:r>
-            <a:endParaRPr lang="fr-CA"/>
-          </a:p>
-        </p:txBody>
-      </p:sp>
-      <p:sp>
-        <p:nvSpPr>
-          <p:cNvPr id="4" name="Espace réservé du texte 3"/>
+            <a:endParaRPr lang="en-US" dirty="0"/>
+          </a:p>
+        </p:txBody>
+      </p:sp>
+      <p:sp>
+        <p:nvSpPr>
+          <p:cNvPr id="4" name="Text Placeholder 3"/>
           <p:cNvSpPr>
             <a:spLocks noGrp="1"/>
           </p:cNvSpPr>
@@ -3673,8 +3728,8 @@
         </p:nvSpPr>
         <p:spPr>
           <a:xfrm>
-            <a:off x="457200" y="1435100"/>
-            <a:ext cx="3008313" cy="4691063"/>
+            <a:off x="457201" y="2130552"/>
+            <a:ext cx="2139696" cy="4243615"/>
           </a:xfrm>
         </p:spPr>
         <p:txBody>
@@ -3728,7 +3783,7 @@
       </p:sp>
       <p:sp>
         <p:nvSpPr>
-          <p:cNvPr id="5" name="Espace réservé de la date 3"/>
+          <p:cNvPr id="5" name="Date Placeholder 4"/>
           <p:cNvSpPr>
             <a:spLocks noGrp="1"/>
           </p:cNvSpPr>
@@ -3739,16 +3794,12 @@
         <p:spPr/>
         <p:txBody>
           <a:bodyPr/>
-          <a:lstStyle>
-            <a:lvl1pPr>
-              <a:defRPr/>
-            </a:lvl1pPr>
-          </a:lstStyle>
+          <a:lstStyle/>
           <a:p>
             <a:fld id="{7A0CAE8C-5A48-4FC3-88CF-B5E7366372A7}" type="datetime1">
-              <a:rPr lang="fr-FR"/>
+              <a:rPr lang="fr-FR" smtClean="0"/>
               <a:pPr/>
-              <a:t>20/02/13</a:t>
+              <a:t>2/20/13</a:t>
             </a:fld>
             <a:endParaRPr lang="fr-CA"/>
           </a:p>
@@ -3756,7 +3807,7 @@
       </p:sp>
       <p:sp>
         <p:nvSpPr>
-          <p:cNvPr id="6" name="Espace réservé du pied de page 4"/>
+          <p:cNvPr id="6" name="Footer Placeholder 5"/>
           <p:cNvSpPr>
             <a:spLocks noGrp="1"/>
           </p:cNvSpPr>
@@ -3767,11 +3818,7 @@
         <p:spPr/>
         <p:txBody>
           <a:bodyPr/>
-          <a:lstStyle>
-            <a:lvl1pPr>
-              <a:defRPr/>
-            </a:lvl1pPr>
-          </a:lstStyle>
+          <a:lstStyle/>
           <a:p>
             <a:pPr>
               <a:defRPr/>
@@ -3782,7 +3829,7 @@
       </p:sp>
       <p:sp>
         <p:nvSpPr>
-          <p:cNvPr id="7" name="Espace réservé du numéro de diapositive 5"/>
+          <p:cNvPr id="7" name="Slide Number Placeholder 6"/>
           <p:cNvSpPr>
             <a:spLocks noGrp="1"/>
           </p:cNvSpPr>
@@ -3793,14 +3840,10 @@
         <p:spPr/>
         <p:txBody>
           <a:bodyPr/>
-          <a:lstStyle>
-            <a:lvl1pPr>
-              <a:defRPr/>
-            </a:lvl1pPr>
-          </a:lstStyle>
+          <a:lstStyle/>
           <a:p>
             <a:fld id="{17C77AF3-91FB-4ADF-A621-6D64754B4C77}" type="slidenum">
-              <a:rPr lang="fr-CA"/>
+              <a:rPr lang="fr-CA" smtClean="0"/>
               <a:pPr/>
               <a:t>‹#›</a:t>
             </a:fld>
@@ -3808,6 +3851,41 @@
           </a:p>
         </p:txBody>
       </p:sp>
+      <p:cxnSp>
+        <p:nvCxnSpPr>
+          <p:cNvPr id="9" name="Straight Connector 8"/>
+          <p:cNvCxnSpPr/>
+          <p:nvPr/>
+        </p:nvCxnSpPr>
+        <p:spPr>
+          <a:xfrm rot="5400000">
+            <a:off x="-13116" y="3580206"/>
+            <a:ext cx="5577840" cy="1588"/>
+          </a:xfrm>
+          <a:prstGeom prst="line">
+            <a:avLst/>
+          </a:prstGeom>
+          <a:ln w="19050">
+            <a:solidFill>
+              <a:schemeClr val="tx2"/>
+            </a:solidFill>
+          </a:ln>
+        </p:spPr>
+        <p:style>
+          <a:lnRef idx="1">
+            <a:schemeClr val="accent1"/>
+          </a:lnRef>
+          <a:fillRef idx="0">
+            <a:schemeClr val="accent1"/>
+          </a:fillRef>
+          <a:effectRef idx="0">
+            <a:schemeClr val="accent1"/>
+          </a:effectRef>
+          <a:fontRef idx="minor">
+            <a:schemeClr val="tx1"/>
+          </a:fontRef>
+        </p:style>
+      </p:cxnSp>
     </p:spTree>
   </p:cSld>
   <p:clrMapOvr>
@@ -3835,7 +3913,7 @@
       </p:grpSpPr>
       <p:sp>
         <p:nvSpPr>
-          <p:cNvPr id="2" name="Titre 1"/>
+          <p:cNvPr id="2" name="Title 1"/>
           <p:cNvSpPr>
             <a:spLocks noGrp="1"/>
           </p:cNvSpPr>
@@ -3845,29 +3923,31 @@
         </p:nvSpPr>
         <p:spPr>
           <a:xfrm>
-            <a:off x="1792288" y="4800600"/>
-            <a:ext cx="5486400" cy="566738"/>
+            <a:off x="457200" y="792480"/>
+            <a:ext cx="2142680" cy="1264920"/>
           </a:xfrm>
         </p:spPr>
         <p:txBody>
-          <a:bodyPr anchor="b"/>
+          <a:bodyPr anchor="b">
+            <a:normAutofit/>
+          </a:bodyPr>
           <a:lstStyle>
             <a:lvl1pPr algn="l">
-              <a:defRPr sz="2000" b="1"/>
+              <a:defRPr sz="2400" b="0"/>
             </a:lvl1pPr>
           </a:lstStyle>
           <a:p>
             <a:r>
               <a:rPr lang="fr-FR" smtClean="0"/>
-              <a:t>Cliquez pour modifier le style du titre</a:t>
-            </a:r>
-            <a:endParaRPr lang="fr-CA"/>
-          </a:p>
-        </p:txBody>
-      </p:sp>
-      <p:sp>
-        <p:nvSpPr>
-          <p:cNvPr id="3" name="Espace réservé pour une image  2"/>
+              <a:t>Cliquez et modifiez le titre</a:t>
+            </a:r>
+            <a:endParaRPr lang="en-US" dirty="0"/>
+          </a:p>
+        </p:txBody>
+      </p:sp>
+      <p:sp>
+        <p:nvSpPr>
+          <p:cNvPr id="3" name="Picture Placeholder 2"/>
           <p:cNvSpPr>
             <a:spLocks noGrp="1"/>
           </p:cNvSpPr>
@@ -3877,14 +3957,28 @@
         </p:nvSpPr>
         <p:spPr>
           <a:xfrm>
-            <a:off x="1792288" y="612775"/>
-            <a:ext cx="5486400" cy="4114800"/>
+            <a:off x="2858610" y="838201"/>
+            <a:ext cx="5904390" cy="5500456"/>
           </a:xfrm>
+          <a:solidFill>
+            <a:schemeClr val="bg2"/>
+          </a:solidFill>
+          <a:ln w="76200">
+            <a:solidFill>
+              <a:srgbClr val="FFFFFF"/>
+            </a:solidFill>
+            <a:miter lim="800000"/>
+          </a:ln>
+          <a:effectLst>
+            <a:outerShdw blurRad="50800" dist="12700" dir="5400000" algn="t" rotWithShape="0">
+              <a:prstClr val="black">
+                <a:alpha val="59000"/>
+              </a:prstClr>
+            </a:outerShdw>
+          </a:effectLst>
         </p:spPr>
         <p:txBody>
-          <a:bodyPr rtlCol="0">
-            <a:normAutofit/>
-          </a:bodyPr>
+          <a:bodyPr/>
           <a:lstStyle>
             <a:lvl1pPr marL="0" indent="0">
               <a:buNone/>
@@ -3924,18 +4018,17 @@
             </a:lvl9pPr>
           </a:lstStyle>
           <a:p>
-            <a:pPr lvl="0"/>
-            <a:r>
-              <a:rPr lang="fr-FR" noProof="0" smtClean="0"/>
-              <a:t>Cliquez sur l'icône pour ajouter une image</a:t>
-            </a:r>
-            <a:endParaRPr lang="fr-CA" noProof="0" smtClean="0"/>
-          </a:p>
-        </p:txBody>
-      </p:sp>
-      <p:sp>
-        <p:nvSpPr>
-          <p:cNvPr id="4" name="Espace réservé du texte 3"/>
+            <a:r>
+              <a:rPr lang="fr-FR" smtClean="0"/>
+              <a:t>Faire glisser l'image vers l'espace réservé ou cliquer sur l'icône pour l'ajouter</a:t>
+            </a:r>
+            <a:endParaRPr lang="en-US" dirty="0"/>
+          </a:p>
+        </p:txBody>
+      </p:sp>
+      <p:sp>
+        <p:nvSpPr>
+          <p:cNvPr id="4" name="Text Placeholder 3"/>
           <p:cNvSpPr>
             <a:spLocks noGrp="1"/>
           </p:cNvSpPr>
@@ -3945,8 +4038,8 @@
         </p:nvSpPr>
         <p:spPr>
           <a:xfrm>
-            <a:off x="1792288" y="5367338"/>
-            <a:ext cx="5486400" cy="804862"/>
+            <a:off x="457200" y="2133600"/>
+            <a:ext cx="2139696" cy="4242816"/>
           </a:xfrm>
         </p:spPr>
         <p:txBody>
@@ -4000,7 +4093,7 @@
       </p:sp>
       <p:sp>
         <p:nvSpPr>
-          <p:cNvPr id="5" name="Espace réservé de la date 3"/>
+          <p:cNvPr id="5" name="Date Placeholder 4"/>
           <p:cNvSpPr>
             <a:spLocks noGrp="1"/>
           </p:cNvSpPr>
@@ -4011,16 +4104,12 @@
         <p:spPr/>
         <p:txBody>
           <a:bodyPr/>
-          <a:lstStyle>
-            <a:lvl1pPr>
-              <a:defRPr/>
-            </a:lvl1pPr>
-          </a:lstStyle>
+          <a:lstStyle/>
           <a:p>
             <a:fld id="{4F6CFF10-AD66-42E8-B1B7-F0597C61663B}" type="datetime1">
-              <a:rPr lang="fr-FR"/>
+              <a:rPr lang="fr-FR" smtClean="0"/>
               <a:pPr/>
-              <a:t>20/02/13</a:t>
+              <a:t>2/20/13</a:t>
             </a:fld>
             <a:endParaRPr lang="fr-CA"/>
           </a:p>
@@ -4028,7 +4117,7 @@
       </p:sp>
       <p:sp>
         <p:nvSpPr>
-          <p:cNvPr id="6" name="Espace réservé du pied de page 4"/>
+          <p:cNvPr id="6" name="Footer Placeholder 5"/>
           <p:cNvSpPr>
             <a:spLocks noGrp="1"/>
           </p:cNvSpPr>
@@ -4039,11 +4128,7 @@
         <p:spPr/>
         <p:txBody>
           <a:bodyPr/>
-          <a:lstStyle>
-            <a:lvl1pPr>
-              <a:defRPr/>
-            </a:lvl1pPr>
-          </a:lstStyle>
+          <a:lstStyle/>
           <a:p>
             <a:pPr>
               <a:defRPr/>
@@ -4054,7 +4139,7 @@
       </p:sp>
       <p:sp>
         <p:nvSpPr>
-          <p:cNvPr id="7" name="Espace réservé du numéro de diapositive 5"/>
+          <p:cNvPr id="7" name="Slide Number Placeholder 6"/>
           <p:cNvSpPr>
             <a:spLocks noGrp="1"/>
           </p:cNvSpPr>
@@ -4065,14 +4150,10 @@
         <p:spPr/>
         <p:txBody>
           <a:bodyPr/>
-          <a:lstStyle>
-            <a:lvl1pPr>
-              <a:defRPr/>
-            </a:lvl1pPr>
-          </a:lstStyle>
+          <a:lstStyle/>
           <a:p>
             <a:fld id="{9E1C31C3-0B67-4E8F-BBCA-FF5684983F06}" type="slidenum">
-              <a:rPr lang="fr-CA"/>
+              <a:rPr lang="fr-CA" smtClean="0"/>
               <a:pPr/>
               <a:t>‹#›</a:t>
             </a:fld>
@@ -4112,248 +4193,302 @@
       </p:grpSpPr>
       <p:sp>
         <p:nvSpPr>
-          <p:cNvPr id="1026" name="Espace réservé du titre 1"/>
-          <p:cNvSpPr>
-            <a:spLocks noGrp="1"/>
-          </p:cNvSpPr>
-          <p:nvPr>
-            <p:ph type="title"/>
-          </p:nvPr>
-        </p:nvSpPr>
-        <p:spPr bwMode="auto">
+          <p:cNvPr id="10" name="Rectangle 9"/>
+          <p:cNvSpPr/>
+          <p:nvPr/>
+        </p:nvSpPr>
+        <p:spPr>
           <a:xfrm>
-            <a:off x="457200" y="274638"/>
-            <a:ext cx="8229600" cy="1143000"/>
+            <a:off x="0" y="220786"/>
+            <a:ext cx="9144000" cy="228600"/>
           </a:xfrm>
           <a:prstGeom prst="rect">
             <a:avLst/>
           </a:prstGeom>
-          <a:noFill/>
-          <a:ln w="9525">
+          <a:solidFill>
+            <a:srgbClr val="FFFFFF"/>
+          </a:solidFill>
+          <a:ln>
             <a:noFill/>
-            <a:miter lim="800000"/>
-            <a:headEnd/>
-            <a:tailEnd/>
           </a:ln>
         </p:spPr>
-        <p:txBody>
-          <a:bodyPr vert="horz" wrap="square" lIns="91440" tIns="45720" rIns="91440" bIns="45720" numCol="1" anchor="ctr" anchorCtr="0" compatLnSpc="1">
-            <a:prstTxWarp prst="textNoShape">
-              <a:avLst/>
-            </a:prstTxWarp>
-          </a:bodyPr>
+        <p:style>
+          <a:lnRef idx="2">
+            <a:schemeClr val="accent1">
+              <a:shade val="50000"/>
+            </a:schemeClr>
+          </a:lnRef>
+          <a:fillRef idx="1">
+            <a:schemeClr val="accent1"/>
+          </a:fillRef>
+          <a:effectRef idx="0">
+            <a:schemeClr val="accent1"/>
+          </a:effectRef>
+          <a:fontRef idx="minor">
+            <a:schemeClr val="lt1"/>
+          </a:fontRef>
+        </p:style>
+        <p:txBody>
+          <a:bodyPr rtlCol="0" anchor="ctr"/>
           <a:lstStyle/>
           <a:p>
-            <a:pPr lvl="0"/>
-            <a:r>
-              <a:rPr lang="fr-CA" smtClean="0"/>
-              <a:t>Cliquez pour modifier le style du titre</a:t>
-            </a:r>
-          </a:p>
-        </p:txBody>
-      </p:sp>
-      <p:sp>
-        <p:nvSpPr>
-          <p:cNvPr id="1027" name="Espace réservé du texte 2"/>
-          <p:cNvSpPr>
-            <a:spLocks noGrp="1"/>
-          </p:cNvSpPr>
-          <p:nvPr>
-            <p:ph type="body" idx="1"/>
-          </p:nvPr>
-        </p:nvSpPr>
-        <p:spPr bwMode="auto">
-          <a:xfrm>
-            <a:off x="457200" y="1600200"/>
-            <a:ext cx="8229600" cy="4525963"/>
-          </a:xfrm>
-          <a:prstGeom prst="rect">
-            <a:avLst/>
-          </a:prstGeom>
-          <a:noFill/>
-          <a:ln w="9525">
-            <a:noFill/>
-            <a:miter lim="800000"/>
-            <a:headEnd/>
-            <a:tailEnd/>
-          </a:ln>
-        </p:spPr>
-        <p:txBody>
-          <a:bodyPr vert="horz" wrap="square" lIns="91440" tIns="45720" rIns="91440" bIns="45720" numCol="1" anchor="t" anchorCtr="0" compatLnSpc="1">
-            <a:prstTxWarp prst="textNoShape">
-              <a:avLst/>
-            </a:prstTxWarp>
-          </a:bodyPr>
-          <a:lstStyle/>
-          <a:p>
-            <a:pPr lvl="0"/>
-            <a:r>
-              <a:rPr lang="fr-CA" smtClean="0"/>
-              <a:t>Cliquez pour modifier les styles du texte du masque</a:t>
-            </a:r>
-          </a:p>
-          <a:p>
-            <a:pPr lvl="1"/>
-            <a:r>
-              <a:rPr lang="fr-CA" smtClean="0"/>
-              <a:t>Deuxième niveau</a:t>
-            </a:r>
-          </a:p>
-          <a:p>
-            <a:pPr lvl="2"/>
-            <a:r>
-              <a:rPr lang="fr-CA" smtClean="0"/>
-              <a:t>Troisième niveau</a:t>
-            </a:r>
-          </a:p>
-          <a:p>
-            <a:pPr lvl="3"/>
-            <a:r>
-              <a:rPr lang="fr-CA" smtClean="0"/>
-              <a:t>Quatrième niveau</a:t>
-            </a:r>
-          </a:p>
-          <a:p>
-            <a:pPr lvl="4"/>
-            <a:r>
-              <a:rPr lang="fr-CA" smtClean="0"/>
-              <a:t>Cinquième niveau</a:t>
-            </a:r>
-          </a:p>
-        </p:txBody>
-      </p:sp>
-      <p:sp>
-        <p:nvSpPr>
-          <p:cNvPr id="4" name="Espace réservé de la date 3"/>
-          <p:cNvSpPr>
-            <a:spLocks noGrp="1"/>
-          </p:cNvSpPr>
-          <p:nvPr>
-            <p:ph type="dt" sz="half" idx="2"/>
+            <a:pPr algn="ctr"/>
+            <a:endParaRPr lang="en-US"/>
+          </a:p>
+        </p:txBody>
+      </p:sp>
+      <p:sp>
+        <p:nvSpPr>
+          <p:cNvPr id="2" name="Title Placeholder 1"/>
+          <p:cNvSpPr>
+            <a:spLocks noGrp="1"/>
+          </p:cNvSpPr>
+          <p:nvPr>
+            <p:ph type="title"/>
           </p:nvPr>
         </p:nvSpPr>
         <p:spPr>
           <a:xfrm>
-            <a:off x="457200" y="6356350"/>
-            <a:ext cx="2133600" cy="365125"/>
+            <a:off x="457200" y="533400"/>
+            <a:ext cx="8229600" cy="990600"/>
           </a:xfrm>
           <a:prstGeom prst="rect">
             <a:avLst/>
           </a:prstGeom>
         </p:spPr>
         <p:txBody>
-          <a:bodyPr vert="horz" wrap="square" lIns="91440" tIns="45720" rIns="91440" bIns="45720" numCol="1" anchor="ctr" anchorCtr="0" compatLnSpc="1">
-            <a:prstTxWarp prst="textNoShape">
-              <a:avLst/>
-            </a:prstTxWarp>
+          <a:bodyPr vert="horz" lIns="91440" tIns="45720" rIns="91440" bIns="45720" rtlCol="0" anchor="ctr">
+            <a:normAutofit/>
           </a:bodyPr>
-          <a:lstStyle>
-            <a:lvl1pPr>
-              <a:defRPr sz="1200">
-                <a:solidFill>
-                  <a:srgbClr val="898989"/>
-                </a:solidFill>
-                <a:latin typeface="Calibri" pitchFamily="34" charset="0"/>
-              </a:defRPr>
-            </a:lvl1pPr>
-          </a:lstStyle>
-          <a:p>
-            <a:fld id="{CFFD3F2C-B9AC-484D-B03A-CC6280628C6E}" type="datetime1">
-              <a:rPr lang="fr-FR"/>
-              <a:pPr/>
-              <a:t>20/02/13</a:t>
-            </a:fld>
-            <a:endParaRPr lang="fr-CA"/>
-          </a:p>
-        </p:txBody>
-      </p:sp>
-      <p:sp>
-        <p:nvSpPr>
-          <p:cNvPr id="5" name="Espace réservé du pied de page 4"/>
-          <p:cNvSpPr>
-            <a:spLocks noGrp="1"/>
-          </p:cNvSpPr>
-          <p:nvPr>
-            <p:ph type="ftr" sz="quarter" idx="3"/>
+          <a:lstStyle/>
+          <a:p>
+            <a:r>
+              <a:rPr lang="fr-FR" smtClean="0"/>
+              <a:t>Cliquez et modifiez le titre</a:t>
+            </a:r>
+            <a:endParaRPr lang="en-US" dirty="0"/>
+          </a:p>
+        </p:txBody>
+      </p:sp>
+      <p:sp>
+        <p:nvSpPr>
+          <p:cNvPr id="3" name="Text Placeholder 2"/>
+          <p:cNvSpPr>
+            <a:spLocks noGrp="1"/>
+          </p:cNvSpPr>
+          <p:nvPr>
+            <p:ph type="body" idx="1"/>
           </p:nvPr>
         </p:nvSpPr>
         <p:spPr>
           <a:xfrm>
-            <a:off x="3124200" y="6356350"/>
-            <a:ext cx="2895600" cy="365125"/>
+            <a:off x="457200" y="1600200"/>
+            <a:ext cx="8229600" cy="4876800"/>
           </a:xfrm>
           <a:prstGeom prst="rect">
             <a:avLst/>
           </a:prstGeom>
         </p:spPr>
         <p:txBody>
-          <a:bodyPr vert="horz" lIns="91440" tIns="45720" rIns="91440" bIns="45720" rtlCol="0" anchor="ctr"/>
-          <a:lstStyle>
-            <a:lvl1pPr algn="ctr" fontAlgn="auto">
-              <a:spcBef>
-                <a:spcPts val="0"/>
-              </a:spcBef>
-              <a:spcAft>
-                <a:spcPts val="0"/>
-              </a:spcAft>
-              <a:defRPr sz="1200">
-                <a:solidFill>
-                  <a:schemeClr val="tx1">
-                    <a:tint val="75000"/>
-                  </a:schemeClr>
-                </a:solidFill>
-                <a:latin typeface="+mn-lt"/>
-                <a:ea typeface="+mn-ea"/>
-                <a:cs typeface="+mn-cs"/>
-              </a:defRPr>
-            </a:lvl1pPr>
-          </a:lstStyle>
-          <a:p>
-            <a:pPr>
-              <a:defRPr/>
-            </a:pPr>
-            <a:endParaRPr lang="fr-CA"/>
-          </a:p>
-        </p:txBody>
-      </p:sp>
-      <p:sp>
-        <p:nvSpPr>
-          <p:cNvPr id="6" name="Espace réservé du numéro de diapositive 5"/>
-          <p:cNvSpPr>
-            <a:spLocks noGrp="1"/>
-          </p:cNvSpPr>
-          <p:nvPr>
-            <p:ph type="sldNum" sz="quarter" idx="4"/>
-          </p:nvPr>
+          <a:bodyPr vert="horz" lIns="91440" tIns="45720" rIns="91440" bIns="45720" rtlCol="0">
+            <a:normAutofit/>
+          </a:bodyPr>
+          <a:lstStyle/>
+          <a:p>
+            <a:pPr lvl="0"/>
+            <a:r>
+              <a:rPr lang="fr-FR" smtClean="0"/>
+              <a:t>Cliquez pour modifier les styles du texte du masque</a:t>
+            </a:r>
+          </a:p>
+          <a:p>
+            <a:pPr lvl="1"/>
+            <a:r>
+              <a:rPr lang="fr-FR" smtClean="0"/>
+              <a:t>Deuxième niveau</a:t>
+            </a:r>
+          </a:p>
+          <a:p>
+            <a:pPr lvl="2"/>
+            <a:r>
+              <a:rPr lang="fr-FR" smtClean="0"/>
+              <a:t>Troisième niveau</a:t>
+            </a:r>
+          </a:p>
+          <a:p>
+            <a:pPr lvl="3"/>
+            <a:r>
+              <a:rPr lang="fr-FR" smtClean="0"/>
+              <a:t>Quatrième niveau</a:t>
+            </a:r>
+          </a:p>
+          <a:p>
+            <a:pPr lvl="4"/>
+            <a:r>
+              <a:rPr lang="fr-FR" smtClean="0"/>
+              <a:t>Cinquième niveau</a:t>
+            </a:r>
+            <a:endParaRPr lang="en-US" dirty="0"/>
+          </a:p>
+        </p:txBody>
+      </p:sp>
+      <p:sp>
+        <p:nvSpPr>
+          <p:cNvPr id="7" name="Rectangle 6"/>
+          <p:cNvSpPr/>
+          <p:nvPr/>
         </p:nvSpPr>
         <p:spPr>
           <a:xfrm>
-            <a:off x="6553200" y="6356350"/>
-            <a:ext cx="2133600" cy="365125"/>
+            <a:off x="0" y="0"/>
+            <a:ext cx="9144000" cy="365760"/>
+          </a:xfrm>
+          <a:prstGeom prst="rect">
+            <a:avLst/>
+          </a:prstGeom>
+          <a:solidFill>
+            <a:schemeClr val="accent1"/>
+          </a:solidFill>
+          <a:ln>
+            <a:noFill/>
+          </a:ln>
+        </p:spPr>
+        <p:style>
+          <a:lnRef idx="2">
+            <a:schemeClr val="accent1">
+              <a:shade val="50000"/>
+            </a:schemeClr>
+          </a:lnRef>
+          <a:fillRef idx="1">
+            <a:schemeClr val="accent1"/>
+          </a:fillRef>
+          <a:effectRef idx="0">
+            <a:schemeClr val="accent1"/>
+          </a:effectRef>
+          <a:fontRef idx="minor">
+            <a:schemeClr val="lt1"/>
+          </a:fontRef>
+        </p:style>
+        <p:txBody>
+          <a:bodyPr rtlCol="0" anchor="ctr"/>
+          <a:lstStyle/>
+          <a:p>
+            <a:pPr algn="ctr"/>
+            <a:endParaRPr lang="en-US"/>
+          </a:p>
+        </p:txBody>
+      </p:sp>
+      <p:sp>
+        <p:nvSpPr>
+          <p:cNvPr id="4" name="Date Placeholder 3"/>
+          <p:cNvSpPr>
+            <a:spLocks noGrp="1"/>
+          </p:cNvSpPr>
+          <p:nvPr>
+            <p:ph type="dt" sz="half" idx="2"/>
+          </p:nvPr>
+        </p:nvSpPr>
+        <p:spPr>
+          <a:xfrm>
+            <a:off x="457200" y="18288"/>
+            <a:ext cx="2895600" cy="329184"/>
           </a:xfrm>
           <a:prstGeom prst="rect">
             <a:avLst/>
           </a:prstGeom>
         </p:spPr>
         <p:txBody>
-          <a:bodyPr vert="horz" wrap="square" lIns="91440" tIns="45720" rIns="91440" bIns="45720" numCol="1" anchor="ctr" anchorCtr="0" compatLnSpc="1">
-            <a:prstTxWarp prst="textNoShape">
-              <a:avLst/>
-            </a:prstTxWarp>
-          </a:bodyPr>
+          <a:bodyPr vert="horz" lIns="91440" tIns="45720" rIns="91440" bIns="45720" rtlCol="0" anchor="ctr"/>
           <a:lstStyle>
-            <a:lvl1pPr algn="r">
+            <a:lvl1pPr algn="l">
               <a:defRPr sz="1200">
                 <a:solidFill>
-                  <a:srgbClr val="898989"/>
+                  <a:srgbClr val="FFFFFF"/>
                 </a:solidFill>
-                <a:latin typeface="Calibri" pitchFamily="34" charset="0"/>
               </a:defRPr>
             </a:lvl1pPr>
           </a:lstStyle>
           <a:p>
+            <a:fld id="{CFFD3F2C-B9AC-484D-B03A-CC6280628C6E}" type="datetime1">
+              <a:rPr lang="fr-FR" smtClean="0"/>
+              <a:pPr/>
+              <a:t>2/20/13</a:t>
+            </a:fld>
+            <a:endParaRPr lang="fr-CA"/>
+          </a:p>
+        </p:txBody>
+      </p:sp>
+      <p:sp>
+        <p:nvSpPr>
+          <p:cNvPr id="5" name="Footer Placeholder 4"/>
+          <p:cNvSpPr>
+            <a:spLocks noGrp="1"/>
+          </p:cNvSpPr>
+          <p:nvPr>
+            <p:ph type="ftr" sz="quarter" idx="3"/>
+          </p:nvPr>
+        </p:nvSpPr>
+        <p:spPr>
+          <a:xfrm>
+            <a:off x="3429000" y="18288"/>
+            <a:ext cx="4114800" cy="329184"/>
+          </a:xfrm>
+          <a:prstGeom prst="rect">
+            <a:avLst/>
+          </a:prstGeom>
+        </p:spPr>
+        <p:txBody>
+          <a:bodyPr vert="horz" lIns="91440" tIns="45720" rIns="91440" bIns="45720" rtlCol="0" anchor="ctr"/>
+          <a:lstStyle>
+            <a:lvl1pPr algn="ctr">
+              <a:defRPr sz="1200">
+                <a:solidFill>
+                  <a:srgbClr val="FFFFFF"/>
+                </a:solidFill>
+              </a:defRPr>
+            </a:lvl1pPr>
+          </a:lstStyle>
+          <a:p>
+            <a:pPr>
+              <a:defRPr/>
+            </a:pPr>
+            <a:endParaRPr lang="fr-CA"/>
+          </a:p>
+        </p:txBody>
+      </p:sp>
+      <p:sp>
+        <p:nvSpPr>
+          <p:cNvPr id="6" name="Slide Number Placeholder 5"/>
+          <p:cNvSpPr>
+            <a:spLocks noGrp="1"/>
+          </p:cNvSpPr>
+          <p:nvPr>
+            <p:ph type="sldNum" sz="quarter" idx="4"/>
+          </p:nvPr>
+        </p:nvSpPr>
+        <p:spPr>
+          <a:xfrm>
+            <a:off x="7620000" y="18288"/>
+            <a:ext cx="1066800" cy="329184"/>
+          </a:xfrm>
+          <a:prstGeom prst="rect">
+            <a:avLst/>
+          </a:prstGeom>
+        </p:spPr>
+        <p:txBody>
+          <a:bodyPr vert="horz" lIns="91440" tIns="45720" rIns="91440" bIns="45720" rtlCol="0" anchor="ctr"/>
+          <a:lstStyle>
+            <a:lvl1pPr algn="l">
+              <a:defRPr sz="1400" b="1">
+                <a:solidFill>
+                  <a:srgbClr val="FFFFFF"/>
+                </a:solidFill>
+              </a:defRPr>
+            </a:lvl1pPr>
+          </a:lstStyle>
+          <a:p>
             <a:fld id="{28B6B7B5-66B7-47AE-81CD-7E7B73343F8C}" type="slidenum">
-              <a:rPr lang="fr-CA"/>
+              <a:rPr lang="fr-CA" smtClean="0"/>
               <a:pPr/>
               <a:t>‹#›</a:t>
             </a:fld>
@@ -4365,202 +4500,45 @@
   </p:cSld>
   <p:clrMap bg1="lt1" tx1="dk1" bg2="lt2" tx2="dk2" accent1="accent1" accent2="accent2" accent3="accent3" accent4="accent4" accent5="accent5" accent6="accent6" hlink="hlink" folHlink="folHlink"/>
   <p:sldLayoutIdLst>
-    <p:sldLayoutId id="2147483649" r:id="rId1"/>
-    <p:sldLayoutId id="2147483650" r:id="rId2"/>
-    <p:sldLayoutId id="2147483651" r:id="rId3"/>
-    <p:sldLayoutId id="2147483652" r:id="rId4"/>
-    <p:sldLayoutId id="2147483653" r:id="rId5"/>
-    <p:sldLayoutId id="2147483654" r:id="rId6"/>
-    <p:sldLayoutId id="2147483655" r:id="rId7"/>
-    <p:sldLayoutId id="2147483656" r:id="rId8"/>
-    <p:sldLayoutId id="2147483657" r:id="rId9"/>
-    <p:sldLayoutId id="2147483658" r:id="rId10"/>
-    <p:sldLayoutId id="2147483659" r:id="rId11"/>
+    <p:sldLayoutId id="2147483661" r:id="rId1"/>
+    <p:sldLayoutId id="2147483662" r:id="rId2"/>
+    <p:sldLayoutId id="2147483663" r:id="rId3"/>
+    <p:sldLayoutId id="2147483664" r:id="rId4"/>
+    <p:sldLayoutId id="2147483665" r:id="rId5"/>
+    <p:sldLayoutId id="2147483666" r:id="rId6"/>
+    <p:sldLayoutId id="2147483667" r:id="rId7"/>
+    <p:sldLayoutId id="2147483668" r:id="rId8"/>
+    <p:sldLayoutId id="2147483669" r:id="rId9"/>
+    <p:sldLayoutId id="2147483670" r:id="rId10"/>
+    <p:sldLayoutId id="2147483671" r:id="rId11"/>
   </p:sldLayoutIdLst>
   <p:hf hdr="0" ftr="0" dt="0"/>
   <p:txStyles>
     <p:titleStyle>
-      <a:lvl1pPr algn="ctr" rtl="0" eaLnBrk="0" fontAlgn="base" hangingPunct="0">
+      <a:lvl1pPr algn="l" defTabSz="914400" rtl="0" eaLnBrk="1" latinLnBrk="0" hangingPunct="1">
         <a:spcBef>
           <a:spcPct val="0"/>
         </a:spcBef>
-        <a:spcAft>
-          <a:spcPct val="0"/>
-        </a:spcAft>
-        <a:defRPr sz="4400" kern="1200">
+        <a:buNone/>
+        <a:defRPr sz="4000" kern="1200" spc="-100" baseline="0">
           <a:solidFill>
-            <a:schemeClr val="tx1"/>
+            <a:schemeClr val="tx2"/>
           </a:solidFill>
           <a:latin typeface="+mj-lt"/>
-          <a:ea typeface="ＭＳ Ｐゴシック" charset="0"/>
-          <a:cs typeface="ＭＳ Ｐゴシック" charset="0"/>
+          <a:ea typeface="+mj-ea"/>
+          <a:cs typeface="+mj-cs"/>
         </a:defRPr>
       </a:lvl1pPr>
-      <a:lvl2pPr algn="ctr" rtl="0" eaLnBrk="0" fontAlgn="base" hangingPunct="0">
-        <a:spcBef>
-          <a:spcPct val="0"/>
-        </a:spcBef>
-        <a:spcAft>
-          <a:spcPct val="0"/>
-        </a:spcAft>
-        <a:defRPr sz="4400">
-          <a:solidFill>
-            <a:schemeClr val="tx1"/>
-          </a:solidFill>
-          <a:latin typeface="Calibri" pitchFamily="34" charset="0"/>
-          <a:ea typeface="ＭＳ Ｐゴシック" charset="0"/>
-          <a:cs typeface="ＭＳ Ｐゴシック" charset="0"/>
-        </a:defRPr>
-      </a:lvl2pPr>
-      <a:lvl3pPr algn="ctr" rtl="0" eaLnBrk="0" fontAlgn="base" hangingPunct="0">
-        <a:spcBef>
-          <a:spcPct val="0"/>
-        </a:spcBef>
-        <a:spcAft>
-          <a:spcPct val="0"/>
-        </a:spcAft>
-        <a:defRPr sz="4400">
-          <a:solidFill>
-            <a:schemeClr val="tx1"/>
-          </a:solidFill>
-          <a:latin typeface="Calibri" pitchFamily="34" charset="0"/>
-          <a:ea typeface="ＭＳ Ｐゴシック" charset="0"/>
-          <a:cs typeface="ＭＳ Ｐゴシック" charset="0"/>
-        </a:defRPr>
-      </a:lvl3pPr>
-      <a:lvl4pPr algn="ctr" rtl="0" eaLnBrk="0" fontAlgn="base" hangingPunct="0">
-        <a:spcBef>
-          <a:spcPct val="0"/>
-        </a:spcBef>
-        <a:spcAft>
-          <a:spcPct val="0"/>
-        </a:spcAft>
-        <a:defRPr sz="4400">
-          <a:solidFill>
-            <a:schemeClr val="tx1"/>
-          </a:solidFill>
-          <a:latin typeface="Calibri" pitchFamily="34" charset="0"/>
-          <a:ea typeface="ＭＳ Ｐゴシック" charset="0"/>
-          <a:cs typeface="ＭＳ Ｐゴシック" charset="0"/>
-        </a:defRPr>
-      </a:lvl4pPr>
-      <a:lvl5pPr algn="ctr" rtl="0" eaLnBrk="0" fontAlgn="base" hangingPunct="0">
-        <a:spcBef>
-          <a:spcPct val="0"/>
-        </a:spcBef>
-        <a:spcAft>
-          <a:spcPct val="0"/>
-        </a:spcAft>
-        <a:defRPr sz="4400">
-          <a:solidFill>
-            <a:schemeClr val="tx1"/>
-          </a:solidFill>
-          <a:latin typeface="Calibri" pitchFamily="34" charset="0"/>
-          <a:ea typeface="ＭＳ Ｐゴシック" charset="0"/>
-          <a:cs typeface="ＭＳ Ｐゴシック" charset="0"/>
-        </a:defRPr>
-      </a:lvl5pPr>
-      <a:lvl6pPr marL="457200" algn="ctr" rtl="0" eaLnBrk="1" fontAlgn="base" hangingPunct="1">
-        <a:spcBef>
-          <a:spcPct val="0"/>
-        </a:spcBef>
-        <a:spcAft>
-          <a:spcPct val="0"/>
-        </a:spcAft>
-        <a:defRPr sz="4400">
-          <a:solidFill>
-            <a:schemeClr val="tx1"/>
-          </a:solidFill>
-          <a:latin typeface="Calibri" pitchFamily="34" charset="0"/>
-        </a:defRPr>
-      </a:lvl6pPr>
-      <a:lvl7pPr marL="914400" algn="ctr" rtl="0" eaLnBrk="1" fontAlgn="base" hangingPunct="1">
-        <a:spcBef>
-          <a:spcPct val="0"/>
-        </a:spcBef>
-        <a:spcAft>
-          <a:spcPct val="0"/>
-        </a:spcAft>
-        <a:defRPr sz="4400">
-          <a:solidFill>
-            <a:schemeClr val="tx1"/>
-          </a:solidFill>
-          <a:latin typeface="Calibri" pitchFamily="34" charset="0"/>
-        </a:defRPr>
-      </a:lvl7pPr>
-      <a:lvl8pPr marL="1371600" algn="ctr" rtl="0" eaLnBrk="1" fontAlgn="base" hangingPunct="1">
-        <a:spcBef>
-          <a:spcPct val="0"/>
-        </a:spcBef>
-        <a:spcAft>
-          <a:spcPct val="0"/>
-        </a:spcAft>
-        <a:defRPr sz="4400">
-          <a:solidFill>
-            <a:schemeClr val="tx1"/>
-          </a:solidFill>
-          <a:latin typeface="Calibri" pitchFamily="34" charset="0"/>
-        </a:defRPr>
-      </a:lvl8pPr>
-      <a:lvl9pPr marL="1828800" algn="ctr" rtl="0" eaLnBrk="1" fontAlgn="base" hangingPunct="1">
-        <a:spcBef>
-          <a:spcPct val="0"/>
-        </a:spcBef>
-        <a:spcAft>
-          <a:spcPct val="0"/>
-        </a:spcAft>
-        <a:defRPr sz="4400">
-          <a:solidFill>
-            <a:schemeClr val="tx1"/>
-          </a:solidFill>
-          <a:latin typeface="Calibri" pitchFamily="34" charset="0"/>
-        </a:defRPr>
-      </a:lvl9pPr>
     </p:titleStyle>
     <p:bodyStyle>
-      <a:lvl1pPr marL="342900" indent="-342900" algn="l" rtl="0" eaLnBrk="0" fontAlgn="base" hangingPunct="0">
+      <a:lvl1pPr marL="182880" indent="-182880" algn="l" defTabSz="914400" rtl="0" eaLnBrk="1" latinLnBrk="0" hangingPunct="1">
         <a:spcBef>
           <a:spcPct val="20000"/>
         </a:spcBef>
-        <a:spcAft>
-          <a:spcPct val="0"/>
-        </a:spcAft>
-        <a:buFont typeface="Arial" pitchFamily="34" charset="0"/>
-        <a:buChar char="•"/>
-        <a:defRPr sz="3200" kern="1200">
-          <a:solidFill>
-            <a:schemeClr val="tx1"/>
-          </a:solidFill>
-          <a:latin typeface="+mn-lt"/>
-          <a:ea typeface="ＭＳ Ｐゴシック" charset="0"/>
-          <a:cs typeface="ＭＳ Ｐゴシック" charset="0"/>
-        </a:defRPr>
-      </a:lvl1pPr>
-      <a:lvl2pPr marL="742950" indent="-285750" algn="l" rtl="0" eaLnBrk="0" fontAlgn="base" hangingPunct="0">
-        <a:spcBef>
-          <a:spcPct val="20000"/>
-        </a:spcBef>
-        <a:spcAft>
-          <a:spcPct val="0"/>
-        </a:spcAft>
-        <a:buFont typeface="Arial" pitchFamily="34" charset="0"/>
-        <a:buChar char="–"/>
-        <a:defRPr sz="2800" kern="1200">
-          <a:solidFill>
-            <a:schemeClr val="tx1"/>
-          </a:solidFill>
-          <a:latin typeface="+mn-lt"/>
-          <a:ea typeface="ＭＳ Ｐゴシック" charset="0"/>
-          <a:cs typeface="+mn-cs"/>
-        </a:defRPr>
-      </a:lvl2pPr>
-      <a:lvl3pPr marL="1143000" indent="-228600" algn="l" rtl="0" eaLnBrk="0" fontAlgn="base" hangingPunct="0">
-        <a:spcBef>
-          <a:spcPct val="20000"/>
-        </a:spcBef>
-        <a:spcAft>
-          <a:spcPct val="0"/>
-        </a:spcAft>
+        <a:buClr>
+          <a:schemeClr val="accent1"/>
+        </a:buClr>
+        <a:buSzPct val="85000"/>
         <a:buFont typeface="Arial" pitchFamily="34" charset="0"/>
         <a:buChar char="•"/>
         <a:defRPr sz="2400" kern="1200">
@@ -4568,50 +4546,18 @@
             <a:schemeClr val="tx1"/>
           </a:solidFill>
           <a:latin typeface="+mn-lt"/>
-          <a:ea typeface="ＭＳ Ｐゴシック" charset="0"/>
+          <a:ea typeface="+mn-ea"/>
           <a:cs typeface="+mn-cs"/>
         </a:defRPr>
-      </a:lvl3pPr>
-      <a:lvl4pPr marL="1600200" indent="-228600" algn="l" rtl="0" eaLnBrk="0" fontAlgn="base" hangingPunct="0">
+      </a:lvl1pPr>
+      <a:lvl2pPr marL="457200" indent="-182880" algn="l" defTabSz="914400" rtl="0" eaLnBrk="1" latinLnBrk="0" hangingPunct="1">
         <a:spcBef>
           <a:spcPct val="20000"/>
         </a:spcBef>
-        <a:spcAft>
-          <a:spcPct val="0"/>
-        </a:spcAft>
-        <a:buFont typeface="Arial" pitchFamily="34" charset="0"/>
-        <a:buChar char="–"/>
-        <a:defRPr sz="2000" kern="1200">
-          <a:solidFill>
-            <a:schemeClr val="tx1"/>
-          </a:solidFill>
-          <a:latin typeface="+mn-lt"/>
-          <a:ea typeface="ＭＳ Ｐゴシック" charset="0"/>
-          <a:cs typeface="+mn-cs"/>
-        </a:defRPr>
-      </a:lvl4pPr>
-      <a:lvl5pPr marL="2057400" indent="-228600" algn="l" rtl="0" eaLnBrk="0" fontAlgn="base" hangingPunct="0">
-        <a:spcBef>
-          <a:spcPct val="20000"/>
-        </a:spcBef>
-        <a:spcAft>
-          <a:spcPct val="0"/>
-        </a:spcAft>
-        <a:buFont typeface="Arial" pitchFamily="34" charset="0"/>
-        <a:buChar char="»"/>
-        <a:defRPr sz="2000" kern="1200">
-          <a:solidFill>
-            <a:schemeClr val="tx1"/>
-          </a:solidFill>
-          <a:latin typeface="+mn-lt"/>
-          <a:ea typeface="ＭＳ Ｐゴシック" charset="0"/>
-          <a:cs typeface="+mn-cs"/>
-        </a:defRPr>
-      </a:lvl5pPr>
-      <a:lvl6pPr marL="2514600" indent="-228600" algn="l" defTabSz="914400" rtl="0" eaLnBrk="1" latinLnBrk="0" hangingPunct="1">
-        <a:spcBef>
-          <a:spcPct val="20000"/>
-        </a:spcBef>
+        <a:buClr>
+          <a:schemeClr val="accent1"/>
+        </a:buClr>
+        <a:buSzPct val="85000"/>
         <a:buFont typeface="Arial" pitchFamily="34" charset="0"/>
         <a:buChar char="•"/>
         <a:defRPr sz="2000" kern="1200">
@@ -4622,14 +4568,91 @@
           <a:ea typeface="+mn-ea"/>
           <a:cs typeface="+mn-cs"/>
         </a:defRPr>
-      </a:lvl6pPr>
-      <a:lvl7pPr marL="2971800" indent="-228600" algn="l" defTabSz="914400" rtl="0" eaLnBrk="1" latinLnBrk="0" hangingPunct="1">
+      </a:lvl2pPr>
+      <a:lvl3pPr marL="731520" indent="-182880" algn="l" defTabSz="914400" rtl="0" eaLnBrk="1" latinLnBrk="0" hangingPunct="1">
         <a:spcBef>
           <a:spcPct val="20000"/>
         </a:spcBef>
+        <a:buClr>
+          <a:schemeClr val="accent1"/>
+        </a:buClr>
+        <a:buSzPct val="90000"/>
         <a:buFont typeface="Arial" pitchFamily="34" charset="0"/>
         <a:buChar char="•"/>
-        <a:defRPr sz="2000" kern="1200">
+        <a:defRPr sz="1800" kern="1200">
+          <a:solidFill>
+            <a:schemeClr val="tx1"/>
+          </a:solidFill>
+          <a:latin typeface="+mn-lt"/>
+          <a:ea typeface="+mn-ea"/>
+          <a:cs typeface="+mn-cs"/>
+        </a:defRPr>
+      </a:lvl3pPr>
+      <a:lvl4pPr marL="1005840" indent="-182880" algn="l" defTabSz="914400" rtl="0" eaLnBrk="1" latinLnBrk="0" hangingPunct="1">
+        <a:spcBef>
+          <a:spcPct val="20000"/>
+        </a:spcBef>
+        <a:buClr>
+          <a:schemeClr val="accent1"/>
+        </a:buClr>
+        <a:buFont typeface="Arial" pitchFamily="34" charset="0"/>
+        <a:buChar char="•"/>
+        <a:defRPr sz="1600" kern="1200">
+          <a:solidFill>
+            <a:schemeClr val="tx1"/>
+          </a:solidFill>
+          <a:latin typeface="+mn-lt"/>
+          <a:ea typeface="+mn-ea"/>
+          <a:cs typeface="+mn-cs"/>
+        </a:defRPr>
+      </a:lvl4pPr>
+      <a:lvl5pPr marL="1188720" indent="-137160" algn="l" defTabSz="914400" rtl="0" eaLnBrk="1" latinLnBrk="0" hangingPunct="1">
+        <a:spcBef>
+          <a:spcPct val="20000"/>
+        </a:spcBef>
+        <a:buClr>
+          <a:schemeClr val="accent1"/>
+        </a:buClr>
+        <a:buSzPct val="100000"/>
+        <a:buFont typeface="Arial" pitchFamily="34" charset="0"/>
+        <a:buChar char="•"/>
+        <a:defRPr sz="1400" kern="1200" baseline="0">
+          <a:solidFill>
+            <a:schemeClr val="tx1"/>
+          </a:solidFill>
+          <a:latin typeface="+mn-lt"/>
+          <a:ea typeface="+mn-ea"/>
+          <a:cs typeface="+mn-cs"/>
+        </a:defRPr>
+      </a:lvl5pPr>
+      <a:lvl6pPr marL="1371600" indent="-182880" algn="l" defTabSz="914400" rtl="0" eaLnBrk="1" latinLnBrk="0" hangingPunct="1">
+        <a:spcBef>
+          <a:spcPct val="20000"/>
+        </a:spcBef>
+        <a:buClr>
+          <a:schemeClr val="accent1"/>
+        </a:buClr>
+        <a:buFont typeface="Arial" pitchFamily="34" charset="0"/>
+        <a:buChar char="•"/>
+        <a:defRPr sz="1300" kern="1200">
+          <a:solidFill>
+            <a:schemeClr val="tx1"/>
+          </a:solidFill>
+          <a:latin typeface="+mn-lt"/>
+          <a:ea typeface="+mn-ea"/>
+          <a:cs typeface="+mn-cs"/>
+        </a:defRPr>
+      </a:lvl6pPr>
+      <a:lvl7pPr marL="1554480" indent="-182880" algn="l" defTabSz="914400" rtl="0" eaLnBrk="1" latinLnBrk="0" hangingPunct="1">
+        <a:spcBef>
+          <a:spcPct val="20000"/>
+        </a:spcBef>
+        <a:buClr>
+          <a:schemeClr val="accent1"/>
+        </a:buClr>
+        <a:buFont typeface="Arial" pitchFamily="34" charset="0"/>
+        <a:buChar char="•"/>
+        <a:defRPr sz="1300" kern="1200">
           <a:solidFill>
             <a:schemeClr val="tx1"/>
           </a:solidFill>
@@ -4638,13 +4661,16 @@
           <a:cs typeface="+mn-cs"/>
         </a:defRPr>
       </a:lvl7pPr>
-      <a:lvl8pPr marL="3429000" indent="-228600" algn="l" defTabSz="914400" rtl="0" eaLnBrk="1" latinLnBrk="0" hangingPunct="1">
+      <a:lvl8pPr marL="1737360" indent="-182880" algn="l" defTabSz="914400" rtl="0" eaLnBrk="1" latinLnBrk="0" hangingPunct="1">
         <a:spcBef>
           <a:spcPct val="20000"/>
         </a:spcBef>
+        <a:buClr>
+          <a:schemeClr val="accent1"/>
+        </a:buClr>
         <a:buFont typeface="Arial" pitchFamily="34" charset="0"/>
         <a:buChar char="•"/>
-        <a:defRPr sz="2000" kern="1200">
+        <a:defRPr sz="1300" kern="1200">
           <a:solidFill>
             <a:schemeClr val="tx1"/>
           </a:solidFill>
@@ -4653,13 +4679,16 @@
           <a:cs typeface="+mn-cs"/>
         </a:defRPr>
       </a:lvl8pPr>
-      <a:lvl9pPr marL="3886200" indent="-228600" algn="l" defTabSz="914400" rtl="0" eaLnBrk="1" latinLnBrk="0" hangingPunct="1">
+      <a:lvl9pPr marL="1920240" indent="-182880" algn="l" defTabSz="914400" rtl="0" eaLnBrk="1" latinLnBrk="0" hangingPunct="1">
         <a:spcBef>
           <a:spcPct val="20000"/>
         </a:spcBef>
+        <a:buClr>
+          <a:schemeClr val="accent1"/>
+        </a:buClr>
         <a:buFont typeface="Arial" pitchFamily="34" charset="0"/>
         <a:buChar char="•"/>
-        <a:defRPr sz="2000" kern="1200">
+        <a:defRPr sz="1300" kern="1200">
           <a:solidFill>
             <a:schemeClr val="tx1"/>
           </a:solidFill>
@@ -4671,7 +4700,7 @@
     </p:bodyStyle>
     <p:otherStyle>
       <a:defPPr>
-        <a:defRPr lang="fr-FR"/>
+        <a:defRPr lang="en-US"/>
       </a:defPPr>
       <a:lvl1pPr marL="0" algn="l" defTabSz="914400" rtl="0" eaLnBrk="1" latinLnBrk="0" hangingPunct="1">
         <a:defRPr sz="1800" kern="1200">
@@ -4829,7 +4858,7 @@
           <a:p>
             <a:pPr algn="ctr"/>
             <a:r>
-              <a:rPr lang="fr-FR" sz="3200">
+              <a:rPr lang="fr-FR" sz="3200" dirty="0">
                 <a:cs typeface="Arial" pitchFamily="34" charset="0"/>
               </a:rPr>
               <a:t>Bretagne Mobilité Augmentée</a:t>
@@ -4986,7 +5015,7 @@
     <p:bg>
       <p:bgPr>
         <a:blipFill dpi="0" rotWithShape="0">
-          <a:blip r:embed="rId3" cstate="print"/>
+          <a:blip r:embed="rId2" cstate="print"/>
           <a:srcRect/>
           <a:stretch>
             <a:fillRect/>
@@ -5011,7 +5040,7 @@
       </p:grpSpPr>
       <p:sp>
         <p:nvSpPr>
-          <p:cNvPr id="23554" name="Titre 1"/>
+          <p:cNvPr id="22530" name="Titre 1"/>
           <p:cNvSpPr>
             <a:spLocks noGrp="1"/>
           </p:cNvSpPr>
@@ -5021,7 +5050,7 @@
         </p:nvSpPr>
         <p:spPr>
           <a:xfrm>
-            <a:off x="468313" y="115888"/>
+            <a:off x="468313" y="188913"/>
             <a:ext cx="8229600" cy="1143000"/>
           </a:xfrm>
         </p:spPr>
@@ -5031,10 +5060,10 @@
           <a:p>
             <a:pPr eaLnBrk="1" hangingPunct="1"/>
             <a:r>
-              <a:rPr lang="fr-FR" smtClean="0">
+              <a:rPr lang="fr-FR" dirty="0" smtClean="0">
                 <a:ea typeface="ＭＳ Ｐゴシック" pitchFamily="34" charset="-128"/>
               </a:rPr>
-              <a:t>Application Android</a:t>
+              <a:t>Serveur</a:t>
             </a:r>
           </a:p>
         </p:txBody>
@@ -5091,34 +5120,40 @@
                 <a:ea typeface="+mn-ea"/>
                 <a:cs typeface="+mn-cs"/>
               </a:rPr>
-              <a:t>Communication avec le serveur</a:t>
-            </a:r>
-          </a:p>
-          <a:p>
-            <a:pPr lvl="5">
+              <a:t>Accès aux bases de données</a:t>
+            </a:r>
+          </a:p>
+          <a:p>
+            <a:pPr lvl="1" eaLnBrk="1" hangingPunct="1">
+              <a:buFont typeface="Arial" charset="0"/>
+              <a:buChar char="–"/>
               <a:defRPr/>
             </a:pPr>
             <a:r>
-              <a:rPr lang="fr-FR" dirty="0" smtClean="0"/>
-              <a:t>Appel simple</a:t>
-            </a:r>
-          </a:p>
-          <a:p>
-            <a:pPr lvl="5">
+              <a:rPr lang="fr-FR" dirty="0" err="1" smtClean="0">
+                <a:ea typeface="+mn-ea"/>
+              </a:rPr>
+              <a:t>MySql</a:t>
+            </a:r>
+            <a:endParaRPr lang="fr-FR" dirty="0">
+              <a:ea typeface="+mn-ea"/>
+            </a:endParaRPr>
+          </a:p>
+          <a:p>
+            <a:pPr lvl="1" eaLnBrk="1" hangingPunct="1">
+              <a:buFont typeface="Arial" charset="0"/>
+              <a:buChar char="–"/>
               <a:defRPr/>
             </a:pPr>
             <a:r>
-              <a:rPr lang="fr-FR" dirty="0" smtClean="0"/>
-              <a:t>Appel avec </a:t>
-            </a:r>
-            <a:r>
-              <a:rPr lang="fr-FR" dirty="0"/>
-              <a:t>t</a:t>
-            </a:r>
-            <a:r>
-              <a:rPr lang="fr-FR" dirty="0" smtClean="0"/>
-              <a:t>rajet</a:t>
-            </a:r>
+              <a:rPr lang="fr-FR" dirty="0" smtClean="0">
+                <a:ea typeface="+mn-ea"/>
+              </a:rPr>
+              <a:t>Neo4j</a:t>
+            </a:r>
+            <a:endParaRPr lang="fr-FR" dirty="0">
+              <a:ea typeface="+mn-ea"/>
+            </a:endParaRPr>
           </a:p>
           <a:p>
             <a:pPr lvl="5">
@@ -5133,12 +5168,52 @@
               <a:defRPr/>
             </a:pPr>
             <a:r>
+              <a:rPr lang="fr-FR" dirty="0">
+                <a:ea typeface="+mn-ea"/>
+                <a:cs typeface="+mn-cs"/>
+              </a:rPr>
+              <a:t>Gestion </a:t>
+            </a:r>
+            <a:r>
               <a:rPr lang="fr-FR" dirty="0" smtClean="0">
                 <a:ea typeface="+mn-ea"/>
                 <a:cs typeface="+mn-cs"/>
               </a:rPr>
-              <a:t>Gestion de la carte</a:t>
-            </a:r>
+              <a:t>des requêtes entrantes et sortantes</a:t>
+            </a:r>
+            <a:endParaRPr lang="fr-FR" dirty="0">
+              <a:ea typeface="+mn-ea"/>
+              <a:cs typeface="+mn-cs"/>
+            </a:endParaRPr>
+          </a:p>
+          <a:p>
+            <a:pPr eaLnBrk="1" hangingPunct="1">
+              <a:buFont typeface="Arial" charset="0"/>
+              <a:buChar char="•"/>
+              <a:defRPr/>
+            </a:pPr>
+            <a:endParaRPr lang="fr-FR" dirty="0" smtClean="0">
+              <a:ea typeface="+mn-ea"/>
+              <a:cs typeface="+mn-cs"/>
+            </a:endParaRPr>
+          </a:p>
+          <a:p>
+            <a:pPr eaLnBrk="1" hangingPunct="1">
+              <a:buFont typeface="Arial" charset="0"/>
+              <a:buChar char="•"/>
+              <a:defRPr/>
+            </a:pPr>
+            <a:r>
+              <a:rPr lang="fr-FR" dirty="0" smtClean="0">
+                <a:ea typeface="+mn-ea"/>
+                <a:cs typeface="+mn-cs"/>
+              </a:rPr>
+              <a:t>Formatage des données envoyées</a:t>
+            </a:r>
+            <a:endParaRPr lang="fr-FR" dirty="0">
+              <a:ea typeface="+mn-ea"/>
+              <a:cs typeface="+mn-cs"/>
+            </a:endParaRPr>
           </a:p>
           <a:p>
             <a:pPr eaLnBrk="1" hangingPunct="1">
@@ -5151,20 +5226,6 @@
               <a:cs typeface="+mn-cs"/>
             </a:endParaRPr>
           </a:p>
-          <a:p>
-            <a:pPr eaLnBrk="1" hangingPunct="1">
-              <a:buFont typeface="Arial" charset="0"/>
-              <a:buChar char="•"/>
-              <a:defRPr/>
-            </a:pPr>
-            <a:r>
-              <a:rPr lang="fr-FR" dirty="0" smtClean="0">
-                <a:ea typeface="+mn-ea"/>
-                <a:cs typeface="+mn-cs"/>
-              </a:rPr>
-              <a:t>Affichage des informations</a:t>
-            </a:r>
-          </a:p>
         </p:txBody>
       </p:sp>
       <p:sp>
@@ -5182,7 +5243,7 @@
           <a:bodyPr/>
           <a:lstStyle/>
           <a:p>
-            <a:fld id="{D42FF3B8-8DBD-445F-8CE2-928EA5B1CDDF}" type="slidenum">
+            <a:fld id="{EB328AEC-1600-4454-AC4F-FDB7AF49D56E}" type="slidenum">
               <a:rPr lang="fr-CA"/>
               <a:pPr/>
               <a:t>10</a:t>
@@ -5207,6 +5268,232 @@
 </file>
 
 <file path=ppt/slides/slide11.xml><?xml version="1.0" encoding="utf-8"?>
+<p:sld xmlns:a="http://schemas.openxmlformats.org/drawingml/2006/main" xmlns:r="http://schemas.openxmlformats.org/officeDocument/2006/relationships" xmlns:p="http://schemas.openxmlformats.org/presentationml/2006/main">
+  <p:cSld>
+    <p:bg>
+      <p:bgPr>
+        <a:blipFill dpi="0" rotWithShape="0">
+          <a:blip r:embed="rId3" cstate="print"/>
+          <a:srcRect/>
+          <a:stretch>
+            <a:fillRect/>
+          </a:stretch>
+        </a:blipFill>
+        <a:effectLst/>
+      </p:bgPr>
+    </p:bg>
+    <p:spTree>
+      <p:nvGrpSpPr>
+        <p:cNvPr id="1" name=""/>
+        <p:cNvGrpSpPr/>
+        <p:nvPr/>
+      </p:nvGrpSpPr>
+      <p:grpSpPr>
+        <a:xfrm>
+          <a:off x="0" y="0"/>
+          <a:ext cx="0" cy="0"/>
+          <a:chOff x="0" y="0"/>
+          <a:chExt cx="0" cy="0"/>
+        </a:xfrm>
+      </p:grpSpPr>
+      <p:sp>
+        <p:nvSpPr>
+          <p:cNvPr id="23554" name="Titre 1"/>
+          <p:cNvSpPr>
+            <a:spLocks noGrp="1"/>
+          </p:cNvSpPr>
+          <p:nvPr>
+            <p:ph type="title"/>
+          </p:nvPr>
+        </p:nvSpPr>
+        <p:spPr>
+          <a:xfrm>
+            <a:off x="468313" y="115888"/>
+            <a:ext cx="8229600" cy="1143000"/>
+          </a:xfrm>
+        </p:spPr>
+        <p:txBody>
+          <a:bodyPr/>
+          <a:lstStyle/>
+          <a:p>
+            <a:pPr eaLnBrk="1" hangingPunct="1"/>
+            <a:r>
+              <a:rPr lang="fr-FR" smtClean="0">
+                <a:ea typeface="ＭＳ Ｐゴシック" pitchFamily="34" charset="-128"/>
+              </a:rPr>
+              <a:t>Application Android</a:t>
+            </a:r>
+          </a:p>
+        </p:txBody>
+      </p:sp>
+      <p:sp>
+        <p:nvSpPr>
+          <p:cNvPr id="3" name="Espace réservé du contenu 2"/>
+          <p:cNvSpPr>
+            <a:spLocks noGrp="1"/>
+          </p:cNvSpPr>
+          <p:nvPr>
+            <p:ph idx="1"/>
+          </p:nvPr>
+        </p:nvSpPr>
+        <p:spPr>
+          <a:xfrm>
+            <a:off x="467544" y="1514202"/>
+            <a:ext cx="8229600" cy="4525963"/>
+          </a:xfrm>
+          <a:extLst>
+            <a:ext uri="{909E8E84-426E-40dd-AFC4-6F175D3DCCD1}">
+              <a14:hiddenFill xmlns:a14="http://schemas.microsoft.com/office/drawing/2010/main">
+                <a:solidFill>
+                  <a:srgbClr val="FFFFFF"/>
+                </a:solidFill>
+              </a14:hiddenFill>
+            </a:ext>
+            <a:ext uri="{91240B29-F687-4f45-9708-019B960494DF}">
+              <a14:hiddenLine xmlns:a14="http://schemas.microsoft.com/office/drawing/2010/main" w="9525">
+                <a:solidFill>
+                  <a:srgbClr val="000000"/>
+                </a:solidFill>
+                <a:miter lim="800000"/>
+                <a:headEnd/>
+                <a:tailEnd/>
+              </a14:hiddenLine>
+            </a:ext>
+            <a:ext uri="{FAA26D3D-D897-4be2-8F04-BA451C77F1D7}">
+              <ma14:placeholderFlag xmlns:ma14="http://schemas.microsoft.com/office/mac/drawingml/2011/main" val="1"/>
+            </a:ext>
+          </a:extLst>
+        </p:spPr>
+        <p:txBody>
+          <a:bodyPr/>
+          <a:lstStyle/>
+          <a:p>
+            <a:pPr eaLnBrk="1" hangingPunct="1">
+              <a:buFont typeface="Arial" charset="0"/>
+              <a:buChar char="•"/>
+              <a:defRPr/>
+            </a:pPr>
+            <a:r>
+              <a:rPr lang="fr-FR" dirty="0" smtClean="0">
+                <a:ea typeface="+mn-ea"/>
+                <a:cs typeface="+mn-cs"/>
+              </a:rPr>
+              <a:t>Communication avec le serveur</a:t>
+            </a:r>
+          </a:p>
+          <a:p>
+            <a:pPr lvl="5">
+              <a:defRPr/>
+            </a:pPr>
+            <a:r>
+              <a:rPr lang="fr-FR" dirty="0" smtClean="0"/>
+              <a:t>Appel simple</a:t>
+            </a:r>
+          </a:p>
+          <a:p>
+            <a:pPr lvl="5">
+              <a:defRPr/>
+            </a:pPr>
+            <a:r>
+              <a:rPr lang="fr-FR" dirty="0" smtClean="0"/>
+              <a:t>Appel avec </a:t>
+            </a:r>
+            <a:r>
+              <a:rPr lang="fr-FR" dirty="0"/>
+              <a:t>t</a:t>
+            </a:r>
+            <a:r>
+              <a:rPr lang="fr-FR" dirty="0" smtClean="0"/>
+              <a:t>rajet</a:t>
+            </a:r>
+          </a:p>
+          <a:p>
+            <a:pPr lvl="5">
+              <a:defRPr/>
+            </a:pPr>
+            <a:endParaRPr lang="fr-FR" dirty="0"/>
+          </a:p>
+          <a:p>
+            <a:pPr eaLnBrk="1" hangingPunct="1">
+              <a:buFont typeface="Arial" charset="0"/>
+              <a:buChar char="•"/>
+              <a:defRPr/>
+            </a:pPr>
+            <a:r>
+              <a:rPr lang="fr-FR" dirty="0" smtClean="0">
+                <a:ea typeface="+mn-ea"/>
+                <a:cs typeface="+mn-cs"/>
+              </a:rPr>
+              <a:t>Gestion de la carte</a:t>
+            </a:r>
+          </a:p>
+          <a:p>
+            <a:pPr eaLnBrk="1" hangingPunct="1">
+              <a:buFont typeface="Arial" charset="0"/>
+              <a:buChar char="•"/>
+              <a:defRPr/>
+            </a:pPr>
+            <a:endParaRPr lang="fr-FR" dirty="0">
+              <a:ea typeface="+mn-ea"/>
+              <a:cs typeface="+mn-cs"/>
+            </a:endParaRPr>
+          </a:p>
+          <a:p>
+            <a:pPr eaLnBrk="1" hangingPunct="1">
+              <a:buFont typeface="Arial" charset="0"/>
+              <a:buChar char="•"/>
+              <a:defRPr/>
+            </a:pPr>
+            <a:r>
+              <a:rPr lang="fr-FR" dirty="0" smtClean="0">
+                <a:ea typeface="+mn-ea"/>
+                <a:cs typeface="+mn-cs"/>
+              </a:rPr>
+              <a:t>Affichage des informations</a:t>
+            </a:r>
+          </a:p>
+        </p:txBody>
+      </p:sp>
+      <p:sp>
+        <p:nvSpPr>
+          <p:cNvPr id="2" name="Espace réservé du numéro de diapositive 1"/>
+          <p:cNvSpPr>
+            <a:spLocks noGrp="1"/>
+          </p:cNvSpPr>
+          <p:nvPr>
+            <p:ph type="sldNum" sz="quarter" idx="12"/>
+          </p:nvPr>
+        </p:nvSpPr>
+        <p:spPr/>
+        <p:txBody>
+          <a:bodyPr/>
+          <a:lstStyle/>
+          <a:p>
+            <a:fld id="{D42FF3B8-8DBD-445F-8CE2-928EA5B1CDDF}" type="slidenum">
+              <a:rPr lang="fr-CA"/>
+              <a:pPr/>
+              <a:t>11</a:t>
+            </a:fld>
+            <a:endParaRPr lang="fr-CA"/>
+          </a:p>
+        </p:txBody>
+      </p:sp>
+    </p:spTree>
+  </p:cSld>
+  <p:clrMapOvr>
+    <a:masterClrMapping/>
+  </p:clrMapOvr>
+  <p:timing>
+    <p:tnLst>
+      <p:par>
+        <p:cTn xmlns:p14="http://schemas.microsoft.com/office/powerpoint/2010/main" id="1" dur="indefinite" restart="never" nodeType="tmRoot"/>
+      </p:par>
+    </p:tnLst>
+  </p:timing>
+</p:sld>
+</file>
+
+<file path=ppt/slides/slide12.xml><?xml version="1.0" encoding="utf-8"?>
 <p:sld xmlns:a="http://schemas.openxmlformats.org/drawingml/2006/main" xmlns:r="http://schemas.openxmlformats.org/officeDocument/2006/relationships" xmlns:p="http://schemas.openxmlformats.org/presentationml/2006/main">
   <p:cSld>
     <p:bg>
@@ -5262,6 +5549,30 @@
               </a:rPr>
               <a:t>Application Android</a:t>
             </a:r>
+          </a:p>
+        </p:txBody>
+      </p:sp>
+      <p:sp>
+        <p:nvSpPr>
+          <p:cNvPr id="2" name="Espace réservé du numéro de diapositive 1"/>
+          <p:cNvSpPr>
+            <a:spLocks noGrp="1"/>
+          </p:cNvSpPr>
+          <p:nvPr>
+            <p:ph type="sldNum" sz="quarter" idx="12"/>
+          </p:nvPr>
+        </p:nvSpPr>
+        <p:spPr/>
+        <p:txBody>
+          <a:bodyPr/>
+          <a:lstStyle/>
+          <a:p>
+            <a:fld id="{EAA35302-4E30-4B2F-B23A-1EA1C07B1741}" type="slidenum">
+              <a:rPr lang="fr-CA"/>
+              <a:pPr/>
+              <a:t>12</a:t>
+            </a:fld>
+            <a:endParaRPr lang="fr-CA"/>
           </a:p>
         </p:txBody>
       </p:sp>
@@ -6835,283 +7146,6 @@
           </a:effectLst>
         </p:spPr>
       </p:cxnSp>
-      <p:sp>
-        <p:nvSpPr>
-          <p:cNvPr id="2" name="Espace réservé du numéro de diapositive 1"/>
-          <p:cNvSpPr>
-            <a:spLocks noGrp="1"/>
-          </p:cNvSpPr>
-          <p:nvPr>
-            <p:ph type="sldNum" sz="quarter" idx="12"/>
-          </p:nvPr>
-        </p:nvSpPr>
-        <p:spPr/>
-        <p:txBody>
-          <a:bodyPr/>
-          <a:lstStyle/>
-          <a:p>
-            <a:fld id="{EAA35302-4E30-4B2F-B23A-1EA1C07B1741}" type="slidenum">
-              <a:rPr lang="fr-CA"/>
-              <a:pPr/>
-              <a:t>11</a:t>
-            </a:fld>
-            <a:endParaRPr lang="fr-CA"/>
-          </a:p>
-        </p:txBody>
-      </p:sp>
-    </p:spTree>
-  </p:cSld>
-  <p:clrMapOvr>
-    <a:masterClrMapping/>
-  </p:clrMapOvr>
-  <p:timing>
-    <p:tnLst>
-      <p:par>
-        <p:cTn xmlns:p14="http://schemas.microsoft.com/office/powerpoint/2010/main" id="1" dur="indefinite" restart="never" nodeType="tmRoot"/>
-      </p:par>
-    </p:tnLst>
-  </p:timing>
-</p:sld>
-</file>
-
-<file path=ppt/slides/slide12.xml><?xml version="1.0" encoding="utf-8"?>
-<p:sld xmlns:a="http://schemas.openxmlformats.org/drawingml/2006/main" xmlns:r="http://schemas.openxmlformats.org/officeDocument/2006/relationships" xmlns:p="http://schemas.openxmlformats.org/presentationml/2006/main">
-  <p:cSld>
-    <p:bg>
-      <p:bgPr>
-        <a:blipFill dpi="0" rotWithShape="0">
-          <a:blip r:embed="rId2" cstate="print"/>
-          <a:srcRect/>
-          <a:stretch>
-            <a:fillRect/>
-          </a:stretch>
-        </a:blipFill>
-        <a:effectLst/>
-      </p:bgPr>
-    </p:bg>
-    <p:spTree>
-      <p:nvGrpSpPr>
-        <p:cNvPr id="1" name=""/>
-        <p:cNvGrpSpPr/>
-        <p:nvPr/>
-      </p:nvGrpSpPr>
-      <p:grpSpPr>
-        <a:xfrm>
-          <a:off x="0" y="0"/>
-          <a:ext cx="0" cy="0"/>
-          <a:chOff x="0" y="0"/>
-          <a:chExt cx="0" cy="0"/>
-        </a:xfrm>
-      </p:grpSpPr>
-      <p:sp>
-        <p:nvSpPr>
-          <p:cNvPr id="26626" name="Titre 1"/>
-          <p:cNvSpPr>
-            <a:spLocks noGrp="1"/>
-          </p:cNvSpPr>
-          <p:nvPr>
-            <p:ph type="title"/>
-          </p:nvPr>
-        </p:nvSpPr>
-        <p:spPr>
-          <a:xfrm>
-            <a:off x="468313" y="115888"/>
-            <a:ext cx="8229600" cy="1143000"/>
-          </a:xfrm>
-        </p:spPr>
-        <p:txBody>
-          <a:bodyPr/>
-          <a:lstStyle/>
-          <a:p>
-            <a:pPr eaLnBrk="1" hangingPunct="1"/>
-            <a:r>
-              <a:rPr lang="fr-FR" smtClean="0">
-                <a:ea typeface="ＭＳ Ｐゴシック" pitchFamily="34" charset="-128"/>
-              </a:rPr>
-              <a:t>Site Web</a:t>
-            </a:r>
-          </a:p>
-        </p:txBody>
-      </p:sp>
-      <p:sp>
-        <p:nvSpPr>
-          <p:cNvPr id="3" name="Espace réservé du contenu 2"/>
-          <p:cNvSpPr>
-            <a:spLocks noGrp="1"/>
-          </p:cNvSpPr>
-          <p:nvPr>
-            <p:ph idx="1"/>
-          </p:nvPr>
-        </p:nvSpPr>
-        <p:spPr>
-          <a:xfrm>
-            <a:off x="468313" y="1441450"/>
-            <a:ext cx="8229600" cy="4525963"/>
-          </a:xfrm>
-        </p:spPr>
-        <p:txBody>
-          <a:bodyPr>
-            <a:normAutofit/>
-          </a:bodyPr>
-          <a:lstStyle/>
-          <a:p>
-            <a:pPr eaLnBrk="1" hangingPunct="1">
-              <a:lnSpc>
-                <a:spcPct val="90000"/>
-              </a:lnSpc>
-            </a:pPr>
-            <a:r>
-              <a:rPr lang="fr-FR" smtClean="0">
-                <a:ea typeface="ＭＳ Ｐゴシック" pitchFamily="34" charset="-128"/>
-              </a:rPr>
-              <a:t>Effectuer une recherche d</a:t>
-            </a:r>
-            <a:r>
-              <a:rPr lang="fr-FR" altLang="fr-FR" smtClean="0">
-                <a:ea typeface="ＭＳ Ｐゴシック" pitchFamily="34" charset="-128"/>
-              </a:rPr>
-              <a:t>’</a:t>
-            </a:r>
-            <a:r>
-              <a:rPr lang="fr-FR" smtClean="0">
-                <a:ea typeface="ＭＳ Ｐゴシック" pitchFamily="34" charset="-128"/>
-              </a:rPr>
-              <a:t>itinéraire</a:t>
-            </a:r>
-          </a:p>
-          <a:p>
-            <a:pPr eaLnBrk="1" hangingPunct="1">
-              <a:lnSpc>
-                <a:spcPct val="90000"/>
-              </a:lnSpc>
-              <a:buFont typeface="Arial" pitchFamily="34" charset="0"/>
-              <a:buNone/>
-            </a:pPr>
-            <a:r>
-              <a:rPr lang="fr-FR" smtClean="0">
-                <a:ea typeface="ＭＳ Ｐゴシック" pitchFamily="34" charset="-128"/>
-              </a:rPr>
-              <a:t>					- Classique</a:t>
-            </a:r>
-          </a:p>
-          <a:p>
-            <a:pPr eaLnBrk="1" hangingPunct="1">
-              <a:lnSpc>
-                <a:spcPct val="90000"/>
-              </a:lnSpc>
-              <a:buFont typeface="Arial" pitchFamily="34" charset="0"/>
-              <a:buNone/>
-            </a:pPr>
-            <a:r>
-              <a:rPr lang="en-US" smtClean="0">
-                <a:ea typeface="ＭＳ Ｐゴシック" pitchFamily="34" charset="-128"/>
-              </a:rPr>
-              <a:t>					- Par mot </a:t>
-            </a:r>
-            <a:endParaRPr lang="fr-FR" smtClean="0">
-              <a:ea typeface="ＭＳ Ｐゴシック" pitchFamily="34" charset="-128"/>
-            </a:endParaRPr>
-          </a:p>
-          <a:p>
-            <a:pPr eaLnBrk="1" hangingPunct="1">
-              <a:lnSpc>
-                <a:spcPct val="90000"/>
-              </a:lnSpc>
-            </a:pPr>
-            <a:r>
-              <a:rPr lang="fr-FR" smtClean="0">
-                <a:ea typeface="ＭＳ Ｐゴシック" pitchFamily="34" charset="-128"/>
-              </a:rPr>
-              <a:t>Communication avec le serveur</a:t>
-            </a:r>
-          </a:p>
-          <a:p>
-            <a:pPr eaLnBrk="1" hangingPunct="1">
-              <a:lnSpc>
-                <a:spcPct val="90000"/>
-              </a:lnSpc>
-            </a:pPr>
-            <a:endParaRPr lang="en-US" smtClean="0">
-              <a:ea typeface="ＭＳ Ｐゴシック" pitchFamily="34" charset="-128"/>
-            </a:endParaRPr>
-          </a:p>
-          <a:p>
-            <a:pPr eaLnBrk="1" hangingPunct="1">
-              <a:lnSpc>
-                <a:spcPct val="90000"/>
-              </a:lnSpc>
-            </a:pPr>
-            <a:r>
-              <a:rPr lang="en-US" smtClean="0">
-                <a:ea typeface="ＭＳ Ｐゴシック" pitchFamily="34" charset="-128"/>
-              </a:rPr>
-              <a:t>Gestion de la carte </a:t>
-            </a:r>
-            <a:endParaRPr lang="fr-FR" smtClean="0">
-              <a:ea typeface="ＭＳ Ｐゴシック" pitchFamily="34" charset="-128"/>
-            </a:endParaRPr>
-          </a:p>
-          <a:p>
-            <a:pPr eaLnBrk="1" hangingPunct="1">
-              <a:lnSpc>
-                <a:spcPct val="90000"/>
-              </a:lnSpc>
-              <a:buFont typeface="Arial" pitchFamily="34" charset="0"/>
-              <a:buNone/>
-            </a:pPr>
-            <a:endParaRPr lang="fr-FR" smtClean="0">
-              <a:ea typeface="ＭＳ Ｐゴシック" pitchFamily="34" charset="-128"/>
-            </a:endParaRPr>
-          </a:p>
-          <a:p>
-            <a:pPr eaLnBrk="1" hangingPunct="1">
-              <a:lnSpc>
-                <a:spcPct val="90000"/>
-              </a:lnSpc>
-            </a:pPr>
-            <a:r>
-              <a:rPr lang="fr-FR" smtClean="0">
-                <a:ea typeface="ＭＳ Ｐゴシック" pitchFamily="34" charset="-128"/>
-              </a:rPr>
-              <a:t>Affichage des résultats</a:t>
-            </a:r>
-          </a:p>
-          <a:p>
-            <a:pPr eaLnBrk="1" hangingPunct="1">
-              <a:lnSpc>
-                <a:spcPct val="90000"/>
-              </a:lnSpc>
-            </a:pPr>
-            <a:endParaRPr lang="fr-FR" smtClean="0">
-              <a:ea typeface="ＭＳ Ｐゴシック" pitchFamily="34" charset="-128"/>
-            </a:endParaRPr>
-          </a:p>
-        </p:txBody>
-      </p:sp>
-      <p:sp>
-        <p:nvSpPr>
-          <p:cNvPr id="2" name="Espace réservé du numéro de diapositive 1"/>
-          <p:cNvSpPr>
-            <a:spLocks noGrp="1"/>
-          </p:cNvSpPr>
-          <p:nvPr>
-            <p:ph type="sldNum" sz="quarter" idx="12"/>
-          </p:nvPr>
-        </p:nvSpPr>
-        <p:spPr/>
-        <p:txBody>
-          <a:bodyPr/>
-          <a:lstStyle/>
-          <a:p>
-            <a:fld id="{9B573795-E03F-4DDC-A8EB-1A318C6E99CD}" type="slidenum">
-              <a:rPr lang="fr-CA"/>
-              <a:pPr/>
-              <a:t>12</a:t>
-            </a:fld>
-            <a:endParaRPr lang="fr-CA"/>
-          </a:p>
-        </p:txBody>
-      </p:sp>
     </p:spTree>
   </p:cSld>
   <p:clrMapOvr>
@@ -7158,6 +7192,259 @@
       </p:grpSpPr>
       <p:sp>
         <p:nvSpPr>
+          <p:cNvPr id="26626" name="Titre 1"/>
+          <p:cNvSpPr>
+            <a:spLocks noGrp="1"/>
+          </p:cNvSpPr>
+          <p:nvPr>
+            <p:ph type="title"/>
+          </p:nvPr>
+        </p:nvSpPr>
+        <p:spPr>
+          <a:xfrm>
+            <a:off x="468313" y="115888"/>
+            <a:ext cx="8229600" cy="1143000"/>
+          </a:xfrm>
+        </p:spPr>
+        <p:txBody>
+          <a:bodyPr/>
+          <a:lstStyle/>
+          <a:p>
+            <a:pPr eaLnBrk="1" hangingPunct="1"/>
+            <a:r>
+              <a:rPr lang="fr-FR" smtClean="0">
+                <a:ea typeface="ＭＳ Ｐゴシック" pitchFamily="34" charset="-128"/>
+              </a:rPr>
+              <a:t>Site Web</a:t>
+            </a:r>
+          </a:p>
+        </p:txBody>
+      </p:sp>
+      <p:sp>
+        <p:nvSpPr>
+          <p:cNvPr id="3" name="Espace réservé du contenu 2"/>
+          <p:cNvSpPr>
+            <a:spLocks noGrp="1"/>
+          </p:cNvSpPr>
+          <p:nvPr>
+            <p:ph idx="1"/>
+          </p:nvPr>
+        </p:nvSpPr>
+        <p:spPr>
+          <a:xfrm>
+            <a:off x="468313" y="1441450"/>
+            <a:ext cx="8229600" cy="4525963"/>
+          </a:xfrm>
+        </p:spPr>
+        <p:txBody>
+          <a:bodyPr>
+            <a:normAutofit/>
+          </a:bodyPr>
+          <a:lstStyle/>
+          <a:p>
+            <a:pPr eaLnBrk="1" hangingPunct="1">
+              <a:lnSpc>
+                <a:spcPct val="90000"/>
+              </a:lnSpc>
+            </a:pPr>
+            <a:r>
+              <a:rPr lang="fr-FR" smtClean="0">
+                <a:ea typeface="ＭＳ Ｐゴシック" pitchFamily="34" charset="-128"/>
+              </a:rPr>
+              <a:t>Effectuer une recherche d</a:t>
+            </a:r>
+            <a:r>
+              <a:rPr lang="fr-FR" altLang="fr-FR" smtClean="0">
+                <a:ea typeface="ＭＳ Ｐゴシック" pitchFamily="34" charset="-128"/>
+              </a:rPr>
+              <a:t>’</a:t>
+            </a:r>
+            <a:r>
+              <a:rPr lang="fr-FR" smtClean="0">
+                <a:ea typeface="ＭＳ Ｐゴシック" pitchFamily="34" charset="-128"/>
+              </a:rPr>
+              <a:t>itinéraire</a:t>
+            </a:r>
+          </a:p>
+          <a:p>
+            <a:pPr eaLnBrk="1" hangingPunct="1">
+              <a:lnSpc>
+                <a:spcPct val="90000"/>
+              </a:lnSpc>
+              <a:buFont typeface="Arial" pitchFamily="34" charset="0"/>
+              <a:buNone/>
+            </a:pPr>
+            <a:r>
+              <a:rPr lang="fr-FR" smtClean="0">
+                <a:ea typeface="ＭＳ Ｐゴシック" pitchFamily="34" charset="-128"/>
+              </a:rPr>
+              <a:t>					- Classique</a:t>
+            </a:r>
+          </a:p>
+          <a:p>
+            <a:pPr eaLnBrk="1" hangingPunct="1">
+              <a:lnSpc>
+                <a:spcPct val="90000"/>
+              </a:lnSpc>
+              <a:buFont typeface="Arial" pitchFamily="34" charset="0"/>
+              <a:buNone/>
+            </a:pPr>
+            <a:r>
+              <a:rPr lang="en-US" smtClean="0">
+                <a:ea typeface="ＭＳ Ｐゴシック" pitchFamily="34" charset="-128"/>
+              </a:rPr>
+              <a:t>					- Par mot </a:t>
+            </a:r>
+            <a:endParaRPr lang="fr-FR" smtClean="0">
+              <a:ea typeface="ＭＳ Ｐゴシック" pitchFamily="34" charset="-128"/>
+            </a:endParaRPr>
+          </a:p>
+          <a:p>
+            <a:pPr eaLnBrk="1" hangingPunct="1">
+              <a:lnSpc>
+                <a:spcPct val="90000"/>
+              </a:lnSpc>
+            </a:pPr>
+            <a:r>
+              <a:rPr lang="fr-FR" smtClean="0">
+                <a:ea typeface="ＭＳ Ｐゴシック" pitchFamily="34" charset="-128"/>
+              </a:rPr>
+              <a:t>Communication avec le serveur</a:t>
+            </a:r>
+          </a:p>
+          <a:p>
+            <a:pPr eaLnBrk="1" hangingPunct="1">
+              <a:lnSpc>
+                <a:spcPct val="90000"/>
+              </a:lnSpc>
+            </a:pPr>
+            <a:endParaRPr lang="en-US" smtClean="0">
+              <a:ea typeface="ＭＳ Ｐゴシック" pitchFamily="34" charset="-128"/>
+            </a:endParaRPr>
+          </a:p>
+          <a:p>
+            <a:pPr eaLnBrk="1" hangingPunct="1">
+              <a:lnSpc>
+                <a:spcPct val="90000"/>
+              </a:lnSpc>
+            </a:pPr>
+            <a:r>
+              <a:rPr lang="en-US" smtClean="0">
+                <a:ea typeface="ＭＳ Ｐゴシック" pitchFamily="34" charset="-128"/>
+              </a:rPr>
+              <a:t>Gestion de la carte </a:t>
+            </a:r>
+            <a:endParaRPr lang="fr-FR" smtClean="0">
+              <a:ea typeface="ＭＳ Ｐゴシック" pitchFamily="34" charset="-128"/>
+            </a:endParaRPr>
+          </a:p>
+          <a:p>
+            <a:pPr eaLnBrk="1" hangingPunct="1">
+              <a:lnSpc>
+                <a:spcPct val="90000"/>
+              </a:lnSpc>
+              <a:buFont typeface="Arial" pitchFamily="34" charset="0"/>
+              <a:buNone/>
+            </a:pPr>
+            <a:endParaRPr lang="fr-FR" smtClean="0">
+              <a:ea typeface="ＭＳ Ｐゴシック" pitchFamily="34" charset="-128"/>
+            </a:endParaRPr>
+          </a:p>
+          <a:p>
+            <a:pPr eaLnBrk="1" hangingPunct="1">
+              <a:lnSpc>
+                <a:spcPct val="90000"/>
+              </a:lnSpc>
+            </a:pPr>
+            <a:r>
+              <a:rPr lang="fr-FR" smtClean="0">
+                <a:ea typeface="ＭＳ Ｐゴシック" pitchFamily="34" charset="-128"/>
+              </a:rPr>
+              <a:t>Affichage des résultats</a:t>
+            </a:r>
+          </a:p>
+          <a:p>
+            <a:pPr eaLnBrk="1" hangingPunct="1">
+              <a:lnSpc>
+                <a:spcPct val="90000"/>
+              </a:lnSpc>
+            </a:pPr>
+            <a:endParaRPr lang="fr-FR" smtClean="0">
+              <a:ea typeface="ＭＳ Ｐゴシック" pitchFamily="34" charset="-128"/>
+            </a:endParaRPr>
+          </a:p>
+        </p:txBody>
+      </p:sp>
+      <p:sp>
+        <p:nvSpPr>
+          <p:cNvPr id="2" name="Espace réservé du numéro de diapositive 1"/>
+          <p:cNvSpPr>
+            <a:spLocks noGrp="1"/>
+          </p:cNvSpPr>
+          <p:nvPr>
+            <p:ph type="sldNum" sz="quarter" idx="12"/>
+          </p:nvPr>
+        </p:nvSpPr>
+        <p:spPr/>
+        <p:txBody>
+          <a:bodyPr/>
+          <a:lstStyle/>
+          <a:p>
+            <a:fld id="{9B573795-E03F-4DDC-A8EB-1A318C6E99CD}" type="slidenum">
+              <a:rPr lang="fr-CA"/>
+              <a:pPr/>
+              <a:t>13</a:t>
+            </a:fld>
+            <a:endParaRPr lang="fr-CA"/>
+          </a:p>
+        </p:txBody>
+      </p:sp>
+    </p:spTree>
+  </p:cSld>
+  <p:clrMapOvr>
+    <a:masterClrMapping/>
+  </p:clrMapOvr>
+  <p:timing>
+    <p:tnLst>
+      <p:par>
+        <p:cTn xmlns:p14="http://schemas.microsoft.com/office/powerpoint/2010/main" id="1" dur="indefinite" restart="never" nodeType="tmRoot"/>
+      </p:par>
+    </p:tnLst>
+  </p:timing>
+</p:sld>
+</file>
+
+<file path=ppt/slides/slide14.xml><?xml version="1.0" encoding="utf-8"?>
+<p:sld xmlns:a="http://schemas.openxmlformats.org/drawingml/2006/main" xmlns:r="http://schemas.openxmlformats.org/officeDocument/2006/relationships" xmlns:p="http://schemas.openxmlformats.org/presentationml/2006/main">
+  <p:cSld>
+    <p:bg>
+      <p:bgPr>
+        <a:blipFill dpi="0" rotWithShape="0">
+          <a:blip r:embed="rId2" cstate="print"/>
+          <a:srcRect/>
+          <a:stretch>
+            <a:fillRect/>
+          </a:stretch>
+        </a:blipFill>
+        <a:effectLst/>
+      </p:bgPr>
+    </p:bg>
+    <p:spTree>
+      <p:nvGrpSpPr>
+        <p:cNvPr id="1" name=""/>
+        <p:cNvGrpSpPr/>
+        <p:nvPr/>
+      </p:nvGrpSpPr>
+      <p:grpSpPr>
+        <a:xfrm>
+          <a:off x="0" y="0"/>
+          <a:ext cx="0" cy="0"/>
+          <a:chOff x="0" y="0"/>
+          <a:chExt cx="0" cy="0"/>
+        </a:xfrm>
+      </p:grpSpPr>
+      <p:sp>
+        <p:nvSpPr>
           <p:cNvPr id="27650" name="Titre 1"/>
           <p:cNvSpPr>
             <a:spLocks noGrp="1"/>
@@ -7284,7 +7571,7 @@
             <a:fld id="{282DE185-D4DB-4D2A-96D0-4AE301FDEF8F}" type="slidenum">
               <a:rPr lang="fr-CA"/>
               <a:pPr/>
-              <a:t>13</a:t>
+              <a:t>14</a:t>
             </a:fld>
             <a:endParaRPr lang="fr-CA"/>
           </a:p>
@@ -7337,7 +7624,7 @@
 </p:sld>
 </file>
 
-<file path=ppt/slides/slide14.xml><?xml version="1.0" encoding="utf-8"?>
+<file path=ppt/slides/slide15.xml><?xml version="1.0" encoding="utf-8"?>
 <p:sld xmlns:a="http://schemas.openxmlformats.org/drawingml/2006/main" xmlns:r="http://schemas.openxmlformats.org/officeDocument/2006/relationships" xmlns:p="http://schemas.openxmlformats.org/presentationml/2006/main">
   <p:cSld>
     <p:bg>
@@ -7454,7 +7741,7 @@
             <a:fld id="{FB7A6448-2FD5-4DAE-A5C1-A49CECBE0BFA}" type="slidenum">
               <a:rPr lang="fr-CA"/>
               <a:pPr/>
-              <a:t>14</a:t>
+              <a:t>15</a:t>
             </a:fld>
             <a:endParaRPr lang="fr-CA"/>
           </a:p>
@@ -7475,7 +7762,7 @@
 </p:sld>
 </file>
 
-<file path=ppt/slides/slide15.xml><?xml version="1.0" encoding="utf-8"?>
+<file path=ppt/slides/slide16.xml><?xml version="1.0" encoding="utf-8"?>
 <p:sld xmlns:a="http://schemas.openxmlformats.org/drawingml/2006/main" xmlns:r="http://schemas.openxmlformats.org/officeDocument/2006/relationships" xmlns:p="http://schemas.openxmlformats.org/presentationml/2006/main">
   <p:cSld>
     <p:spTree>
@@ -7698,7 +7985,7 @@
             <a:fld id="{DC673A5F-E13B-4069-8C9B-F4E17F0A6349}" type="slidenum">
               <a:rPr lang="fr-CA" smtClean="0"/>
               <a:pPr/>
-              <a:t>15</a:t>
+              <a:t>16</a:t>
             </a:fld>
             <a:endParaRPr lang="fr-CA"/>
           </a:p>
@@ -7712,7 +7999,7 @@
 </p:sld>
 </file>
 
-<file path=ppt/slides/slide16.xml><?xml version="1.0" encoding="utf-8"?>
+<file path=ppt/slides/slide17.xml><?xml version="1.0" encoding="utf-8"?>
 <p:sld xmlns:a="http://schemas.openxmlformats.org/drawingml/2006/main" xmlns:r="http://schemas.openxmlformats.org/officeDocument/2006/relationships" xmlns:p="http://schemas.openxmlformats.org/presentationml/2006/main">
   <p:cSld>
     <p:bg>
@@ -7838,7 +8125,7 @@
             <a:fld id="{EB025930-C8CC-476E-A6F1-F201BC82F346}" type="slidenum">
               <a:rPr lang="fr-CA"/>
               <a:pPr/>
-              <a:t>16</a:t>
+              <a:t>17</a:t>
             </a:fld>
             <a:endParaRPr lang="fr-CA"/>
           </a:p>
@@ -7921,11 +8208,7 @@
             <a:pPr algn="ctr"/>
             <a:r>
               <a:rPr lang="fr-FR" dirty="0"/>
-              <a:t>Aider les personnes </a:t>
-            </a:r>
-            <a:r>
-              <a:rPr lang="fr-FR" dirty="0"/>
-              <a:t>à</a:t>
+              <a:t>Aider les personnes à</a:t>
             </a:r>
             <a:r>
               <a:rPr lang="fr-FR" dirty="0" smtClean="0"/>
@@ -7945,11 +8228,7 @@
             </a:r>
             <a:r>
               <a:rPr lang="fr-FR" dirty="0" smtClean="0"/>
-              <a:t>les différents types de </a:t>
-            </a:r>
-            <a:r>
-              <a:rPr lang="fr-FR" dirty="0" smtClean="0"/>
-              <a:t>transports </a:t>
+              <a:t>les différents types de transports </a:t>
             </a:r>
             <a:r>
               <a:rPr lang="fr-FR" dirty="0"/>
@@ -8090,6 +8369,30 @@
       </p:sp>
       <p:sp>
         <p:nvSpPr>
+          <p:cNvPr id="2" name="Espace réservé du numéro de diapositive 1"/>
+          <p:cNvSpPr>
+            <a:spLocks noGrp="1"/>
+          </p:cNvSpPr>
+          <p:nvPr>
+            <p:ph type="sldNum" sz="quarter" idx="12"/>
+          </p:nvPr>
+        </p:nvSpPr>
+        <p:spPr/>
+        <p:txBody>
+          <a:bodyPr/>
+          <a:lstStyle/>
+          <a:p>
+            <a:fld id="{2368A7E7-C7F4-4374-AC70-B5E51B0F7292}" type="slidenum">
+              <a:rPr lang="fr-CA"/>
+              <a:pPr/>
+              <a:t>3</a:t>
+            </a:fld>
+            <a:endParaRPr lang="fr-CA"/>
+          </a:p>
+        </p:txBody>
+      </p:sp>
+      <p:sp>
+        <p:nvSpPr>
           <p:cNvPr id="19459" name="ZoneTexte 7"/>
           <p:cNvSpPr txBox="1">
             <a:spLocks noChangeArrowheads="1"/>
@@ -8128,11 +8431,7 @@
             </a:r>
             <a:r>
               <a:rPr lang="fr-FR" dirty="0" smtClean="0"/>
-              <a:t>locales pour promouvoir la mobilité</a:t>
-            </a:r>
-            <a:r>
-              <a:rPr lang="fr-FR" dirty="0" smtClean="0"/>
-              <a:t> </a:t>
+              <a:t>locales pour promouvoir la mobilité </a:t>
             </a:r>
             <a:r>
               <a:rPr lang="fr-FR" dirty="0"/>
@@ -8221,30 +8520,78 @@
           </a:p>
         </p:txBody>
       </p:sp>
-      <p:sp>
-        <p:nvSpPr>
-          <p:cNvPr id="2" name="Espace réservé du numéro de diapositive 1"/>
-          <p:cNvSpPr>
-            <a:spLocks noGrp="1"/>
-          </p:cNvSpPr>
-          <p:nvPr>
-            <p:ph type="sldNum" sz="quarter" idx="12"/>
-          </p:nvPr>
-        </p:nvSpPr>
-        <p:spPr/>
-        <p:txBody>
-          <a:bodyPr/>
-          <a:lstStyle/>
-          <a:p>
-            <a:fld id="{2368A7E7-C7F4-4374-AC70-B5E51B0F7292}" type="slidenum">
-              <a:rPr lang="fr-CA"/>
-              <a:pPr/>
-              <a:t>3</a:t>
-            </a:fld>
-            <a:endParaRPr lang="fr-CA"/>
-          </a:p>
-        </p:txBody>
-      </p:sp>
+      <p:pic>
+        <p:nvPicPr>
+          <p:cNvPr id="5" name="Image 4"/>
+          <p:cNvPicPr>
+            <a:picLocks noChangeAspect="1"/>
+          </p:cNvPicPr>
+          <p:nvPr/>
+        </p:nvPicPr>
+        <p:blipFill>
+          <a:blip r:embed="rId3"/>
+          <a:stretch>
+            <a:fillRect/>
+          </a:stretch>
+        </p:blipFill>
+        <p:spPr>
+          <a:xfrm>
+            <a:off x="6135560" y="5157192"/>
+            <a:ext cx="3008440" cy="964828"/>
+          </a:xfrm>
+          <a:prstGeom prst="rect">
+            <a:avLst/>
+          </a:prstGeom>
+        </p:spPr>
+      </p:pic>
+      <p:pic>
+        <p:nvPicPr>
+          <p:cNvPr id="6" name="Image 5"/>
+          <p:cNvPicPr>
+            <a:picLocks noChangeAspect="1"/>
+          </p:cNvPicPr>
+          <p:nvPr/>
+        </p:nvPicPr>
+        <p:blipFill>
+          <a:blip r:embed="rId4"/>
+          <a:stretch>
+            <a:fillRect/>
+          </a:stretch>
+        </p:blipFill>
+        <p:spPr>
+          <a:xfrm>
+            <a:off x="7380312" y="3429000"/>
+            <a:ext cx="1422400" cy="1422400"/>
+          </a:xfrm>
+          <a:prstGeom prst="rect">
+            <a:avLst/>
+          </a:prstGeom>
+        </p:spPr>
+      </p:pic>
+      <p:pic>
+        <p:nvPicPr>
+          <p:cNvPr id="7" name="Image 6"/>
+          <p:cNvPicPr>
+            <a:picLocks noChangeAspect="1"/>
+          </p:cNvPicPr>
+          <p:nvPr/>
+        </p:nvPicPr>
+        <p:blipFill>
+          <a:blip r:embed="rId5"/>
+          <a:stretch>
+            <a:fillRect/>
+          </a:stretch>
+        </p:blipFill>
+        <p:spPr>
+          <a:xfrm>
+            <a:off x="7380312" y="1556792"/>
+            <a:ext cx="1431721" cy="1680716"/>
+          </a:xfrm>
+          <a:prstGeom prst="rect">
+            <a:avLst/>
+          </a:prstGeom>
+        </p:spPr>
+      </p:pic>
     </p:spTree>
   </p:cSld>
   <p:clrMapOvr>
@@ -8261,6 +8608,98 @@
 </file>
 
 <file path=ppt/slides/slide4.xml><?xml version="1.0" encoding="utf-8"?>
+<p:sld xmlns:a="http://schemas.openxmlformats.org/drawingml/2006/main" xmlns:r="http://schemas.openxmlformats.org/officeDocument/2006/relationships" xmlns:p="http://schemas.openxmlformats.org/presentationml/2006/main">
+  <p:cSld>
+    <p:spTree>
+      <p:nvGrpSpPr>
+        <p:cNvPr id="1" name=""/>
+        <p:cNvGrpSpPr/>
+        <p:nvPr/>
+      </p:nvGrpSpPr>
+      <p:grpSpPr>
+        <a:xfrm>
+          <a:off x="0" y="0"/>
+          <a:ext cx="0" cy="0"/>
+          <a:chOff x="0" y="0"/>
+          <a:chExt cx="0" cy="0"/>
+        </a:xfrm>
+      </p:grpSpPr>
+      <p:sp>
+        <p:nvSpPr>
+          <p:cNvPr id="2" name="Titre 1"/>
+          <p:cNvSpPr>
+            <a:spLocks noGrp="1"/>
+          </p:cNvSpPr>
+          <p:nvPr>
+            <p:ph type="title"/>
+          </p:nvPr>
+        </p:nvSpPr>
+        <p:spPr/>
+        <p:txBody>
+          <a:bodyPr/>
+          <a:lstStyle/>
+          <a:p>
+            <a:endParaRPr lang="fr-FR"/>
+          </a:p>
+        </p:txBody>
+      </p:sp>
+      <p:sp>
+        <p:nvSpPr>
+          <p:cNvPr id="3" name="Espace réservé du contenu 2"/>
+          <p:cNvSpPr>
+            <a:spLocks noGrp="1"/>
+          </p:cNvSpPr>
+          <p:nvPr>
+            <p:ph idx="1"/>
+          </p:nvPr>
+        </p:nvSpPr>
+        <p:spPr/>
+        <p:txBody>
+          <a:bodyPr/>
+          <a:lstStyle/>
+          <a:p>
+            <a:endParaRPr lang="fr-FR"/>
+          </a:p>
+        </p:txBody>
+      </p:sp>
+      <p:sp>
+        <p:nvSpPr>
+          <p:cNvPr id="4" name="Espace réservé du numéro de diapositive 3"/>
+          <p:cNvSpPr>
+            <a:spLocks noGrp="1"/>
+          </p:cNvSpPr>
+          <p:nvPr>
+            <p:ph type="sldNum" sz="quarter" idx="12"/>
+          </p:nvPr>
+        </p:nvSpPr>
+        <p:spPr/>
+        <p:txBody>
+          <a:bodyPr/>
+          <a:lstStyle/>
+          <a:p>
+            <a:fld id="{DC673A5F-E13B-4069-8C9B-F4E17F0A6349}" type="slidenum">
+              <a:rPr lang="fr-CA" smtClean="0"/>
+              <a:pPr/>
+              <a:t>4</a:t>
+            </a:fld>
+            <a:endParaRPr lang="fr-CA"/>
+          </a:p>
+        </p:txBody>
+      </p:sp>
+    </p:spTree>
+    <p:extLst>
+      <p:ext uri="{BB962C8B-B14F-4D97-AF65-F5344CB8AC3E}">
+        <p14:creationId xmlns:p14="http://schemas.microsoft.com/office/powerpoint/2010/main" val="3686729984"/>
+      </p:ext>
+    </p:extLst>
+  </p:cSld>
+  <p:clrMapOvr>
+    <a:masterClrMapping/>
+  </p:clrMapOvr>
+</p:sld>
+</file>
+
+<file path=ppt/slides/slide5.xml><?xml version="1.0" encoding="utf-8"?>
 <p:sld xmlns:a="http://schemas.openxmlformats.org/drawingml/2006/main" xmlns:r="http://schemas.openxmlformats.org/officeDocument/2006/relationships" xmlns:p="http://schemas.openxmlformats.org/presentationml/2006/main">
   <p:cSld>
     <p:bg>
@@ -8316,9 +8755,6 @@
               </a:rPr>
               <a:t>Les Objectifs</a:t>
             </a:r>
-            <a:endParaRPr lang="fr-FR" dirty="0" smtClean="0">
-              <a:ea typeface="ＭＳ Ｐゴシック" pitchFamily="34" charset="-128"/>
-            </a:endParaRPr>
           </a:p>
         </p:txBody>
       </p:sp>
@@ -8340,7 +8776,7 @@
             <a:fld id="{2368A7E7-C7F4-4374-AC70-B5E51B0F7292}" type="slidenum">
               <a:rPr lang="fr-CA"/>
               <a:pPr/>
-              <a:t>4</a:t>
+              <a:t>5</a:t>
             </a:fld>
             <a:endParaRPr lang="fr-CA"/>
           </a:p>
@@ -8429,7 +8865,7 @@
 </p:sld>
 </file>
 
-<file path=ppt/slides/slide5.xml><?xml version="1.0" encoding="utf-8"?>
+<file path=ppt/slides/slide6.xml><?xml version="1.0" encoding="utf-8"?>
 <p:sld xmlns:a="http://schemas.openxmlformats.org/drawingml/2006/main" xmlns:r="http://schemas.openxmlformats.org/officeDocument/2006/relationships" xmlns:p="http://schemas.openxmlformats.org/presentationml/2006/main">
   <p:cSld>
     <p:spTree>
@@ -8610,7 +9046,7 @@
             <a:fld id="{DC673A5F-E13B-4069-8C9B-F4E17F0A6349}" type="slidenum">
               <a:rPr lang="fr-CA" smtClean="0"/>
               <a:pPr/>
-              <a:t>5</a:t>
+              <a:t>6</a:t>
             </a:fld>
             <a:endParaRPr lang="fr-CA"/>
           </a:p>
@@ -8624,7 +9060,7 @@
 </p:sld>
 </file>
 
-<file path=ppt/slides/slide6.xml><?xml version="1.0" encoding="utf-8"?>
+<file path=ppt/slides/slide7.xml><?xml version="1.0" encoding="utf-8"?>
 <p:sld xmlns:a="http://schemas.openxmlformats.org/drawingml/2006/main" xmlns:r="http://schemas.openxmlformats.org/officeDocument/2006/relationships" xmlns:p="http://schemas.openxmlformats.org/presentationml/2006/main">
   <p:cSld>
     <p:bg>
@@ -8680,9 +9116,6 @@
               </a:rPr>
               <a:t>L’architecture du projet</a:t>
             </a:r>
-            <a:endParaRPr lang="fr-FR" dirty="0" smtClean="0">
-              <a:ea typeface="ＭＳ Ｐゴシック" pitchFamily="34" charset="-128"/>
-            </a:endParaRPr>
           </a:p>
         </p:txBody>
       </p:sp>
@@ -8704,7 +9137,7 @@
             <a:fld id="{2368A7E7-C7F4-4374-AC70-B5E51B0F7292}" type="slidenum">
               <a:rPr lang="fr-CA"/>
               <a:pPr/>
-              <a:t>6</a:t>
+              <a:t>7</a:t>
             </a:fld>
             <a:endParaRPr lang="fr-CA"/>
           </a:p>
@@ -8730,7 +9163,7 @@
 </p:sld>
 </file>
 
-<file path=ppt/slides/slide7.xml><?xml version="1.0" encoding="utf-8"?>
+<file path=ppt/slides/slide8.xml><?xml version="1.0" encoding="utf-8"?>
 <p:sld xmlns:a="http://schemas.openxmlformats.org/drawingml/2006/main" xmlns:r="http://schemas.openxmlformats.org/officeDocument/2006/relationships" xmlns:p="http://schemas.openxmlformats.org/presentationml/2006/main">
   <p:cSld>
     <p:spTree>
@@ -8911,7 +9344,7 @@
             <a:fld id="{DC673A5F-E13B-4069-8C9B-F4E17F0A6349}" type="slidenum">
               <a:rPr lang="fr-CA" smtClean="0"/>
               <a:pPr/>
-              <a:t>7</a:t>
+              <a:t>8</a:t>
             </a:fld>
             <a:endParaRPr lang="fr-CA"/>
           </a:p>
@@ -8925,7 +9358,7 @@
 </p:sld>
 </file>
 
-<file path=ppt/slides/slide8.xml><?xml version="1.0" encoding="utf-8"?>
+<file path=ppt/slides/slide9.xml><?xml version="1.0" encoding="utf-8"?>
 <p:sld xmlns:a="http://schemas.openxmlformats.org/drawingml/2006/main" xmlns:r="http://schemas.openxmlformats.org/officeDocument/2006/relationships" xmlns:p="http://schemas.openxmlformats.org/presentationml/2006/main">
   <p:cSld>
     <p:bg>
@@ -8986,6 +9419,30 @@
       </p:sp>
       <p:sp>
         <p:nvSpPr>
+          <p:cNvPr id="2" name="Espace réservé du numéro de diapositive 1"/>
+          <p:cNvSpPr>
+            <a:spLocks noGrp="1"/>
+          </p:cNvSpPr>
+          <p:nvPr>
+            <p:ph type="sldNum" sz="quarter" idx="12"/>
+          </p:nvPr>
+        </p:nvSpPr>
+        <p:spPr/>
+        <p:txBody>
+          <a:bodyPr/>
+          <a:lstStyle/>
+          <a:p>
+            <a:fld id="{BF1E6201-ED52-42A7-BEF5-7088C85FEE14}" type="slidenum">
+              <a:rPr lang="fr-CA"/>
+              <a:pPr/>
+              <a:t>9</a:t>
+            </a:fld>
+            <a:endParaRPr lang="fr-CA"/>
+          </a:p>
+        </p:txBody>
+      </p:sp>
+      <p:sp>
+        <p:nvSpPr>
           <p:cNvPr id="20483" name="ZoneTexte 5"/>
           <p:cNvSpPr txBox="1">
             <a:spLocks noChangeArrowheads="1"/>
@@ -9121,283 +9578,27 @@
       </p:sp>
       <p:sp>
         <p:nvSpPr>
-          <p:cNvPr id="2" name="Espace réservé du numéro de diapositive 1"/>
-          <p:cNvSpPr>
-            <a:spLocks noGrp="1"/>
-          </p:cNvSpPr>
-          <p:nvPr>
-            <p:ph type="sldNum" sz="quarter" idx="12"/>
-          </p:nvPr>
-        </p:nvSpPr>
-        <p:spPr/>
-        <p:txBody>
-          <a:bodyPr/>
-          <a:lstStyle/>
-          <a:p>
-            <a:fld id="{BF1E6201-ED52-42A7-BEF5-7088C85FEE14}" type="slidenum">
-              <a:rPr lang="fr-CA"/>
-              <a:pPr/>
-              <a:t>8</a:t>
-            </a:fld>
-            <a:endParaRPr lang="fr-CA"/>
-          </a:p>
-        </p:txBody>
-      </p:sp>
-    </p:spTree>
-  </p:cSld>
-  <p:clrMapOvr>
-    <a:masterClrMapping/>
-  </p:clrMapOvr>
-  <p:timing>
-    <p:tnLst>
-      <p:par>
-        <p:cTn xmlns:p14="http://schemas.microsoft.com/office/powerpoint/2010/main" id="1" dur="indefinite" restart="never" nodeType="tmRoot"/>
-      </p:par>
-    </p:tnLst>
-  </p:timing>
-</p:sld>
-</file>
-
-<file path=ppt/slides/slide9.xml><?xml version="1.0" encoding="utf-8"?>
-<p:sld xmlns:a="http://schemas.openxmlformats.org/drawingml/2006/main" xmlns:r="http://schemas.openxmlformats.org/officeDocument/2006/relationships" xmlns:p="http://schemas.openxmlformats.org/presentationml/2006/main">
-  <p:cSld>
-    <p:bg>
-      <p:bgPr>
-        <a:blipFill dpi="0" rotWithShape="0">
-          <a:blip r:embed="rId2" cstate="print"/>
-          <a:srcRect/>
-          <a:stretch>
-            <a:fillRect/>
-          </a:stretch>
-        </a:blipFill>
-        <a:effectLst/>
-      </p:bgPr>
-    </p:bg>
-    <p:spTree>
-      <p:nvGrpSpPr>
-        <p:cNvPr id="1" name=""/>
-        <p:cNvGrpSpPr/>
-        <p:nvPr/>
-      </p:nvGrpSpPr>
-      <p:grpSpPr>
-        <a:xfrm>
-          <a:off x="0" y="0"/>
-          <a:ext cx="0" cy="0"/>
-          <a:chOff x="0" y="0"/>
-          <a:chExt cx="0" cy="0"/>
-        </a:xfrm>
-      </p:grpSpPr>
-      <p:sp>
-        <p:nvSpPr>
-          <p:cNvPr id="22530" name="Titre 1"/>
-          <p:cNvSpPr>
-            <a:spLocks noGrp="1"/>
-          </p:cNvSpPr>
-          <p:nvPr>
-            <p:ph type="title"/>
-          </p:nvPr>
+          <p:cNvPr id="3" name="ZoneTexte 2"/>
+          <p:cNvSpPr txBox="1"/>
+          <p:nvPr/>
         </p:nvSpPr>
         <p:spPr>
           <a:xfrm>
-            <a:off x="468313" y="188913"/>
-            <a:ext cx="8229600" cy="1143000"/>
+            <a:off x="11569880" y="3314765"/>
+            <a:ext cx="184666" cy="461665"/>
           </a:xfrm>
+          <a:prstGeom prst="rect">
+            <a:avLst/>
+          </a:prstGeom>
+          <a:noFill/>
         </p:spPr>
         <p:txBody>
-          <a:bodyPr/>
+          <a:bodyPr wrap="none" rtlCol="0">
+            <a:spAutoFit/>
+          </a:bodyPr>
           <a:lstStyle/>
           <a:p>
-            <a:pPr eaLnBrk="1" hangingPunct="1"/>
-            <a:r>
-              <a:rPr lang="fr-FR" dirty="0" smtClean="0">
-                <a:ea typeface="ＭＳ Ｐゴシック" pitchFamily="34" charset="-128"/>
-              </a:rPr>
-              <a:t>Serveur</a:t>
-            </a:r>
-          </a:p>
-        </p:txBody>
-      </p:sp>
-      <p:sp>
-        <p:nvSpPr>
-          <p:cNvPr id="3" name="Espace réservé du contenu 2"/>
-          <p:cNvSpPr>
-            <a:spLocks noGrp="1"/>
-          </p:cNvSpPr>
-          <p:nvPr>
-            <p:ph idx="1"/>
-          </p:nvPr>
-        </p:nvSpPr>
-        <p:spPr>
-          <a:xfrm>
-            <a:off x="467544" y="1514202"/>
-            <a:ext cx="8229600" cy="4525963"/>
-          </a:xfrm>
-          <a:extLst>
-            <a:ext uri="{909E8E84-426E-40dd-AFC4-6F175D3DCCD1}">
-              <a14:hiddenFill xmlns:a14="http://schemas.microsoft.com/office/drawing/2010/main">
-                <a:solidFill>
-                  <a:srgbClr val="FFFFFF"/>
-                </a:solidFill>
-              </a14:hiddenFill>
-            </a:ext>
-            <a:ext uri="{91240B29-F687-4f45-9708-019B960494DF}">
-              <a14:hiddenLine xmlns:a14="http://schemas.microsoft.com/office/drawing/2010/main" w="9525">
-                <a:solidFill>
-                  <a:srgbClr val="000000"/>
-                </a:solidFill>
-                <a:miter lim="800000"/>
-                <a:headEnd/>
-                <a:tailEnd/>
-              </a14:hiddenLine>
-            </a:ext>
-            <a:ext uri="{FAA26D3D-D897-4be2-8F04-BA451C77F1D7}">
-              <ma14:placeholderFlag xmlns:ma14="http://schemas.microsoft.com/office/mac/drawingml/2011/main" val="1"/>
-            </a:ext>
-          </a:extLst>
-        </p:spPr>
-        <p:txBody>
-          <a:bodyPr/>
-          <a:lstStyle/>
-          <a:p>
-            <a:pPr eaLnBrk="1" hangingPunct="1">
-              <a:buFont typeface="Arial" charset="0"/>
-              <a:buChar char="•"/>
-              <a:defRPr/>
-            </a:pPr>
-            <a:r>
-              <a:rPr lang="fr-FR" dirty="0" smtClean="0">
-                <a:ea typeface="+mn-ea"/>
-                <a:cs typeface="+mn-cs"/>
-              </a:rPr>
-              <a:t>Accès aux bases de données</a:t>
-            </a:r>
-          </a:p>
-          <a:p>
-            <a:pPr lvl="1" eaLnBrk="1" hangingPunct="1">
-              <a:buFont typeface="Arial" charset="0"/>
-              <a:buChar char="–"/>
-              <a:defRPr/>
-            </a:pPr>
-            <a:r>
-              <a:rPr lang="fr-FR" dirty="0" err="1" smtClean="0">
-                <a:ea typeface="+mn-ea"/>
-              </a:rPr>
-              <a:t>MySql</a:t>
-            </a:r>
-            <a:endParaRPr lang="fr-FR" dirty="0">
-              <a:ea typeface="+mn-ea"/>
-            </a:endParaRPr>
-          </a:p>
-          <a:p>
-            <a:pPr lvl="1" eaLnBrk="1" hangingPunct="1">
-              <a:buFont typeface="Arial" charset="0"/>
-              <a:buChar char="–"/>
-              <a:defRPr/>
-            </a:pPr>
-            <a:r>
-              <a:rPr lang="fr-FR" dirty="0" smtClean="0">
-                <a:ea typeface="+mn-ea"/>
-              </a:rPr>
-              <a:t>Neo4j</a:t>
-            </a:r>
-            <a:endParaRPr lang="fr-FR" dirty="0">
-              <a:ea typeface="+mn-ea"/>
-            </a:endParaRPr>
-          </a:p>
-          <a:p>
-            <a:pPr lvl="5">
-              <a:defRPr/>
-            </a:pPr>
-            <a:endParaRPr lang="fr-FR" dirty="0"/>
-          </a:p>
-          <a:p>
-            <a:pPr eaLnBrk="1" hangingPunct="1">
-              <a:buFont typeface="Arial" charset="0"/>
-              <a:buChar char="•"/>
-              <a:defRPr/>
-            </a:pPr>
-            <a:r>
-              <a:rPr lang="fr-FR" dirty="0">
-                <a:ea typeface="+mn-ea"/>
-                <a:cs typeface="+mn-cs"/>
-              </a:rPr>
-              <a:t>Gestion </a:t>
-            </a:r>
-            <a:r>
-              <a:rPr lang="fr-FR" dirty="0" smtClean="0">
-                <a:ea typeface="+mn-ea"/>
-                <a:cs typeface="+mn-cs"/>
-              </a:rPr>
-              <a:t>des requêtes entrantes et sortantes</a:t>
-            </a:r>
-            <a:endParaRPr lang="fr-FR" dirty="0">
-              <a:ea typeface="+mn-ea"/>
-              <a:cs typeface="+mn-cs"/>
-            </a:endParaRPr>
-          </a:p>
-          <a:p>
-            <a:pPr eaLnBrk="1" hangingPunct="1">
-              <a:buFont typeface="Arial" charset="0"/>
-              <a:buChar char="•"/>
-              <a:defRPr/>
-            </a:pPr>
-            <a:endParaRPr lang="fr-FR" dirty="0" smtClean="0">
-              <a:ea typeface="+mn-ea"/>
-              <a:cs typeface="+mn-cs"/>
-            </a:endParaRPr>
-          </a:p>
-          <a:p>
-            <a:pPr eaLnBrk="1" hangingPunct="1">
-              <a:buFont typeface="Arial" charset="0"/>
-              <a:buChar char="•"/>
-              <a:defRPr/>
-            </a:pPr>
-            <a:r>
-              <a:rPr lang="fr-FR" dirty="0" smtClean="0">
-                <a:ea typeface="+mn-ea"/>
-                <a:cs typeface="+mn-cs"/>
-              </a:rPr>
-              <a:t>Formatage des données envoyées</a:t>
-            </a:r>
-            <a:endParaRPr lang="fr-FR" dirty="0">
-              <a:ea typeface="+mn-ea"/>
-              <a:cs typeface="+mn-cs"/>
-            </a:endParaRPr>
-          </a:p>
-          <a:p>
-            <a:pPr eaLnBrk="1" hangingPunct="1">
-              <a:buFont typeface="Arial" charset="0"/>
-              <a:buChar char="•"/>
-              <a:defRPr/>
-            </a:pPr>
-            <a:endParaRPr lang="fr-FR" dirty="0">
-              <a:ea typeface="+mn-ea"/>
-              <a:cs typeface="+mn-cs"/>
-            </a:endParaRPr>
-          </a:p>
-        </p:txBody>
-      </p:sp>
-      <p:sp>
-        <p:nvSpPr>
-          <p:cNvPr id="2" name="Espace réservé du numéro de diapositive 1"/>
-          <p:cNvSpPr>
-            <a:spLocks noGrp="1"/>
-          </p:cNvSpPr>
-          <p:nvPr>
-            <p:ph type="sldNum" sz="quarter" idx="12"/>
-          </p:nvPr>
-        </p:nvSpPr>
-        <p:spPr/>
-        <p:txBody>
-          <a:bodyPr/>
-          <a:lstStyle/>
-          <a:p>
-            <a:fld id="{EB328AEC-1600-4454-AC4F-FDB7AF49D56E}" type="slidenum">
-              <a:rPr lang="fr-CA"/>
-              <a:pPr/>
-              <a:t>9</a:t>
-            </a:fld>
-            <a:endParaRPr lang="fr-CA"/>
+            <a:endParaRPr lang="fr-FR"/>
           </a:p>
         </p:txBody>
       </p:sp>
@@ -9417,38 +9618,38 @@
 </file>
 
 <file path=ppt/theme/theme1.xml><?xml version="1.0" encoding="utf-8"?>
-<a:theme xmlns:a="http://schemas.openxmlformats.org/drawingml/2006/main" name="112">
+<a:theme xmlns:a="http://schemas.openxmlformats.org/drawingml/2006/main" name="Clarté">
   <a:themeElements>
-    <a:clrScheme name="Office">
+    <a:clrScheme name="Clarté">
       <a:dk1>
-        <a:sysClr val="windowText" lastClr="000000"/>
+        <a:srgbClr val="292934"/>
       </a:dk1>
       <a:lt1>
-        <a:sysClr val="window" lastClr="FFFFFF"/>
+        <a:srgbClr val="FFFFFF"/>
       </a:lt1>
       <a:dk2>
-        <a:srgbClr val="1F497D"/>
+        <a:srgbClr val="D2533C"/>
       </a:dk2>
       <a:lt2>
-        <a:srgbClr val="EEECE1"/>
+        <a:srgbClr val="F3F2DC"/>
       </a:lt2>
       <a:accent1>
-        <a:srgbClr val="4F81BD"/>
+        <a:srgbClr val="93A299"/>
       </a:accent1>
       <a:accent2>
-        <a:srgbClr val="C0504D"/>
+        <a:srgbClr val="AD8F67"/>
       </a:accent2>
       <a:accent3>
-        <a:srgbClr val="9BBB59"/>
+        <a:srgbClr val="726056"/>
       </a:accent3>
       <a:accent4>
-        <a:srgbClr val="8064A2"/>
+        <a:srgbClr val="4C5A6A"/>
       </a:accent4>
       <a:accent5>
-        <a:srgbClr val="4BACC6"/>
+        <a:srgbClr val="808DA0"/>
       </a:accent5>
       <a:accent6>
-        <a:srgbClr val="F79646"/>
+        <a:srgbClr val="79463D"/>
       </a:accent6>
       <a:hlink>
         <a:srgbClr val="0000FF"/>
@@ -9457,49 +9658,15 @@
         <a:srgbClr val="800080"/>
       </a:folHlink>
     </a:clrScheme>
-    <a:fontScheme name="Office">
+    <a:fontScheme name="Office Classique 2">
       <a:majorFont>
-        <a:latin typeface="Calibri"/>
+        <a:latin typeface="Arial"/>
         <a:ea typeface=""/>
         <a:cs typeface=""/>
         <a:font script="Jpan" typeface="ＭＳ Ｐゴシック"/>
-        <a:font script="Hang" typeface="맑은 고딕"/>
-        <a:font script="Hans" typeface="宋体"/>
-        <a:font script="Hant" typeface="新細明體"/>
-        <a:font script="Arab" typeface="Times New Roman"/>
-        <a:font script="Hebr" typeface="Times New Roman"/>
-        <a:font script="Thai" typeface="Angsana New"/>
-        <a:font script="Ethi" typeface="Nyala"/>
-        <a:font script="Beng" typeface="Vrinda"/>
-        <a:font script="Gujr" typeface="Shruti"/>
-        <a:font script="Khmr" typeface="MoolBoran"/>
-        <a:font script="Knda" typeface="Tunga"/>
-        <a:font script="Guru" typeface="Raavi"/>
-        <a:font script="Cans" typeface="Euphemia"/>
-        <a:font script="Cher" typeface="Plantagenet Cherokee"/>
-        <a:font script="Yiii" typeface="Microsoft Yi Baiti"/>
-        <a:font script="Tibt" typeface="Microsoft Himalaya"/>
-        <a:font script="Thaa" typeface="MV Boli"/>
-        <a:font script="Deva" typeface="Mangal"/>
-        <a:font script="Telu" typeface="Gautami"/>
-        <a:font script="Taml" typeface="Latha"/>
-        <a:font script="Syrc" typeface="Estrangelo Edessa"/>
-        <a:font script="Orya" typeface="Kalinga"/>
-        <a:font script="Mlym" typeface="Kartika"/>
-        <a:font script="Laoo" typeface="DokChampa"/>
-        <a:font script="Sinh" typeface="Iskoola Pota"/>
-        <a:font script="Mong" typeface="Mongolian Baiti"/>
-        <a:font script="Viet" typeface="Times New Roman"/>
-        <a:font script="Uigh" typeface="Microsoft Uighur"/>
-      </a:majorFont>
-      <a:minorFont>
-        <a:latin typeface="Calibri"/>
-        <a:ea typeface=""/>
-        <a:cs typeface=""/>
-        <a:font script="Jpan" typeface="ＭＳ Ｐゴシック"/>
-        <a:font script="Hang" typeface="맑은 고딕"/>
-        <a:font script="Hans" typeface="宋体"/>
-        <a:font script="Hant" typeface="新細明體"/>
+        <a:font script="Hang" typeface="돋움"/>
+        <a:font script="Hans" typeface="方正舒体"/>
+        <a:font script="Hant" typeface="微軟正黑體"/>
         <a:font script="Arab" typeface="Arial"/>
         <a:font script="Hebr" typeface="Arial"/>
         <a:font script="Thai" typeface="Cordia New"/>
@@ -9525,9 +9692,45 @@
         <a:font script="Mong" typeface="Mongolian Baiti"/>
         <a:font script="Viet" typeface="Arial"/>
         <a:font script="Uigh" typeface="Microsoft Uighur"/>
+        <a:font script="Geor" typeface="Sylfaen"/>
+      </a:majorFont>
+      <a:minorFont>
+        <a:latin typeface="Arial"/>
+        <a:ea typeface=""/>
+        <a:cs typeface=""/>
+        <a:font script="Jpan" typeface="ＭＳ Ｐゴシック"/>
+        <a:font script="Hang" typeface="돋움"/>
+        <a:font script="Hans" typeface="方正舒体"/>
+        <a:font script="Hant" typeface="微軟正黑體"/>
+        <a:font script="Arab" typeface="Arial"/>
+        <a:font script="Hebr" typeface="Arial"/>
+        <a:font script="Thai" typeface="Cordia New"/>
+        <a:font script="Ethi" typeface="Nyala"/>
+        <a:font script="Beng" typeface="Vrinda"/>
+        <a:font script="Gujr" typeface="Shruti"/>
+        <a:font script="Khmr" typeface="DaunPenh"/>
+        <a:font script="Knda" typeface="Tunga"/>
+        <a:font script="Guru" typeface="Raavi"/>
+        <a:font script="Cans" typeface="Euphemia"/>
+        <a:font script="Cher" typeface="Plantagenet Cherokee"/>
+        <a:font script="Yiii" typeface="Microsoft Yi Baiti"/>
+        <a:font script="Tibt" typeface="Microsoft Himalaya"/>
+        <a:font script="Thaa" typeface="MV Boli"/>
+        <a:font script="Deva" typeface="Mangal"/>
+        <a:font script="Telu" typeface="Gautami"/>
+        <a:font script="Taml" typeface="Latha"/>
+        <a:font script="Syrc" typeface="Estrangelo Edessa"/>
+        <a:font script="Orya" typeface="Kalinga"/>
+        <a:font script="Mlym" typeface="Kartika"/>
+        <a:font script="Laoo" typeface="DokChampa"/>
+        <a:font script="Sinh" typeface="Iskoola Pota"/>
+        <a:font script="Mong" typeface="Mongolian Baiti"/>
+        <a:font script="Viet" typeface="Arial"/>
+        <a:font script="Uigh" typeface="Microsoft Uighur"/>
+        <a:font script="Geor" typeface="Sylfaen"/>
       </a:minorFont>
     </a:fontScheme>
-    <a:fmtScheme name="Office">
+    <a:fmtScheme name="Clarté">
       <a:fillStyleLst>
         <a:solidFill>
           <a:schemeClr val="phClr"/>
@@ -9537,65 +9740,75 @@
             <a:gs pos="0">
               <a:schemeClr val="phClr">
                 <a:tint val="50000"/>
-                <a:satMod val="300000"/>
+                <a:shade val="86000"/>
+                <a:satMod val="140000"/>
               </a:schemeClr>
             </a:gs>
-            <a:gs pos="35000">
+            <a:gs pos="45000">
               <a:schemeClr val="phClr">
-                <a:tint val="37000"/>
-                <a:satMod val="300000"/>
+                <a:tint val="48000"/>
+                <a:satMod val="150000"/>
               </a:schemeClr>
             </a:gs>
             <a:gs pos="100000">
               <a:schemeClr val="phClr">
-                <a:tint val="15000"/>
-                <a:satMod val="350000"/>
+                <a:tint val="28000"/>
+                <a:satMod val="160000"/>
               </a:schemeClr>
             </a:gs>
           </a:gsLst>
-          <a:lin ang="16200000" scaled="1"/>
+          <a:path path="circle">
+            <a:fillToRect l="100000" t="100000" r="100000" b="100000"/>
+          </a:path>
         </a:gradFill>
         <a:gradFill rotWithShape="1">
           <a:gsLst>
             <a:gs pos="0">
               <a:schemeClr val="phClr">
-                <a:shade val="51000"/>
-                <a:satMod val="130000"/>
+                <a:shade val="70000"/>
+                <a:satMod val="150000"/>
               </a:schemeClr>
             </a:gs>
-            <a:gs pos="80000">
+            <a:gs pos="34000">
               <a:schemeClr val="phClr">
-                <a:shade val="93000"/>
-                <a:satMod val="130000"/>
+                <a:shade val="70000"/>
+                <a:satMod val="140000"/>
+              </a:schemeClr>
+            </a:gs>
+            <a:gs pos="70000">
+              <a:schemeClr val="phClr">
+                <a:tint val="100000"/>
+                <a:shade val="90000"/>
+                <a:satMod val="140000"/>
               </a:schemeClr>
             </a:gs>
             <a:gs pos="100000">
               <a:schemeClr val="phClr">
-                <a:shade val="94000"/>
-                <a:satMod val="135000"/>
+                <a:tint val="100000"/>
+                <a:shade val="100000"/>
+                <a:satMod val="100000"/>
               </a:schemeClr>
             </a:gs>
           </a:gsLst>
-          <a:lin ang="16200000" scaled="0"/>
+          <a:path path="circle">
+            <a:fillToRect l="100000" t="100000" r="100000" b="100000"/>
+          </a:path>
         </a:gradFill>
       </a:fillStyleLst>
       <a:lnStyleLst>
         <a:ln w="9525" cap="flat" cmpd="sng" algn="ctr">
           <a:solidFill>
-            <a:schemeClr val="phClr">
-              <a:shade val="95000"/>
-              <a:satMod val="105000"/>
-            </a:schemeClr>
+            <a:schemeClr val="phClr"/>
           </a:solidFill>
           <a:prstDash val="solid"/>
         </a:ln>
-        <a:ln w="25400" cap="flat" cmpd="sng" algn="ctr">
+        <a:ln w="26425" cap="flat" cmpd="sng" algn="ctr">
           <a:solidFill>
             <a:schemeClr val="phClr"/>
           </a:solidFill>
           <a:prstDash val="solid"/>
         </a:ln>
-        <a:ln w="38100" cap="flat" cmpd="sng" algn="ctr">
+        <a:ln w="44450" cap="flat" cmpd="sng" algn="ctr">
           <a:solidFill>
             <a:schemeClr val="phClr"/>
           </a:solidFill>
@@ -9604,28 +9817,22 @@
       </a:lnStyleLst>
       <a:effectStyleLst>
         <a:effectStyle>
+          <a:effectLst/>
+        </a:effectStyle>
+        <a:effectStyle>
           <a:effectLst>
-            <a:outerShdw blurRad="40000" dist="20000" dir="5400000" rotWithShape="0">
+            <a:outerShdw blurRad="38100" dist="25400" dir="2700000" algn="br" rotWithShape="0">
               <a:srgbClr val="000000">
-                <a:alpha val="38000"/>
+                <a:alpha val="60000"/>
               </a:srgbClr>
             </a:outerShdw>
           </a:effectLst>
         </a:effectStyle>
         <a:effectStyle>
           <a:effectLst>
-            <a:outerShdw blurRad="40000" dist="23000" dir="5400000" rotWithShape="0">
+            <a:outerShdw blurRad="38100" dist="25400" dir="2700000" algn="br" rotWithShape="0">
               <a:srgbClr val="000000">
-                <a:alpha val="35000"/>
-              </a:srgbClr>
-            </a:outerShdw>
-          </a:effectLst>
-        </a:effectStyle>
-        <a:effectStyle>
-          <a:effectLst>
-            <a:outerShdw blurRad="40000" dist="23000" dir="5400000" rotWithShape="0">
-              <a:srgbClr val="000000">
-                <a:alpha val="35000"/>
+                <a:alpha val="60000"/>
               </a:srgbClr>
             </a:outerShdw>
           </a:effectLst>
@@ -9633,12 +9840,18 @@
             <a:camera prst="orthographicFront">
               <a:rot lat="0" lon="0" rev="0"/>
             </a:camera>
-            <a:lightRig rig="threePt" dir="t">
-              <a:rot lat="0" lon="0" rev="1200000"/>
+            <a:lightRig rig="balanced" dir="t">
+              <a:rot lat="0" lon="0" rev="5100000"/>
             </a:lightRig>
           </a:scene3d>
-          <a:sp3d>
-            <a:bevelT w="63500" h="25400"/>
+          <a:sp3d contourW="6350">
+            <a:bevelT w="29210" h="12700"/>
+            <a:contourClr>
+              <a:schemeClr val="phClr">
+                <a:shade val="30000"/>
+                <a:satMod val="130000"/>
+              </a:schemeClr>
+            </a:contourClr>
           </a:sp3d>
         </a:effectStyle>
       </a:effectStyleLst>
@@ -9650,47 +9863,40 @@
           <a:gsLst>
             <a:gs pos="0">
               <a:schemeClr val="phClr">
-                <a:tint val="40000"/>
-                <a:satMod val="350000"/>
+                <a:tint val="85000"/>
+                <a:satMod val="180000"/>
               </a:schemeClr>
             </a:gs>
             <a:gs pos="40000">
               <a:schemeClr val="phClr">
-                <a:tint val="45000"/>
-                <a:shade val="99000"/>
-                <a:satMod val="350000"/>
+                <a:tint val="95000"/>
+                <a:shade val="85000"/>
+                <a:satMod val="150000"/>
               </a:schemeClr>
             </a:gs>
             <a:gs pos="100000">
               <a:schemeClr val="phClr">
-                <a:shade val="20000"/>
-                <a:satMod val="255000"/>
-              </a:schemeClr>
-            </a:gs>
-          </a:gsLst>
-          <a:path path="circle">
-            <a:fillToRect l="50000" t="-80000" r="50000" b="180000"/>
-          </a:path>
-        </a:gradFill>
-        <a:gradFill rotWithShape="1">
-          <a:gsLst>
-            <a:gs pos="0">
-              <a:schemeClr val="phClr">
-                <a:tint val="80000"/>
-                <a:satMod val="300000"/>
-              </a:schemeClr>
-            </a:gs>
-            <a:gs pos="100000">
-              <a:schemeClr val="phClr">
-                <a:shade val="30000"/>
+                <a:shade val="45000"/>
                 <a:satMod val="200000"/>
               </a:schemeClr>
             </a:gs>
           </a:gsLst>
-          <a:path path="circle">
-            <a:fillToRect l="50000" t="50000" r="50000" b="50000"/>
-          </a:path>
+          <a:lin ang="5400000" scaled="0"/>
         </a:gradFill>
+        <a:blipFill rotWithShape="1">
+          <a:blip xmlns:r="http://schemas.openxmlformats.org/officeDocument/2006/relationships" r:embed="rId1">
+            <a:duotone>
+              <a:schemeClr val="phClr">
+                <a:shade val="55000"/>
+              </a:schemeClr>
+              <a:schemeClr val="phClr">
+                <a:tint val="97000"/>
+                <a:satMod val="95000"/>
+              </a:schemeClr>
+            </a:duotone>
+          </a:blip>
+          <a:tile tx="0" ty="0" sx="70000" sy="70000" flip="none" algn="tl"/>
+        </a:blipFill>
       </a:bgFillStyleLst>
     </a:fmtScheme>
   </a:themeElements>
